--- a/Lesson 2.pptx
+++ b/Lesson 2.pptx
@@ -5,26 +5,38 @@
     <p:sldMasterId id="2147483648" r:id="rId1"/>
   </p:sldMasterIdLst>
   <p:notesMasterIdLst>
-    <p:notesMasterId r:id="rId19"/>
+    <p:notesMasterId r:id="rId31"/>
   </p:notesMasterIdLst>
   <p:sldIdLst>
     <p:sldId id="257" r:id="rId2"/>
     <p:sldId id="258" r:id="rId3"/>
-    <p:sldId id="259" r:id="rId4"/>
-    <p:sldId id="260" r:id="rId5"/>
-    <p:sldId id="261" r:id="rId6"/>
-    <p:sldId id="262" r:id="rId7"/>
-    <p:sldId id="263" r:id="rId8"/>
-    <p:sldId id="264" r:id="rId9"/>
-    <p:sldId id="265" r:id="rId10"/>
-    <p:sldId id="266" r:id="rId11"/>
-    <p:sldId id="267" r:id="rId12"/>
-    <p:sldId id="268" r:id="rId13"/>
-    <p:sldId id="269" r:id="rId14"/>
-    <p:sldId id="270" r:id="rId15"/>
-    <p:sldId id="271" r:id="rId16"/>
-    <p:sldId id="272" r:id="rId17"/>
-    <p:sldId id="273" r:id="rId18"/>
+    <p:sldId id="274" r:id="rId4"/>
+    <p:sldId id="275" r:id="rId5"/>
+    <p:sldId id="276" r:id="rId6"/>
+    <p:sldId id="277" r:id="rId7"/>
+    <p:sldId id="279" r:id="rId8"/>
+    <p:sldId id="278" r:id="rId9"/>
+    <p:sldId id="259" r:id="rId10"/>
+    <p:sldId id="260" r:id="rId11"/>
+    <p:sldId id="261" r:id="rId12"/>
+    <p:sldId id="262" r:id="rId13"/>
+    <p:sldId id="263" r:id="rId14"/>
+    <p:sldId id="264" r:id="rId15"/>
+    <p:sldId id="265" r:id="rId16"/>
+    <p:sldId id="266" r:id="rId17"/>
+    <p:sldId id="280" r:id="rId18"/>
+    <p:sldId id="281" r:id="rId19"/>
+    <p:sldId id="282" r:id="rId20"/>
+    <p:sldId id="267" r:id="rId21"/>
+    <p:sldId id="283" r:id="rId22"/>
+    <p:sldId id="268" r:id="rId23"/>
+    <p:sldId id="269" r:id="rId24"/>
+    <p:sldId id="270" r:id="rId25"/>
+    <p:sldId id="271" r:id="rId26"/>
+    <p:sldId id="272" r:id="rId27"/>
+    <p:sldId id="273" r:id="rId28"/>
+    <p:sldId id="284" r:id="rId29"/>
+    <p:sldId id="285" r:id="rId30"/>
   </p:sldIdLst>
   <p:sldSz cx="9144000" cy="6858000" type="screen4x3"/>
   <p:notesSz cx="6858000" cy="9144000"/>
@@ -208,7 +220,7 @@
           <a:p>
             <a:fld id="{F54CB45B-72AD-4552-B8CB-4603423A3819}" type="datetimeFigureOut">
               <a:rPr lang="en-US" smtClean="0"/>
-              <a:t>4/15/2014</a:t>
+              <a:t>4/28/2014</a:t>
             </a:fld>
             <a:endParaRPr lang="en-US"/>
           </a:p>
@@ -476,6 +488,278 @@
 </p:notesMaster>
 </file>
 
+<file path=ppt/notesSlides/notesSlide1.xml><?xml version="1.0" encoding="utf-8"?>
+<p:notes xmlns:a="http://schemas.openxmlformats.org/drawingml/2006/main" xmlns:r="http://schemas.openxmlformats.org/officeDocument/2006/relationships" xmlns:p="http://schemas.openxmlformats.org/presentationml/2006/main">
+  <p:cSld>
+    <p:spTree>
+      <p:nvGrpSpPr>
+        <p:cNvPr id="1" name=""/>
+        <p:cNvGrpSpPr/>
+        <p:nvPr/>
+      </p:nvGrpSpPr>
+      <p:grpSpPr>
+        <a:xfrm>
+          <a:off x="0" y="0"/>
+          <a:ext cx="0" cy="0"/>
+          <a:chOff x="0" y="0"/>
+          <a:chExt cx="0" cy="0"/>
+        </a:xfrm>
+      </p:grpSpPr>
+      <p:sp>
+        <p:nvSpPr>
+          <p:cNvPr id="2" name="Slide Image Placeholder 1"/>
+          <p:cNvSpPr>
+            <a:spLocks noGrp="1" noRot="1" noChangeAspect="1"/>
+          </p:cNvSpPr>
+          <p:nvPr>
+            <p:ph type="sldImg"/>
+          </p:nvPr>
+        </p:nvSpPr>
+        <p:spPr/>
+      </p:sp>
+      <p:sp>
+        <p:nvSpPr>
+          <p:cNvPr id="3" name="Notes Placeholder 2"/>
+          <p:cNvSpPr>
+            <a:spLocks noGrp="1"/>
+          </p:cNvSpPr>
+          <p:nvPr>
+            <p:ph type="body" idx="1"/>
+          </p:nvPr>
+        </p:nvSpPr>
+        <p:spPr/>
+        <p:txBody>
+          <a:bodyPr/>
+          <a:lstStyle/>
+          <a:p>
+            <a:endParaRPr lang="en-US" dirty="0"/>
+          </a:p>
+        </p:txBody>
+      </p:sp>
+      <p:sp>
+        <p:nvSpPr>
+          <p:cNvPr id="4" name="Slide Number Placeholder 3"/>
+          <p:cNvSpPr>
+            <a:spLocks noGrp="1"/>
+          </p:cNvSpPr>
+          <p:nvPr>
+            <p:ph type="sldNum" sz="quarter" idx="10"/>
+          </p:nvPr>
+        </p:nvSpPr>
+        <p:spPr/>
+        <p:txBody>
+          <a:bodyPr/>
+          <a:lstStyle/>
+          <a:p>
+            <a:fld id="{CF1DFBD5-443A-46F3-B695-365EE7C02463}" type="slidenum">
+              <a:rPr lang="en-US" smtClean="0"/>
+              <a:t>17</a:t>
+            </a:fld>
+            <a:endParaRPr lang="en-US"/>
+          </a:p>
+        </p:txBody>
+      </p:sp>
+    </p:spTree>
+    <p:extLst>
+      <p:ext uri="{BB962C8B-B14F-4D97-AF65-F5344CB8AC3E}">
+        <p14:creationId xmlns:p14="http://schemas.microsoft.com/office/powerpoint/2010/main" val="3788173668"/>
+      </p:ext>
+    </p:extLst>
+  </p:cSld>
+  <p:clrMapOvr>
+    <a:masterClrMapping/>
+  </p:clrMapOvr>
+</p:notes>
+</file>
+
+<file path=ppt/notesSlides/notesSlide2.xml><?xml version="1.0" encoding="utf-8"?>
+<p:notes xmlns:a="http://schemas.openxmlformats.org/drawingml/2006/main" xmlns:r="http://schemas.openxmlformats.org/officeDocument/2006/relationships" xmlns:p="http://schemas.openxmlformats.org/presentationml/2006/main">
+  <p:cSld>
+    <p:spTree>
+      <p:nvGrpSpPr>
+        <p:cNvPr id="1" name=""/>
+        <p:cNvGrpSpPr/>
+        <p:nvPr/>
+      </p:nvGrpSpPr>
+      <p:grpSpPr>
+        <a:xfrm>
+          <a:off x="0" y="0"/>
+          <a:ext cx="0" cy="0"/>
+          <a:chOff x="0" y="0"/>
+          <a:chExt cx="0" cy="0"/>
+        </a:xfrm>
+      </p:grpSpPr>
+      <p:sp>
+        <p:nvSpPr>
+          <p:cNvPr id="2" name="Slide Image Placeholder 1"/>
+          <p:cNvSpPr>
+            <a:spLocks noGrp="1" noRot="1" noChangeAspect="1"/>
+          </p:cNvSpPr>
+          <p:nvPr>
+            <p:ph type="sldImg"/>
+          </p:nvPr>
+        </p:nvSpPr>
+        <p:spPr/>
+      </p:sp>
+      <p:sp>
+        <p:nvSpPr>
+          <p:cNvPr id="3" name="Notes Placeholder 2"/>
+          <p:cNvSpPr>
+            <a:spLocks noGrp="1"/>
+          </p:cNvSpPr>
+          <p:nvPr>
+            <p:ph type="body" idx="1"/>
+          </p:nvPr>
+        </p:nvSpPr>
+        <p:spPr/>
+        <p:txBody>
+          <a:bodyPr/>
+          <a:lstStyle/>
+          <a:p>
+            <a:r>
+              <a:rPr lang="en-US" dirty="0" smtClean="0"/>
+              <a:t>You cannot have local scoped static variables in Java.</a:t>
+            </a:r>
+            <a:endParaRPr lang="en-US" dirty="0"/>
+          </a:p>
+        </p:txBody>
+      </p:sp>
+      <p:sp>
+        <p:nvSpPr>
+          <p:cNvPr id="4" name="Slide Number Placeholder 3"/>
+          <p:cNvSpPr>
+            <a:spLocks noGrp="1"/>
+          </p:cNvSpPr>
+          <p:nvPr>
+            <p:ph type="sldNum" sz="quarter" idx="10"/>
+          </p:nvPr>
+        </p:nvSpPr>
+        <p:spPr/>
+        <p:txBody>
+          <a:bodyPr/>
+          <a:lstStyle/>
+          <a:p>
+            <a:fld id="{CF1DFBD5-443A-46F3-B695-365EE7C02463}" type="slidenum">
+              <a:rPr lang="en-US" smtClean="0"/>
+              <a:t>19</a:t>
+            </a:fld>
+            <a:endParaRPr lang="en-US"/>
+          </a:p>
+        </p:txBody>
+      </p:sp>
+    </p:spTree>
+    <p:extLst>
+      <p:ext uri="{BB962C8B-B14F-4D97-AF65-F5344CB8AC3E}">
+        <p14:creationId xmlns:p14="http://schemas.microsoft.com/office/powerpoint/2010/main" val="3342105843"/>
+      </p:ext>
+    </p:extLst>
+  </p:cSld>
+  <p:clrMapOvr>
+    <a:masterClrMapping/>
+  </p:clrMapOvr>
+</p:notes>
+</file>
+
+<file path=ppt/notesSlides/notesSlide3.xml><?xml version="1.0" encoding="utf-8"?>
+<p:notes xmlns:a="http://schemas.openxmlformats.org/drawingml/2006/main" xmlns:r="http://schemas.openxmlformats.org/officeDocument/2006/relationships" xmlns:p="http://schemas.openxmlformats.org/presentationml/2006/main">
+  <p:cSld>
+    <p:spTree>
+      <p:nvGrpSpPr>
+        <p:cNvPr id="1" name=""/>
+        <p:cNvGrpSpPr/>
+        <p:nvPr/>
+      </p:nvGrpSpPr>
+      <p:grpSpPr>
+        <a:xfrm>
+          <a:off x="0" y="0"/>
+          <a:ext cx="0" cy="0"/>
+          <a:chOff x="0" y="0"/>
+          <a:chExt cx="0" cy="0"/>
+        </a:xfrm>
+      </p:grpSpPr>
+      <p:sp>
+        <p:nvSpPr>
+          <p:cNvPr id="2" name="Slide Image Placeholder 1"/>
+          <p:cNvSpPr>
+            <a:spLocks noGrp="1" noRot="1" noChangeAspect="1"/>
+          </p:cNvSpPr>
+          <p:nvPr>
+            <p:ph type="sldImg"/>
+          </p:nvPr>
+        </p:nvSpPr>
+        <p:spPr/>
+      </p:sp>
+      <p:sp>
+        <p:nvSpPr>
+          <p:cNvPr id="3" name="Notes Placeholder 2"/>
+          <p:cNvSpPr>
+            <a:spLocks noGrp="1"/>
+          </p:cNvSpPr>
+          <p:nvPr>
+            <p:ph type="body" idx="1"/>
+          </p:nvPr>
+        </p:nvSpPr>
+        <p:spPr/>
+        <p:txBody>
+          <a:bodyPr/>
+          <a:lstStyle/>
+          <a:p>
+            <a:r>
+              <a:rPr lang="en-US" dirty="0" smtClean="0"/>
+              <a:t>This is generated</a:t>
+            </a:r>
+            <a:r>
+              <a:rPr lang="en-US" baseline="0" dirty="0" smtClean="0"/>
+              <a:t> from </a:t>
+            </a:r>
+            <a:r>
+              <a:rPr lang="en-US" baseline="0" smtClean="0"/>
+              <a:t>the Javadoc </a:t>
+            </a:r>
+            <a:r>
+              <a:rPr lang="en-US" baseline="0" dirty="0" smtClean="0"/>
+              <a:t>comments of the API classes themselves.</a:t>
+            </a:r>
+            <a:endParaRPr lang="en-US" dirty="0"/>
+          </a:p>
+        </p:txBody>
+      </p:sp>
+      <p:sp>
+        <p:nvSpPr>
+          <p:cNvPr id="4" name="Slide Number Placeholder 3"/>
+          <p:cNvSpPr>
+            <a:spLocks noGrp="1"/>
+          </p:cNvSpPr>
+          <p:nvPr>
+            <p:ph type="sldNum" sz="quarter" idx="10"/>
+          </p:nvPr>
+        </p:nvSpPr>
+        <p:spPr/>
+        <p:txBody>
+          <a:bodyPr/>
+          <a:lstStyle/>
+          <a:p>
+            <a:fld id="{CF1DFBD5-443A-46F3-B695-365EE7C02463}" type="slidenum">
+              <a:rPr lang="en-US" smtClean="0"/>
+              <a:t>29</a:t>
+            </a:fld>
+            <a:endParaRPr lang="en-US"/>
+          </a:p>
+        </p:txBody>
+      </p:sp>
+    </p:spTree>
+    <p:extLst>
+      <p:ext uri="{BB962C8B-B14F-4D97-AF65-F5344CB8AC3E}">
+        <p14:creationId xmlns:p14="http://schemas.microsoft.com/office/powerpoint/2010/main" val="3357990684"/>
+      </p:ext>
+    </p:extLst>
+  </p:cSld>
+  <p:clrMapOvr>
+    <a:masterClrMapping/>
+  </p:clrMapOvr>
+</p:notes>
+</file>
+
 <file path=ppt/slideLayouts/slideLayout1.xml><?xml version="1.0" encoding="utf-8"?>
 <p:sldLayout xmlns:a="http://schemas.openxmlformats.org/drawingml/2006/main" xmlns:r="http://schemas.openxmlformats.org/officeDocument/2006/relationships" xmlns:p="http://schemas.openxmlformats.org/presentationml/2006/main" preserve="1" userDrawn="1">
   <p:cSld name="Title Slide">
@@ -652,7 +936,7 @@
           <a:p>
             <a:fld id="{754A55E3-EBBC-40EC-8285-A5F7E23B333B}" type="datetime2">
               <a:rPr lang="en-US" smtClean="0"/>
-              <a:t>Tuesday, April 15, 2014</a:t>
+              <a:t>Monday, April 28, 2014</a:t>
             </a:fld>
             <a:endParaRPr lang="en-US" dirty="0"/>
           </a:p>
@@ -837,7 +1121,7 @@
           <a:p>
             <a:fld id="{BE3229D3-2544-4AF2-A783-2865E8C85850}" type="datetime2">
               <a:rPr lang="en-US" smtClean="0"/>
-              <a:t>Tuesday, April 15, 2014</a:t>
+              <a:t>Monday, April 28, 2014</a:t>
             </a:fld>
             <a:endParaRPr lang="en-US" dirty="0"/>
           </a:p>
@@ -1021,7 +1305,7 @@
           <a:p>
             <a:fld id="{1868F6D7-D473-43FD-867C-355F7580CEC0}" type="datetime2">
               <a:rPr lang="en-US" smtClean="0"/>
-              <a:t>Tuesday, April 15, 2014</a:t>
+              <a:t>Monday, April 28, 2014</a:t>
             </a:fld>
             <a:endParaRPr lang="en-US" dirty="0"/>
           </a:p>
@@ -1195,7 +1479,7 @@
           <a:p>
             <a:fld id="{A2A5E575-F730-4674-9978-37F7AD0A2F99}" type="datetime2">
               <a:rPr lang="en-US" smtClean="0"/>
-              <a:t>Tuesday, April 15, 2014</a:t>
+              <a:t>Monday, April 28, 2014</a:t>
             </a:fld>
             <a:endParaRPr lang="en-US" dirty="0"/>
           </a:p>
@@ -1452,7 +1736,7 @@
           <a:p>
             <a:fld id="{A4BC6588-65C8-41FC-B123-1600C765897E}" type="datetime2">
               <a:rPr lang="en-US" smtClean="0"/>
-              <a:t>Tuesday, April 15, 2014</a:t>
+              <a:t>Monday, April 28, 2014</a:t>
             </a:fld>
             <a:endParaRPr lang="en-US" dirty="0"/>
           </a:p>
@@ -1751,7 +2035,7 @@
           <a:p>
             <a:fld id="{8145299E-F4A6-440E-909C-2F6C646D3553}" type="datetime2">
               <a:rPr lang="en-US" smtClean="0"/>
-              <a:t>Tuesday, April 15, 2014</a:t>
+              <a:t>Monday, April 28, 2014</a:t>
             </a:fld>
             <a:endParaRPr lang="en-US" dirty="0"/>
           </a:p>
@@ -2177,7 +2461,7 @@
           <a:p>
             <a:fld id="{B23F0F10-84F1-4CB1-9F5E-D7D726B6377A}" type="datetime2">
               <a:rPr lang="en-US" smtClean="0"/>
-              <a:t>Tuesday, April 15, 2014</a:t>
+              <a:t>Monday, April 28, 2014</a:t>
             </a:fld>
             <a:endParaRPr lang="en-US" dirty="0"/>
           </a:p>
@@ -2299,7 +2583,7 @@
           <a:p>
             <a:fld id="{C04B6024-2702-49B2-98BA-BAE3D8979AA9}" type="datetime2">
               <a:rPr lang="en-US" smtClean="0"/>
-              <a:t>Tuesday, April 15, 2014</a:t>
+              <a:t>Monday, April 28, 2014</a:t>
             </a:fld>
             <a:endParaRPr lang="en-US" dirty="0"/>
           </a:p>
@@ -2398,7 +2682,7 @@
           <a:p>
             <a:fld id="{BDFBC1D7-5241-44C2-8E90-8FA114211796}" type="datetime2">
               <a:rPr lang="en-US" smtClean="0"/>
-              <a:t>Tuesday, April 15, 2014</a:t>
+              <a:t>Monday, April 28, 2014</a:t>
             </a:fld>
             <a:endParaRPr lang="en-US" dirty="0"/>
           </a:p>
@@ -2679,7 +2963,7 @@
           <a:p>
             <a:fld id="{9BCDA9D6-1455-40C9-A4EF-D1A2E44083E9}" type="datetime2">
               <a:rPr lang="en-US" smtClean="0"/>
-              <a:t>Tuesday, April 15, 2014</a:t>
+              <a:t>Monday, April 28, 2014</a:t>
             </a:fld>
             <a:endParaRPr lang="en-US" dirty="0"/>
           </a:p>
@@ -2936,7 +3220,7 @@
           <a:p>
             <a:fld id="{6DC6CD8D-2CBA-4D9B-B9FF-3CBE779CDB90}" type="datetime2">
               <a:rPr lang="en-US" smtClean="0"/>
-              <a:t>Tuesday, April 15, 2014</a:t>
+              <a:t>Monday, April 28, 2014</a:t>
             </a:fld>
             <a:endParaRPr lang="en-US" dirty="0"/>
           </a:p>
@@ -3163,7 +3447,7 @@
           <a:p>
             <a:fld id="{ED4BD17F-53A8-40C3-944A-73F679BFCB25}" type="datetime2">
               <a:rPr lang="en-US" smtClean="0"/>
-              <a:t>Tuesday, April 15, 2014</a:t>
+              <a:t>Monday, April 28, 2014</a:t>
             </a:fld>
             <a:endParaRPr lang="en-US" dirty="0"/>
           </a:p>
@@ -3724,11 +4008,7 @@
             </a:pPr>
             <a:r>
               <a:rPr lang="en-US" dirty="0" smtClean="0"/>
-              <a:t>Creating </a:t>
-            </a:r>
-            <a:r>
-              <a:rPr lang="en-US" dirty="0" smtClean="0"/>
-              <a:t>objects</a:t>
+              <a:t>Creating objects</a:t>
             </a:r>
           </a:p>
           <a:p>
@@ -3740,7 +4020,6 @@
               <a:rPr lang="en-US" dirty="0" smtClean="0"/>
               <a:t>Arrays</a:t>
             </a:r>
-            <a:endParaRPr lang="en-US" dirty="0" smtClean="0"/>
           </a:p>
           <a:p>
             <a:pPr marL="514350" indent="-514350" algn="l">
@@ -3804,7 +4083,7 @@
           <a:p>
             <a:fld id="{F5331F5E-BFEB-4C82-82E4-197D9AD08E08}" type="datetime2">
               <a:rPr lang="en-US" smtClean="0"/>
-              <a:t>Tuesday, April 15, 2014</a:t>
+              <a:t>Monday, April 28, 2014</a:t>
             </a:fld>
             <a:endParaRPr lang="en-US" dirty="0"/>
           </a:p>
@@ -3877,6 +4156,1363 @@
 </file>
 
 <file path=ppt/slides/slide10.xml><?xml version="1.0" encoding="utf-8"?>
+<p:sld xmlns:a="http://schemas.openxmlformats.org/drawingml/2006/main" xmlns:r="http://schemas.openxmlformats.org/officeDocument/2006/relationships" xmlns:p="http://schemas.openxmlformats.org/presentationml/2006/main">
+  <p:cSld>
+    <p:spTree>
+      <p:nvGrpSpPr>
+        <p:cNvPr id="1" name=""/>
+        <p:cNvGrpSpPr/>
+        <p:nvPr/>
+      </p:nvGrpSpPr>
+      <p:grpSpPr>
+        <a:xfrm>
+          <a:off x="0" y="0"/>
+          <a:ext cx="0" cy="0"/>
+          <a:chOff x="0" y="0"/>
+          <a:chExt cx="0" cy="0"/>
+        </a:xfrm>
+      </p:grpSpPr>
+      <p:sp>
+        <p:nvSpPr>
+          <p:cNvPr id="2" name="Title 1"/>
+          <p:cNvSpPr>
+            <a:spLocks noGrp="1"/>
+          </p:cNvSpPr>
+          <p:nvPr>
+            <p:ph type="title"/>
+          </p:nvPr>
+        </p:nvSpPr>
+        <p:spPr/>
+        <p:txBody>
+          <a:bodyPr/>
+          <a:lstStyle/>
+          <a:p>
+            <a:r>
+              <a:rPr lang="en-US" dirty="0" smtClean="0"/>
+              <a:t>Primitive data types</a:t>
+            </a:r>
+            <a:endParaRPr lang="en-US" dirty="0"/>
+          </a:p>
+        </p:txBody>
+      </p:sp>
+      <p:pic>
+        <p:nvPicPr>
+          <p:cNvPr id="2050" name="Picture 2"/>
+          <p:cNvPicPr>
+            <a:picLocks noChangeAspect="1" noChangeArrowheads="1"/>
+          </p:cNvPicPr>
+          <p:nvPr/>
+        </p:nvPicPr>
+        <p:blipFill>
+          <a:blip r:embed="rId2">
+            <a:extLst>
+              <a:ext uri="{28A0092B-C50C-407E-A947-70E740481C1C}">
+                <a14:useLocalDpi xmlns:a14="http://schemas.microsoft.com/office/drawing/2010/main" val="0"/>
+              </a:ext>
+            </a:extLst>
+          </a:blip>
+          <a:srcRect/>
+          <a:stretch>
+            <a:fillRect/>
+          </a:stretch>
+        </p:blipFill>
+        <p:spPr bwMode="auto">
+          <a:xfrm>
+            <a:off x="238836" y="1752600"/>
+            <a:ext cx="8638646" cy="3571875"/>
+          </a:xfrm>
+          <a:prstGeom prst="rect">
+            <a:avLst/>
+          </a:prstGeom>
+          <a:noFill/>
+          <a:ln>
+            <a:noFill/>
+          </a:ln>
+          <a:extLst>
+            <a:ext uri="{909E8E84-426E-40DD-AFC4-6F175D3DCCD1}">
+              <a14:hiddenFill xmlns:a14="http://schemas.microsoft.com/office/drawing/2010/main">
+                <a:solidFill>
+                  <a:schemeClr val="accent1"/>
+                </a:solidFill>
+              </a14:hiddenFill>
+            </a:ext>
+            <a:ext uri="{91240B29-F687-4F45-9708-019B960494DF}">
+              <a14:hiddenLine xmlns:a14="http://schemas.microsoft.com/office/drawing/2010/main" w="9525">
+                <a:solidFill>
+                  <a:schemeClr val="tx1"/>
+                </a:solidFill>
+                <a:miter lim="800000"/>
+                <a:headEnd/>
+                <a:tailEnd/>
+              </a14:hiddenLine>
+            </a:ext>
+          </a:extLst>
+        </p:spPr>
+      </p:pic>
+      <p:sp>
+        <p:nvSpPr>
+          <p:cNvPr id="3" name="Date Placeholder 2"/>
+          <p:cNvSpPr>
+            <a:spLocks noGrp="1"/>
+          </p:cNvSpPr>
+          <p:nvPr>
+            <p:ph type="dt" sz="half" idx="10"/>
+          </p:nvPr>
+        </p:nvSpPr>
+        <p:spPr/>
+        <p:txBody>
+          <a:bodyPr/>
+          <a:lstStyle/>
+          <a:p>
+            <a:fld id="{856EEEFA-25DB-4FA5-9452-8561F35F2333}" type="datetime2">
+              <a:rPr lang="en-US" smtClean="0"/>
+              <a:t>Monday, April 28, 2014</a:t>
+            </a:fld>
+            <a:endParaRPr lang="en-US" dirty="0"/>
+          </a:p>
+        </p:txBody>
+      </p:sp>
+      <p:sp>
+        <p:nvSpPr>
+          <p:cNvPr id="4" name="Footer Placeholder 3"/>
+          <p:cNvSpPr>
+            <a:spLocks noGrp="1"/>
+          </p:cNvSpPr>
+          <p:nvPr>
+            <p:ph type="ftr" sz="quarter" idx="11"/>
+          </p:nvPr>
+        </p:nvSpPr>
+        <p:spPr/>
+        <p:txBody>
+          <a:bodyPr/>
+          <a:lstStyle/>
+          <a:p>
+            <a:r>
+              <a:rPr lang="en-US" smtClean="0"/>
+              <a:t>Palle Cogburn</a:t>
+            </a:r>
+            <a:endParaRPr lang="en-US" dirty="0"/>
+          </a:p>
+        </p:txBody>
+      </p:sp>
+      <p:sp>
+        <p:nvSpPr>
+          <p:cNvPr id="5" name="Slide Number Placeholder 4"/>
+          <p:cNvSpPr>
+            <a:spLocks noGrp="1"/>
+          </p:cNvSpPr>
+          <p:nvPr>
+            <p:ph type="sldNum" sz="quarter" idx="12"/>
+          </p:nvPr>
+        </p:nvSpPr>
+        <p:spPr/>
+        <p:txBody>
+          <a:bodyPr/>
+          <a:lstStyle/>
+          <a:p>
+            <a:fld id="{8CBEA7D5-4322-4BC9-B527-2F0B772A1C61}" type="slidenum">
+              <a:rPr lang="en-US" smtClean="0"/>
+              <a:t>10</a:t>
+            </a:fld>
+            <a:endParaRPr lang="en-US" dirty="0"/>
+          </a:p>
+        </p:txBody>
+      </p:sp>
+    </p:spTree>
+    <p:extLst>
+      <p:ext uri="{BB962C8B-B14F-4D97-AF65-F5344CB8AC3E}">
+        <p14:creationId xmlns:p14="http://schemas.microsoft.com/office/powerpoint/2010/main" val="4142880870"/>
+      </p:ext>
+    </p:extLst>
+  </p:cSld>
+  <p:clrMapOvr>
+    <a:masterClrMapping/>
+  </p:clrMapOvr>
+  <p:timing>
+    <p:tnLst>
+      <p:par>
+        <p:cTn id="1" dur="indefinite" restart="never" nodeType="tmRoot"/>
+      </p:par>
+    </p:tnLst>
+  </p:timing>
+</p:sld>
+</file>
+
+<file path=ppt/slides/slide11.xml><?xml version="1.0" encoding="utf-8"?>
+<p:sld xmlns:a="http://schemas.openxmlformats.org/drawingml/2006/main" xmlns:r="http://schemas.openxmlformats.org/officeDocument/2006/relationships" xmlns:p="http://schemas.openxmlformats.org/presentationml/2006/main">
+  <p:cSld>
+    <p:spTree>
+      <p:nvGrpSpPr>
+        <p:cNvPr id="1" name=""/>
+        <p:cNvGrpSpPr/>
+        <p:nvPr/>
+      </p:nvGrpSpPr>
+      <p:grpSpPr>
+        <a:xfrm>
+          <a:off x="0" y="0"/>
+          <a:ext cx="0" cy="0"/>
+          <a:chOff x="0" y="0"/>
+          <a:chExt cx="0" cy="0"/>
+        </a:xfrm>
+      </p:grpSpPr>
+      <p:sp>
+        <p:nvSpPr>
+          <p:cNvPr id="2" name="Title 1"/>
+          <p:cNvSpPr>
+            <a:spLocks noGrp="1"/>
+          </p:cNvSpPr>
+          <p:nvPr>
+            <p:ph type="title"/>
+          </p:nvPr>
+        </p:nvSpPr>
+        <p:spPr/>
+        <p:txBody>
+          <a:bodyPr/>
+          <a:lstStyle/>
+          <a:p>
+            <a:r>
+              <a:rPr lang="en-US" dirty="0" smtClean="0"/>
+              <a:t>Operations</a:t>
+            </a:r>
+            <a:endParaRPr lang="en-US" dirty="0"/>
+          </a:p>
+        </p:txBody>
+      </p:sp>
+      <p:sp>
+        <p:nvSpPr>
+          <p:cNvPr id="3" name="Content Placeholder 2"/>
+          <p:cNvSpPr>
+            <a:spLocks noGrp="1"/>
+          </p:cNvSpPr>
+          <p:nvPr>
+            <p:ph idx="1"/>
+          </p:nvPr>
+        </p:nvSpPr>
+        <p:spPr>
+          <a:xfrm>
+            <a:off x="1524000" y="1600200"/>
+            <a:ext cx="6400800" cy="4525963"/>
+          </a:xfrm>
+        </p:spPr>
+        <p:txBody>
+          <a:bodyPr>
+            <a:normAutofit lnSpcReduction="10000"/>
+          </a:bodyPr>
+          <a:lstStyle/>
+          <a:p>
+            <a:pPr marL="0" indent="0">
+              <a:buNone/>
+            </a:pPr>
+            <a:r>
+              <a:rPr lang="en-US" dirty="0" smtClean="0"/>
+              <a:t>+	: Addition</a:t>
+            </a:r>
+          </a:p>
+          <a:p>
+            <a:pPr marL="0" indent="0">
+              <a:buNone/>
+            </a:pPr>
+            <a:r>
+              <a:rPr lang="en-US" dirty="0" smtClean="0"/>
+              <a:t>-	: Subtraction</a:t>
+            </a:r>
+          </a:p>
+          <a:p>
+            <a:pPr marL="0" indent="0">
+              <a:buNone/>
+            </a:pPr>
+            <a:r>
+              <a:rPr lang="en-US" dirty="0" smtClean="0"/>
+              <a:t>*	: Multiplication</a:t>
+            </a:r>
+          </a:p>
+          <a:p>
+            <a:pPr marL="0" indent="0">
+              <a:buNone/>
+            </a:pPr>
+            <a:r>
+              <a:rPr lang="en-US" dirty="0" smtClean="0"/>
+              <a:t>/	: Division</a:t>
+            </a:r>
+          </a:p>
+          <a:p>
+            <a:pPr marL="0" indent="0">
+              <a:buNone/>
+            </a:pPr>
+            <a:r>
+              <a:rPr lang="en-US" dirty="0" smtClean="0"/>
+              <a:t>%	: Remainder</a:t>
+            </a:r>
+          </a:p>
+          <a:p>
+            <a:pPr marL="0" indent="0">
+              <a:buNone/>
+            </a:pPr>
+            <a:r>
+              <a:rPr lang="en-US" dirty="0" smtClean="0"/>
+              <a:t>++	: Increment</a:t>
+            </a:r>
+          </a:p>
+          <a:p>
+            <a:pPr marL="0" indent="0">
+              <a:buNone/>
+            </a:pPr>
+            <a:r>
+              <a:rPr lang="en-US" dirty="0" smtClean="0"/>
+              <a:t>--	: Decrement</a:t>
+            </a:r>
+          </a:p>
+          <a:p>
+            <a:pPr marL="0" indent="0">
+              <a:buNone/>
+            </a:pPr>
+            <a:r>
+              <a:rPr lang="en-US" dirty="0" smtClean="0"/>
+              <a:t>!	: Not</a:t>
+            </a:r>
+            <a:endParaRPr lang="en-US" dirty="0"/>
+          </a:p>
+        </p:txBody>
+      </p:sp>
+      <p:sp>
+        <p:nvSpPr>
+          <p:cNvPr id="4" name="Date Placeholder 3"/>
+          <p:cNvSpPr>
+            <a:spLocks noGrp="1"/>
+          </p:cNvSpPr>
+          <p:nvPr>
+            <p:ph type="dt" sz="half" idx="10"/>
+          </p:nvPr>
+        </p:nvSpPr>
+        <p:spPr/>
+        <p:txBody>
+          <a:bodyPr/>
+          <a:lstStyle/>
+          <a:p>
+            <a:fld id="{9A8F8D9D-AE75-40E7-862F-DADD901D0145}" type="datetime2">
+              <a:rPr lang="en-US" smtClean="0"/>
+              <a:t>Monday, April 28, 2014</a:t>
+            </a:fld>
+            <a:endParaRPr lang="en-US" dirty="0"/>
+          </a:p>
+        </p:txBody>
+      </p:sp>
+      <p:sp>
+        <p:nvSpPr>
+          <p:cNvPr id="5" name="Footer Placeholder 4"/>
+          <p:cNvSpPr>
+            <a:spLocks noGrp="1"/>
+          </p:cNvSpPr>
+          <p:nvPr>
+            <p:ph type="ftr" sz="quarter" idx="11"/>
+          </p:nvPr>
+        </p:nvSpPr>
+        <p:spPr/>
+        <p:txBody>
+          <a:bodyPr/>
+          <a:lstStyle/>
+          <a:p>
+            <a:r>
+              <a:rPr lang="en-US" smtClean="0"/>
+              <a:t>Palle Cogburn</a:t>
+            </a:r>
+            <a:endParaRPr lang="en-US" dirty="0"/>
+          </a:p>
+        </p:txBody>
+      </p:sp>
+      <p:sp>
+        <p:nvSpPr>
+          <p:cNvPr id="6" name="Slide Number Placeholder 5"/>
+          <p:cNvSpPr>
+            <a:spLocks noGrp="1"/>
+          </p:cNvSpPr>
+          <p:nvPr>
+            <p:ph type="sldNum" sz="quarter" idx="12"/>
+          </p:nvPr>
+        </p:nvSpPr>
+        <p:spPr/>
+        <p:txBody>
+          <a:bodyPr/>
+          <a:lstStyle/>
+          <a:p>
+            <a:fld id="{8CBEA7D5-4322-4BC9-B527-2F0B772A1C61}" type="slidenum">
+              <a:rPr lang="en-US" smtClean="0"/>
+              <a:t>11</a:t>
+            </a:fld>
+            <a:endParaRPr lang="en-US" dirty="0"/>
+          </a:p>
+        </p:txBody>
+      </p:sp>
+    </p:spTree>
+    <p:extLst>
+      <p:ext uri="{BB962C8B-B14F-4D97-AF65-F5344CB8AC3E}">
+        <p14:creationId xmlns:p14="http://schemas.microsoft.com/office/powerpoint/2010/main" val="3734175731"/>
+      </p:ext>
+    </p:extLst>
+  </p:cSld>
+  <p:clrMapOvr>
+    <a:masterClrMapping/>
+  </p:clrMapOvr>
+  <p:timing>
+    <p:tnLst>
+      <p:par>
+        <p:cTn id="1" dur="indefinite" restart="never" nodeType="tmRoot"/>
+      </p:par>
+    </p:tnLst>
+  </p:timing>
+</p:sld>
+</file>
+
+<file path=ppt/slides/slide12.xml><?xml version="1.0" encoding="utf-8"?>
+<p:sld xmlns:a="http://schemas.openxmlformats.org/drawingml/2006/main" xmlns:r="http://schemas.openxmlformats.org/officeDocument/2006/relationships" xmlns:p="http://schemas.openxmlformats.org/presentationml/2006/main">
+  <p:cSld>
+    <p:spTree>
+      <p:nvGrpSpPr>
+        <p:cNvPr id="1" name=""/>
+        <p:cNvGrpSpPr/>
+        <p:nvPr/>
+      </p:nvGrpSpPr>
+      <p:grpSpPr>
+        <a:xfrm>
+          <a:off x="0" y="0"/>
+          <a:ext cx="0" cy="0"/>
+          <a:chOff x="0" y="0"/>
+          <a:chExt cx="0" cy="0"/>
+        </a:xfrm>
+      </p:grpSpPr>
+      <p:sp>
+        <p:nvSpPr>
+          <p:cNvPr id="2" name="Title 1"/>
+          <p:cNvSpPr>
+            <a:spLocks noGrp="1"/>
+          </p:cNvSpPr>
+          <p:nvPr>
+            <p:ph type="title"/>
+          </p:nvPr>
+        </p:nvSpPr>
+        <p:spPr/>
+        <p:txBody>
+          <a:bodyPr/>
+          <a:lstStyle/>
+          <a:p>
+            <a:r>
+              <a:rPr lang="en-US" dirty="0" smtClean="0"/>
+              <a:t>Conditions</a:t>
+            </a:r>
+            <a:endParaRPr lang="en-US" dirty="0"/>
+          </a:p>
+        </p:txBody>
+      </p:sp>
+      <p:sp>
+        <p:nvSpPr>
+          <p:cNvPr id="3" name="Content Placeholder 2"/>
+          <p:cNvSpPr>
+            <a:spLocks noGrp="1"/>
+          </p:cNvSpPr>
+          <p:nvPr>
+            <p:ph idx="1"/>
+          </p:nvPr>
+        </p:nvSpPr>
+        <p:spPr>
+          <a:xfrm>
+            <a:off x="1905000" y="1600200"/>
+            <a:ext cx="6477000" cy="4525963"/>
+          </a:xfrm>
+        </p:spPr>
+        <p:txBody>
+          <a:bodyPr>
+            <a:normAutofit lnSpcReduction="10000"/>
+          </a:bodyPr>
+          <a:lstStyle/>
+          <a:p>
+            <a:pPr marL="0" indent="0">
+              <a:buNone/>
+            </a:pPr>
+            <a:r>
+              <a:rPr lang="en-US" dirty="0" smtClean="0"/>
+              <a:t>==	: Equal to</a:t>
+            </a:r>
+          </a:p>
+          <a:p>
+            <a:pPr marL="0" indent="0">
+              <a:buNone/>
+            </a:pPr>
+            <a:r>
+              <a:rPr lang="en-US" dirty="0" smtClean="0"/>
+              <a:t>!=	: Not Equal to</a:t>
+            </a:r>
+          </a:p>
+          <a:p>
+            <a:pPr marL="0" indent="0">
+              <a:buNone/>
+            </a:pPr>
+            <a:r>
+              <a:rPr lang="en-US" dirty="0" smtClean="0"/>
+              <a:t>&gt;	: Greater than</a:t>
+            </a:r>
+          </a:p>
+          <a:p>
+            <a:pPr marL="0" indent="0">
+              <a:buNone/>
+            </a:pPr>
+            <a:r>
+              <a:rPr lang="en-US" dirty="0" smtClean="0"/>
+              <a:t>&gt;=	: Greater than or equal to</a:t>
+            </a:r>
+          </a:p>
+          <a:p>
+            <a:pPr marL="0" indent="0">
+              <a:buNone/>
+            </a:pPr>
+            <a:r>
+              <a:rPr lang="en-US" dirty="0" smtClean="0"/>
+              <a:t>&lt;	: Less than</a:t>
+            </a:r>
+          </a:p>
+          <a:p>
+            <a:pPr marL="0" indent="0">
+              <a:buNone/>
+            </a:pPr>
+            <a:r>
+              <a:rPr lang="en-US" dirty="0" smtClean="0"/>
+              <a:t>&lt;=	: Less than or equal to</a:t>
+            </a:r>
+          </a:p>
+          <a:p>
+            <a:pPr marL="0" indent="0">
+              <a:buNone/>
+            </a:pPr>
+            <a:r>
+              <a:rPr lang="en-US" dirty="0" smtClean="0"/>
+              <a:t>&amp;&amp;	: And</a:t>
+            </a:r>
+          </a:p>
+          <a:p>
+            <a:pPr marL="0" indent="0">
+              <a:buNone/>
+            </a:pPr>
+            <a:r>
+              <a:rPr lang="en-US" dirty="0" smtClean="0"/>
+              <a:t>||	: Or</a:t>
+            </a:r>
+            <a:endParaRPr lang="en-US" dirty="0"/>
+          </a:p>
+        </p:txBody>
+      </p:sp>
+      <p:sp>
+        <p:nvSpPr>
+          <p:cNvPr id="4" name="Date Placeholder 3"/>
+          <p:cNvSpPr>
+            <a:spLocks noGrp="1"/>
+          </p:cNvSpPr>
+          <p:nvPr>
+            <p:ph type="dt" sz="half" idx="10"/>
+          </p:nvPr>
+        </p:nvSpPr>
+        <p:spPr/>
+        <p:txBody>
+          <a:bodyPr/>
+          <a:lstStyle/>
+          <a:p>
+            <a:fld id="{4F10C180-3EE6-480E-AEB0-503F40344379}" type="datetime2">
+              <a:rPr lang="en-US" smtClean="0"/>
+              <a:t>Monday, April 28, 2014</a:t>
+            </a:fld>
+            <a:endParaRPr lang="en-US" dirty="0"/>
+          </a:p>
+        </p:txBody>
+      </p:sp>
+      <p:sp>
+        <p:nvSpPr>
+          <p:cNvPr id="5" name="Footer Placeholder 4"/>
+          <p:cNvSpPr>
+            <a:spLocks noGrp="1"/>
+          </p:cNvSpPr>
+          <p:nvPr>
+            <p:ph type="ftr" sz="quarter" idx="11"/>
+          </p:nvPr>
+        </p:nvSpPr>
+        <p:spPr/>
+        <p:txBody>
+          <a:bodyPr/>
+          <a:lstStyle/>
+          <a:p>
+            <a:r>
+              <a:rPr lang="en-US" smtClean="0"/>
+              <a:t>Palle Cogburn</a:t>
+            </a:r>
+            <a:endParaRPr lang="en-US" dirty="0"/>
+          </a:p>
+        </p:txBody>
+      </p:sp>
+      <p:sp>
+        <p:nvSpPr>
+          <p:cNvPr id="6" name="Slide Number Placeholder 5"/>
+          <p:cNvSpPr>
+            <a:spLocks noGrp="1"/>
+          </p:cNvSpPr>
+          <p:nvPr>
+            <p:ph type="sldNum" sz="quarter" idx="12"/>
+          </p:nvPr>
+        </p:nvSpPr>
+        <p:spPr/>
+        <p:txBody>
+          <a:bodyPr/>
+          <a:lstStyle/>
+          <a:p>
+            <a:fld id="{8CBEA7D5-4322-4BC9-B527-2F0B772A1C61}" type="slidenum">
+              <a:rPr lang="en-US" smtClean="0"/>
+              <a:t>12</a:t>
+            </a:fld>
+            <a:endParaRPr lang="en-US" dirty="0"/>
+          </a:p>
+        </p:txBody>
+      </p:sp>
+    </p:spTree>
+    <p:extLst>
+      <p:ext uri="{BB962C8B-B14F-4D97-AF65-F5344CB8AC3E}">
+        <p14:creationId xmlns:p14="http://schemas.microsoft.com/office/powerpoint/2010/main" val="4123152355"/>
+      </p:ext>
+    </p:extLst>
+  </p:cSld>
+  <p:clrMapOvr>
+    <a:masterClrMapping/>
+  </p:clrMapOvr>
+  <p:timing>
+    <p:tnLst>
+      <p:par>
+        <p:cTn id="1" dur="indefinite" restart="never" nodeType="tmRoot"/>
+      </p:par>
+    </p:tnLst>
+  </p:timing>
+</p:sld>
+</file>
+
+<file path=ppt/slides/slide13.xml><?xml version="1.0" encoding="utf-8"?>
+<p:sld xmlns:a="http://schemas.openxmlformats.org/drawingml/2006/main" xmlns:r="http://schemas.openxmlformats.org/officeDocument/2006/relationships" xmlns:p="http://schemas.openxmlformats.org/presentationml/2006/main">
+  <p:cSld>
+    <p:spTree>
+      <p:nvGrpSpPr>
+        <p:cNvPr id="1" name=""/>
+        <p:cNvGrpSpPr/>
+        <p:nvPr/>
+      </p:nvGrpSpPr>
+      <p:grpSpPr>
+        <a:xfrm>
+          <a:off x="0" y="0"/>
+          <a:ext cx="0" cy="0"/>
+          <a:chOff x="0" y="0"/>
+          <a:chExt cx="0" cy="0"/>
+        </a:xfrm>
+      </p:grpSpPr>
+      <p:sp>
+        <p:nvSpPr>
+          <p:cNvPr id="2" name="Title 1"/>
+          <p:cNvSpPr>
+            <a:spLocks noGrp="1"/>
+          </p:cNvSpPr>
+          <p:nvPr>
+            <p:ph type="title"/>
+          </p:nvPr>
+        </p:nvSpPr>
+        <p:spPr/>
+        <p:txBody>
+          <a:bodyPr/>
+          <a:lstStyle/>
+          <a:p>
+            <a:r>
+              <a:rPr lang="en-US" dirty="0" smtClean="0"/>
+              <a:t>Inheritance</a:t>
+            </a:r>
+            <a:endParaRPr lang="en-US" dirty="0"/>
+          </a:p>
+        </p:txBody>
+      </p:sp>
+      <p:pic>
+        <p:nvPicPr>
+          <p:cNvPr id="3074" name="Picture 2"/>
+          <p:cNvPicPr>
+            <a:picLocks noChangeAspect="1" noChangeArrowheads="1"/>
+          </p:cNvPicPr>
+          <p:nvPr/>
+        </p:nvPicPr>
+        <p:blipFill>
+          <a:blip r:embed="rId2">
+            <a:extLst>
+              <a:ext uri="{28A0092B-C50C-407E-A947-70E740481C1C}">
+                <a14:useLocalDpi xmlns:a14="http://schemas.microsoft.com/office/drawing/2010/main" val="0"/>
+              </a:ext>
+            </a:extLst>
+          </a:blip>
+          <a:srcRect/>
+          <a:stretch>
+            <a:fillRect/>
+          </a:stretch>
+        </p:blipFill>
+        <p:spPr bwMode="auto">
+          <a:xfrm>
+            <a:off x="1828800" y="1828800"/>
+            <a:ext cx="5488807" cy="1871662"/>
+          </a:xfrm>
+          <a:prstGeom prst="rect">
+            <a:avLst/>
+          </a:prstGeom>
+          <a:noFill/>
+          <a:ln>
+            <a:noFill/>
+          </a:ln>
+          <a:extLst>
+            <a:ext uri="{909E8E84-426E-40DD-AFC4-6F175D3DCCD1}">
+              <a14:hiddenFill xmlns:a14="http://schemas.microsoft.com/office/drawing/2010/main">
+                <a:solidFill>
+                  <a:schemeClr val="accent1"/>
+                </a:solidFill>
+              </a14:hiddenFill>
+            </a:ext>
+            <a:ext uri="{91240B29-F687-4F45-9708-019B960494DF}">
+              <a14:hiddenLine xmlns:a14="http://schemas.microsoft.com/office/drawing/2010/main" w="9525">
+                <a:solidFill>
+                  <a:schemeClr val="tx1"/>
+                </a:solidFill>
+                <a:miter lim="800000"/>
+                <a:headEnd/>
+                <a:tailEnd/>
+              </a14:hiddenLine>
+            </a:ext>
+          </a:extLst>
+        </p:spPr>
+      </p:pic>
+      <p:sp>
+        <p:nvSpPr>
+          <p:cNvPr id="4" name="TextBox 3"/>
+          <p:cNvSpPr txBox="1"/>
+          <p:nvPr/>
+        </p:nvSpPr>
+        <p:spPr>
+          <a:xfrm>
+            <a:off x="838200" y="4370401"/>
+            <a:ext cx="7809510" cy="461665"/>
+          </a:xfrm>
+          <a:prstGeom prst="rect">
+            <a:avLst/>
+          </a:prstGeom>
+          <a:noFill/>
+        </p:spPr>
+        <p:txBody>
+          <a:bodyPr wrap="none" rtlCol="0">
+            <a:spAutoFit/>
+          </a:bodyPr>
+          <a:lstStyle/>
+          <a:p>
+            <a:r>
+              <a:rPr lang="en-US" sz="2400" dirty="0" smtClean="0"/>
+              <a:t>Not every animal can </a:t>
+            </a:r>
+            <a:r>
+              <a:rPr lang="en-US" sz="2400" i="1" u="sng" dirty="0" smtClean="0"/>
+              <a:t>swim</a:t>
+            </a:r>
+            <a:r>
+              <a:rPr lang="en-US" sz="2400" dirty="0" smtClean="0"/>
+              <a:t>, so </a:t>
+            </a:r>
+            <a:r>
+              <a:rPr lang="en-US" sz="2400" u="sng" dirty="0" smtClean="0"/>
+              <a:t>fish</a:t>
+            </a:r>
+            <a:r>
+              <a:rPr lang="en-US" sz="2400" dirty="0" smtClean="0"/>
+              <a:t> is a specific </a:t>
+            </a:r>
+            <a:r>
+              <a:rPr lang="en-US" sz="2400" i="1" u="sng" dirty="0" smtClean="0"/>
+              <a:t>kind</a:t>
+            </a:r>
+            <a:r>
+              <a:rPr lang="en-US" sz="2400" dirty="0" smtClean="0"/>
+              <a:t> of </a:t>
+            </a:r>
+            <a:r>
+              <a:rPr lang="en-US" sz="2400" u="sng" dirty="0" smtClean="0"/>
+              <a:t>animal</a:t>
+            </a:r>
+            <a:endParaRPr lang="en-US" sz="2400" u="sng" dirty="0"/>
+          </a:p>
+        </p:txBody>
+      </p:sp>
+      <p:sp>
+        <p:nvSpPr>
+          <p:cNvPr id="5" name="TextBox 4"/>
+          <p:cNvSpPr txBox="1"/>
+          <p:nvPr/>
+        </p:nvSpPr>
+        <p:spPr>
+          <a:xfrm>
+            <a:off x="1371600" y="5257800"/>
+            <a:ext cx="6613029" cy="523220"/>
+          </a:xfrm>
+          <a:prstGeom prst="rect">
+            <a:avLst/>
+          </a:prstGeom>
+          <a:noFill/>
+        </p:spPr>
+        <p:txBody>
+          <a:bodyPr wrap="none" rtlCol="0">
+            <a:spAutoFit/>
+          </a:bodyPr>
+          <a:lstStyle/>
+          <a:p>
+            <a:r>
+              <a:rPr lang="en-US" sz="2800" dirty="0" smtClean="0"/>
+              <a:t>We use the keyword </a:t>
+            </a:r>
+            <a:r>
+              <a:rPr lang="en-US" sz="2800" u="sng" dirty="0" smtClean="0"/>
+              <a:t>extends</a:t>
+            </a:r>
+            <a:r>
+              <a:rPr lang="en-US" sz="2800" dirty="0" smtClean="0"/>
+              <a:t> to indicate this</a:t>
+            </a:r>
+            <a:endParaRPr lang="en-US" sz="2800" dirty="0"/>
+          </a:p>
+        </p:txBody>
+      </p:sp>
+      <p:sp>
+        <p:nvSpPr>
+          <p:cNvPr id="3" name="Date Placeholder 2"/>
+          <p:cNvSpPr>
+            <a:spLocks noGrp="1"/>
+          </p:cNvSpPr>
+          <p:nvPr>
+            <p:ph type="dt" sz="half" idx="10"/>
+          </p:nvPr>
+        </p:nvSpPr>
+        <p:spPr/>
+        <p:txBody>
+          <a:bodyPr/>
+          <a:lstStyle/>
+          <a:p>
+            <a:fld id="{982CF03F-C230-4358-A7A7-B40F9616CE6E}" type="datetime2">
+              <a:rPr lang="en-US" smtClean="0"/>
+              <a:t>Monday, April 28, 2014</a:t>
+            </a:fld>
+            <a:endParaRPr lang="en-US" dirty="0"/>
+          </a:p>
+        </p:txBody>
+      </p:sp>
+      <p:sp>
+        <p:nvSpPr>
+          <p:cNvPr id="6" name="Footer Placeholder 5"/>
+          <p:cNvSpPr>
+            <a:spLocks noGrp="1"/>
+          </p:cNvSpPr>
+          <p:nvPr>
+            <p:ph type="ftr" sz="quarter" idx="11"/>
+          </p:nvPr>
+        </p:nvSpPr>
+        <p:spPr/>
+        <p:txBody>
+          <a:bodyPr/>
+          <a:lstStyle/>
+          <a:p>
+            <a:r>
+              <a:rPr lang="en-US" smtClean="0"/>
+              <a:t>Palle Cogburn</a:t>
+            </a:r>
+            <a:endParaRPr lang="en-US" dirty="0"/>
+          </a:p>
+        </p:txBody>
+      </p:sp>
+      <p:sp>
+        <p:nvSpPr>
+          <p:cNvPr id="7" name="Slide Number Placeholder 6"/>
+          <p:cNvSpPr>
+            <a:spLocks noGrp="1"/>
+          </p:cNvSpPr>
+          <p:nvPr>
+            <p:ph type="sldNum" sz="quarter" idx="12"/>
+          </p:nvPr>
+        </p:nvSpPr>
+        <p:spPr/>
+        <p:txBody>
+          <a:bodyPr/>
+          <a:lstStyle/>
+          <a:p>
+            <a:fld id="{8CBEA7D5-4322-4BC9-B527-2F0B772A1C61}" type="slidenum">
+              <a:rPr lang="en-US" smtClean="0"/>
+              <a:t>13</a:t>
+            </a:fld>
+            <a:endParaRPr lang="en-US" dirty="0"/>
+          </a:p>
+        </p:txBody>
+      </p:sp>
+    </p:spTree>
+    <p:extLst>
+      <p:ext uri="{BB962C8B-B14F-4D97-AF65-F5344CB8AC3E}">
+        <p14:creationId xmlns:p14="http://schemas.microsoft.com/office/powerpoint/2010/main" val="3097762995"/>
+      </p:ext>
+    </p:extLst>
+  </p:cSld>
+  <p:clrMapOvr>
+    <a:masterClrMapping/>
+  </p:clrMapOvr>
+  <p:timing>
+    <p:tnLst>
+      <p:par>
+        <p:cTn id="1" dur="indefinite" restart="never" nodeType="tmRoot"/>
+      </p:par>
+    </p:tnLst>
+  </p:timing>
+</p:sld>
+</file>
+
+<file path=ppt/slides/slide14.xml><?xml version="1.0" encoding="utf-8"?>
+<p:sld xmlns:a="http://schemas.openxmlformats.org/drawingml/2006/main" xmlns:r="http://schemas.openxmlformats.org/officeDocument/2006/relationships" xmlns:p="http://schemas.openxmlformats.org/presentationml/2006/main">
+  <p:cSld>
+    <p:spTree>
+      <p:nvGrpSpPr>
+        <p:cNvPr id="1" name=""/>
+        <p:cNvGrpSpPr/>
+        <p:nvPr/>
+      </p:nvGrpSpPr>
+      <p:grpSpPr>
+        <a:xfrm>
+          <a:off x="0" y="0"/>
+          <a:ext cx="0" cy="0"/>
+          <a:chOff x="0" y="0"/>
+          <a:chExt cx="0" cy="0"/>
+        </a:xfrm>
+      </p:grpSpPr>
+      <p:sp>
+        <p:nvSpPr>
+          <p:cNvPr id="2" name="Title 1"/>
+          <p:cNvSpPr>
+            <a:spLocks noGrp="1"/>
+          </p:cNvSpPr>
+          <p:nvPr>
+            <p:ph type="title"/>
+          </p:nvPr>
+        </p:nvSpPr>
+        <p:spPr/>
+        <p:txBody>
+          <a:bodyPr/>
+          <a:lstStyle/>
+          <a:p>
+            <a:r>
+              <a:rPr lang="en-US" dirty="0" smtClean="0"/>
+              <a:t>Method override</a:t>
+            </a:r>
+            <a:endParaRPr lang="en-US" dirty="0"/>
+          </a:p>
+        </p:txBody>
+      </p:sp>
+      <p:pic>
+        <p:nvPicPr>
+          <p:cNvPr id="4099" name="Picture 3"/>
+          <p:cNvPicPr>
+            <a:picLocks noChangeAspect="1" noChangeArrowheads="1"/>
+          </p:cNvPicPr>
+          <p:nvPr/>
+        </p:nvPicPr>
+        <p:blipFill>
+          <a:blip r:embed="rId2">
+            <a:extLst>
+              <a:ext uri="{28A0092B-C50C-407E-A947-70E740481C1C}">
+                <a14:useLocalDpi xmlns:a14="http://schemas.microsoft.com/office/drawing/2010/main" val="0"/>
+              </a:ext>
+            </a:extLst>
+          </a:blip>
+          <a:srcRect/>
+          <a:stretch>
+            <a:fillRect/>
+          </a:stretch>
+        </p:blipFill>
+        <p:spPr bwMode="auto">
+          <a:xfrm>
+            <a:off x="762000" y="1219200"/>
+            <a:ext cx="5815012" cy="5067581"/>
+          </a:xfrm>
+          <a:prstGeom prst="rect">
+            <a:avLst/>
+          </a:prstGeom>
+          <a:noFill/>
+          <a:ln>
+            <a:noFill/>
+          </a:ln>
+          <a:extLst>
+            <a:ext uri="{909E8E84-426E-40DD-AFC4-6F175D3DCCD1}">
+              <a14:hiddenFill xmlns:a14="http://schemas.microsoft.com/office/drawing/2010/main">
+                <a:solidFill>
+                  <a:schemeClr val="accent1"/>
+                </a:solidFill>
+              </a14:hiddenFill>
+            </a:ext>
+            <a:ext uri="{91240B29-F687-4F45-9708-019B960494DF}">
+              <a14:hiddenLine xmlns:a14="http://schemas.microsoft.com/office/drawing/2010/main" w="9525">
+                <a:solidFill>
+                  <a:schemeClr val="tx1"/>
+                </a:solidFill>
+                <a:miter lim="800000"/>
+                <a:headEnd/>
+                <a:tailEnd/>
+              </a14:hiddenLine>
+            </a:ext>
+          </a:extLst>
+        </p:spPr>
+      </p:pic>
+      <p:sp>
+        <p:nvSpPr>
+          <p:cNvPr id="4" name="TextBox 3"/>
+          <p:cNvSpPr txBox="1"/>
+          <p:nvPr/>
+        </p:nvSpPr>
+        <p:spPr>
+          <a:xfrm>
+            <a:off x="5334000" y="3791659"/>
+            <a:ext cx="2870081" cy="369332"/>
+          </a:xfrm>
+          <a:prstGeom prst="rect">
+            <a:avLst/>
+          </a:prstGeom>
+          <a:noFill/>
+        </p:spPr>
+        <p:txBody>
+          <a:bodyPr wrap="none" rtlCol="0">
+            <a:spAutoFit/>
+          </a:bodyPr>
+          <a:lstStyle/>
+          <a:p>
+            <a:r>
+              <a:rPr lang="en-US" dirty="0" smtClean="0"/>
+              <a:t>Use </a:t>
+            </a:r>
+            <a:r>
+              <a:rPr lang="en-US" u="sng" dirty="0" smtClean="0"/>
+              <a:t>final</a:t>
+            </a:r>
+            <a:r>
+              <a:rPr lang="en-US" dirty="0" smtClean="0"/>
+              <a:t> to prevent override</a:t>
+            </a:r>
+            <a:endParaRPr lang="en-US" dirty="0"/>
+          </a:p>
+        </p:txBody>
+      </p:sp>
+      <p:sp>
+        <p:nvSpPr>
+          <p:cNvPr id="3" name="Date Placeholder 2"/>
+          <p:cNvSpPr>
+            <a:spLocks noGrp="1"/>
+          </p:cNvSpPr>
+          <p:nvPr>
+            <p:ph type="dt" sz="half" idx="10"/>
+          </p:nvPr>
+        </p:nvSpPr>
+        <p:spPr/>
+        <p:txBody>
+          <a:bodyPr/>
+          <a:lstStyle/>
+          <a:p>
+            <a:fld id="{E919F0F1-8BEA-4204-B6B0-A00DECFA03BA}" type="datetime2">
+              <a:rPr lang="en-US" smtClean="0"/>
+              <a:t>Monday, April 28, 2014</a:t>
+            </a:fld>
+            <a:endParaRPr lang="en-US" dirty="0"/>
+          </a:p>
+        </p:txBody>
+      </p:sp>
+      <p:sp>
+        <p:nvSpPr>
+          <p:cNvPr id="5" name="Footer Placeholder 4"/>
+          <p:cNvSpPr>
+            <a:spLocks noGrp="1"/>
+          </p:cNvSpPr>
+          <p:nvPr>
+            <p:ph type="ftr" sz="quarter" idx="11"/>
+          </p:nvPr>
+        </p:nvSpPr>
+        <p:spPr/>
+        <p:txBody>
+          <a:bodyPr/>
+          <a:lstStyle/>
+          <a:p>
+            <a:r>
+              <a:rPr lang="en-US" smtClean="0"/>
+              <a:t>Palle Cogburn</a:t>
+            </a:r>
+            <a:endParaRPr lang="en-US" dirty="0"/>
+          </a:p>
+        </p:txBody>
+      </p:sp>
+      <p:sp>
+        <p:nvSpPr>
+          <p:cNvPr id="6" name="Slide Number Placeholder 5"/>
+          <p:cNvSpPr>
+            <a:spLocks noGrp="1"/>
+          </p:cNvSpPr>
+          <p:nvPr>
+            <p:ph type="sldNum" sz="quarter" idx="12"/>
+          </p:nvPr>
+        </p:nvSpPr>
+        <p:spPr/>
+        <p:txBody>
+          <a:bodyPr/>
+          <a:lstStyle/>
+          <a:p>
+            <a:fld id="{8CBEA7D5-4322-4BC9-B527-2F0B772A1C61}" type="slidenum">
+              <a:rPr lang="en-US" smtClean="0"/>
+              <a:t>14</a:t>
+            </a:fld>
+            <a:endParaRPr lang="en-US" dirty="0"/>
+          </a:p>
+        </p:txBody>
+      </p:sp>
+    </p:spTree>
+    <p:extLst>
+      <p:ext uri="{BB962C8B-B14F-4D97-AF65-F5344CB8AC3E}">
+        <p14:creationId xmlns:p14="http://schemas.microsoft.com/office/powerpoint/2010/main" val="3123931475"/>
+      </p:ext>
+    </p:extLst>
+  </p:cSld>
+  <p:clrMapOvr>
+    <a:masterClrMapping/>
+  </p:clrMapOvr>
+  <p:timing>
+    <p:tnLst>
+      <p:par>
+        <p:cTn id="1" dur="indefinite" restart="never" nodeType="tmRoot"/>
+      </p:par>
+    </p:tnLst>
+  </p:timing>
+</p:sld>
+</file>
+
+<file path=ppt/slides/slide15.xml><?xml version="1.0" encoding="utf-8"?>
+<p:sld xmlns:a="http://schemas.openxmlformats.org/drawingml/2006/main" xmlns:r="http://schemas.openxmlformats.org/officeDocument/2006/relationships" xmlns:p="http://schemas.openxmlformats.org/presentationml/2006/main">
+  <p:cSld>
+    <p:spTree>
+      <p:nvGrpSpPr>
+        <p:cNvPr id="1" name=""/>
+        <p:cNvGrpSpPr/>
+        <p:nvPr/>
+      </p:nvGrpSpPr>
+      <p:grpSpPr>
+        <a:xfrm>
+          <a:off x="0" y="0"/>
+          <a:ext cx="0" cy="0"/>
+          <a:chOff x="0" y="0"/>
+          <a:chExt cx="0" cy="0"/>
+        </a:xfrm>
+      </p:grpSpPr>
+      <p:sp>
+        <p:nvSpPr>
+          <p:cNvPr id="2" name="Title 1"/>
+          <p:cNvSpPr>
+            <a:spLocks noGrp="1"/>
+          </p:cNvSpPr>
+          <p:nvPr>
+            <p:ph type="title"/>
+          </p:nvPr>
+        </p:nvSpPr>
+        <p:spPr/>
+        <p:txBody>
+          <a:bodyPr/>
+          <a:lstStyle/>
+          <a:p>
+            <a:r>
+              <a:rPr lang="en-US" dirty="0" smtClean="0"/>
+              <a:t>Making decisions</a:t>
+            </a:r>
+            <a:endParaRPr lang="en-US" dirty="0"/>
+          </a:p>
+        </p:txBody>
+      </p:sp>
+      <p:pic>
+        <p:nvPicPr>
+          <p:cNvPr id="5122" name="Picture 2" descr="https://encrypted-tbn3.gstatic.com/images?q=tbn:ANd9GcRJ0hj0UxGORlnp7Xkb6Q-RtPIV1ESvTsVRhnUgft3b4A62_Hk_WA"/>
+          <p:cNvPicPr>
+            <a:picLocks noChangeAspect="1" noChangeArrowheads="1"/>
+          </p:cNvPicPr>
+          <p:nvPr/>
+        </p:nvPicPr>
+        <p:blipFill>
+          <a:blip r:embed="rId2">
+            <a:extLst>
+              <a:ext uri="{28A0092B-C50C-407E-A947-70E740481C1C}">
+                <a14:useLocalDpi xmlns:a14="http://schemas.microsoft.com/office/drawing/2010/main" val="0"/>
+              </a:ext>
+            </a:extLst>
+          </a:blip>
+          <a:srcRect/>
+          <a:stretch>
+            <a:fillRect/>
+          </a:stretch>
+        </p:blipFill>
+        <p:spPr bwMode="auto">
+          <a:xfrm>
+            <a:off x="838200" y="1371600"/>
+            <a:ext cx="2421152" cy="3232363"/>
+          </a:xfrm>
+          <a:prstGeom prst="rect">
+            <a:avLst/>
+          </a:prstGeom>
+          <a:noFill/>
+          <a:extLst>
+            <a:ext uri="{909E8E84-426E-40DD-AFC4-6F175D3DCCD1}">
+              <a14:hiddenFill xmlns:a14="http://schemas.microsoft.com/office/drawing/2010/main">
+                <a:solidFill>
+                  <a:srgbClr val="FFFFFF"/>
+                </a:solidFill>
+              </a14:hiddenFill>
+            </a:ext>
+          </a:extLst>
+        </p:spPr>
+      </p:pic>
+      <p:pic>
+        <p:nvPicPr>
+          <p:cNvPr id="5123" name="Picture 3"/>
+          <p:cNvPicPr>
+            <a:picLocks noChangeAspect="1" noChangeArrowheads="1"/>
+          </p:cNvPicPr>
+          <p:nvPr/>
+        </p:nvPicPr>
+        <p:blipFill>
+          <a:blip r:embed="rId3">
+            <a:extLst>
+              <a:ext uri="{28A0092B-C50C-407E-A947-70E740481C1C}">
+                <a14:useLocalDpi xmlns:a14="http://schemas.microsoft.com/office/drawing/2010/main" val="0"/>
+              </a:ext>
+            </a:extLst>
+          </a:blip>
+          <a:srcRect/>
+          <a:stretch>
+            <a:fillRect/>
+          </a:stretch>
+        </p:blipFill>
+        <p:spPr bwMode="auto">
+          <a:xfrm>
+            <a:off x="3602867" y="1371600"/>
+            <a:ext cx="3804416" cy="2228850"/>
+          </a:xfrm>
+          <a:prstGeom prst="rect">
+            <a:avLst/>
+          </a:prstGeom>
+          <a:noFill/>
+          <a:ln>
+            <a:noFill/>
+          </a:ln>
+          <a:extLst>
+            <a:ext uri="{909E8E84-426E-40DD-AFC4-6F175D3DCCD1}">
+              <a14:hiddenFill xmlns:a14="http://schemas.microsoft.com/office/drawing/2010/main">
+                <a:solidFill>
+                  <a:schemeClr val="accent1"/>
+                </a:solidFill>
+              </a14:hiddenFill>
+            </a:ext>
+            <a:ext uri="{91240B29-F687-4F45-9708-019B960494DF}">
+              <a14:hiddenLine xmlns:a14="http://schemas.microsoft.com/office/drawing/2010/main" w="9525">
+                <a:solidFill>
+                  <a:schemeClr val="tx1"/>
+                </a:solidFill>
+                <a:miter lim="800000"/>
+                <a:headEnd/>
+                <a:tailEnd/>
+              </a14:hiddenLine>
+            </a:ext>
+          </a:extLst>
+        </p:spPr>
+      </p:pic>
+      <p:sp>
+        <p:nvSpPr>
+          <p:cNvPr id="3" name="Date Placeholder 2"/>
+          <p:cNvSpPr>
+            <a:spLocks noGrp="1"/>
+          </p:cNvSpPr>
+          <p:nvPr>
+            <p:ph type="dt" sz="half" idx="10"/>
+          </p:nvPr>
+        </p:nvSpPr>
+        <p:spPr/>
+        <p:txBody>
+          <a:bodyPr/>
+          <a:lstStyle/>
+          <a:p>
+            <a:fld id="{E3F12646-0731-4D82-94BA-667D7B073B80}" type="datetime2">
+              <a:rPr lang="en-US" smtClean="0"/>
+              <a:t>Monday, April 28, 2014</a:t>
+            </a:fld>
+            <a:endParaRPr lang="en-US" dirty="0"/>
+          </a:p>
+        </p:txBody>
+      </p:sp>
+      <p:sp>
+        <p:nvSpPr>
+          <p:cNvPr id="4" name="Footer Placeholder 3"/>
+          <p:cNvSpPr>
+            <a:spLocks noGrp="1"/>
+          </p:cNvSpPr>
+          <p:nvPr>
+            <p:ph type="ftr" sz="quarter" idx="11"/>
+          </p:nvPr>
+        </p:nvSpPr>
+        <p:spPr/>
+        <p:txBody>
+          <a:bodyPr/>
+          <a:lstStyle/>
+          <a:p>
+            <a:r>
+              <a:rPr lang="en-US" smtClean="0"/>
+              <a:t>Palle Cogburn</a:t>
+            </a:r>
+            <a:endParaRPr lang="en-US" dirty="0"/>
+          </a:p>
+        </p:txBody>
+      </p:sp>
+      <p:sp>
+        <p:nvSpPr>
+          <p:cNvPr id="5" name="Slide Number Placeholder 4"/>
+          <p:cNvSpPr>
+            <a:spLocks noGrp="1"/>
+          </p:cNvSpPr>
+          <p:nvPr>
+            <p:ph type="sldNum" sz="quarter" idx="12"/>
+          </p:nvPr>
+        </p:nvSpPr>
+        <p:spPr/>
+        <p:txBody>
+          <a:bodyPr/>
+          <a:lstStyle/>
+          <a:p>
+            <a:fld id="{8CBEA7D5-4322-4BC9-B527-2F0B772A1C61}" type="slidenum">
+              <a:rPr lang="en-US" smtClean="0"/>
+              <a:t>15</a:t>
+            </a:fld>
+            <a:endParaRPr lang="en-US" dirty="0"/>
+          </a:p>
+        </p:txBody>
+      </p:sp>
+    </p:spTree>
+    <p:extLst>
+      <p:ext uri="{BB962C8B-B14F-4D97-AF65-F5344CB8AC3E}">
+        <p14:creationId xmlns:p14="http://schemas.microsoft.com/office/powerpoint/2010/main" val="224506237"/>
+      </p:ext>
+    </p:extLst>
+  </p:cSld>
+  <p:clrMapOvr>
+    <a:masterClrMapping/>
+  </p:clrMapOvr>
+  <p:timing>
+    <p:tnLst>
+      <p:par>
+        <p:cTn id="1" dur="indefinite" restart="never" nodeType="tmRoot"/>
+      </p:par>
+    </p:tnLst>
+  </p:timing>
+</p:sld>
+</file>
+
+<file path=ppt/slides/slide16.xml><?xml version="1.0" encoding="utf-8"?>
 <p:sld xmlns:a="http://schemas.openxmlformats.org/drawingml/2006/main" xmlns:r="http://schemas.openxmlformats.org/officeDocument/2006/relationships" xmlns:p="http://schemas.openxmlformats.org/presentationml/2006/main">
   <p:cSld>
     <p:spTree>
@@ -4111,7 +5747,7 @@
           <a:p>
             <a:fld id="{D24F3D07-7DD3-496D-8F65-E930B1B4BC2D}" type="datetime2">
               <a:rPr lang="en-US" smtClean="0"/>
-              <a:t>Tuesday, April 15, 2014</a:t>
+              <a:t>Monday, April 28, 2014</a:t>
             </a:fld>
             <a:endParaRPr lang="en-US" dirty="0"/>
           </a:p>
@@ -4157,7 +5793,7 @@
           <a:p>
             <a:fld id="{8CBEA7D5-4322-4BC9-B527-2F0B772A1C61}" type="slidenum">
               <a:rPr lang="en-US" smtClean="0"/>
-              <a:t>10</a:t>
+              <a:t>16</a:t>
             </a:fld>
             <a:endParaRPr lang="en-US" dirty="0"/>
           </a:p>
@@ -4183,7 +5819,7 @@
 </p:sld>
 </file>
 
-<file path=ppt/slides/slide11.xml><?xml version="1.0" encoding="utf-8"?>
+<file path=ppt/slides/slide17.xml><?xml version="1.0" encoding="utf-8"?>
 <p:sld xmlns:a="http://schemas.openxmlformats.org/drawingml/2006/main" xmlns:r="http://schemas.openxmlformats.org/officeDocument/2006/relationships" xmlns:p="http://schemas.openxmlformats.org/presentationml/2006/main">
   <p:cSld>
     <p:spTree>
@@ -4217,71 +5853,91 @@
           <a:p>
             <a:r>
               <a:rPr lang="en-US" dirty="0" smtClean="0"/>
-              <a:t>Constructors</a:t>
-            </a:r>
-            <a:endParaRPr lang="en-US" dirty="0"/>
-          </a:p>
-        </p:txBody>
-      </p:sp>
-      <p:sp>
-        <p:nvSpPr>
-          <p:cNvPr id="3" name="Content Placeholder 2"/>
-          <p:cNvSpPr>
-            <a:spLocks noGrp="1"/>
-          </p:cNvSpPr>
-          <p:nvPr>
-            <p:ph idx="1"/>
-          </p:nvPr>
-        </p:nvSpPr>
-        <p:spPr/>
-        <p:txBody>
-          <a:bodyPr/>
-          <a:lstStyle/>
-          <a:p>
-            <a:r>
-              <a:rPr lang="en-US" dirty="0" smtClean="0"/>
-              <a:t>Constructors are methods</a:t>
-            </a:r>
-          </a:p>
-          <a:p>
-            <a:r>
-              <a:rPr lang="en-US" dirty="0" smtClean="0"/>
-              <a:t>Have same name as the </a:t>
-            </a:r>
-            <a:r>
-              <a:rPr lang="en-US" dirty="0" smtClean="0"/>
-              <a:t>class</a:t>
-            </a:r>
-          </a:p>
-          <a:p>
-            <a:r>
-              <a:rPr lang="en-US" dirty="0" smtClean="0"/>
-              <a:t>Keyword ‘new’ calls</a:t>
-            </a:r>
-            <a:br>
-              <a:rPr lang="en-US" dirty="0" smtClean="0"/>
-            </a:br>
-            <a:r>
-              <a:rPr lang="en-US" smtClean="0"/>
-              <a:t>a constructor.</a:t>
-            </a:r>
-            <a:endParaRPr lang="en-US" dirty="0" smtClean="0"/>
-          </a:p>
-          <a:p>
+              <a:t>The switch statement</a:t>
+            </a:r>
+            <a:endParaRPr lang="en-US" dirty="0"/>
+          </a:p>
+        </p:txBody>
+      </p:sp>
+      <p:sp>
+        <p:nvSpPr>
+          <p:cNvPr id="3" name="Date Placeholder 2"/>
+          <p:cNvSpPr>
+            <a:spLocks noGrp="1"/>
+          </p:cNvSpPr>
+          <p:nvPr>
+            <p:ph type="dt" sz="half" idx="10"/>
+          </p:nvPr>
+        </p:nvSpPr>
+        <p:spPr/>
+        <p:txBody>
+          <a:bodyPr/>
+          <a:lstStyle/>
+          <a:p>
+            <a:fld id="{C04B6024-2702-49B2-98BA-BAE3D8979AA9}" type="datetime2">
+              <a:rPr lang="en-US" smtClean="0"/>
+              <a:t>Monday, April 28, 2014</a:t>
+            </a:fld>
+            <a:endParaRPr lang="en-US" dirty="0"/>
+          </a:p>
+        </p:txBody>
+      </p:sp>
+      <p:sp>
+        <p:nvSpPr>
+          <p:cNvPr id="4" name="Footer Placeholder 3"/>
+          <p:cNvSpPr>
+            <a:spLocks noGrp="1"/>
+          </p:cNvSpPr>
+          <p:nvPr>
+            <p:ph type="ftr" sz="quarter" idx="11"/>
+          </p:nvPr>
+        </p:nvSpPr>
+        <p:spPr/>
+        <p:txBody>
+          <a:bodyPr/>
+          <a:lstStyle/>
+          <a:p>
+            <a:r>
+              <a:rPr lang="en-US" smtClean="0"/>
+              <a:t>Palle Cogburn</a:t>
+            </a:r>
+            <a:endParaRPr lang="en-US" dirty="0"/>
+          </a:p>
+        </p:txBody>
+      </p:sp>
+      <p:sp>
+        <p:nvSpPr>
+          <p:cNvPr id="5" name="Slide Number Placeholder 4"/>
+          <p:cNvSpPr>
+            <a:spLocks noGrp="1"/>
+          </p:cNvSpPr>
+          <p:nvPr>
+            <p:ph type="sldNum" sz="quarter" idx="12"/>
+          </p:nvPr>
+        </p:nvSpPr>
+        <p:spPr/>
+        <p:txBody>
+          <a:bodyPr/>
+          <a:lstStyle/>
+          <a:p>
+            <a:fld id="{8CBEA7D5-4322-4BC9-B527-2F0B772A1C61}" type="slidenum">
+              <a:rPr lang="en-US" smtClean="0"/>
+              <a:t>17</a:t>
+            </a:fld>
             <a:endParaRPr lang="en-US" dirty="0"/>
           </a:p>
         </p:txBody>
       </p:sp>
       <p:pic>
         <p:nvPicPr>
-          <p:cNvPr id="7171" name="Picture 3"/>
+          <p:cNvPr id="7170" name="Picture 2"/>
           <p:cNvPicPr>
             <a:picLocks noChangeAspect="1" noChangeArrowheads="1"/>
           </p:cNvPicPr>
           <p:nvPr/>
         </p:nvPicPr>
         <p:blipFill>
-          <a:blip r:embed="rId2">
+          <a:blip r:embed="rId3">
             <a:extLst>
               <a:ext uri="{28A0092B-C50C-407E-A947-70E740481C1C}">
                 <a14:useLocalDpi xmlns:a14="http://schemas.microsoft.com/office/drawing/2010/main" val="0"/>
@@ -4295,519 +5951,8 @@
         </p:blipFill>
         <p:spPr bwMode="auto">
           <a:xfrm>
-            <a:off x="4379586" y="2850107"/>
-            <a:ext cx="4764414" cy="3949985"/>
-          </a:xfrm>
-          <a:prstGeom prst="rect">
-            <a:avLst/>
-          </a:prstGeom>
-          <a:noFill/>
-          <a:ln>
-            <a:noFill/>
-          </a:ln>
-          <a:extLst>
-            <a:ext uri="{909E8E84-426E-40DD-AFC4-6F175D3DCCD1}">
-              <a14:hiddenFill xmlns:a14="http://schemas.microsoft.com/office/drawing/2010/main">
-                <a:solidFill>
-                  <a:schemeClr val="accent1"/>
-                </a:solidFill>
-              </a14:hiddenFill>
-            </a:ext>
-            <a:ext uri="{91240B29-F687-4F45-9708-019B960494DF}">
-              <a14:hiddenLine xmlns:a14="http://schemas.microsoft.com/office/drawing/2010/main" w="9525">
-                <a:solidFill>
-                  <a:schemeClr val="tx1"/>
-                </a:solidFill>
-                <a:miter lim="800000"/>
-                <a:headEnd/>
-                <a:tailEnd/>
-              </a14:hiddenLine>
-            </a:ext>
-          </a:extLst>
-        </p:spPr>
-      </p:pic>
-      <p:sp>
-        <p:nvSpPr>
-          <p:cNvPr id="4" name="Date Placeholder 3"/>
-          <p:cNvSpPr>
-            <a:spLocks noGrp="1"/>
-          </p:cNvSpPr>
-          <p:nvPr>
-            <p:ph type="dt" sz="half" idx="10"/>
-          </p:nvPr>
-        </p:nvSpPr>
-        <p:spPr/>
-        <p:txBody>
-          <a:bodyPr/>
-          <a:lstStyle/>
-          <a:p>
-            <a:fld id="{42D7A74B-B279-4203-87CE-D35E59BD6D2D}" type="datetime2">
-              <a:rPr lang="en-US" smtClean="0"/>
-              <a:t>Tuesday, April 15, 2014</a:t>
-            </a:fld>
-            <a:endParaRPr lang="en-US" dirty="0"/>
-          </a:p>
-        </p:txBody>
-      </p:sp>
-      <p:sp>
-        <p:nvSpPr>
-          <p:cNvPr id="5" name="Footer Placeholder 4"/>
-          <p:cNvSpPr>
-            <a:spLocks noGrp="1"/>
-          </p:cNvSpPr>
-          <p:nvPr>
-            <p:ph type="ftr" sz="quarter" idx="11"/>
-          </p:nvPr>
-        </p:nvSpPr>
-        <p:spPr/>
-        <p:txBody>
-          <a:bodyPr/>
-          <a:lstStyle/>
-          <a:p>
-            <a:r>
-              <a:rPr lang="en-US" smtClean="0"/>
-              <a:t>Palle Cogburn</a:t>
-            </a:r>
-            <a:endParaRPr lang="en-US" dirty="0"/>
-          </a:p>
-        </p:txBody>
-      </p:sp>
-      <p:sp>
-        <p:nvSpPr>
-          <p:cNvPr id="6" name="Slide Number Placeholder 5"/>
-          <p:cNvSpPr>
-            <a:spLocks noGrp="1"/>
-          </p:cNvSpPr>
-          <p:nvPr>
-            <p:ph type="sldNum" sz="quarter" idx="12"/>
-          </p:nvPr>
-        </p:nvSpPr>
-        <p:spPr/>
-        <p:txBody>
-          <a:bodyPr/>
-          <a:lstStyle/>
-          <a:p>
-            <a:fld id="{8CBEA7D5-4322-4BC9-B527-2F0B772A1C61}" type="slidenum">
-              <a:rPr lang="en-US" smtClean="0"/>
-              <a:t>11</a:t>
-            </a:fld>
-            <a:endParaRPr lang="en-US" dirty="0"/>
-          </a:p>
-        </p:txBody>
-      </p:sp>
-    </p:spTree>
-    <p:extLst>
-      <p:ext uri="{BB962C8B-B14F-4D97-AF65-F5344CB8AC3E}">
-        <p14:creationId xmlns:p14="http://schemas.microsoft.com/office/powerpoint/2010/main" val="1262639182"/>
-      </p:ext>
-    </p:extLst>
-  </p:cSld>
-  <p:clrMapOvr>
-    <a:masterClrMapping/>
-  </p:clrMapOvr>
-  <p:timing>
-    <p:tnLst>
-      <p:par>
-        <p:cTn id="1" dur="indefinite" restart="never" nodeType="tmRoot"/>
-      </p:par>
-    </p:tnLst>
-  </p:timing>
-</p:sld>
-</file>
-
-<file path=ppt/slides/slide12.xml><?xml version="1.0" encoding="utf-8"?>
-<p:sld xmlns:a="http://schemas.openxmlformats.org/drawingml/2006/main" xmlns:r="http://schemas.openxmlformats.org/officeDocument/2006/relationships" xmlns:p="http://schemas.openxmlformats.org/presentationml/2006/main">
-  <p:cSld>
-    <p:spTree>
-      <p:nvGrpSpPr>
-        <p:cNvPr id="1" name=""/>
-        <p:cNvGrpSpPr/>
-        <p:nvPr/>
-      </p:nvGrpSpPr>
-      <p:grpSpPr>
-        <a:xfrm>
-          <a:off x="0" y="0"/>
-          <a:ext cx="0" cy="0"/>
-          <a:chOff x="0" y="0"/>
-          <a:chExt cx="0" cy="0"/>
-        </a:xfrm>
-      </p:grpSpPr>
-      <p:sp>
-        <p:nvSpPr>
-          <p:cNvPr id="2" name="Title 1"/>
-          <p:cNvSpPr>
-            <a:spLocks noGrp="1"/>
-          </p:cNvSpPr>
-          <p:nvPr>
-            <p:ph type="title"/>
-          </p:nvPr>
-        </p:nvSpPr>
-        <p:spPr/>
-        <p:txBody>
-          <a:bodyPr/>
-          <a:lstStyle/>
-          <a:p>
-            <a:r>
-              <a:rPr lang="en-US" dirty="0" smtClean="0"/>
-              <a:t>Arrays</a:t>
-            </a:r>
-            <a:endParaRPr lang="en-US" dirty="0"/>
-          </a:p>
-        </p:txBody>
-      </p:sp>
-      <p:sp>
-        <p:nvSpPr>
-          <p:cNvPr id="4" name="Date Placeholder 3"/>
-          <p:cNvSpPr>
-            <a:spLocks noGrp="1"/>
-          </p:cNvSpPr>
-          <p:nvPr>
-            <p:ph type="dt" sz="half" idx="10"/>
-          </p:nvPr>
-        </p:nvSpPr>
-        <p:spPr/>
-        <p:txBody>
-          <a:bodyPr/>
-          <a:lstStyle/>
-          <a:p>
-            <a:fld id="{2790549F-49A7-47EE-94CF-6E3D0D276773}" type="datetime2">
-              <a:rPr lang="en-US" smtClean="0"/>
-              <a:t>Tuesday, April 15, 2014</a:t>
-            </a:fld>
-            <a:endParaRPr lang="en-US" dirty="0"/>
-          </a:p>
-        </p:txBody>
-      </p:sp>
-      <p:sp>
-        <p:nvSpPr>
-          <p:cNvPr id="5" name="Footer Placeholder 4"/>
-          <p:cNvSpPr>
-            <a:spLocks noGrp="1"/>
-          </p:cNvSpPr>
-          <p:nvPr>
-            <p:ph type="ftr" sz="quarter" idx="11"/>
-          </p:nvPr>
-        </p:nvSpPr>
-        <p:spPr/>
-        <p:txBody>
-          <a:bodyPr/>
-          <a:lstStyle/>
-          <a:p>
-            <a:r>
-              <a:rPr lang="en-US" smtClean="0"/>
-              <a:t>Palle Cogburn</a:t>
-            </a:r>
-            <a:endParaRPr lang="en-US" dirty="0"/>
-          </a:p>
-        </p:txBody>
-      </p:sp>
-      <p:sp>
-        <p:nvSpPr>
-          <p:cNvPr id="6" name="Slide Number Placeholder 5"/>
-          <p:cNvSpPr>
-            <a:spLocks noGrp="1"/>
-          </p:cNvSpPr>
-          <p:nvPr>
-            <p:ph type="sldNum" sz="quarter" idx="12"/>
-          </p:nvPr>
-        </p:nvSpPr>
-        <p:spPr/>
-        <p:txBody>
-          <a:bodyPr/>
-          <a:lstStyle/>
-          <a:p>
-            <a:fld id="{8CBEA7D5-4322-4BC9-B527-2F0B772A1C61}" type="slidenum">
-              <a:rPr lang="en-US" smtClean="0"/>
-              <a:t>12</a:t>
-            </a:fld>
-            <a:endParaRPr lang="en-US" dirty="0"/>
-          </a:p>
-        </p:txBody>
-      </p:sp>
-      <p:pic>
-        <p:nvPicPr>
-          <p:cNvPr id="2050" name="Picture 2"/>
-          <p:cNvPicPr>
-            <a:picLocks noChangeAspect="1" noChangeArrowheads="1"/>
-          </p:cNvPicPr>
-          <p:nvPr/>
-        </p:nvPicPr>
-        <p:blipFill>
-          <a:blip r:embed="rId2">
-            <a:extLst>
-              <a:ext uri="{28A0092B-C50C-407E-A947-70E740481C1C}">
-                <a14:useLocalDpi xmlns:a14="http://schemas.microsoft.com/office/drawing/2010/main" val="0"/>
-              </a:ext>
-            </a:extLst>
-          </a:blip>
-          <a:srcRect/>
-          <a:stretch>
-            <a:fillRect/>
-          </a:stretch>
-        </p:blipFill>
-        <p:spPr bwMode="auto">
-          <a:xfrm>
-            <a:off x="3429000" y="1905000"/>
-            <a:ext cx="4705350" cy="2866287"/>
-          </a:xfrm>
-          <a:prstGeom prst="rect">
-            <a:avLst/>
-          </a:prstGeom>
-          <a:noFill/>
-          <a:ln>
-            <a:noFill/>
-          </a:ln>
-          <a:extLst>
-            <a:ext uri="{909E8E84-426E-40DD-AFC4-6F175D3DCCD1}">
-              <a14:hiddenFill xmlns:a14="http://schemas.microsoft.com/office/drawing/2010/main">
-                <a:solidFill>
-                  <a:schemeClr val="accent1"/>
-                </a:solidFill>
-              </a14:hiddenFill>
-            </a:ext>
-            <a:ext uri="{91240B29-F687-4F45-9708-019B960494DF}">
-              <a14:hiddenLine xmlns:a14="http://schemas.microsoft.com/office/drawing/2010/main" w="9525">
-                <a:solidFill>
-                  <a:schemeClr val="tx1"/>
-                </a:solidFill>
-                <a:miter lim="800000"/>
-                <a:headEnd/>
-                <a:tailEnd/>
-              </a14:hiddenLine>
-            </a:ext>
-          </a:extLst>
-        </p:spPr>
-      </p:pic>
-      <p:sp>
-        <p:nvSpPr>
-          <p:cNvPr id="7" name="TextBox 6"/>
-          <p:cNvSpPr txBox="1"/>
-          <p:nvPr/>
-        </p:nvSpPr>
-        <p:spPr>
-          <a:xfrm>
-            <a:off x="228600" y="1905000"/>
-            <a:ext cx="3044744" cy="2308324"/>
-          </a:xfrm>
-          <a:prstGeom prst="rect">
-            <a:avLst/>
-          </a:prstGeom>
-          <a:noFill/>
-        </p:spPr>
-        <p:txBody>
-          <a:bodyPr wrap="none" rtlCol="0">
-            <a:spAutoFit/>
-          </a:bodyPr>
-          <a:lstStyle/>
-          <a:p>
-            <a:r>
-              <a:rPr lang="en-US" dirty="0" smtClean="0"/>
-              <a:t>First index is 0.</a:t>
-            </a:r>
-          </a:p>
-          <a:p>
-            <a:endParaRPr lang="en-US" dirty="0" smtClean="0"/>
-          </a:p>
-          <a:p>
-            <a:r>
-              <a:rPr lang="en-US" dirty="0" smtClean="0"/>
-              <a:t>You can specify a literal</a:t>
-            </a:r>
-          </a:p>
-          <a:p>
-            <a:r>
-              <a:rPr lang="en-US" dirty="0" smtClean="0"/>
-              <a:t>array in curly braces.</a:t>
-            </a:r>
-          </a:p>
-          <a:p>
-            <a:endParaRPr lang="en-US" dirty="0" smtClean="0"/>
-          </a:p>
-          <a:p>
-            <a:r>
-              <a:rPr lang="en-US" dirty="0" smtClean="0"/>
-              <a:t>Has a fixed size.</a:t>
-            </a:r>
-          </a:p>
-          <a:p>
-            <a:endParaRPr lang="en-US" dirty="0"/>
-          </a:p>
-          <a:p>
-            <a:r>
-              <a:rPr lang="en-US" dirty="0" smtClean="0"/>
-              <a:t>All objects have the same type</a:t>
-            </a:r>
-            <a:endParaRPr lang="en-US" dirty="0"/>
-          </a:p>
-        </p:txBody>
-      </p:sp>
-    </p:spTree>
-    <p:extLst>
-      <p:ext uri="{BB962C8B-B14F-4D97-AF65-F5344CB8AC3E}">
-        <p14:creationId xmlns:p14="http://schemas.microsoft.com/office/powerpoint/2010/main" val="1936331899"/>
-      </p:ext>
-    </p:extLst>
-  </p:cSld>
-  <p:clrMapOvr>
-    <a:masterClrMapping/>
-  </p:clrMapOvr>
-  <p:timing>
-    <p:tnLst>
-      <p:par>
-        <p:cTn id="1" dur="indefinite" restart="never" nodeType="tmRoot"/>
-      </p:par>
-    </p:tnLst>
-  </p:timing>
-</p:sld>
-</file>
-
-<file path=ppt/slides/slide13.xml><?xml version="1.0" encoding="utf-8"?>
-<p:sld xmlns:a="http://schemas.openxmlformats.org/drawingml/2006/main" xmlns:r="http://schemas.openxmlformats.org/officeDocument/2006/relationships" xmlns:p="http://schemas.openxmlformats.org/presentationml/2006/main">
-  <p:cSld>
-    <p:spTree>
-      <p:nvGrpSpPr>
-        <p:cNvPr id="1" name=""/>
-        <p:cNvGrpSpPr/>
-        <p:nvPr/>
-      </p:nvGrpSpPr>
-      <p:grpSpPr>
-        <a:xfrm>
-          <a:off x="0" y="0"/>
-          <a:ext cx="0" cy="0"/>
-          <a:chOff x="0" y="0"/>
-          <a:chExt cx="0" cy="0"/>
-        </a:xfrm>
-      </p:grpSpPr>
-      <p:sp>
-        <p:nvSpPr>
-          <p:cNvPr id="2" name="Title 1"/>
-          <p:cNvSpPr>
-            <a:spLocks noGrp="1"/>
-          </p:cNvSpPr>
-          <p:nvPr>
-            <p:ph type="title"/>
-          </p:nvPr>
-        </p:nvSpPr>
-        <p:spPr/>
-        <p:txBody>
-          <a:bodyPr>
-            <a:normAutofit fontScale="90000"/>
-          </a:bodyPr>
-          <a:lstStyle/>
-          <a:p>
-            <a:r>
-              <a:rPr lang="en-US" dirty="0" smtClean="0"/>
-              <a:t>Loops</a:t>
-            </a:r>
-            <a:br>
-              <a:rPr lang="en-US" dirty="0" smtClean="0"/>
-            </a:br>
-            <a:r>
-              <a:rPr lang="en-US" dirty="0" smtClean="0"/>
-              <a:t>- </a:t>
-            </a:r>
-            <a:r>
-              <a:rPr lang="en-US" dirty="0" smtClean="0"/>
-              <a:t>for</a:t>
-            </a:r>
-            <a:endParaRPr lang="en-US" dirty="0"/>
-          </a:p>
-        </p:txBody>
-      </p:sp>
-      <p:sp>
-        <p:nvSpPr>
-          <p:cNvPr id="4" name="Date Placeholder 3"/>
-          <p:cNvSpPr>
-            <a:spLocks noGrp="1"/>
-          </p:cNvSpPr>
-          <p:nvPr>
-            <p:ph type="dt" sz="half" idx="10"/>
-          </p:nvPr>
-        </p:nvSpPr>
-        <p:spPr/>
-        <p:txBody>
-          <a:bodyPr/>
-          <a:lstStyle/>
-          <a:p>
-            <a:fld id="{171408A9-A6D8-4827-AB69-EE2BB6926CB9}" type="datetime2">
-              <a:rPr lang="en-US" smtClean="0"/>
-              <a:t>Tuesday, April 15, 2014</a:t>
-            </a:fld>
-            <a:endParaRPr lang="en-US" dirty="0"/>
-          </a:p>
-        </p:txBody>
-      </p:sp>
-      <p:sp>
-        <p:nvSpPr>
-          <p:cNvPr id="5" name="Footer Placeholder 4"/>
-          <p:cNvSpPr>
-            <a:spLocks noGrp="1"/>
-          </p:cNvSpPr>
-          <p:nvPr>
-            <p:ph type="ftr" sz="quarter" idx="11"/>
-          </p:nvPr>
-        </p:nvSpPr>
-        <p:spPr/>
-        <p:txBody>
-          <a:bodyPr/>
-          <a:lstStyle/>
-          <a:p>
-            <a:r>
-              <a:rPr lang="en-US" smtClean="0"/>
-              <a:t>Palle Cogburn</a:t>
-            </a:r>
-            <a:endParaRPr lang="en-US" dirty="0"/>
-          </a:p>
-        </p:txBody>
-      </p:sp>
-      <p:sp>
-        <p:nvSpPr>
-          <p:cNvPr id="6" name="Slide Number Placeholder 5"/>
-          <p:cNvSpPr>
-            <a:spLocks noGrp="1"/>
-          </p:cNvSpPr>
-          <p:nvPr>
-            <p:ph type="sldNum" sz="quarter" idx="12"/>
-          </p:nvPr>
-        </p:nvSpPr>
-        <p:spPr/>
-        <p:txBody>
-          <a:bodyPr/>
-          <a:lstStyle/>
-          <a:p>
-            <a:fld id="{8CBEA7D5-4322-4BC9-B527-2F0B772A1C61}" type="slidenum">
-              <a:rPr lang="en-US" smtClean="0"/>
-              <a:t>13</a:t>
-            </a:fld>
-            <a:endParaRPr lang="en-US" dirty="0"/>
-          </a:p>
-        </p:txBody>
-      </p:sp>
-      <p:pic>
-        <p:nvPicPr>
-          <p:cNvPr id="3074" name="Picture 2"/>
-          <p:cNvPicPr>
-            <a:picLocks noChangeAspect="1" noChangeArrowheads="1"/>
-          </p:cNvPicPr>
-          <p:nvPr/>
-        </p:nvPicPr>
-        <p:blipFill>
-          <a:blip r:embed="rId2">
-            <a:extLst>
-              <a:ext uri="{28A0092B-C50C-407E-A947-70E740481C1C}">
-                <a14:useLocalDpi xmlns:a14="http://schemas.microsoft.com/office/drawing/2010/main" val="0"/>
-              </a:ext>
-            </a:extLst>
-          </a:blip>
-          <a:srcRect/>
-          <a:stretch>
-            <a:fillRect/>
-          </a:stretch>
-        </p:blipFill>
-        <p:spPr bwMode="auto">
-          <a:xfrm>
-            <a:off x="1828800" y="2590800"/>
-            <a:ext cx="5734050" cy="1638300"/>
+            <a:off x="1447800" y="1295400"/>
+            <a:ext cx="5300662" cy="4940073"/>
           </a:xfrm>
           <a:prstGeom prst="rect">
             <a:avLst/>
@@ -4840,7 +5985,7 @@
     </p:spTree>
     <p:extLst>
       <p:ext uri="{BB962C8B-B14F-4D97-AF65-F5344CB8AC3E}">
-        <p14:creationId xmlns:p14="http://schemas.microsoft.com/office/powerpoint/2010/main" val="2269720542"/>
+        <p14:creationId xmlns:p14="http://schemas.microsoft.com/office/powerpoint/2010/main" val="1756162212"/>
       </p:ext>
     </p:extLst>
   </p:cSld>
@@ -4857,7 +6002,7 @@
 </p:sld>
 </file>
 
-<file path=ppt/slides/slide14.xml><?xml version="1.0" encoding="utf-8"?>
+<file path=ppt/slides/slide18.xml><?xml version="1.0" encoding="utf-8"?>
 <p:sld xmlns:a="http://schemas.openxmlformats.org/drawingml/2006/main" xmlns:r="http://schemas.openxmlformats.org/officeDocument/2006/relationships" xmlns:p="http://schemas.openxmlformats.org/presentationml/2006/main">
   <p:cSld>
     <p:spTree>
@@ -4886,25 +6031,71 @@
         </p:nvSpPr>
         <p:spPr/>
         <p:txBody>
-          <a:bodyPr>
-            <a:normAutofit fontScale="90000"/>
-          </a:bodyPr>
+          <a:bodyPr/>
           <a:lstStyle/>
           <a:p>
             <a:r>
               <a:rPr lang="en-US" dirty="0" smtClean="0"/>
-              <a:t>Loops</a:t>
-            </a:r>
-            <a:br>
+              <a:t>Variable lifetime</a:t>
+            </a:r>
+            <a:endParaRPr lang="en-US" dirty="0"/>
+          </a:p>
+        </p:txBody>
+      </p:sp>
+      <p:sp>
+        <p:nvSpPr>
+          <p:cNvPr id="3" name="Content Placeholder 2"/>
+          <p:cNvSpPr>
+            <a:spLocks noGrp="1"/>
+          </p:cNvSpPr>
+          <p:nvPr>
+            <p:ph idx="1"/>
+          </p:nvPr>
+        </p:nvSpPr>
+        <p:spPr/>
+        <p:txBody>
+          <a:bodyPr/>
+          <a:lstStyle/>
+          <a:p>
+            <a:r>
               <a:rPr lang="en-US" dirty="0" smtClean="0"/>
-            </a:br>
+              <a:t>Variables declared inside a method dies when the method is exited. </a:t>
+            </a:r>
+            <a:r>
+              <a:rPr lang="en-US" i="1" dirty="0" smtClean="0"/>
+              <a:t>Local scope</a:t>
+            </a:r>
             <a:r>
               <a:rPr lang="en-US" dirty="0" smtClean="0"/>
-              <a:t>- </a:t>
-            </a:r>
+              <a:t>.</a:t>
+            </a:r>
+          </a:p>
+          <a:p>
             <a:r>
               <a:rPr lang="en-US" dirty="0" smtClean="0"/>
-              <a:t>for indexed</a:t>
+              <a:t>Variables declared as attributes of the class dies when the object instance </a:t>
+            </a:r>
+            <a:r>
+              <a:rPr lang="en-US" i="1" dirty="0" smtClean="0"/>
+              <a:t>goes out of scope</a:t>
+            </a:r>
+            <a:r>
+              <a:rPr lang="en-US" dirty="0" smtClean="0"/>
+              <a:t>.</a:t>
+            </a:r>
+          </a:p>
+          <a:p>
+            <a:r>
+              <a:rPr lang="en-US" dirty="0" smtClean="0"/>
+              <a:t>Variables that are declared with the </a:t>
+            </a:r>
+            <a:r>
+              <a:rPr lang="en-US" i="1" dirty="0" smtClean="0"/>
+              <a:t>static</a:t>
+            </a:r>
+            <a:r>
+              <a:rPr lang="en-US" dirty="0" smtClean="0"/>
+              <a:t> keyword dies when the whole process dies.</a:t>
             </a:r>
             <a:endParaRPr lang="en-US" dirty="0"/>
           </a:p>
@@ -4925,9 +6116,9 @@
           <a:bodyPr/>
           <a:lstStyle/>
           <a:p>
-            <a:fld id="{171408A9-A6D8-4827-AB69-EE2BB6926CB9}" type="datetime2">
-              <a:rPr lang="en-US" smtClean="0"/>
-              <a:t>Tuesday, April 15, 2014</a:t>
+            <a:fld id="{A2A5E575-F730-4674-9978-37F7AD0A2F99}" type="datetime2">
+              <a:rPr lang="en-US" smtClean="0"/>
+              <a:t>Monday, April 28, 2014</a:t>
             </a:fld>
             <a:endParaRPr lang="en-US" dirty="0"/>
           </a:p>
@@ -4973,7 +6164,136 @@
           <a:p>
             <a:fld id="{8CBEA7D5-4322-4BC9-B527-2F0B772A1C61}" type="slidenum">
               <a:rPr lang="en-US" smtClean="0"/>
-              <a:t>14</a:t>
+              <a:t>18</a:t>
+            </a:fld>
+            <a:endParaRPr lang="en-US" dirty="0"/>
+          </a:p>
+        </p:txBody>
+      </p:sp>
+    </p:spTree>
+    <p:extLst>
+      <p:ext uri="{BB962C8B-B14F-4D97-AF65-F5344CB8AC3E}">
+        <p14:creationId xmlns:p14="http://schemas.microsoft.com/office/powerpoint/2010/main" val="1620802996"/>
+      </p:ext>
+    </p:extLst>
+  </p:cSld>
+  <p:clrMapOvr>
+    <a:masterClrMapping/>
+  </p:clrMapOvr>
+  <p:timing>
+    <p:tnLst>
+      <p:par>
+        <p:cTn id="1" dur="indefinite" restart="never" nodeType="tmRoot"/>
+      </p:par>
+    </p:tnLst>
+  </p:timing>
+</p:sld>
+</file>
+
+<file path=ppt/slides/slide19.xml><?xml version="1.0" encoding="utf-8"?>
+<p:sld xmlns:a="http://schemas.openxmlformats.org/drawingml/2006/main" xmlns:r="http://schemas.openxmlformats.org/officeDocument/2006/relationships" xmlns:p="http://schemas.openxmlformats.org/presentationml/2006/main">
+  <p:cSld>
+    <p:spTree>
+      <p:nvGrpSpPr>
+        <p:cNvPr id="1" name=""/>
+        <p:cNvGrpSpPr/>
+        <p:nvPr/>
+      </p:nvGrpSpPr>
+      <p:grpSpPr>
+        <a:xfrm>
+          <a:off x="0" y="0"/>
+          <a:ext cx="0" cy="0"/>
+          <a:chOff x="0" y="0"/>
+          <a:chExt cx="0" cy="0"/>
+        </a:xfrm>
+      </p:grpSpPr>
+      <p:sp>
+        <p:nvSpPr>
+          <p:cNvPr id="2" name="Title 1"/>
+          <p:cNvSpPr>
+            <a:spLocks noGrp="1"/>
+          </p:cNvSpPr>
+          <p:nvPr>
+            <p:ph type="title"/>
+          </p:nvPr>
+        </p:nvSpPr>
+        <p:spPr/>
+        <p:txBody>
+          <a:bodyPr/>
+          <a:lstStyle/>
+          <a:p>
+            <a:r>
+              <a:rPr lang="en-US" dirty="0" smtClean="0"/>
+              <a:t>Static for C/C++ programmers</a:t>
+            </a:r>
+            <a:endParaRPr lang="en-US" dirty="0"/>
+          </a:p>
+        </p:txBody>
+      </p:sp>
+      <p:sp>
+        <p:nvSpPr>
+          <p:cNvPr id="3" name="Date Placeholder 2"/>
+          <p:cNvSpPr>
+            <a:spLocks noGrp="1"/>
+          </p:cNvSpPr>
+          <p:nvPr>
+            <p:ph type="dt" sz="half" idx="10"/>
+          </p:nvPr>
+        </p:nvSpPr>
+        <p:spPr/>
+        <p:txBody>
+          <a:bodyPr/>
+          <a:lstStyle/>
+          <a:p>
+            <a:fld id="{C04B6024-2702-49B2-98BA-BAE3D8979AA9}" type="datetime2">
+              <a:rPr lang="en-US" smtClean="0"/>
+              <a:t>Monday, April 28, 2014</a:t>
+            </a:fld>
+            <a:endParaRPr lang="en-US" dirty="0"/>
+          </a:p>
+        </p:txBody>
+      </p:sp>
+      <p:sp>
+        <p:nvSpPr>
+          <p:cNvPr id="4" name="Footer Placeholder 3"/>
+          <p:cNvSpPr>
+            <a:spLocks noGrp="1"/>
+          </p:cNvSpPr>
+          <p:nvPr>
+            <p:ph type="ftr" sz="quarter" idx="11"/>
+          </p:nvPr>
+        </p:nvSpPr>
+        <p:spPr/>
+        <p:txBody>
+          <a:bodyPr/>
+          <a:lstStyle/>
+          <a:p>
+            <a:r>
+              <a:rPr lang="en-US" smtClean="0"/>
+              <a:t>Palle Cogburn</a:t>
+            </a:r>
+            <a:endParaRPr lang="en-US" dirty="0"/>
+          </a:p>
+        </p:txBody>
+      </p:sp>
+      <p:sp>
+        <p:nvSpPr>
+          <p:cNvPr id="5" name="Slide Number Placeholder 4"/>
+          <p:cNvSpPr>
+            <a:spLocks noGrp="1"/>
+          </p:cNvSpPr>
+          <p:nvPr>
+            <p:ph type="sldNum" sz="quarter" idx="12"/>
+          </p:nvPr>
+        </p:nvSpPr>
+        <p:spPr/>
+        <p:txBody>
+          <a:bodyPr/>
+          <a:lstStyle/>
+          <a:p>
+            <a:fld id="{8CBEA7D5-4322-4BC9-B527-2F0B772A1C61}" type="slidenum">
+              <a:rPr lang="en-US" smtClean="0"/>
+              <a:t>19</a:t>
             </a:fld>
             <a:endParaRPr lang="en-US" dirty="0"/>
           </a:p>
@@ -4981,14 +6301,14 @@
       </p:sp>
       <p:pic>
         <p:nvPicPr>
-          <p:cNvPr id="4098" name="Picture 2"/>
+          <p:cNvPr id="8194" name="Picture 2"/>
           <p:cNvPicPr>
             <a:picLocks noChangeAspect="1" noChangeArrowheads="1"/>
           </p:cNvPicPr>
           <p:nvPr/>
         </p:nvPicPr>
         <p:blipFill>
-          <a:blip r:embed="rId2">
+          <a:blip r:embed="rId3">
             <a:extLst>
               <a:ext uri="{28A0092B-C50C-407E-A947-70E740481C1C}">
                 <a14:useLocalDpi xmlns:a14="http://schemas.microsoft.com/office/drawing/2010/main" val="0"/>
@@ -5002,8 +6322,8 @@
         </p:blipFill>
         <p:spPr bwMode="auto">
           <a:xfrm>
-            <a:off x="1600200" y="2743200"/>
-            <a:ext cx="6477000" cy="1676400"/>
+            <a:off x="1066800" y="1905000"/>
+            <a:ext cx="7572375" cy="2128838"/>
           </a:xfrm>
           <a:prstGeom prst="rect">
             <a:avLst/>
@@ -5036,7 +6356,7 @@
     </p:spTree>
     <p:extLst>
       <p:ext uri="{BB962C8B-B14F-4D97-AF65-F5344CB8AC3E}">
-        <p14:creationId xmlns:p14="http://schemas.microsoft.com/office/powerpoint/2010/main" val="2970011223"/>
+        <p14:creationId xmlns:p14="http://schemas.microsoft.com/office/powerpoint/2010/main" val="1697161456"/>
       </p:ext>
     </p:extLst>
   </p:cSld>
@@ -5049,1001 +6369,6 @@
         <p:cTn id="1" dur="indefinite" restart="never" nodeType="tmRoot"/>
       </p:par>
     </p:tnLst>
-  </p:timing>
-</p:sld>
-</file>
-
-<file path=ppt/slides/slide15.xml><?xml version="1.0" encoding="utf-8"?>
-<p:sld xmlns:a="http://schemas.openxmlformats.org/drawingml/2006/main" xmlns:r="http://schemas.openxmlformats.org/officeDocument/2006/relationships" xmlns:p="http://schemas.openxmlformats.org/presentationml/2006/main">
-  <p:cSld>
-    <p:spTree>
-      <p:nvGrpSpPr>
-        <p:cNvPr id="1" name=""/>
-        <p:cNvGrpSpPr/>
-        <p:nvPr/>
-      </p:nvGrpSpPr>
-      <p:grpSpPr>
-        <a:xfrm>
-          <a:off x="0" y="0"/>
-          <a:ext cx="0" cy="0"/>
-          <a:chOff x="0" y="0"/>
-          <a:chExt cx="0" cy="0"/>
-        </a:xfrm>
-      </p:grpSpPr>
-      <p:sp>
-        <p:nvSpPr>
-          <p:cNvPr id="2" name="Title 1"/>
-          <p:cNvSpPr>
-            <a:spLocks noGrp="1"/>
-          </p:cNvSpPr>
-          <p:nvPr>
-            <p:ph type="title"/>
-          </p:nvPr>
-        </p:nvSpPr>
-        <p:spPr/>
-        <p:txBody>
-          <a:bodyPr>
-            <a:normAutofit fontScale="90000"/>
-          </a:bodyPr>
-          <a:lstStyle/>
-          <a:p>
-            <a:r>
-              <a:rPr lang="en-US" dirty="0" smtClean="0"/>
-              <a:t>Loops</a:t>
-            </a:r>
-            <a:br>
-              <a:rPr lang="en-US" dirty="0" smtClean="0"/>
-            </a:br>
-            <a:r>
-              <a:rPr lang="en-US" dirty="0" smtClean="0"/>
-              <a:t>- </a:t>
-            </a:r>
-            <a:r>
-              <a:rPr lang="en-US" dirty="0" smtClean="0"/>
-              <a:t>while</a:t>
-            </a:r>
-            <a:endParaRPr lang="en-US" dirty="0"/>
-          </a:p>
-        </p:txBody>
-      </p:sp>
-      <p:sp>
-        <p:nvSpPr>
-          <p:cNvPr id="4" name="Date Placeholder 3"/>
-          <p:cNvSpPr>
-            <a:spLocks noGrp="1"/>
-          </p:cNvSpPr>
-          <p:nvPr>
-            <p:ph type="dt" sz="half" idx="10"/>
-          </p:nvPr>
-        </p:nvSpPr>
-        <p:spPr/>
-        <p:txBody>
-          <a:bodyPr/>
-          <a:lstStyle/>
-          <a:p>
-            <a:fld id="{171408A9-A6D8-4827-AB69-EE2BB6926CB9}" type="datetime2">
-              <a:rPr lang="en-US" smtClean="0"/>
-              <a:t>Tuesday, April 15, 2014</a:t>
-            </a:fld>
-            <a:endParaRPr lang="en-US" dirty="0"/>
-          </a:p>
-        </p:txBody>
-      </p:sp>
-      <p:sp>
-        <p:nvSpPr>
-          <p:cNvPr id="5" name="Footer Placeholder 4"/>
-          <p:cNvSpPr>
-            <a:spLocks noGrp="1"/>
-          </p:cNvSpPr>
-          <p:nvPr>
-            <p:ph type="ftr" sz="quarter" idx="11"/>
-          </p:nvPr>
-        </p:nvSpPr>
-        <p:spPr/>
-        <p:txBody>
-          <a:bodyPr/>
-          <a:lstStyle/>
-          <a:p>
-            <a:r>
-              <a:rPr lang="en-US" smtClean="0"/>
-              <a:t>Palle Cogburn</a:t>
-            </a:r>
-            <a:endParaRPr lang="en-US" dirty="0"/>
-          </a:p>
-        </p:txBody>
-      </p:sp>
-      <p:sp>
-        <p:nvSpPr>
-          <p:cNvPr id="6" name="Slide Number Placeholder 5"/>
-          <p:cNvSpPr>
-            <a:spLocks noGrp="1"/>
-          </p:cNvSpPr>
-          <p:nvPr>
-            <p:ph type="sldNum" sz="quarter" idx="12"/>
-          </p:nvPr>
-        </p:nvSpPr>
-        <p:spPr/>
-        <p:txBody>
-          <a:bodyPr/>
-          <a:lstStyle/>
-          <a:p>
-            <a:fld id="{8CBEA7D5-4322-4BC9-B527-2F0B772A1C61}" type="slidenum">
-              <a:rPr lang="en-US" smtClean="0"/>
-              <a:t>15</a:t>
-            </a:fld>
-            <a:endParaRPr lang="en-US" dirty="0"/>
-          </a:p>
-        </p:txBody>
-      </p:sp>
-      <p:pic>
-        <p:nvPicPr>
-          <p:cNvPr id="5122" name="Picture 2"/>
-          <p:cNvPicPr>
-            <a:picLocks noChangeAspect="1" noChangeArrowheads="1"/>
-          </p:cNvPicPr>
-          <p:nvPr/>
-        </p:nvPicPr>
-        <p:blipFill>
-          <a:blip r:embed="rId2">
-            <a:extLst>
-              <a:ext uri="{28A0092B-C50C-407E-A947-70E740481C1C}">
-                <a14:useLocalDpi xmlns:a14="http://schemas.microsoft.com/office/drawing/2010/main" val="0"/>
-              </a:ext>
-            </a:extLst>
-          </a:blip>
-          <a:srcRect/>
-          <a:stretch>
-            <a:fillRect/>
-          </a:stretch>
-        </p:blipFill>
-        <p:spPr bwMode="auto">
-          <a:xfrm>
-            <a:off x="1600200" y="2667000"/>
-            <a:ext cx="6324600" cy="2190750"/>
-          </a:xfrm>
-          <a:prstGeom prst="rect">
-            <a:avLst/>
-          </a:prstGeom>
-          <a:noFill/>
-          <a:ln>
-            <a:noFill/>
-          </a:ln>
-          <a:extLst>
-            <a:ext uri="{909E8E84-426E-40DD-AFC4-6F175D3DCCD1}">
-              <a14:hiddenFill xmlns:a14="http://schemas.microsoft.com/office/drawing/2010/main">
-                <a:solidFill>
-                  <a:schemeClr val="accent1"/>
-                </a:solidFill>
-              </a14:hiddenFill>
-            </a:ext>
-            <a:ext uri="{91240B29-F687-4F45-9708-019B960494DF}">
-              <a14:hiddenLine xmlns:a14="http://schemas.microsoft.com/office/drawing/2010/main" w="9525">
-                <a:solidFill>
-                  <a:schemeClr val="tx1"/>
-                </a:solidFill>
-                <a:miter lim="800000"/>
-                <a:headEnd/>
-                <a:tailEnd/>
-              </a14:hiddenLine>
-            </a:ext>
-          </a:extLst>
-        </p:spPr>
-      </p:pic>
-    </p:spTree>
-    <p:extLst>
-      <p:ext uri="{BB962C8B-B14F-4D97-AF65-F5344CB8AC3E}">
-        <p14:creationId xmlns:p14="http://schemas.microsoft.com/office/powerpoint/2010/main" val="1979144597"/>
-      </p:ext>
-    </p:extLst>
-  </p:cSld>
-  <p:clrMapOvr>
-    <a:masterClrMapping/>
-  </p:clrMapOvr>
-  <p:timing>
-    <p:tnLst>
-      <p:par>
-        <p:cTn id="1" dur="indefinite" restart="never" nodeType="tmRoot"/>
-      </p:par>
-    </p:tnLst>
-  </p:timing>
-</p:sld>
-</file>
-
-<file path=ppt/slides/slide16.xml><?xml version="1.0" encoding="utf-8"?>
-<p:sld xmlns:a="http://schemas.openxmlformats.org/drawingml/2006/main" xmlns:r="http://schemas.openxmlformats.org/officeDocument/2006/relationships" xmlns:p="http://schemas.openxmlformats.org/presentationml/2006/main">
-  <p:cSld>
-    <p:spTree>
-      <p:nvGrpSpPr>
-        <p:cNvPr id="1" name=""/>
-        <p:cNvGrpSpPr/>
-        <p:nvPr/>
-      </p:nvGrpSpPr>
-      <p:grpSpPr>
-        <a:xfrm>
-          <a:off x="0" y="0"/>
-          <a:ext cx="0" cy="0"/>
-          <a:chOff x="0" y="0"/>
-          <a:chExt cx="0" cy="0"/>
-        </a:xfrm>
-      </p:grpSpPr>
-      <p:sp>
-        <p:nvSpPr>
-          <p:cNvPr id="2" name="Title 1"/>
-          <p:cNvSpPr>
-            <a:spLocks noGrp="1"/>
-          </p:cNvSpPr>
-          <p:nvPr>
-            <p:ph type="title"/>
-          </p:nvPr>
-        </p:nvSpPr>
-        <p:spPr/>
-        <p:txBody>
-          <a:bodyPr>
-            <a:normAutofit fontScale="90000"/>
-          </a:bodyPr>
-          <a:lstStyle/>
-          <a:p>
-            <a:r>
-              <a:rPr lang="en-US" dirty="0" smtClean="0"/>
-              <a:t>Loops</a:t>
-            </a:r>
-            <a:br>
-              <a:rPr lang="en-US" dirty="0" smtClean="0"/>
-            </a:br>
-            <a:r>
-              <a:rPr lang="en-US" dirty="0" smtClean="0"/>
-              <a:t>- </a:t>
-            </a:r>
-            <a:r>
-              <a:rPr lang="en-US" dirty="0" smtClean="0"/>
-              <a:t>break and continue</a:t>
-            </a:r>
-            <a:endParaRPr lang="en-US" dirty="0"/>
-          </a:p>
-        </p:txBody>
-      </p:sp>
-      <p:sp>
-        <p:nvSpPr>
-          <p:cNvPr id="4" name="Date Placeholder 3"/>
-          <p:cNvSpPr>
-            <a:spLocks noGrp="1"/>
-          </p:cNvSpPr>
-          <p:nvPr>
-            <p:ph type="dt" sz="half" idx="10"/>
-          </p:nvPr>
-        </p:nvSpPr>
-        <p:spPr/>
-        <p:txBody>
-          <a:bodyPr/>
-          <a:lstStyle/>
-          <a:p>
-            <a:fld id="{171408A9-A6D8-4827-AB69-EE2BB6926CB9}" type="datetime2">
-              <a:rPr lang="en-US" smtClean="0"/>
-              <a:t>Tuesday, April 15, 2014</a:t>
-            </a:fld>
-            <a:endParaRPr lang="en-US" dirty="0"/>
-          </a:p>
-        </p:txBody>
-      </p:sp>
-      <p:sp>
-        <p:nvSpPr>
-          <p:cNvPr id="5" name="Footer Placeholder 4"/>
-          <p:cNvSpPr>
-            <a:spLocks noGrp="1"/>
-          </p:cNvSpPr>
-          <p:nvPr>
-            <p:ph type="ftr" sz="quarter" idx="11"/>
-          </p:nvPr>
-        </p:nvSpPr>
-        <p:spPr/>
-        <p:txBody>
-          <a:bodyPr/>
-          <a:lstStyle/>
-          <a:p>
-            <a:r>
-              <a:rPr lang="en-US" smtClean="0"/>
-              <a:t>Palle Cogburn</a:t>
-            </a:r>
-            <a:endParaRPr lang="en-US" dirty="0"/>
-          </a:p>
-        </p:txBody>
-      </p:sp>
-      <p:sp>
-        <p:nvSpPr>
-          <p:cNvPr id="6" name="Slide Number Placeholder 5"/>
-          <p:cNvSpPr>
-            <a:spLocks noGrp="1"/>
-          </p:cNvSpPr>
-          <p:nvPr>
-            <p:ph type="sldNum" sz="quarter" idx="12"/>
-          </p:nvPr>
-        </p:nvSpPr>
-        <p:spPr/>
-        <p:txBody>
-          <a:bodyPr/>
-          <a:lstStyle/>
-          <a:p>
-            <a:fld id="{8CBEA7D5-4322-4BC9-B527-2F0B772A1C61}" type="slidenum">
-              <a:rPr lang="en-US" smtClean="0"/>
-              <a:t>16</a:t>
-            </a:fld>
-            <a:endParaRPr lang="en-US" dirty="0"/>
-          </a:p>
-        </p:txBody>
-      </p:sp>
-      <p:pic>
-        <p:nvPicPr>
-          <p:cNvPr id="6146" name="Picture 2"/>
-          <p:cNvPicPr>
-            <a:picLocks noChangeAspect="1" noChangeArrowheads="1"/>
-          </p:cNvPicPr>
-          <p:nvPr/>
-        </p:nvPicPr>
-        <p:blipFill>
-          <a:blip r:embed="rId2">
-            <a:extLst>
-              <a:ext uri="{28A0092B-C50C-407E-A947-70E740481C1C}">
-                <a14:useLocalDpi xmlns:a14="http://schemas.microsoft.com/office/drawing/2010/main" val="0"/>
-              </a:ext>
-            </a:extLst>
-          </a:blip>
-          <a:srcRect/>
-          <a:stretch>
-            <a:fillRect/>
-          </a:stretch>
-        </p:blipFill>
-        <p:spPr bwMode="auto">
-          <a:xfrm>
-            <a:off x="3352800" y="1676400"/>
-            <a:ext cx="5400675" cy="4800600"/>
-          </a:xfrm>
-          <a:prstGeom prst="rect">
-            <a:avLst/>
-          </a:prstGeom>
-          <a:noFill/>
-          <a:ln>
-            <a:noFill/>
-          </a:ln>
-          <a:extLst>
-            <a:ext uri="{909E8E84-426E-40DD-AFC4-6F175D3DCCD1}">
-              <a14:hiddenFill xmlns:a14="http://schemas.microsoft.com/office/drawing/2010/main">
-                <a:solidFill>
-                  <a:schemeClr val="accent1"/>
-                </a:solidFill>
-              </a14:hiddenFill>
-            </a:ext>
-            <a:ext uri="{91240B29-F687-4F45-9708-019B960494DF}">
-              <a14:hiddenLine xmlns:a14="http://schemas.microsoft.com/office/drawing/2010/main" w="9525">
-                <a:solidFill>
-                  <a:schemeClr val="tx1"/>
-                </a:solidFill>
-                <a:miter lim="800000"/>
-                <a:headEnd/>
-                <a:tailEnd/>
-              </a14:hiddenLine>
-            </a:ext>
-          </a:extLst>
-        </p:spPr>
-      </p:pic>
-      <p:cxnSp>
-        <p:nvCxnSpPr>
-          <p:cNvPr id="7" name="Elbow Connector 6"/>
-          <p:cNvCxnSpPr/>
-          <p:nvPr/>
-        </p:nvCxnSpPr>
-        <p:spPr>
-          <a:xfrm rot="10800000" flipV="1">
-            <a:off x="4267200" y="2667000"/>
-            <a:ext cx="1066800" cy="914400"/>
-          </a:xfrm>
-          <a:prstGeom prst="bentConnector3">
-            <a:avLst>
-              <a:gd name="adj1" fmla="val 130597"/>
-            </a:avLst>
-          </a:prstGeom>
-          <a:ln>
-            <a:tailEnd type="arrow"/>
-          </a:ln>
-        </p:spPr>
-        <p:style>
-          <a:lnRef idx="1">
-            <a:schemeClr val="accent1"/>
-          </a:lnRef>
-          <a:fillRef idx="0">
-            <a:schemeClr val="accent1"/>
-          </a:fillRef>
-          <a:effectRef idx="0">
-            <a:schemeClr val="accent1"/>
-          </a:effectRef>
-          <a:fontRef idx="minor">
-            <a:schemeClr val="tx1"/>
-          </a:fontRef>
-        </p:style>
-      </p:cxnSp>
-      <p:cxnSp>
-        <p:nvCxnSpPr>
-          <p:cNvPr id="13" name="Elbow Connector 12"/>
-          <p:cNvCxnSpPr/>
-          <p:nvPr/>
-        </p:nvCxnSpPr>
-        <p:spPr>
-          <a:xfrm rot="10800000">
-            <a:off x="4419600" y="4648200"/>
-            <a:ext cx="914400" cy="381000"/>
-          </a:xfrm>
-          <a:prstGeom prst="bentConnector3">
-            <a:avLst>
-              <a:gd name="adj1" fmla="val 148508"/>
-            </a:avLst>
-          </a:prstGeom>
-          <a:ln>
-            <a:tailEnd type="arrow"/>
-          </a:ln>
-        </p:spPr>
-        <p:style>
-          <a:lnRef idx="1">
-            <a:schemeClr val="accent1"/>
-          </a:lnRef>
-          <a:fillRef idx="0">
-            <a:schemeClr val="accent1"/>
-          </a:fillRef>
-          <a:effectRef idx="0">
-            <a:schemeClr val="accent1"/>
-          </a:effectRef>
-          <a:fontRef idx="minor">
-            <a:schemeClr val="tx1"/>
-          </a:fontRef>
-        </p:style>
-      </p:cxnSp>
-      <p:sp>
-        <p:nvSpPr>
-          <p:cNvPr id="16" name="TextBox 15"/>
-          <p:cNvSpPr txBox="1"/>
-          <p:nvPr/>
-        </p:nvSpPr>
-        <p:spPr>
-          <a:xfrm>
-            <a:off x="533400" y="4267200"/>
-            <a:ext cx="2748253" cy="1477328"/>
-          </a:xfrm>
-          <a:prstGeom prst="rect">
-            <a:avLst/>
-          </a:prstGeom>
-          <a:noFill/>
-          <a:ln>
-            <a:solidFill>
-              <a:srgbClr val="FF0000"/>
-            </a:solidFill>
-          </a:ln>
-        </p:spPr>
-        <p:txBody>
-          <a:bodyPr wrap="none" rtlCol="0">
-            <a:spAutoFit/>
-          </a:bodyPr>
-          <a:lstStyle/>
-          <a:p>
-            <a:r>
-              <a:rPr lang="en-US" dirty="0" smtClean="0"/>
-              <a:t>Do you see the problem?</a:t>
-            </a:r>
-          </a:p>
-          <a:p>
-            <a:endParaRPr lang="en-US" dirty="0"/>
-          </a:p>
-          <a:p>
-            <a:r>
-              <a:rPr lang="en-US" dirty="0" smtClean="0"/>
-              <a:t>Since variable ‘</a:t>
-            </a:r>
-            <a:r>
-              <a:rPr lang="en-US" dirty="0" err="1" smtClean="0"/>
-              <a:t>i</a:t>
-            </a:r>
-            <a:r>
-              <a:rPr lang="en-US" dirty="0" smtClean="0"/>
-              <a:t>’ is never</a:t>
-            </a:r>
-          </a:p>
-          <a:p>
-            <a:r>
-              <a:rPr lang="en-US" dirty="0" smtClean="0"/>
-              <a:t>Incremented, the loop runs</a:t>
-            </a:r>
-          </a:p>
-          <a:p>
-            <a:r>
-              <a:rPr lang="en-US" dirty="0" smtClean="0"/>
-              <a:t>forever.</a:t>
-            </a:r>
-            <a:endParaRPr lang="en-US" dirty="0"/>
-          </a:p>
-        </p:txBody>
-      </p:sp>
-      <p:sp>
-        <p:nvSpPr>
-          <p:cNvPr id="17" name="TextBox 16"/>
-          <p:cNvSpPr txBox="1"/>
-          <p:nvPr/>
-        </p:nvSpPr>
-        <p:spPr>
-          <a:xfrm>
-            <a:off x="533400" y="1905000"/>
-            <a:ext cx="2773708" cy="369332"/>
-          </a:xfrm>
-          <a:prstGeom prst="rect">
-            <a:avLst/>
-          </a:prstGeom>
-          <a:noFill/>
-        </p:spPr>
-        <p:txBody>
-          <a:bodyPr wrap="none" rtlCol="0">
-            <a:spAutoFit/>
-          </a:bodyPr>
-          <a:lstStyle/>
-          <a:p>
-            <a:r>
-              <a:rPr lang="en-US" dirty="0" smtClean="0"/>
-              <a:t>‘break’ goes out of the loop</a:t>
-            </a:r>
-            <a:endParaRPr lang="en-US" dirty="0"/>
-          </a:p>
-        </p:txBody>
-      </p:sp>
-      <p:sp>
-        <p:nvSpPr>
-          <p:cNvPr id="20" name="TextBox 19"/>
-          <p:cNvSpPr txBox="1"/>
-          <p:nvPr/>
-        </p:nvSpPr>
-        <p:spPr>
-          <a:xfrm>
-            <a:off x="507944" y="3396735"/>
-            <a:ext cx="2706831" cy="646331"/>
-          </a:xfrm>
-          <a:prstGeom prst="rect">
-            <a:avLst/>
-          </a:prstGeom>
-          <a:noFill/>
-        </p:spPr>
-        <p:txBody>
-          <a:bodyPr wrap="none" rtlCol="0">
-            <a:spAutoFit/>
-          </a:bodyPr>
-          <a:lstStyle/>
-          <a:p>
-            <a:r>
-              <a:rPr lang="en-US" dirty="0" smtClean="0"/>
-              <a:t>‘continue’ goes back to the</a:t>
-            </a:r>
-          </a:p>
-          <a:p>
-            <a:r>
-              <a:rPr lang="en-US" dirty="0" smtClean="0"/>
-              <a:t>beginning of the loop</a:t>
-            </a:r>
-            <a:endParaRPr lang="en-US" dirty="0"/>
-          </a:p>
-        </p:txBody>
-      </p:sp>
-    </p:spTree>
-    <p:extLst>
-      <p:ext uri="{BB962C8B-B14F-4D97-AF65-F5344CB8AC3E}">
-        <p14:creationId xmlns:p14="http://schemas.microsoft.com/office/powerpoint/2010/main" val="954028953"/>
-      </p:ext>
-    </p:extLst>
-  </p:cSld>
-  <p:clrMapOvr>
-    <a:masterClrMapping/>
-  </p:clrMapOvr>
-  <p:timing>
-    <p:tnLst>
-      <p:par>
-        <p:cTn id="1" dur="indefinite" restart="never" nodeType="tmRoot">
-          <p:childTnLst>
-            <p:seq concurrent="1" nextAc="seek">
-              <p:cTn id="2" dur="indefinite" nodeType="mainSeq">
-                <p:childTnLst>
-                  <p:par>
-                    <p:cTn id="3" fill="hold">
-                      <p:stCondLst>
-                        <p:cond delay="indefinite"/>
-                      </p:stCondLst>
-                      <p:childTnLst>
-                        <p:par>
-                          <p:cTn id="4" fill="hold">
-                            <p:stCondLst>
-                              <p:cond delay="0"/>
-                            </p:stCondLst>
-                            <p:childTnLst>
-                              <p:par>
-                                <p:cTn id="5" presetID="1" presetClass="entr" presetSubtype="0" fill="hold" grpId="0" nodeType="clickEffect">
-                                  <p:stCondLst>
-                                    <p:cond delay="0"/>
-                                  </p:stCondLst>
-                                  <p:childTnLst>
-                                    <p:set>
-                                      <p:cBhvr>
-                                        <p:cTn id="6" dur="1" fill="hold">
-                                          <p:stCondLst>
-                                            <p:cond delay="0"/>
-                                          </p:stCondLst>
-                                        </p:cTn>
-                                        <p:tgtEl>
-                                          <p:spTgt spid="16"/>
-                                        </p:tgtEl>
-                                        <p:attrNameLst>
-                                          <p:attrName>style.visibility</p:attrName>
-                                        </p:attrNameLst>
-                                      </p:cBhvr>
-                                      <p:to>
-                                        <p:strVal val="visible"/>
-                                      </p:to>
-                                    </p:set>
-                                  </p:childTnLst>
-                                </p:cTn>
-                              </p:par>
-                            </p:childTnLst>
-                          </p:cTn>
-                        </p:par>
-                      </p:childTnLst>
-                    </p:cTn>
-                  </p:par>
-                </p:childTnLst>
-              </p:cTn>
-              <p:prevCondLst>
-                <p:cond evt="onPrev" delay="0">
-                  <p:tgtEl>
-                    <p:sldTgt/>
-                  </p:tgtEl>
-                </p:cond>
-              </p:prevCondLst>
-              <p:nextCondLst>
-                <p:cond evt="onNext" delay="0">
-                  <p:tgtEl>
-                    <p:sldTgt/>
-                  </p:tgtEl>
-                </p:cond>
-              </p:nextCondLst>
-            </p:seq>
-          </p:childTnLst>
-        </p:cTn>
-      </p:par>
-    </p:tnLst>
-    <p:bldLst>
-      <p:bldP spid="16" grpId="0" animBg="1"/>
-    </p:bldLst>
-  </p:timing>
-</p:sld>
-</file>
-
-<file path=ppt/slides/slide17.xml><?xml version="1.0" encoding="utf-8"?>
-<p:sld xmlns:a="http://schemas.openxmlformats.org/drawingml/2006/main" xmlns:r="http://schemas.openxmlformats.org/officeDocument/2006/relationships" xmlns:p="http://schemas.openxmlformats.org/presentationml/2006/main">
-  <p:cSld>
-    <p:spTree>
-      <p:nvGrpSpPr>
-        <p:cNvPr id="1" name=""/>
-        <p:cNvGrpSpPr/>
-        <p:nvPr/>
-      </p:nvGrpSpPr>
-      <p:grpSpPr>
-        <a:xfrm>
-          <a:off x="0" y="0"/>
-          <a:ext cx="0" cy="0"/>
-          <a:chOff x="0" y="0"/>
-          <a:chExt cx="0" cy="0"/>
-        </a:xfrm>
-      </p:grpSpPr>
-      <p:sp>
-        <p:nvSpPr>
-          <p:cNvPr id="2" name="Title 1"/>
-          <p:cNvSpPr>
-            <a:spLocks noGrp="1"/>
-          </p:cNvSpPr>
-          <p:nvPr>
-            <p:ph type="title"/>
-          </p:nvPr>
-        </p:nvSpPr>
-        <p:spPr/>
-        <p:txBody>
-          <a:bodyPr>
-            <a:normAutofit fontScale="90000"/>
-          </a:bodyPr>
-          <a:lstStyle/>
-          <a:p>
-            <a:r>
-              <a:rPr lang="en-US" dirty="0" smtClean="0"/>
-              <a:t>Loops</a:t>
-            </a:r>
-            <a:br>
-              <a:rPr lang="en-US" dirty="0" smtClean="0"/>
-            </a:br>
-            <a:r>
-              <a:rPr lang="en-US" dirty="0" smtClean="0"/>
-              <a:t>- do </a:t>
-            </a:r>
-            <a:r>
-              <a:rPr lang="en-US" dirty="0" smtClean="0"/>
-              <a:t>while</a:t>
-            </a:r>
-            <a:endParaRPr lang="en-US" dirty="0"/>
-          </a:p>
-        </p:txBody>
-      </p:sp>
-      <p:sp>
-        <p:nvSpPr>
-          <p:cNvPr id="4" name="Date Placeholder 3"/>
-          <p:cNvSpPr>
-            <a:spLocks noGrp="1"/>
-          </p:cNvSpPr>
-          <p:nvPr>
-            <p:ph type="dt" sz="half" idx="10"/>
-          </p:nvPr>
-        </p:nvSpPr>
-        <p:spPr/>
-        <p:txBody>
-          <a:bodyPr/>
-          <a:lstStyle/>
-          <a:p>
-            <a:fld id="{171408A9-A6D8-4827-AB69-EE2BB6926CB9}" type="datetime2">
-              <a:rPr lang="en-US" smtClean="0"/>
-              <a:t>Tuesday, April 15, 2014</a:t>
-            </a:fld>
-            <a:endParaRPr lang="en-US" dirty="0"/>
-          </a:p>
-        </p:txBody>
-      </p:sp>
-      <p:sp>
-        <p:nvSpPr>
-          <p:cNvPr id="5" name="Footer Placeholder 4"/>
-          <p:cNvSpPr>
-            <a:spLocks noGrp="1"/>
-          </p:cNvSpPr>
-          <p:nvPr>
-            <p:ph type="ftr" sz="quarter" idx="11"/>
-          </p:nvPr>
-        </p:nvSpPr>
-        <p:spPr/>
-        <p:txBody>
-          <a:bodyPr/>
-          <a:lstStyle/>
-          <a:p>
-            <a:r>
-              <a:rPr lang="en-US" smtClean="0"/>
-              <a:t>Palle Cogburn</a:t>
-            </a:r>
-            <a:endParaRPr lang="en-US" dirty="0"/>
-          </a:p>
-        </p:txBody>
-      </p:sp>
-      <p:sp>
-        <p:nvSpPr>
-          <p:cNvPr id="6" name="Slide Number Placeholder 5"/>
-          <p:cNvSpPr>
-            <a:spLocks noGrp="1"/>
-          </p:cNvSpPr>
-          <p:nvPr>
-            <p:ph type="sldNum" sz="quarter" idx="12"/>
-          </p:nvPr>
-        </p:nvSpPr>
-        <p:spPr/>
-        <p:txBody>
-          <a:bodyPr/>
-          <a:lstStyle/>
-          <a:p>
-            <a:fld id="{8CBEA7D5-4322-4BC9-B527-2F0B772A1C61}" type="slidenum">
-              <a:rPr lang="en-US" smtClean="0"/>
-              <a:t>17</a:t>
-            </a:fld>
-            <a:endParaRPr lang="en-US" dirty="0"/>
-          </a:p>
-        </p:txBody>
-      </p:sp>
-      <p:pic>
-        <p:nvPicPr>
-          <p:cNvPr id="7170" name="Picture 2"/>
-          <p:cNvPicPr>
-            <a:picLocks noChangeAspect="1" noChangeArrowheads="1"/>
-          </p:cNvPicPr>
-          <p:nvPr/>
-        </p:nvPicPr>
-        <p:blipFill>
-          <a:blip r:embed="rId2">
-            <a:extLst>
-              <a:ext uri="{28A0092B-C50C-407E-A947-70E740481C1C}">
-                <a14:useLocalDpi xmlns:a14="http://schemas.microsoft.com/office/drawing/2010/main" val="0"/>
-              </a:ext>
-            </a:extLst>
-          </a:blip>
-          <a:srcRect/>
-          <a:stretch>
-            <a:fillRect/>
-          </a:stretch>
-        </p:blipFill>
-        <p:spPr bwMode="auto">
-          <a:xfrm>
-            <a:off x="2286000" y="2286000"/>
-            <a:ext cx="6534150" cy="2190750"/>
-          </a:xfrm>
-          <a:prstGeom prst="rect">
-            <a:avLst/>
-          </a:prstGeom>
-          <a:noFill/>
-          <a:ln>
-            <a:noFill/>
-          </a:ln>
-          <a:extLst>
-            <a:ext uri="{909E8E84-426E-40DD-AFC4-6F175D3DCCD1}">
-              <a14:hiddenFill xmlns:a14="http://schemas.microsoft.com/office/drawing/2010/main">
-                <a:solidFill>
-                  <a:schemeClr val="accent1"/>
-                </a:solidFill>
-              </a14:hiddenFill>
-            </a:ext>
-            <a:ext uri="{91240B29-F687-4F45-9708-019B960494DF}">
-              <a14:hiddenLine xmlns:a14="http://schemas.microsoft.com/office/drawing/2010/main" w="9525">
-                <a:solidFill>
-                  <a:schemeClr val="tx1"/>
-                </a:solidFill>
-                <a:miter lim="800000"/>
-                <a:headEnd/>
-                <a:tailEnd/>
-              </a14:hiddenLine>
-            </a:ext>
-          </a:extLst>
-        </p:spPr>
-      </p:pic>
-      <p:sp>
-        <p:nvSpPr>
-          <p:cNvPr id="3" name="TextBox 2"/>
-          <p:cNvSpPr txBox="1"/>
-          <p:nvPr/>
-        </p:nvSpPr>
-        <p:spPr>
-          <a:xfrm>
-            <a:off x="457200" y="1905000"/>
-            <a:ext cx="2216504" cy="369332"/>
-          </a:xfrm>
-          <a:prstGeom prst="rect">
-            <a:avLst/>
-          </a:prstGeom>
-          <a:noFill/>
-        </p:spPr>
-        <p:txBody>
-          <a:bodyPr wrap="none" rtlCol="0">
-            <a:spAutoFit/>
-          </a:bodyPr>
-          <a:lstStyle/>
-          <a:p>
-            <a:r>
-              <a:rPr lang="en-US" dirty="0" smtClean="0"/>
-              <a:t>Do first, validate after</a:t>
-            </a:r>
-            <a:endParaRPr lang="en-US" dirty="0"/>
-          </a:p>
-        </p:txBody>
-      </p:sp>
-      <p:sp>
-        <p:nvSpPr>
-          <p:cNvPr id="9" name="TextBox 8"/>
-          <p:cNvSpPr txBox="1"/>
-          <p:nvPr/>
-        </p:nvSpPr>
-        <p:spPr>
-          <a:xfrm>
-            <a:off x="457200" y="4876800"/>
-            <a:ext cx="5261890" cy="369332"/>
-          </a:xfrm>
-          <a:prstGeom prst="rect">
-            <a:avLst/>
-          </a:prstGeom>
-          <a:noFill/>
-          <a:ln>
-            <a:solidFill>
-              <a:srgbClr val="FF0000"/>
-            </a:solidFill>
-          </a:ln>
-        </p:spPr>
-        <p:txBody>
-          <a:bodyPr wrap="none" rtlCol="0">
-            <a:spAutoFit/>
-          </a:bodyPr>
-          <a:lstStyle/>
-          <a:p>
-            <a:r>
-              <a:rPr lang="en-US" dirty="0" smtClean="0"/>
-              <a:t>Careful! This kind of loop will always run at least once.</a:t>
-            </a:r>
-            <a:endParaRPr lang="en-US" dirty="0"/>
-          </a:p>
-        </p:txBody>
-      </p:sp>
-    </p:spTree>
-    <p:extLst>
-      <p:ext uri="{BB962C8B-B14F-4D97-AF65-F5344CB8AC3E}">
-        <p14:creationId xmlns:p14="http://schemas.microsoft.com/office/powerpoint/2010/main" val="871404721"/>
-      </p:ext>
-    </p:extLst>
-  </p:cSld>
-  <p:clrMapOvr>
-    <a:masterClrMapping/>
-  </p:clrMapOvr>
-  <p:timing>
-    <p:tnLst>
-      <p:par>
-        <p:cTn id="1" dur="indefinite" restart="never" nodeType="tmRoot">
-          <p:childTnLst>
-            <p:seq concurrent="1" nextAc="seek">
-              <p:cTn id="2" dur="indefinite" nodeType="mainSeq">
-                <p:childTnLst>
-                  <p:par>
-                    <p:cTn id="3" fill="hold">
-                      <p:stCondLst>
-                        <p:cond delay="indefinite"/>
-                      </p:stCondLst>
-                      <p:childTnLst>
-                        <p:par>
-                          <p:cTn id="4" fill="hold">
-                            <p:stCondLst>
-                              <p:cond delay="0"/>
-                            </p:stCondLst>
-                            <p:childTnLst>
-                              <p:par>
-                                <p:cTn id="5" presetID="1" presetClass="entr" presetSubtype="0" fill="hold" grpId="0" nodeType="clickEffect">
-                                  <p:stCondLst>
-                                    <p:cond delay="0"/>
-                                  </p:stCondLst>
-                                  <p:childTnLst>
-                                    <p:set>
-                                      <p:cBhvr>
-                                        <p:cTn id="6" dur="1" fill="hold">
-                                          <p:stCondLst>
-                                            <p:cond delay="0"/>
-                                          </p:stCondLst>
-                                        </p:cTn>
-                                        <p:tgtEl>
-                                          <p:spTgt spid="9"/>
-                                        </p:tgtEl>
-                                        <p:attrNameLst>
-                                          <p:attrName>style.visibility</p:attrName>
-                                        </p:attrNameLst>
-                                      </p:cBhvr>
-                                      <p:to>
-                                        <p:strVal val="visible"/>
-                                      </p:to>
-                                    </p:set>
-                                  </p:childTnLst>
-                                </p:cTn>
-                              </p:par>
-                            </p:childTnLst>
-                          </p:cTn>
-                        </p:par>
-                      </p:childTnLst>
-                    </p:cTn>
-                  </p:par>
-                </p:childTnLst>
-              </p:cTn>
-              <p:prevCondLst>
-                <p:cond evt="onPrev" delay="0">
-                  <p:tgtEl>
-                    <p:sldTgt/>
-                  </p:tgtEl>
-                </p:cond>
-              </p:prevCondLst>
-              <p:nextCondLst>
-                <p:cond evt="onNext" delay="0">
-                  <p:tgtEl>
-                    <p:sldTgt/>
-                  </p:tgtEl>
-                </p:cond>
-              </p:nextCondLst>
-            </p:seq>
-          </p:childTnLst>
-        </p:cTn>
-      </p:par>
-    </p:tnLst>
-    <p:bldLst>
-      <p:bldP spid="9" grpId="0" animBg="1"/>
-    </p:bldLst>
   </p:timing>
 </p:sld>
 </file>
@@ -6415,7 +6740,7 @@
           <a:p>
             <a:fld id="{B35EA6BA-2020-49E1-9871-1CBA864BFA1D}" type="datetime2">
               <a:rPr lang="en-US" smtClean="0"/>
-              <a:t>Tuesday, April 15, 2014</a:t>
+              <a:t>Monday, April 28, 2014</a:t>
             </a:fld>
             <a:endParaRPr lang="en-US" dirty="0"/>
           </a:p>
@@ -6471,6 +6796,2443 @@
     <p:extLst>
       <p:ext uri="{BB962C8B-B14F-4D97-AF65-F5344CB8AC3E}">
         <p14:creationId xmlns:p14="http://schemas.microsoft.com/office/powerpoint/2010/main" val="1299333495"/>
+      </p:ext>
+    </p:extLst>
+  </p:cSld>
+  <p:clrMapOvr>
+    <a:masterClrMapping/>
+  </p:clrMapOvr>
+  <p:timing>
+    <p:tnLst>
+      <p:par>
+        <p:cTn id="1" dur="indefinite" restart="never" nodeType="tmRoot"/>
+      </p:par>
+    </p:tnLst>
+  </p:timing>
+</p:sld>
+</file>
+
+<file path=ppt/slides/slide20.xml><?xml version="1.0" encoding="utf-8"?>
+<p:sld xmlns:a="http://schemas.openxmlformats.org/drawingml/2006/main" xmlns:r="http://schemas.openxmlformats.org/officeDocument/2006/relationships" xmlns:p="http://schemas.openxmlformats.org/presentationml/2006/main">
+  <p:cSld>
+    <p:spTree>
+      <p:nvGrpSpPr>
+        <p:cNvPr id="1" name=""/>
+        <p:cNvGrpSpPr/>
+        <p:nvPr/>
+      </p:nvGrpSpPr>
+      <p:grpSpPr>
+        <a:xfrm>
+          <a:off x="0" y="0"/>
+          <a:ext cx="0" cy="0"/>
+          <a:chOff x="0" y="0"/>
+          <a:chExt cx="0" cy="0"/>
+        </a:xfrm>
+      </p:grpSpPr>
+      <p:sp>
+        <p:nvSpPr>
+          <p:cNvPr id="2" name="Title 1"/>
+          <p:cNvSpPr>
+            <a:spLocks noGrp="1"/>
+          </p:cNvSpPr>
+          <p:nvPr>
+            <p:ph type="title"/>
+          </p:nvPr>
+        </p:nvSpPr>
+        <p:spPr/>
+        <p:txBody>
+          <a:bodyPr/>
+          <a:lstStyle/>
+          <a:p>
+            <a:r>
+              <a:rPr lang="en-US" dirty="0" smtClean="0"/>
+              <a:t>Constructors</a:t>
+            </a:r>
+            <a:endParaRPr lang="en-US" dirty="0"/>
+          </a:p>
+        </p:txBody>
+      </p:sp>
+      <p:sp>
+        <p:nvSpPr>
+          <p:cNvPr id="3" name="Content Placeholder 2"/>
+          <p:cNvSpPr>
+            <a:spLocks noGrp="1"/>
+          </p:cNvSpPr>
+          <p:nvPr>
+            <p:ph idx="1"/>
+          </p:nvPr>
+        </p:nvSpPr>
+        <p:spPr/>
+        <p:txBody>
+          <a:bodyPr/>
+          <a:lstStyle/>
+          <a:p>
+            <a:r>
+              <a:rPr lang="en-US" dirty="0" smtClean="0"/>
+              <a:t>Constructors are methods</a:t>
+            </a:r>
+          </a:p>
+          <a:p>
+            <a:r>
+              <a:rPr lang="en-US" dirty="0" smtClean="0"/>
+              <a:t>Have same name as the class</a:t>
+            </a:r>
+          </a:p>
+          <a:p>
+            <a:r>
+              <a:rPr lang="en-US" dirty="0" smtClean="0"/>
+              <a:t>Keyword ‘new’ calls</a:t>
+            </a:r>
+            <a:br>
+              <a:rPr lang="en-US" dirty="0" smtClean="0"/>
+            </a:br>
+            <a:r>
+              <a:rPr lang="en-US" smtClean="0"/>
+              <a:t>a constructor.</a:t>
+            </a:r>
+            <a:endParaRPr lang="en-US" dirty="0" smtClean="0"/>
+          </a:p>
+          <a:p>
+            <a:endParaRPr lang="en-US" dirty="0"/>
+          </a:p>
+        </p:txBody>
+      </p:sp>
+      <p:pic>
+        <p:nvPicPr>
+          <p:cNvPr id="7171" name="Picture 3"/>
+          <p:cNvPicPr>
+            <a:picLocks noChangeAspect="1" noChangeArrowheads="1"/>
+          </p:cNvPicPr>
+          <p:nvPr/>
+        </p:nvPicPr>
+        <p:blipFill>
+          <a:blip r:embed="rId2">
+            <a:extLst>
+              <a:ext uri="{28A0092B-C50C-407E-A947-70E740481C1C}">
+                <a14:useLocalDpi xmlns:a14="http://schemas.microsoft.com/office/drawing/2010/main" val="0"/>
+              </a:ext>
+            </a:extLst>
+          </a:blip>
+          <a:srcRect/>
+          <a:stretch>
+            <a:fillRect/>
+          </a:stretch>
+        </p:blipFill>
+        <p:spPr bwMode="auto">
+          <a:xfrm>
+            <a:off x="4379586" y="2850107"/>
+            <a:ext cx="4764414" cy="3949985"/>
+          </a:xfrm>
+          <a:prstGeom prst="rect">
+            <a:avLst/>
+          </a:prstGeom>
+          <a:noFill/>
+          <a:ln>
+            <a:noFill/>
+          </a:ln>
+          <a:extLst>
+            <a:ext uri="{909E8E84-426E-40DD-AFC4-6F175D3DCCD1}">
+              <a14:hiddenFill xmlns:a14="http://schemas.microsoft.com/office/drawing/2010/main">
+                <a:solidFill>
+                  <a:schemeClr val="accent1"/>
+                </a:solidFill>
+              </a14:hiddenFill>
+            </a:ext>
+            <a:ext uri="{91240B29-F687-4F45-9708-019B960494DF}">
+              <a14:hiddenLine xmlns:a14="http://schemas.microsoft.com/office/drawing/2010/main" w="9525">
+                <a:solidFill>
+                  <a:schemeClr val="tx1"/>
+                </a:solidFill>
+                <a:miter lim="800000"/>
+                <a:headEnd/>
+                <a:tailEnd/>
+              </a14:hiddenLine>
+            </a:ext>
+          </a:extLst>
+        </p:spPr>
+      </p:pic>
+      <p:sp>
+        <p:nvSpPr>
+          <p:cNvPr id="4" name="Date Placeholder 3"/>
+          <p:cNvSpPr>
+            <a:spLocks noGrp="1"/>
+          </p:cNvSpPr>
+          <p:nvPr>
+            <p:ph type="dt" sz="half" idx="10"/>
+          </p:nvPr>
+        </p:nvSpPr>
+        <p:spPr/>
+        <p:txBody>
+          <a:bodyPr/>
+          <a:lstStyle/>
+          <a:p>
+            <a:fld id="{42D7A74B-B279-4203-87CE-D35E59BD6D2D}" type="datetime2">
+              <a:rPr lang="en-US" smtClean="0"/>
+              <a:t>Monday, April 28, 2014</a:t>
+            </a:fld>
+            <a:endParaRPr lang="en-US" dirty="0"/>
+          </a:p>
+        </p:txBody>
+      </p:sp>
+      <p:sp>
+        <p:nvSpPr>
+          <p:cNvPr id="5" name="Footer Placeholder 4"/>
+          <p:cNvSpPr>
+            <a:spLocks noGrp="1"/>
+          </p:cNvSpPr>
+          <p:nvPr>
+            <p:ph type="ftr" sz="quarter" idx="11"/>
+          </p:nvPr>
+        </p:nvSpPr>
+        <p:spPr/>
+        <p:txBody>
+          <a:bodyPr/>
+          <a:lstStyle/>
+          <a:p>
+            <a:r>
+              <a:rPr lang="en-US" smtClean="0"/>
+              <a:t>Palle Cogburn</a:t>
+            </a:r>
+            <a:endParaRPr lang="en-US" dirty="0"/>
+          </a:p>
+        </p:txBody>
+      </p:sp>
+      <p:sp>
+        <p:nvSpPr>
+          <p:cNvPr id="6" name="Slide Number Placeholder 5"/>
+          <p:cNvSpPr>
+            <a:spLocks noGrp="1"/>
+          </p:cNvSpPr>
+          <p:nvPr>
+            <p:ph type="sldNum" sz="quarter" idx="12"/>
+          </p:nvPr>
+        </p:nvSpPr>
+        <p:spPr/>
+        <p:txBody>
+          <a:bodyPr/>
+          <a:lstStyle/>
+          <a:p>
+            <a:fld id="{8CBEA7D5-4322-4BC9-B527-2F0B772A1C61}" type="slidenum">
+              <a:rPr lang="en-US" smtClean="0"/>
+              <a:t>20</a:t>
+            </a:fld>
+            <a:endParaRPr lang="en-US" dirty="0"/>
+          </a:p>
+        </p:txBody>
+      </p:sp>
+    </p:spTree>
+    <p:extLst>
+      <p:ext uri="{BB962C8B-B14F-4D97-AF65-F5344CB8AC3E}">
+        <p14:creationId xmlns:p14="http://schemas.microsoft.com/office/powerpoint/2010/main" val="1262639182"/>
+      </p:ext>
+    </p:extLst>
+  </p:cSld>
+  <p:clrMapOvr>
+    <a:masterClrMapping/>
+  </p:clrMapOvr>
+  <p:timing>
+    <p:tnLst>
+      <p:par>
+        <p:cTn id="1" dur="indefinite" restart="never" nodeType="tmRoot"/>
+      </p:par>
+    </p:tnLst>
+  </p:timing>
+</p:sld>
+</file>
+
+<file path=ppt/slides/slide21.xml><?xml version="1.0" encoding="utf-8"?>
+<p:sld xmlns:a="http://schemas.openxmlformats.org/drawingml/2006/main" xmlns:r="http://schemas.openxmlformats.org/officeDocument/2006/relationships" xmlns:p="http://schemas.openxmlformats.org/presentationml/2006/main">
+  <p:cSld>
+    <p:spTree>
+      <p:nvGrpSpPr>
+        <p:cNvPr id="1" name=""/>
+        <p:cNvGrpSpPr/>
+        <p:nvPr/>
+      </p:nvGrpSpPr>
+      <p:grpSpPr>
+        <a:xfrm>
+          <a:off x="0" y="0"/>
+          <a:ext cx="0" cy="0"/>
+          <a:chOff x="0" y="0"/>
+          <a:chExt cx="0" cy="0"/>
+        </a:xfrm>
+      </p:grpSpPr>
+      <p:sp>
+        <p:nvSpPr>
+          <p:cNvPr id="2" name="Title 1"/>
+          <p:cNvSpPr>
+            <a:spLocks noGrp="1"/>
+          </p:cNvSpPr>
+          <p:nvPr>
+            <p:ph type="title"/>
+          </p:nvPr>
+        </p:nvSpPr>
+        <p:spPr/>
+        <p:txBody>
+          <a:bodyPr/>
+          <a:lstStyle/>
+          <a:p>
+            <a:r>
+              <a:rPr lang="en-US" dirty="0" smtClean="0"/>
+              <a:t>Type constructor</a:t>
+            </a:r>
+            <a:endParaRPr lang="en-US" dirty="0"/>
+          </a:p>
+        </p:txBody>
+      </p:sp>
+      <p:sp>
+        <p:nvSpPr>
+          <p:cNvPr id="3" name="Date Placeholder 2"/>
+          <p:cNvSpPr>
+            <a:spLocks noGrp="1"/>
+          </p:cNvSpPr>
+          <p:nvPr>
+            <p:ph type="dt" sz="half" idx="10"/>
+          </p:nvPr>
+        </p:nvSpPr>
+        <p:spPr/>
+        <p:txBody>
+          <a:bodyPr/>
+          <a:lstStyle/>
+          <a:p>
+            <a:fld id="{C04B6024-2702-49B2-98BA-BAE3D8979AA9}" type="datetime2">
+              <a:rPr lang="en-US" smtClean="0"/>
+              <a:t>Monday, April 28, 2014</a:t>
+            </a:fld>
+            <a:endParaRPr lang="en-US" dirty="0"/>
+          </a:p>
+        </p:txBody>
+      </p:sp>
+      <p:sp>
+        <p:nvSpPr>
+          <p:cNvPr id="4" name="Footer Placeholder 3"/>
+          <p:cNvSpPr>
+            <a:spLocks noGrp="1"/>
+          </p:cNvSpPr>
+          <p:nvPr>
+            <p:ph type="ftr" sz="quarter" idx="11"/>
+          </p:nvPr>
+        </p:nvSpPr>
+        <p:spPr/>
+        <p:txBody>
+          <a:bodyPr/>
+          <a:lstStyle/>
+          <a:p>
+            <a:r>
+              <a:rPr lang="en-US" smtClean="0"/>
+              <a:t>Palle Cogburn</a:t>
+            </a:r>
+            <a:endParaRPr lang="en-US" dirty="0"/>
+          </a:p>
+        </p:txBody>
+      </p:sp>
+      <p:sp>
+        <p:nvSpPr>
+          <p:cNvPr id="5" name="Slide Number Placeholder 4"/>
+          <p:cNvSpPr>
+            <a:spLocks noGrp="1"/>
+          </p:cNvSpPr>
+          <p:nvPr>
+            <p:ph type="sldNum" sz="quarter" idx="12"/>
+          </p:nvPr>
+        </p:nvSpPr>
+        <p:spPr/>
+        <p:txBody>
+          <a:bodyPr/>
+          <a:lstStyle/>
+          <a:p>
+            <a:fld id="{8CBEA7D5-4322-4BC9-B527-2F0B772A1C61}" type="slidenum">
+              <a:rPr lang="en-US" smtClean="0"/>
+              <a:t>21</a:t>
+            </a:fld>
+            <a:endParaRPr lang="en-US" dirty="0"/>
+          </a:p>
+        </p:txBody>
+      </p:sp>
+      <p:pic>
+        <p:nvPicPr>
+          <p:cNvPr id="9218" name="Picture 2"/>
+          <p:cNvPicPr>
+            <a:picLocks noChangeAspect="1" noChangeArrowheads="1"/>
+          </p:cNvPicPr>
+          <p:nvPr/>
+        </p:nvPicPr>
+        <p:blipFill>
+          <a:blip r:embed="rId2">
+            <a:extLst>
+              <a:ext uri="{28A0092B-C50C-407E-A947-70E740481C1C}">
+                <a14:useLocalDpi xmlns:a14="http://schemas.microsoft.com/office/drawing/2010/main" val="0"/>
+              </a:ext>
+            </a:extLst>
+          </a:blip>
+          <a:srcRect/>
+          <a:stretch>
+            <a:fillRect/>
+          </a:stretch>
+        </p:blipFill>
+        <p:spPr bwMode="auto">
+          <a:xfrm>
+            <a:off x="2362200" y="2590800"/>
+            <a:ext cx="4200525" cy="1200150"/>
+          </a:xfrm>
+          <a:prstGeom prst="rect">
+            <a:avLst/>
+          </a:prstGeom>
+          <a:noFill/>
+          <a:ln>
+            <a:noFill/>
+          </a:ln>
+          <a:extLst>
+            <a:ext uri="{909E8E84-426E-40DD-AFC4-6F175D3DCCD1}">
+              <a14:hiddenFill xmlns:a14="http://schemas.microsoft.com/office/drawing/2010/main">
+                <a:solidFill>
+                  <a:schemeClr val="accent1"/>
+                </a:solidFill>
+              </a14:hiddenFill>
+            </a:ext>
+            <a:ext uri="{91240B29-F687-4F45-9708-019B960494DF}">
+              <a14:hiddenLine xmlns:a14="http://schemas.microsoft.com/office/drawing/2010/main" w="9525">
+                <a:solidFill>
+                  <a:schemeClr val="tx1"/>
+                </a:solidFill>
+                <a:miter lim="800000"/>
+                <a:headEnd/>
+                <a:tailEnd/>
+              </a14:hiddenLine>
+            </a:ext>
+          </a:extLst>
+        </p:spPr>
+      </p:pic>
+    </p:spTree>
+    <p:extLst>
+      <p:ext uri="{BB962C8B-B14F-4D97-AF65-F5344CB8AC3E}">
+        <p14:creationId xmlns:p14="http://schemas.microsoft.com/office/powerpoint/2010/main" val="2086906810"/>
+      </p:ext>
+    </p:extLst>
+  </p:cSld>
+  <p:clrMapOvr>
+    <a:masterClrMapping/>
+  </p:clrMapOvr>
+  <p:timing>
+    <p:tnLst>
+      <p:par>
+        <p:cTn id="1" dur="indefinite" restart="never" nodeType="tmRoot"/>
+      </p:par>
+    </p:tnLst>
+  </p:timing>
+</p:sld>
+</file>
+
+<file path=ppt/slides/slide22.xml><?xml version="1.0" encoding="utf-8"?>
+<p:sld xmlns:a="http://schemas.openxmlformats.org/drawingml/2006/main" xmlns:r="http://schemas.openxmlformats.org/officeDocument/2006/relationships" xmlns:p="http://schemas.openxmlformats.org/presentationml/2006/main">
+  <p:cSld>
+    <p:spTree>
+      <p:nvGrpSpPr>
+        <p:cNvPr id="1" name=""/>
+        <p:cNvGrpSpPr/>
+        <p:nvPr/>
+      </p:nvGrpSpPr>
+      <p:grpSpPr>
+        <a:xfrm>
+          <a:off x="0" y="0"/>
+          <a:ext cx="0" cy="0"/>
+          <a:chOff x="0" y="0"/>
+          <a:chExt cx="0" cy="0"/>
+        </a:xfrm>
+      </p:grpSpPr>
+      <p:sp>
+        <p:nvSpPr>
+          <p:cNvPr id="2" name="Title 1"/>
+          <p:cNvSpPr>
+            <a:spLocks noGrp="1"/>
+          </p:cNvSpPr>
+          <p:nvPr>
+            <p:ph type="title"/>
+          </p:nvPr>
+        </p:nvSpPr>
+        <p:spPr/>
+        <p:txBody>
+          <a:bodyPr/>
+          <a:lstStyle/>
+          <a:p>
+            <a:r>
+              <a:rPr lang="en-US" dirty="0" smtClean="0"/>
+              <a:t>Arrays</a:t>
+            </a:r>
+            <a:endParaRPr lang="en-US" dirty="0"/>
+          </a:p>
+        </p:txBody>
+      </p:sp>
+      <p:sp>
+        <p:nvSpPr>
+          <p:cNvPr id="4" name="Date Placeholder 3"/>
+          <p:cNvSpPr>
+            <a:spLocks noGrp="1"/>
+          </p:cNvSpPr>
+          <p:nvPr>
+            <p:ph type="dt" sz="half" idx="10"/>
+          </p:nvPr>
+        </p:nvSpPr>
+        <p:spPr/>
+        <p:txBody>
+          <a:bodyPr/>
+          <a:lstStyle/>
+          <a:p>
+            <a:fld id="{2790549F-49A7-47EE-94CF-6E3D0D276773}" type="datetime2">
+              <a:rPr lang="en-US" smtClean="0"/>
+              <a:t>Monday, April 28, 2014</a:t>
+            </a:fld>
+            <a:endParaRPr lang="en-US" dirty="0"/>
+          </a:p>
+        </p:txBody>
+      </p:sp>
+      <p:sp>
+        <p:nvSpPr>
+          <p:cNvPr id="5" name="Footer Placeholder 4"/>
+          <p:cNvSpPr>
+            <a:spLocks noGrp="1"/>
+          </p:cNvSpPr>
+          <p:nvPr>
+            <p:ph type="ftr" sz="quarter" idx="11"/>
+          </p:nvPr>
+        </p:nvSpPr>
+        <p:spPr/>
+        <p:txBody>
+          <a:bodyPr/>
+          <a:lstStyle/>
+          <a:p>
+            <a:r>
+              <a:rPr lang="en-US" smtClean="0"/>
+              <a:t>Palle Cogburn</a:t>
+            </a:r>
+            <a:endParaRPr lang="en-US" dirty="0"/>
+          </a:p>
+        </p:txBody>
+      </p:sp>
+      <p:sp>
+        <p:nvSpPr>
+          <p:cNvPr id="6" name="Slide Number Placeholder 5"/>
+          <p:cNvSpPr>
+            <a:spLocks noGrp="1"/>
+          </p:cNvSpPr>
+          <p:nvPr>
+            <p:ph type="sldNum" sz="quarter" idx="12"/>
+          </p:nvPr>
+        </p:nvSpPr>
+        <p:spPr/>
+        <p:txBody>
+          <a:bodyPr/>
+          <a:lstStyle/>
+          <a:p>
+            <a:fld id="{8CBEA7D5-4322-4BC9-B527-2F0B772A1C61}" type="slidenum">
+              <a:rPr lang="en-US" smtClean="0"/>
+              <a:t>22</a:t>
+            </a:fld>
+            <a:endParaRPr lang="en-US" dirty="0"/>
+          </a:p>
+        </p:txBody>
+      </p:sp>
+      <p:pic>
+        <p:nvPicPr>
+          <p:cNvPr id="2050" name="Picture 2"/>
+          <p:cNvPicPr>
+            <a:picLocks noChangeAspect="1" noChangeArrowheads="1"/>
+          </p:cNvPicPr>
+          <p:nvPr/>
+        </p:nvPicPr>
+        <p:blipFill>
+          <a:blip r:embed="rId2">
+            <a:extLst>
+              <a:ext uri="{28A0092B-C50C-407E-A947-70E740481C1C}">
+                <a14:useLocalDpi xmlns:a14="http://schemas.microsoft.com/office/drawing/2010/main" val="0"/>
+              </a:ext>
+            </a:extLst>
+          </a:blip>
+          <a:srcRect/>
+          <a:stretch>
+            <a:fillRect/>
+          </a:stretch>
+        </p:blipFill>
+        <p:spPr bwMode="auto">
+          <a:xfrm>
+            <a:off x="3429000" y="1905000"/>
+            <a:ext cx="4705350" cy="2866287"/>
+          </a:xfrm>
+          <a:prstGeom prst="rect">
+            <a:avLst/>
+          </a:prstGeom>
+          <a:noFill/>
+          <a:ln>
+            <a:noFill/>
+          </a:ln>
+          <a:extLst>
+            <a:ext uri="{909E8E84-426E-40DD-AFC4-6F175D3DCCD1}">
+              <a14:hiddenFill xmlns:a14="http://schemas.microsoft.com/office/drawing/2010/main">
+                <a:solidFill>
+                  <a:schemeClr val="accent1"/>
+                </a:solidFill>
+              </a14:hiddenFill>
+            </a:ext>
+            <a:ext uri="{91240B29-F687-4F45-9708-019B960494DF}">
+              <a14:hiddenLine xmlns:a14="http://schemas.microsoft.com/office/drawing/2010/main" w="9525">
+                <a:solidFill>
+                  <a:schemeClr val="tx1"/>
+                </a:solidFill>
+                <a:miter lim="800000"/>
+                <a:headEnd/>
+                <a:tailEnd/>
+              </a14:hiddenLine>
+            </a:ext>
+          </a:extLst>
+        </p:spPr>
+      </p:pic>
+      <p:sp>
+        <p:nvSpPr>
+          <p:cNvPr id="7" name="TextBox 6"/>
+          <p:cNvSpPr txBox="1"/>
+          <p:nvPr/>
+        </p:nvSpPr>
+        <p:spPr>
+          <a:xfrm>
+            <a:off x="228600" y="1905000"/>
+            <a:ext cx="3044744" cy="2308324"/>
+          </a:xfrm>
+          <a:prstGeom prst="rect">
+            <a:avLst/>
+          </a:prstGeom>
+          <a:noFill/>
+        </p:spPr>
+        <p:txBody>
+          <a:bodyPr wrap="none" rtlCol="0">
+            <a:spAutoFit/>
+          </a:bodyPr>
+          <a:lstStyle/>
+          <a:p>
+            <a:r>
+              <a:rPr lang="en-US" dirty="0" smtClean="0"/>
+              <a:t>First index is 0.</a:t>
+            </a:r>
+          </a:p>
+          <a:p>
+            <a:endParaRPr lang="en-US" dirty="0" smtClean="0"/>
+          </a:p>
+          <a:p>
+            <a:r>
+              <a:rPr lang="en-US" dirty="0" smtClean="0"/>
+              <a:t>You can specify a literal</a:t>
+            </a:r>
+          </a:p>
+          <a:p>
+            <a:r>
+              <a:rPr lang="en-US" dirty="0" smtClean="0"/>
+              <a:t>array in curly braces.</a:t>
+            </a:r>
+          </a:p>
+          <a:p>
+            <a:endParaRPr lang="en-US" dirty="0" smtClean="0"/>
+          </a:p>
+          <a:p>
+            <a:r>
+              <a:rPr lang="en-US" dirty="0" smtClean="0"/>
+              <a:t>Has a fixed size.</a:t>
+            </a:r>
+          </a:p>
+          <a:p>
+            <a:endParaRPr lang="en-US" dirty="0"/>
+          </a:p>
+          <a:p>
+            <a:r>
+              <a:rPr lang="en-US" dirty="0" smtClean="0"/>
+              <a:t>All objects have the same type</a:t>
+            </a:r>
+            <a:endParaRPr lang="en-US" dirty="0"/>
+          </a:p>
+        </p:txBody>
+      </p:sp>
+    </p:spTree>
+    <p:extLst>
+      <p:ext uri="{BB962C8B-B14F-4D97-AF65-F5344CB8AC3E}">
+        <p14:creationId xmlns:p14="http://schemas.microsoft.com/office/powerpoint/2010/main" val="1936331899"/>
+      </p:ext>
+    </p:extLst>
+  </p:cSld>
+  <p:clrMapOvr>
+    <a:masterClrMapping/>
+  </p:clrMapOvr>
+  <p:timing>
+    <p:tnLst>
+      <p:par>
+        <p:cTn id="1" dur="indefinite" restart="never" nodeType="tmRoot"/>
+      </p:par>
+    </p:tnLst>
+  </p:timing>
+</p:sld>
+</file>
+
+<file path=ppt/slides/slide23.xml><?xml version="1.0" encoding="utf-8"?>
+<p:sld xmlns:a="http://schemas.openxmlformats.org/drawingml/2006/main" xmlns:r="http://schemas.openxmlformats.org/officeDocument/2006/relationships" xmlns:p="http://schemas.openxmlformats.org/presentationml/2006/main">
+  <p:cSld>
+    <p:spTree>
+      <p:nvGrpSpPr>
+        <p:cNvPr id="1" name=""/>
+        <p:cNvGrpSpPr/>
+        <p:nvPr/>
+      </p:nvGrpSpPr>
+      <p:grpSpPr>
+        <a:xfrm>
+          <a:off x="0" y="0"/>
+          <a:ext cx="0" cy="0"/>
+          <a:chOff x="0" y="0"/>
+          <a:chExt cx="0" cy="0"/>
+        </a:xfrm>
+      </p:grpSpPr>
+      <p:sp>
+        <p:nvSpPr>
+          <p:cNvPr id="2" name="Title 1"/>
+          <p:cNvSpPr>
+            <a:spLocks noGrp="1"/>
+          </p:cNvSpPr>
+          <p:nvPr>
+            <p:ph type="title"/>
+          </p:nvPr>
+        </p:nvSpPr>
+        <p:spPr/>
+        <p:txBody>
+          <a:bodyPr>
+            <a:normAutofit fontScale="90000"/>
+          </a:bodyPr>
+          <a:lstStyle/>
+          <a:p>
+            <a:r>
+              <a:rPr lang="en-US" dirty="0" smtClean="0"/>
+              <a:t>Loops</a:t>
+            </a:r>
+            <a:br>
+              <a:rPr lang="en-US" dirty="0" smtClean="0"/>
+            </a:br>
+            <a:r>
+              <a:rPr lang="en-US" dirty="0" smtClean="0"/>
+              <a:t>- for</a:t>
+            </a:r>
+            <a:endParaRPr lang="en-US" dirty="0"/>
+          </a:p>
+        </p:txBody>
+      </p:sp>
+      <p:sp>
+        <p:nvSpPr>
+          <p:cNvPr id="4" name="Date Placeholder 3"/>
+          <p:cNvSpPr>
+            <a:spLocks noGrp="1"/>
+          </p:cNvSpPr>
+          <p:nvPr>
+            <p:ph type="dt" sz="half" idx="10"/>
+          </p:nvPr>
+        </p:nvSpPr>
+        <p:spPr/>
+        <p:txBody>
+          <a:bodyPr/>
+          <a:lstStyle/>
+          <a:p>
+            <a:fld id="{171408A9-A6D8-4827-AB69-EE2BB6926CB9}" type="datetime2">
+              <a:rPr lang="en-US" smtClean="0"/>
+              <a:t>Monday, April 28, 2014</a:t>
+            </a:fld>
+            <a:endParaRPr lang="en-US" dirty="0"/>
+          </a:p>
+        </p:txBody>
+      </p:sp>
+      <p:sp>
+        <p:nvSpPr>
+          <p:cNvPr id="5" name="Footer Placeholder 4"/>
+          <p:cNvSpPr>
+            <a:spLocks noGrp="1"/>
+          </p:cNvSpPr>
+          <p:nvPr>
+            <p:ph type="ftr" sz="quarter" idx="11"/>
+          </p:nvPr>
+        </p:nvSpPr>
+        <p:spPr/>
+        <p:txBody>
+          <a:bodyPr/>
+          <a:lstStyle/>
+          <a:p>
+            <a:r>
+              <a:rPr lang="en-US" smtClean="0"/>
+              <a:t>Palle Cogburn</a:t>
+            </a:r>
+            <a:endParaRPr lang="en-US" dirty="0"/>
+          </a:p>
+        </p:txBody>
+      </p:sp>
+      <p:sp>
+        <p:nvSpPr>
+          <p:cNvPr id="6" name="Slide Number Placeholder 5"/>
+          <p:cNvSpPr>
+            <a:spLocks noGrp="1"/>
+          </p:cNvSpPr>
+          <p:nvPr>
+            <p:ph type="sldNum" sz="quarter" idx="12"/>
+          </p:nvPr>
+        </p:nvSpPr>
+        <p:spPr/>
+        <p:txBody>
+          <a:bodyPr/>
+          <a:lstStyle/>
+          <a:p>
+            <a:fld id="{8CBEA7D5-4322-4BC9-B527-2F0B772A1C61}" type="slidenum">
+              <a:rPr lang="en-US" smtClean="0"/>
+              <a:t>23</a:t>
+            </a:fld>
+            <a:endParaRPr lang="en-US" dirty="0"/>
+          </a:p>
+        </p:txBody>
+      </p:sp>
+      <p:pic>
+        <p:nvPicPr>
+          <p:cNvPr id="3074" name="Picture 2"/>
+          <p:cNvPicPr>
+            <a:picLocks noChangeAspect="1" noChangeArrowheads="1"/>
+          </p:cNvPicPr>
+          <p:nvPr/>
+        </p:nvPicPr>
+        <p:blipFill>
+          <a:blip r:embed="rId2">
+            <a:extLst>
+              <a:ext uri="{28A0092B-C50C-407E-A947-70E740481C1C}">
+                <a14:useLocalDpi xmlns:a14="http://schemas.microsoft.com/office/drawing/2010/main" val="0"/>
+              </a:ext>
+            </a:extLst>
+          </a:blip>
+          <a:srcRect/>
+          <a:stretch>
+            <a:fillRect/>
+          </a:stretch>
+        </p:blipFill>
+        <p:spPr bwMode="auto">
+          <a:xfrm>
+            <a:off x="1828800" y="2590800"/>
+            <a:ext cx="5734050" cy="1638300"/>
+          </a:xfrm>
+          <a:prstGeom prst="rect">
+            <a:avLst/>
+          </a:prstGeom>
+          <a:noFill/>
+          <a:ln>
+            <a:noFill/>
+          </a:ln>
+          <a:extLst>
+            <a:ext uri="{909E8E84-426E-40DD-AFC4-6F175D3DCCD1}">
+              <a14:hiddenFill xmlns:a14="http://schemas.microsoft.com/office/drawing/2010/main">
+                <a:solidFill>
+                  <a:schemeClr val="accent1"/>
+                </a:solidFill>
+              </a14:hiddenFill>
+            </a:ext>
+            <a:ext uri="{91240B29-F687-4F45-9708-019B960494DF}">
+              <a14:hiddenLine xmlns:a14="http://schemas.microsoft.com/office/drawing/2010/main" w="9525">
+                <a:solidFill>
+                  <a:schemeClr val="tx1"/>
+                </a:solidFill>
+                <a:miter lim="800000"/>
+                <a:headEnd/>
+                <a:tailEnd/>
+              </a14:hiddenLine>
+            </a:ext>
+          </a:extLst>
+        </p:spPr>
+      </p:pic>
+    </p:spTree>
+    <p:extLst>
+      <p:ext uri="{BB962C8B-B14F-4D97-AF65-F5344CB8AC3E}">
+        <p14:creationId xmlns:p14="http://schemas.microsoft.com/office/powerpoint/2010/main" val="2269720542"/>
+      </p:ext>
+    </p:extLst>
+  </p:cSld>
+  <p:clrMapOvr>
+    <a:masterClrMapping/>
+  </p:clrMapOvr>
+  <p:timing>
+    <p:tnLst>
+      <p:par>
+        <p:cTn id="1" dur="indefinite" restart="never" nodeType="tmRoot"/>
+      </p:par>
+    </p:tnLst>
+  </p:timing>
+</p:sld>
+</file>
+
+<file path=ppt/slides/slide24.xml><?xml version="1.0" encoding="utf-8"?>
+<p:sld xmlns:a="http://schemas.openxmlformats.org/drawingml/2006/main" xmlns:r="http://schemas.openxmlformats.org/officeDocument/2006/relationships" xmlns:p="http://schemas.openxmlformats.org/presentationml/2006/main">
+  <p:cSld>
+    <p:spTree>
+      <p:nvGrpSpPr>
+        <p:cNvPr id="1" name=""/>
+        <p:cNvGrpSpPr/>
+        <p:nvPr/>
+      </p:nvGrpSpPr>
+      <p:grpSpPr>
+        <a:xfrm>
+          <a:off x="0" y="0"/>
+          <a:ext cx="0" cy="0"/>
+          <a:chOff x="0" y="0"/>
+          <a:chExt cx="0" cy="0"/>
+        </a:xfrm>
+      </p:grpSpPr>
+      <p:sp>
+        <p:nvSpPr>
+          <p:cNvPr id="2" name="Title 1"/>
+          <p:cNvSpPr>
+            <a:spLocks noGrp="1"/>
+          </p:cNvSpPr>
+          <p:nvPr>
+            <p:ph type="title"/>
+          </p:nvPr>
+        </p:nvSpPr>
+        <p:spPr/>
+        <p:txBody>
+          <a:bodyPr>
+            <a:normAutofit fontScale="90000"/>
+          </a:bodyPr>
+          <a:lstStyle/>
+          <a:p>
+            <a:r>
+              <a:rPr lang="en-US" dirty="0" smtClean="0"/>
+              <a:t>Loops</a:t>
+            </a:r>
+            <a:br>
+              <a:rPr lang="en-US" dirty="0" smtClean="0"/>
+            </a:br>
+            <a:r>
+              <a:rPr lang="en-US" dirty="0" smtClean="0"/>
+              <a:t>- for indexed</a:t>
+            </a:r>
+            <a:endParaRPr lang="en-US" dirty="0"/>
+          </a:p>
+        </p:txBody>
+      </p:sp>
+      <p:sp>
+        <p:nvSpPr>
+          <p:cNvPr id="4" name="Date Placeholder 3"/>
+          <p:cNvSpPr>
+            <a:spLocks noGrp="1"/>
+          </p:cNvSpPr>
+          <p:nvPr>
+            <p:ph type="dt" sz="half" idx="10"/>
+          </p:nvPr>
+        </p:nvSpPr>
+        <p:spPr/>
+        <p:txBody>
+          <a:bodyPr/>
+          <a:lstStyle/>
+          <a:p>
+            <a:fld id="{171408A9-A6D8-4827-AB69-EE2BB6926CB9}" type="datetime2">
+              <a:rPr lang="en-US" smtClean="0"/>
+              <a:t>Monday, April 28, 2014</a:t>
+            </a:fld>
+            <a:endParaRPr lang="en-US" dirty="0"/>
+          </a:p>
+        </p:txBody>
+      </p:sp>
+      <p:sp>
+        <p:nvSpPr>
+          <p:cNvPr id="5" name="Footer Placeholder 4"/>
+          <p:cNvSpPr>
+            <a:spLocks noGrp="1"/>
+          </p:cNvSpPr>
+          <p:nvPr>
+            <p:ph type="ftr" sz="quarter" idx="11"/>
+          </p:nvPr>
+        </p:nvSpPr>
+        <p:spPr/>
+        <p:txBody>
+          <a:bodyPr/>
+          <a:lstStyle/>
+          <a:p>
+            <a:r>
+              <a:rPr lang="en-US" smtClean="0"/>
+              <a:t>Palle Cogburn</a:t>
+            </a:r>
+            <a:endParaRPr lang="en-US" dirty="0"/>
+          </a:p>
+        </p:txBody>
+      </p:sp>
+      <p:sp>
+        <p:nvSpPr>
+          <p:cNvPr id="6" name="Slide Number Placeholder 5"/>
+          <p:cNvSpPr>
+            <a:spLocks noGrp="1"/>
+          </p:cNvSpPr>
+          <p:nvPr>
+            <p:ph type="sldNum" sz="quarter" idx="12"/>
+          </p:nvPr>
+        </p:nvSpPr>
+        <p:spPr/>
+        <p:txBody>
+          <a:bodyPr/>
+          <a:lstStyle/>
+          <a:p>
+            <a:fld id="{8CBEA7D5-4322-4BC9-B527-2F0B772A1C61}" type="slidenum">
+              <a:rPr lang="en-US" smtClean="0"/>
+              <a:t>24</a:t>
+            </a:fld>
+            <a:endParaRPr lang="en-US" dirty="0"/>
+          </a:p>
+        </p:txBody>
+      </p:sp>
+      <p:pic>
+        <p:nvPicPr>
+          <p:cNvPr id="4098" name="Picture 2"/>
+          <p:cNvPicPr>
+            <a:picLocks noChangeAspect="1" noChangeArrowheads="1"/>
+          </p:cNvPicPr>
+          <p:nvPr/>
+        </p:nvPicPr>
+        <p:blipFill>
+          <a:blip r:embed="rId2">
+            <a:extLst>
+              <a:ext uri="{28A0092B-C50C-407E-A947-70E740481C1C}">
+                <a14:useLocalDpi xmlns:a14="http://schemas.microsoft.com/office/drawing/2010/main" val="0"/>
+              </a:ext>
+            </a:extLst>
+          </a:blip>
+          <a:srcRect/>
+          <a:stretch>
+            <a:fillRect/>
+          </a:stretch>
+        </p:blipFill>
+        <p:spPr bwMode="auto">
+          <a:xfrm>
+            <a:off x="1600200" y="2743200"/>
+            <a:ext cx="6477000" cy="1676400"/>
+          </a:xfrm>
+          <a:prstGeom prst="rect">
+            <a:avLst/>
+          </a:prstGeom>
+          <a:noFill/>
+          <a:ln>
+            <a:noFill/>
+          </a:ln>
+          <a:extLst>
+            <a:ext uri="{909E8E84-426E-40DD-AFC4-6F175D3DCCD1}">
+              <a14:hiddenFill xmlns:a14="http://schemas.microsoft.com/office/drawing/2010/main">
+                <a:solidFill>
+                  <a:schemeClr val="accent1"/>
+                </a:solidFill>
+              </a14:hiddenFill>
+            </a:ext>
+            <a:ext uri="{91240B29-F687-4F45-9708-019B960494DF}">
+              <a14:hiddenLine xmlns:a14="http://schemas.microsoft.com/office/drawing/2010/main" w="9525">
+                <a:solidFill>
+                  <a:schemeClr val="tx1"/>
+                </a:solidFill>
+                <a:miter lim="800000"/>
+                <a:headEnd/>
+                <a:tailEnd/>
+              </a14:hiddenLine>
+            </a:ext>
+          </a:extLst>
+        </p:spPr>
+      </p:pic>
+    </p:spTree>
+    <p:extLst>
+      <p:ext uri="{BB962C8B-B14F-4D97-AF65-F5344CB8AC3E}">
+        <p14:creationId xmlns:p14="http://schemas.microsoft.com/office/powerpoint/2010/main" val="2970011223"/>
+      </p:ext>
+    </p:extLst>
+  </p:cSld>
+  <p:clrMapOvr>
+    <a:masterClrMapping/>
+  </p:clrMapOvr>
+  <p:timing>
+    <p:tnLst>
+      <p:par>
+        <p:cTn id="1" dur="indefinite" restart="never" nodeType="tmRoot"/>
+      </p:par>
+    </p:tnLst>
+  </p:timing>
+</p:sld>
+</file>
+
+<file path=ppt/slides/slide25.xml><?xml version="1.0" encoding="utf-8"?>
+<p:sld xmlns:a="http://schemas.openxmlformats.org/drawingml/2006/main" xmlns:r="http://schemas.openxmlformats.org/officeDocument/2006/relationships" xmlns:p="http://schemas.openxmlformats.org/presentationml/2006/main">
+  <p:cSld>
+    <p:spTree>
+      <p:nvGrpSpPr>
+        <p:cNvPr id="1" name=""/>
+        <p:cNvGrpSpPr/>
+        <p:nvPr/>
+      </p:nvGrpSpPr>
+      <p:grpSpPr>
+        <a:xfrm>
+          <a:off x="0" y="0"/>
+          <a:ext cx="0" cy="0"/>
+          <a:chOff x="0" y="0"/>
+          <a:chExt cx="0" cy="0"/>
+        </a:xfrm>
+      </p:grpSpPr>
+      <p:sp>
+        <p:nvSpPr>
+          <p:cNvPr id="2" name="Title 1"/>
+          <p:cNvSpPr>
+            <a:spLocks noGrp="1"/>
+          </p:cNvSpPr>
+          <p:nvPr>
+            <p:ph type="title"/>
+          </p:nvPr>
+        </p:nvSpPr>
+        <p:spPr/>
+        <p:txBody>
+          <a:bodyPr>
+            <a:normAutofit fontScale="90000"/>
+          </a:bodyPr>
+          <a:lstStyle/>
+          <a:p>
+            <a:r>
+              <a:rPr lang="en-US" dirty="0" smtClean="0"/>
+              <a:t>Loops</a:t>
+            </a:r>
+            <a:br>
+              <a:rPr lang="en-US" dirty="0" smtClean="0"/>
+            </a:br>
+            <a:r>
+              <a:rPr lang="en-US" dirty="0" smtClean="0"/>
+              <a:t>- while</a:t>
+            </a:r>
+            <a:endParaRPr lang="en-US" dirty="0"/>
+          </a:p>
+        </p:txBody>
+      </p:sp>
+      <p:sp>
+        <p:nvSpPr>
+          <p:cNvPr id="4" name="Date Placeholder 3"/>
+          <p:cNvSpPr>
+            <a:spLocks noGrp="1"/>
+          </p:cNvSpPr>
+          <p:nvPr>
+            <p:ph type="dt" sz="half" idx="10"/>
+          </p:nvPr>
+        </p:nvSpPr>
+        <p:spPr/>
+        <p:txBody>
+          <a:bodyPr/>
+          <a:lstStyle/>
+          <a:p>
+            <a:fld id="{171408A9-A6D8-4827-AB69-EE2BB6926CB9}" type="datetime2">
+              <a:rPr lang="en-US" smtClean="0"/>
+              <a:t>Monday, April 28, 2014</a:t>
+            </a:fld>
+            <a:endParaRPr lang="en-US" dirty="0"/>
+          </a:p>
+        </p:txBody>
+      </p:sp>
+      <p:sp>
+        <p:nvSpPr>
+          <p:cNvPr id="5" name="Footer Placeholder 4"/>
+          <p:cNvSpPr>
+            <a:spLocks noGrp="1"/>
+          </p:cNvSpPr>
+          <p:nvPr>
+            <p:ph type="ftr" sz="quarter" idx="11"/>
+          </p:nvPr>
+        </p:nvSpPr>
+        <p:spPr/>
+        <p:txBody>
+          <a:bodyPr/>
+          <a:lstStyle/>
+          <a:p>
+            <a:r>
+              <a:rPr lang="en-US" smtClean="0"/>
+              <a:t>Palle Cogburn</a:t>
+            </a:r>
+            <a:endParaRPr lang="en-US" dirty="0"/>
+          </a:p>
+        </p:txBody>
+      </p:sp>
+      <p:sp>
+        <p:nvSpPr>
+          <p:cNvPr id="6" name="Slide Number Placeholder 5"/>
+          <p:cNvSpPr>
+            <a:spLocks noGrp="1"/>
+          </p:cNvSpPr>
+          <p:nvPr>
+            <p:ph type="sldNum" sz="quarter" idx="12"/>
+          </p:nvPr>
+        </p:nvSpPr>
+        <p:spPr/>
+        <p:txBody>
+          <a:bodyPr/>
+          <a:lstStyle/>
+          <a:p>
+            <a:fld id="{8CBEA7D5-4322-4BC9-B527-2F0B772A1C61}" type="slidenum">
+              <a:rPr lang="en-US" smtClean="0"/>
+              <a:t>25</a:t>
+            </a:fld>
+            <a:endParaRPr lang="en-US" dirty="0"/>
+          </a:p>
+        </p:txBody>
+      </p:sp>
+      <p:pic>
+        <p:nvPicPr>
+          <p:cNvPr id="5122" name="Picture 2"/>
+          <p:cNvPicPr>
+            <a:picLocks noChangeAspect="1" noChangeArrowheads="1"/>
+          </p:cNvPicPr>
+          <p:nvPr/>
+        </p:nvPicPr>
+        <p:blipFill>
+          <a:blip r:embed="rId2">
+            <a:extLst>
+              <a:ext uri="{28A0092B-C50C-407E-A947-70E740481C1C}">
+                <a14:useLocalDpi xmlns:a14="http://schemas.microsoft.com/office/drawing/2010/main" val="0"/>
+              </a:ext>
+            </a:extLst>
+          </a:blip>
+          <a:srcRect/>
+          <a:stretch>
+            <a:fillRect/>
+          </a:stretch>
+        </p:blipFill>
+        <p:spPr bwMode="auto">
+          <a:xfrm>
+            <a:off x="1600200" y="2667000"/>
+            <a:ext cx="6324600" cy="2190750"/>
+          </a:xfrm>
+          <a:prstGeom prst="rect">
+            <a:avLst/>
+          </a:prstGeom>
+          <a:noFill/>
+          <a:ln>
+            <a:noFill/>
+          </a:ln>
+          <a:extLst>
+            <a:ext uri="{909E8E84-426E-40DD-AFC4-6F175D3DCCD1}">
+              <a14:hiddenFill xmlns:a14="http://schemas.microsoft.com/office/drawing/2010/main">
+                <a:solidFill>
+                  <a:schemeClr val="accent1"/>
+                </a:solidFill>
+              </a14:hiddenFill>
+            </a:ext>
+            <a:ext uri="{91240B29-F687-4F45-9708-019B960494DF}">
+              <a14:hiddenLine xmlns:a14="http://schemas.microsoft.com/office/drawing/2010/main" w="9525">
+                <a:solidFill>
+                  <a:schemeClr val="tx1"/>
+                </a:solidFill>
+                <a:miter lim="800000"/>
+                <a:headEnd/>
+                <a:tailEnd/>
+              </a14:hiddenLine>
+            </a:ext>
+          </a:extLst>
+        </p:spPr>
+      </p:pic>
+    </p:spTree>
+    <p:extLst>
+      <p:ext uri="{BB962C8B-B14F-4D97-AF65-F5344CB8AC3E}">
+        <p14:creationId xmlns:p14="http://schemas.microsoft.com/office/powerpoint/2010/main" val="1979144597"/>
+      </p:ext>
+    </p:extLst>
+  </p:cSld>
+  <p:clrMapOvr>
+    <a:masterClrMapping/>
+  </p:clrMapOvr>
+  <p:timing>
+    <p:tnLst>
+      <p:par>
+        <p:cTn id="1" dur="indefinite" restart="never" nodeType="tmRoot"/>
+      </p:par>
+    </p:tnLst>
+  </p:timing>
+</p:sld>
+</file>
+
+<file path=ppt/slides/slide26.xml><?xml version="1.0" encoding="utf-8"?>
+<p:sld xmlns:a="http://schemas.openxmlformats.org/drawingml/2006/main" xmlns:r="http://schemas.openxmlformats.org/officeDocument/2006/relationships" xmlns:p="http://schemas.openxmlformats.org/presentationml/2006/main">
+  <p:cSld>
+    <p:spTree>
+      <p:nvGrpSpPr>
+        <p:cNvPr id="1" name=""/>
+        <p:cNvGrpSpPr/>
+        <p:nvPr/>
+      </p:nvGrpSpPr>
+      <p:grpSpPr>
+        <a:xfrm>
+          <a:off x="0" y="0"/>
+          <a:ext cx="0" cy="0"/>
+          <a:chOff x="0" y="0"/>
+          <a:chExt cx="0" cy="0"/>
+        </a:xfrm>
+      </p:grpSpPr>
+      <p:sp>
+        <p:nvSpPr>
+          <p:cNvPr id="2" name="Title 1"/>
+          <p:cNvSpPr>
+            <a:spLocks noGrp="1"/>
+          </p:cNvSpPr>
+          <p:nvPr>
+            <p:ph type="title"/>
+          </p:nvPr>
+        </p:nvSpPr>
+        <p:spPr/>
+        <p:txBody>
+          <a:bodyPr>
+            <a:normAutofit fontScale="90000"/>
+          </a:bodyPr>
+          <a:lstStyle/>
+          <a:p>
+            <a:r>
+              <a:rPr lang="en-US" dirty="0" smtClean="0"/>
+              <a:t>Loops</a:t>
+            </a:r>
+            <a:br>
+              <a:rPr lang="en-US" dirty="0" smtClean="0"/>
+            </a:br>
+            <a:r>
+              <a:rPr lang="en-US" dirty="0" smtClean="0"/>
+              <a:t>- break and continue</a:t>
+            </a:r>
+            <a:endParaRPr lang="en-US" dirty="0"/>
+          </a:p>
+        </p:txBody>
+      </p:sp>
+      <p:sp>
+        <p:nvSpPr>
+          <p:cNvPr id="4" name="Date Placeholder 3"/>
+          <p:cNvSpPr>
+            <a:spLocks noGrp="1"/>
+          </p:cNvSpPr>
+          <p:nvPr>
+            <p:ph type="dt" sz="half" idx="10"/>
+          </p:nvPr>
+        </p:nvSpPr>
+        <p:spPr/>
+        <p:txBody>
+          <a:bodyPr/>
+          <a:lstStyle/>
+          <a:p>
+            <a:fld id="{171408A9-A6D8-4827-AB69-EE2BB6926CB9}" type="datetime2">
+              <a:rPr lang="en-US" smtClean="0"/>
+              <a:t>Monday, April 28, 2014</a:t>
+            </a:fld>
+            <a:endParaRPr lang="en-US" dirty="0"/>
+          </a:p>
+        </p:txBody>
+      </p:sp>
+      <p:sp>
+        <p:nvSpPr>
+          <p:cNvPr id="5" name="Footer Placeholder 4"/>
+          <p:cNvSpPr>
+            <a:spLocks noGrp="1"/>
+          </p:cNvSpPr>
+          <p:nvPr>
+            <p:ph type="ftr" sz="quarter" idx="11"/>
+          </p:nvPr>
+        </p:nvSpPr>
+        <p:spPr/>
+        <p:txBody>
+          <a:bodyPr/>
+          <a:lstStyle/>
+          <a:p>
+            <a:r>
+              <a:rPr lang="en-US" smtClean="0"/>
+              <a:t>Palle Cogburn</a:t>
+            </a:r>
+            <a:endParaRPr lang="en-US" dirty="0"/>
+          </a:p>
+        </p:txBody>
+      </p:sp>
+      <p:sp>
+        <p:nvSpPr>
+          <p:cNvPr id="6" name="Slide Number Placeholder 5"/>
+          <p:cNvSpPr>
+            <a:spLocks noGrp="1"/>
+          </p:cNvSpPr>
+          <p:nvPr>
+            <p:ph type="sldNum" sz="quarter" idx="12"/>
+          </p:nvPr>
+        </p:nvSpPr>
+        <p:spPr/>
+        <p:txBody>
+          <a:bodyPr/>
+          <a:lstStyle/>
+          <a:p>
+            <a:fld id="{8CBEA7D5-4322-4BC9-B527-2F0B772A1C61}" type="slidenum">
+              <a:rPr lang="en-US" smtClean="0"/>
+              <a:t>26</a:t>
+            </a:fld>
+            <a:endParaRPr lang="en-US" dirty="0"/>
+          </a:p>
+        </p:txBody>
+      </p:sp>
+      <p:pic>
+        <p:nvPicPr>
+          <p:cNvPr id="6146" name="Picture 2"/>
+          <p:cNvPicPr>
+            <a:picLocks noChangeAspect="1" noChangeArrowheads="1"/>
+          </p:cNvPicPr>
+          <p:nvPr/>
+        </p:nvPicPr>
+        <p:blipFill>
+          <a:blip r:embed="rId2">
+            <a:extLst>
+              <a:ext uri="{28A0092B-C50C-407E-A947-70E740481C1C}">
+                <a14:useLocalDpi xmlns:a14="http://schemas.microsoft.com/office/drawing/2010/main" val="0"/>
+              </a:ext>
+            </a:extLst>
+          </a:blip>
+          <a:srcRect/>
+          <a:stretch>
+            <a:fillRect/>
+          </a:stretch>
+        </p:blipFill>
+        <p:spPr bwMode="auto">
+          <a:xfrm>
+            <a:off x="3352800" y="1676400"/>
+            <a:ext cx="5400675" cy="4800600"/>
+          </a:xfrm>
+          <a:prstGeom prst="rect">
+            <a:avLst/>
+          </a:prstGeom>
+          <a:noFill/>
+          <a:ln>
+            <a:noFill/>
+          </a:ln>
+          <a:extLst>
+            <a:ext uri="{909E8E84-426E-40DD-AFC4-6F175D3DCCD1}">
+              <a14:hiddenFill xmlns:a14="http://schemas.microsoft.com/office/drawing/2010/main">
+                <a:solidFill>
+                  <a:schemeClr val="accent1"/>
+                </a:solidFill>
+              </a14:hiddenFill>
+            </a:ext>
+            <a:ext uri="{91240B29-F687-4F45-9708-019B960494DF}">
+              <a14:hiddenLine xmlns:a14="http://schemas.microsoft.com/office/drawing/2010/main" w="9525">
+                <a:solidFill>
+                  <a:schemeClr val="tx1"/>
+                </a:solidFill>
+                <a:miter lim="800000"/>
+                <a:headEnd/>
+                <a:tailEnd/>
+              </a14:hiddenLine>
+            </a:ext>
+          </a:extLst>
+        </p:spPr>
+      </p:pic>
+      <p:cxnSp>
+        <p:nvCxnSpPr>
+          <p:cNvPr id="7" name="Elbow Connector 6"/>
+          <p:cNvCxnSpPr/>
+          <p:nvPr/>
+        </p:nvCxnSpPr>
+        <p:spPr>
+          <a:xfrm rot="10800000" flipV="1">
+            <a:off x="4267200" y="2667000"/>
+            <a:ext cx="1066800" cy="914400"/>
+          </a:xfrm>
+          <a:prstGeom prst="bentConnector3">
+            <a:avLst>
+              <a:gd name="adj1" fmla="val 130597"/>
+            </a:avLst>
+          </a:prstGeom>
+          <a:ln>
+            <a:tailEnd type="arrow"/>
+          </a:ln>
+        </p:spPr>
+        <p:style>
+          <a:lnRef idx="1">
+            <a:schemeClr val="accent1"/>
+          </a:lnRef>
+          <a:fillRef idx="0">
+            <a:schemeClr val="accent1"/>
+          </a:fillRef>
+          <a:effectRef idx="0">
+            <a:schemeClr val="accent1"/>
+          </a:effectRef>
+          <a:fontRef idx="minor">
+            <a:schemeClr val="tx1"/>
+          </a:fontRef>
+        </p:style>
+      </p:cxnSp>
+      <p:cxnSp>
+        <p:nvCxnSpPr>
+          <p:cNvPr id="13" name="Elbow Connector 12"/>
+          <p:cNvCxnSpPr/>
+          <p:nvPr/>
+        </p:nvCxnSpPr>
+        <p:spPr>
+          <a:xfrm rot="10800000">
+            <a:off x="4419600" y="4648200"/>
+            <a:ext cx="914400" cy="381000"/>
+          </a:xfrm>
+          <a:prstGeom prst="bentConnector3">
+            <a:avLst>
+              <a:gd name="adj1" fmla="val 148508"/>
+            </a:avLst>
+          </a:prstGeom>
+          <a:ln>
+            <a:tailEnd type="arrow"/>
+          </a:ln>
+        </p:spPr>
+        <p:style>
+          <a:lnRef idx="1">
+            <a:schemeClr val="accent1"/>
+          </a:lnRef>
+          <a:fillRef idx="0">
+            <a:schemeClr val="accent1"/>
+          </a:fillRef>
+          <a:effectRef idx="0">
+            <a:schemeClr val="accent1"/>
+          </a:effectRef>
+          <a:fontRef idx="minor">
+            <a:schemeClr val="tx1"/>
+          </a:fontRef>
+        </p:style>
+      </p:cxnSp>
+      <p:sp>
+        <p:nvSpPr>
+          <p:cNvPr id="16" name="TextBox 15"/>
+          <p:cNvSpPr txBox="1"/>
+          <p:nvPr/>
+        </p:nvSpPr>
+        <p:spPr>
+          <a:xfrm>
+            <a:off x="533400" y="4267200"/>
+            <a:ext cx="2748253" cy="1477328"/>
+          </a:xfrm>
+          <a:prstGeom prst="rect">
+            <a:avLst/>
+          </a:prstGeom>
+          <a:noFill/>
+          <a:ln>
+            <a:solidFill>
+              <a:srgbClr val="FF0000"/>
+            </a:solidFill>
+          </a:ln>
+        </p:spPr>
+        <p:txBody>
+          <a:bodyPr wrap="none" rtlCol="0">
+            <a:spAutoFit/>
+          </a:bodyPr>
+          <a:lstStyle/>
+          <a:p>
+            <a:r>
+              <a:rPr lang="en-US" dirty="0" smtClean="0"/>
+              <a:t>Do you see the problem?</a:t>
+            </a:r>
+          </a:p>
+          <a:p>
+            <a:endParaRPr lang="en-US" dirty="0"/>
+          </a:p>
+          <a:p>
+            <a:r>
+              <a:rPr lang="en-US" dirty="0" smtClean="0"/>
+              <a:t>Since variable ‘</a:t>
+            </a:r>
+            <a:r>
+              <a:rPr lang="en-US" dirty="0" err="1" smtClean="0"/>
+              <a:t>i</a:t>
+            </a:r>
+            <a:r>
+              <a:rPr lang="en-US" dirty="0" smtClean="0"/>
+              <a:t>’ is never</a:t>
+            </a:r>
+          </a:p>
+          <a:p>
+            <a:r>
+              <a:rPr lang="en-US" dirty="0" smtClean="0"/>
+              <a:t>Incremented, the loop runs</a:t>
+            </a:r>
+          </a:p>
+          <a:p>
+            <a:r>
+              <a:rPr lang="en-US" dirty="0" smtClean="0"/>
+              <a:t>forever.</a:t>
+            </a:r>
+            <a:endParaRPr lang="en-US" dirty="0"/>
+          </a:p>
+        </p:txBody>
+      </p:sp>
+      <p:sp>
+        <p:nvSpPr>
+          <p:cNvPr id="17" name="TextBox 16"/>
+          <p:cNvSpPr txBox="1"/>
+          <p:nvPr/>
+        </p:nvSpPr>
+        <p:spPr>
+          <a:xfrm>
+            <a:off x="533400" y="1905000"/>
+            <a:ext cx="2773708" cy="369332"/>
+          </a:xfrm>
+          <a:prstGeom prst="rect">
+            <a:avLst/>
+          </a:prstGeom>
+          <a:noFill/>
+        </p:spPr>
+        <p:txBody>
+          <a:bodyPr wrap="none" rtlCol="0">
+            <a:spAutoFit/>
+          </a:bodyPr>
+          <a:lstStyle/>
+          <a:p>
+            <a:r>
+              <a:rPr lang="en-US" dirty="0" smtClean="0"/>
+              <a:t>‘break’ goes out of the loop</a:t>
+            </a:r>
+            <a:endParaRPr lang="en-US" dirty="0"/>
+          </a:p>
+        </p:txBody>
+      </p:sp>
+      <p:sp>
+        <p:nvSpPr>
+          <p:cNvPr id="20" name="TextBox 19"/>
+          <p:cNvSpPr txBox="1"/>
+          <p:nvPr/>
+        </p:nvSpPr>
+        <p:spPr>
+          <a:xfrm>
+            <a:off x="507944" y="3396735"/>
+            <a:ext cx="2706831" cy="646331"/>
+          </a:xfrm>
+          <a:prstGeom prst="rect">
+            <a:avLst/>
+          </a:prstGeom>
+          <a:noFill/>
+        </p:spPr>
+        <p:txBody>
+          <a:bodyPr wrap="none" rtlCol="0">
+            <a:spAutoFit/>
+          </a:bodyPr>
+          <a:lstStyle/>
+          <a:p>
+            <a:r>
+              <a:rPr lang="en-US" dirty="0" smtClean="0"/>
+              <a:t>‘continue’ goes back to the</a:t>
+            </a:r>
+          </a:p>
+          <a:p>
+            <a:r>
+              <a:rPr lang="en-US" dirty="0" smtClean="0"/>
+              <a:t>beginning of the loop</a:t>
+            </a:r>
+            <a:endParaRPr lang="en-US" dirty="0"/>
+          </a:p>
+        </p:txBody>
+      </p:sp>
+    </p:spTree>
+    <p:extLst>
+      <p:ext uri="{BB962C8B-B14F-4D97-AF65-F5344CB8AC3E}">
+        <p14:creationId xmlns:p14="http://schemas.microsoft.com/office/powerpoint/2010/main" val="954028953"/>
+      </p:ext>
+    </p:extLst>
+  </p:cSld>
+  <p:clrMapOvr>
+    <a:masterClrMapping/>
+  </p:clrMapOvr>
+  <p:timing>
+    <p:tnLst>
+      <p:par>
+        <p:cTn id="1" dur="indefinite" restart="never" nodeType="tmRoot">
+          <p:childTnLst>
+            <p:seq concurrent="1" nextAc="seek">
+              <p:cTn id="2" dur="indefinite" nodeType="mainSeq">
+                <p:childTnLst>
+                  <p:par>
+                    <p:cTn id="3" fill="hold">
+                      <p:stCondLst>
+                        <p:cond delay="indefinite"/>
+                      </p:stCondLst>
+                      <p:childTnLst>
+                        <p:par>
+                          <p:cTn id="4" fill="hold">
+                            <p:stCondLst>
+                              <p:cond delay="0"/>
+                            </p:stCondLst>
+                            <p:childTnLst>
+                              <p:par>
+                                <p:cTn id="5" presetID="1" presetClass="entr" presetSubtype="0" fill="hold" grpId="0" nodeType="clickEffect">
+                                  <p:stCondLst>
+                                    <p:cond delay="0"/>
+                                  </p:stCondLst>
+                                  <p:childTnLst>
+                                    <p:set>
+                                      <p:cBhvr>
+                                        <p:cTn id="6" dur="1" fill="hold">
+                                          <p:stCondLst>
+                                            <p:cond delay="0"/>
+                                          </p:stCondLst>
+                                        </p:cTn>
+                                        <p:tgtEl>
+                                          <p:spTgt spid="16"/>
+                                        </p:tgtEl>
+                                        <p:attrNameLst>
+                                          <p:attrName>style.visibility</p:attrName>
+                                        </p:attrNameLst>
+                                      </p:cBhvr>
+                                      <p:to>
+                                        <p:strVal val="visible"/>
+                                      </p:to>
+                                    </p:set>
+                                  </p:childTnLst>
+                                </p:cTn>
+                              </p:par>
+                            </p:childTnLst>
+                          </p:cTn>
+                        </p:par>
+                      </p:childTnLst>
+                    </p:cTn>
+                  </p:par>
+                </p:childTnLst>
+              </p:cTn>
+              <p:prevCondLst>
+                <p:cond evt="onPrev" delay="0">
+                  <p:tgtEl>
+                    <p:sldTgt/>
+                  </p:tgtEl>
+                </p:cond>
+              </p:prevCondLst>
+              <p:nextCondLst>
+                <p:cond evt="onNext" delay="0">
+                  <p:tgtEl>
+                    <p:sldTgt/>
+                  </p:tgtEl>
+                </p:cond>
+              </p:nextCondLst>
+            </p:seq>
+          </p:childTnLst>
+        </p:cTn>
+      </p:par>
+    </p:tnLst>
+    <p:bldLst>
+      <p:bldP spid="16" grpId="0" animBg="1"/>
+    </p:bldLst>
+  </p:timing>
+</p:sld>
+</file>
+
+<file path=ppt/slides/slide27.xml><?xml version="1.0" encoding="utf-8"?>
+<p:sld xmlns:a="http://schemas.openxmlformats.org/drawingml/2006/main" xmlns:r="http://schemas.openxmlformats.org/officeDocument/2006/relationships" xmlns:p="http://schemas.openxmlformats.org/presentationml/2006/main">
+  <p:cSld>
+    <p:spTree>
+      <p:nvGrpSpPr>
+        <p:cNvPr id="1" name=""/>
+        <p:cNvGrpSpPr/>
+        <p:nvPr/>
+      </p:nvGrpSpPr>
+      <p:grpSpPr>
+        <a:xfrm>
+          <a:off x="0" y="0"/>
+          <a:ext cx="0" cy="0"/>
+          <a:chOff x="0" y="0"/>
+          <a:chExt cx="0" cy="0"/>
+        </a:xfrm>
+      </p:grpSpPr>
+      <p:sp>
+        <p:nvSpPr>
+          <p:cNvPr id="2" name="Title 1"/>
+          <p:cNvSpPr>
+            <a:spLocks noGrp="1"/>
+          </p:cNvSpPr>
+          <p:nvPr>
+            <p:ph type="title"/>
+          </p:nvPr>
+        </p:nvSpPr>
+        <p:spPr/>
+        <p:txBody>
+          <a:bodyPr>
+            <a:normAutofit fontScale="90000"/>
+          </a:bodyPr>
+          <a:lstStyle/>
+          <a:p>
+            <a:r>
+              <a:rPr lang="en-US" dirty="0" smtClean="0"/>
+              <a:t>Loops</a:t>
+            </a:r>
+            <a:br>
+              <a:rPr lang="en-US" dirty="0" smtClean="0"/>
+            </a:br>
+            <a:r>
+              <a:rPr lang="en-US" dirty="0" smtClean="0"/>
+              <a:t>- do while</a:t>
+            </a:r>
+            <a:endParaRPr lang="en-US" dirty="0"/>
+          </a:p>
+        </p:txBody>
+      </p:sp>
+      <p:sp>
+        <p:nvSpPr>
+          <p:cNvPr id="4" name="Date Placeholder 3"/>
+          <p:cNvSpPr>
+            <a:spLocks noGrp="1"/>
+          </p:cNvSpPr>
+          <p:nvPr>
+            <p:ph type="dt" sz="half" idx="10"/>
+          </p:nvPr>
+        </p:nvSpPr>
+        <p:spPr/>
+        <p:txBody>
+          <a:bodyPr/>
+          <a:lstStyle/>
+          <a:p>
+            <a:fld id="{171408A9-A6D8-4827-AB69-EE2BB6926CB9}" type="datetime2">
+              <a:rPr lang="en-US" smtClean="0"/>
+              <a:t>Monday, April 28, 2014</a:t>
+            </a:fld>
+            <a:endParaRPr lang="en-US" dirty="0"/>
+          </a:p>
+        </p:txBody>
+      </p:sp>
+      <p:sp>
+        <p:nvSpPr>
+          <p:cNvPr id="5" name="Footer Placeholder 4"/>
+          <p:cNvSpPr>
+            <a:spLocks noGrp="1"/>
+          </p:cNvSpPr>
+          <p:nvPr>
+            <p:ph type="ftr" sz="quarter" idx="11"/>
+          </p:nvPr>
+        </p:nvSpPr>
+        <p:spPr/>
+        <p:txBody>
+          <a:bodyPr/>
+          <a:lstStyle/>
+          <a:p>
+            <a:r>
+              <a:rPr lang="en-US" smtClean="0"/>
+              <a:t>Palle Cogburn</a:t>
+            </a:r>
+            <a:endParaRPr lang="en-US" dirty="0"/>
+          </a:p>
+        </p:txBody>
+      </p:sp>
+      <p:sp>
+        <p:nvSpPr>
+          <p:cNvPr id="6" name="Slide Number Placeholder 5"/>
+          <p:cNvSpPr>
+            <a:spLocks noGrp="1"/>
+          </p:cNvSpPr>
+          <p:nvPr>
+            <p:ph type="sldNum" sz="quarter" idx="12"/>
+          </p:nvPr>
+        </p:nvSpPr>
+        <p:spPr/>
+        <p:txBody>
+          <a:bodyPr/>
+          <a:lstStyle/>
+          <a:p>
+            <a:fld id="{8CBEA7D5-4322-4BC9-B527-2F0B772A1C61}" type="slidenum">
+              <a:rPr lang="en-US" smtClean="0"/>
+              <a:t>27</a:t>
+            </a:fld>
+            <a:endParaRPr lang="en-US" dirty="0"/>
+          </a:p>
+        </p:txBody>
+      </p:sp>
+      <p:pic>
+        <p:nvPicPr>
+          <p:cNvPr id="7170" name="Picture 2"/>
+          <p:cNvPicPr>
+            <a:picLocks noChangeAspect="1" noChangeArrowheads="1"/>
+          </p:cNvPicPr>
+          <p:nvPr/>
+        </p:nvPicPr>
+        <p:blipFill>
+          <a:blip r:embed="rId2">
+            <a:extLst>
+              <a:ext uri="{28A0092B-C50C-407E-A947-70E740481C1C}">
+                <a14:useLocalDpi xmlns:a14="http://schemas.microsoft.com/office/drawing/2010/main" val="0"/>
+              </a:ext>
+            </a:extLst>
+          </a:blip>
+          <a:srcRect/>
+          <a:stretch>
+            <a:fillRect/>
+          </a:stretch>
+        </p:blipFill>
+        <p:spPr bwMode="auto">
+          <a:xfrm>
+            <a:off x="2286000" y="2286000"/>
+            <a:ext cx="6534150" cy="2190750"/>
+          </a:xfrm>
+          <a:prstGeom prst="rect">
+            <a:avLst/>
+          </a:prstGeom>
+          <a:noFill/>
+          <a:ln>
+            <a:noFill/>
+          </a:ln>
+          <a:extLst>
+            <a:ext uri="{909E8E84-426E-40DD-AFC4-6F175D3DCCD1}">
+              <a14:hiddenFill xmlns:a14="http://schemas.microsoft.com/office/drawing/2010/main">
+                <a:solidFill>
+                  <a:schemeClr val="accent1"/>
+                </a:solidFill>
+              </a14:hiddenFill>
+            </a:ext>
+            <a:ext uri="{91240B29-F687-4F45-9708-019B960494DF}">
+              <a14:hiddenLine xmlns:a14="http://schemas.microsoft.com/office/drawing/2010/main" w="9525">
+                <a:solidFill>
+                  <a:schemeClr val="tx1"/>
+                </a:solidFill>
+                <a:miter lim="800000"/>
+                <a:headEnd/>
+                <a:tailEnd/>
+              </a14:hiddenLine>
+            </a:ext>
+          </a:extLst>
+        </p:spPr>
+      </p:pic>
+      <p:sp>
+        <p:nvSpPr>
+          <p:cNvPr id="3" name="TextBox 2"/>
+          <p:cNvSpPr txBox="1"/>
+          <p:nvPr/>
+        </p:nvSpPr>
+        <p:spPr>
+          <a:xfrm>
+            <a:off x="457200" y="1905000"/>
+            <a:ext cx="2216504" cy="369332"/>
+          </a:xfrm>
+          <a:prstGeom prst="rect">
+            <a:avLst/>
+          </a:prstGeom>
+          <a:noFill/>
+        </p:spPr>
+        <p:txBody>
+          <a:bodyPr wrap="none" rtlCol="0">
+            <a:spAutoFit/>
+          </a:bodyPr>
+          <a:lstStyle/>
+          <a:p>
+            <a:r>
+              <a:rPr lang="en-US" dirty="0" smtClean="0"/>
+              <a:t>Do first, validate after</a:t>
+            </a:r>
+            <a:endParaRPr lang="en-US" dirty="0"/>
+          </a:p>
+        </p:txBody>
+      </p:sp>
+      <p:sp>
+        <p:nvSpPr>
+          <p:cNvPr id="9" name="TextBox 8"/>
+          <p:cNvSpPr txBox="1"/>
+          <p:nvPr/>
+        </p:nvSpPr>
+        <p:spPr>
+          <a:xfrm>
+            <a:off x="457200" y="4876800"/>
+            <a:ext cx="5261890" cy="369332"/>
+          </a:xfrm>
+          <a:prstGeom prst="rect">
+            <a:avLst/>
+          </a:prstGeom>
+          <a:noFill/>
+          <a:ln>
+            <a:solidFill>
+              <a:srgbClr val="FF0000"/>
+            </a:solidFill>
+          </a:ln>
+        </p:spPr>
+        <p:txBody>
+          <a:bodyPr wrap="none" rtlCol="0">
+            <a:spAutoFit/>
+          </a:bodyPr>
+          <a:lstStyle/>
+          <a:p>
+            <a:r>
+              <a:rPr lang="en-US" dirty="0" smtClean="0"/>
+              <a:t>Careful! This kind of loop will always run at least once.</a:t>
+            </a:r>
+            <a:endParaRPr lang="en-US" dirty="0"/>
+          </a:p>
+        </p:txBody>
+      </p:sp>
+    </p:spTree>
+    <p:extLst>
+      <p:ext uri="{BB962C8B-B14F-4D97-AF65-F5344CB8AC3E}">
+        <p14:creationId xmlns:p14="http://schemas.microsoft.com/office/powerpoint/2010/main" val="871404721"/>
+      </p:ext>
+    </p:extLst>
+  </p:cSld>
+  <p:clrMapOvr>
+    <a:masterClrMapping/>
+  </p:clrMapOvr>
+  <p:timing>
+    <p:tnLst>
+      <p:par>
+        <p:cTn id="1" dur="indefinite" restart="never" nodeType="tmRoot">
+          <p:childTnLst>
+            <p:seq concurrent="1" nextAc="seek">
+              <p:cTn id="2" dur="indefinite" nodeType="mainSeq">
+                <p:childTnLst>
+                  <p:par>
+                    <p:cTn id="3" fill="hold">
+                      <p:stCondLst>
+                        <p:cond delay="indefinite"/>
+                      </p:stCondLst>
+                      <p:childTnLst>
+                        <p:par>
+                          <p:cTn id="4" fill="hold">
+                            <p:stCondLst>
+                              <p:cond delay="0"/>
+                            </p:stCondLst>
+                            <p:childTnLst>
+                              <p:par>
+                                <p:cTn id="5" presetID="1" presetClass="entr" presetSubtype="0" fill="hold" grpId="0" nodeType="clickEffect">
+                                  <p:stCondLst>
+                                    <p:cond delay="0"/>
+                                  </p:stCondLst>
+                                  <p:childTnLst>
+                                    <p:set>
+                                      <p:cBhvr>
+                                        <p:cTn id="6" dur="1" fill="hold">
+                                          <p:stCondLst>
+                                            <p:cond delay="0"/>
+                                          </p:stCondLst>
+                                        </p:cTn>
+                                        <p:tgtEl>
+                                          <p:spTgt spid="9"/>
+                                        </p:tgtEl>
+                                        <p:attrNameLst>
+                                          <p:attrName>style.visibility</p:attrName>
+                                        </p:attrNameLst>
+                                      </p:cBhvr>
+                                      <p:to>
+                                        <p:strVal val="visible"/>
+                                      </p:to>
+                                    </p:set>
+                                  </p:childTnLst>
+                                </p:cTn>
+                              </p:par>
+                            </p:childTnLst>
+                          </p:cTn>
+                        </p:par>
+                      </p:childTnLst>
+                    </p:cTn>
+                  </p:par>
+                </p:childTnLst>
+              </p:cTn>
+              <p:prevCondLst>
+                <p:cond evt="onPrev" delay="0">
+                  <p:tgtEl>
+                    <p:sldTgt/>
+                  </p:tgtEl>
+                </p:cond>
+              </p:prevCondLst>
+              <p:nextCondLst>
+                <p:cond evt="onNext" delay="0">
+                  <p:tgtEl>
+                    <p:sldTgt/>
+                  </p:tgtEl>
+                </p:cond>
+              </p:nextCondLst>
+            </p:seq>
+          </p:childTnLst>
+        </p:cTn>
+      </p:par>
+    </p:tnLst>
+    <p:bldLst>
+      <p:bldP spid="9" grpId="0" animBg="1"/>
+    </p:bldLst>
+  </p:timing>
+</p:sld>
+</file>
+
+<file path=ppt/slides/slide28.xml><?xml version="1.0" encoding="utf-8"?>
+<p:sld xmlns:a="http://schemas.openxmlformats.org/drawingml/2006/main" xmlns:r="http://schemas.openxmlformats.org/officeDocument/2006/relationships" xmlns:p="http://schemas.openxmlformats.org/presentationml/2006/main">
+  <p:cSld>
+    <p:spTree>
+      <p:nvGrpSpPr>
+        <p:cNvPr id="1" name=""/>
+        <p:cNvGrpSpPr/>
+        <p:nvPr/>
+      </p:nvGrpSpPr>
+      <p:grpSpPr>
+        <a:xfrm>
+          <a:off x="0" y="0"/>
+          <a:ext cx="0" cy="0"/>
+          <a:chOff x="0" y="0"/>
+          <a:chExt cx="0" cy="0"/>
+        </a:xfrm>
+      </p:grpSpPr>
+      <p:sp>
+        <p:nvSpPr>
+          <p:cNvPr id="2" name="Title 1"/>
+          <p:cNvSpPr>
+            <a:spLocks noGrp="1"/>
+          </p:cNvSpPr>
+          <p:nvPr>
+            <p:ph type="title"/>
+          </p:nvPr>
+        </p:nvSpPr>
+        <p:spPr/>
+        <p:txBody>
+          <a:bodyPr/>
+          <a:lstStyle/>
+          <a:p>
+            <a:r>
+              <a:rPr lang="en-US" dirty="0" smtClean="0"/>
+              <a:t>References</a:t>
+            </a:r>
+            <a:endParaRPr lang="en-US" dirty="0"/>
+          </a:p>
+        </p:txBody>
+      </p:sp>
+      <p:sp>
+        <p:nvSpPr>
+          <p:cNvPr id="3" name="Content Placeholder 2"/>
+          <p:cNvSpPr>
+            <a:spLocks noGrp="1"/>
+          </p:cNvSpPr>
+          <p:nvPr>
+            <p:ph idx="1"/>
+          </p:nvPr>
+        </p:nvSpPr>
+        <p:spPr/>
+        <p:txBody>
+          <a:bodyPr/>
+          <a:lstStyle/>
+          <a:p>
+            <a:r>
+              <a:rPr lang="en-US" dirty="0" smtClean="0"/>
+              <a:t>Java Language Tutorial</a:t>
+            </a:r>
+          </a:p>
+          <a:p>
+            <a:pPr marL="457200" lvl="1" indent="0">
+              <a:buNone/>
+            </a:pPr>
+            <a:r>
+              <a:rPr lang="en-US" sz="2400" dirty="0">
+                <a:hlinkClick r:id="rId2"/>
+              </a:rPr>
+              <a:t>http://docs.oracle.com/javase/tutorial/java</a:t>
+            </a:r>
+            <a:r>
+              <a:rPr lang="en-US" sz="2400" dirty="0" smtClean="0">
+                <a:hlinkClick r:id="rId2"/>
+              </a:rPr>
+              <a:t>/</a:t>
+            </a:r>
+            <a:endParaRPr lang="en-US" sz="2400" dirty="0"/>
+          </a:p>
+          <a:p>
+            <a:r>
+              <a:rPr lang="en-US" dirty="0" smtClean="0"/>
+              <a:t>Java Language Specification</a:t>
+            </a:r>
+          </a:p>
+          <a:p>
+            <a:pPr lvl="1"/>
+            <a:r>
+              <a:rPr lang="en-US" i="1" dirty="0" smtClean="0"/>
+              <a:t>Not for the faint of heart! Don’t even go there unless you are an aspiring law student.</a:t>
+            </a:r>
+          </a:p>
+          <a:p>
+            <a:pPr marL="457200" lvl="1" indent="0">
+              <a:buNone/>
+            </a:pPr>
+            <a:r>
+              <a:rPr lang="en-US" sz="2400" dirty="0">
+                <a:hlinkClick r:id="rId3"/>
+              </a:rPr>
+              <a:t>http://</a:t>
+            </a:r>
+            <a:r>
+              <a:rPr lang="en-US" sz="2400" dirty="0" smtClean="0">
+                <a:hlinkClick r:id="rId3"/>
+              </a:rPr>
+              <a:t>docs.oracle.com/javase/specs/jls/se7/html/index.html</a:t>
+            </a:r>
+            <a:endParaRPr lang="en-US" dirty="0" smtClean="0"/>
+          </a:p>
+          <a:p>
+            <a:r>
+              <a:rPr lang="en-US" dirty="0" smtClean="0"/>
+              <a:t>Java API Documentation</a:t>
+            </a:r>
+          </a:p>
+          <a:p>
+            <a:pPr marL="457200" lvl="1" indent="0">
+              <a:buNone/>
+            </a:pPr>
+            <a:r>
+              <a:rPr lang="en-US" sz="2400" dirty="0">
+                <a:hlinkClick r:id="rId4"/>
+              </a:rPr>
+              <a:t>http://docs.oracle.com/javase/7/docs/api</a:t>
+            </a:r>
+            <a:r>
+              <a:rPr lang="en-US" sz="2400" dirty="0" smtClean="0">
+                <a:hlinkClick r:id="rId4"/>
+              </a:rPr>
+              <a:t>/</a:t>
+            </a:r>
+            <a:endParaRPr lang="en-US" sz="2400" dirty="0" smtClean="0"/>
+          </a:p>
+          <a:p>
+            <a:pPr marL="457200" lvl="1" indent="0">
+              <a:buNone/>
+            </a:pPr>
+            <a:endParaRPr lang="en-US" dirty="0"/>
+          </a:p>
+        </p:txBody>
+      </p:sp>
+      <p:sp>
+        <p:nvSpPr>
+          <p:cNvPr id="4" name="Date Placeholder 3"/>
+          <p:cNvSpPr>
+            <a:spLocks noGrp="1"/>
+          </p:cNvSpPr>
+          <p:nvPr>
+            <p:ph type="dt" sz="half" idx="10"/>
+          </p:nvPr>
+        </p:nvSpPr>
+        <p:spPr/>
+        <p:txBody>
+          <a:bodyPr/>
+          <a:lstStyle/>
+          <a:p>
+            <a:fld id="{A2A5E575-F730-4674-9978-37F7AD0A2F99}" type="datetime2">
+              <a:rPr lang="en-US" smtClean="0"/>
+              <a:t>Monday, April 28, 2014</a:t>
+            </a:fld>
+            <a:endParaRPr lang="en-US" dirty="0"/>
+          </a:p>
+        </p:txBody>
+      </p:sp>
+      <p:sp>
+        <p:nvSpPr>
+          <p:cNvPr id="5" name="Footer Placeholder 4"/>
+          <p:cNvSpPr>
+            <a:spLocks noGrp="1"/>
+          </p:cNvSpPr>
+          <p:nvPr>
+            <p:ph type="ftr" sz="quarter" idx="11"/>
+          </p:nvPr>
+        </p:nvSpPr>
+        <p:spPr/>
+        <p:txBody>
+          <a:bodyPr/>
+          <a:lstStyle/>
+          <a:p>
+            <a:r>
+              <a:rPr lang="en-US" smtClean="0"/>
+              <a:t>Palle Cogburn</a:t>
+            </a:r>
+            <a:endParaRPr lang="en-US" dirty="0"/>
+          </a:p>
+        </p:txBody>
+      </p:sp>
+      <p:sp>
+        <p:nvSpPr>
+          <p:cNvPr id="6" name="Slide Number Placeholder 5"/>
+          <p:cNvSpPr>
+            <a:spLocks noGrp="1"/>
+          </p:cNvSpPr>
+          <p:nvPr>
+            <p:ph type="sldNum" sz="quarter" idx="12"/>
+          </p:nvPr>
+        </p:nvSpPr>
+        <p:spPr/>
+        <p:txBody>
+          <a:bodyPr/>
+          <a:lstStyle/>
+          <a:p>
+            <a:fld id="{8CBEA7D5-4322-4BC9-B527-2F0B772A1C61}" type="slidenum">
+              <a:rPr lang="en-US" smtClean="0"/>
+              <a:t>28</a:t>
+            </a:fld>
+            <a:endParaRPr lang="en-US" dirty="0"/>
+          </a:p>
+        </p:txBody>
+      </p:sp>
+    </p:spTree>
+    <p:extLst>
+      <p:ext uri="{BB962C8B-B14F-4D97-AF65-F5344CB8AC3E}">
+        <p14:creationId xmlns:p14="http://schemas.microsoft.com/office/powerpoint/2010/main" val="2609372511"/>
+      </p:ext>
+    </p:extLst>
+  </p:cSld>
+  <p:clrMapOvr>
+    <a:masterClrMapping/>
+  </p:clrMapOvr>
+  <p:timing>
+    <p:tnLst>
+      <p:par>
+        <p:cTn id="1" dur="indefinite" restart="never" nodeType="tmRoot"/>
+      </p:par>
+    </p:tnLst>
+  </p:timing>
+</p:sld>
+</file>
+
+<file path=ppt/slides/slide29.xml><?xml version="1.0" encoding="utf-8"?>
+<p:sld xmlns:a="http://schemas.openxmlformats.org/drawingml/2006/main" xmlns:r="http://schemas.openxmlformats.org/officeDocument/2006/relationships" xmlns:p="http://schemas.openxmlformats.org/presentationml/2006/main">
+  <p:cSld>
+    <p:spTree>
+      <p:nvGrpSpPr>
+        <p:cNvPr id="1" name=""/>
+        <p:cNvGrpSpPr/>
+        <p:nvPr/>
+      </p:nvGrpSpPr>
+      <p:grpSpPr>
+        <a:xfrm>
+          <a:off x="0" y="0"/>
+          <a:ext cx="0" cy="0"/>
+          <a:chOff x="0" y="0"/>
+          <a:chExt cx="0" cy="0"/>
+        </a:xfrm>
+      </p:grpSpPr>
+      <p:sp>
+        <p:nvSpPr>
+          <p:cNvPr id="2" name="Title 1"/>
+          <p:cNvSpPr>
+            <a:spLocks noGrp="1"/>
+          </p:cNvSpPr>
+          <p:nvPr>
+            <p:ph type="title"/>
+          </p:nvPr>
+        </p:nvSpPr>
+        <p:spPr/>
+        <p:txBody>
+          <a:bodyPr/>
+          <a:lstStyle/>
+          <a:p>
+            <a:r>
+              <a:rPr lang="en-US" dirty="0" smtClean="0"/>
+              <a:t>API Documentation</a:t>
+            </a:r>
+            <a:endParaRPr lang="en-US" dirty="0"/>
+          </a:p>
+        </p:txBody>
+      </p:sp>
+      <p:sp>
+        <p:nvSpPr>
+          <p:cNvPr id="3" name="Date Placeholder 2"/>
+          <p:cNvSpPr>
+            <a:spLocks noGrp="1"/>
+          </p:cNvSpPr>
+          <p:nvPr>
+            <p:ph type="dt" sz="half" idx="10"/>
+          </p:nvPr>
+        </p:nvSpPr>
+        <p:spPr/>
+        <p:txBody>
+          <a:bodyPr/>
+          <a:lstStyle/>
+          <a:p>
+            <a:fld id="{C04B6024-2702-49B2-98BA-BAE3D8979AA9}" type="datetime2">
+              <a:rPr lang="en-US" smtClean="0"/>
+              <a:t>Monday, April 28, 2014</a:t>
+            </a:fld>
+            <a:endParaRPr lang="en-US" dirty="0"/>
+          </a:p>
+        </p:txBody>
+      </p:sp>
+      <p:sp>
+        <p:nvSpPr>
+          <p:cNvPr id="4" name="Footer Placeholder 3"/>
+          <p:cNvSpPr>
+            <a:spLocks noGrp="1"/>
+          </p:cNvSpPr>
+          <p:nvPr>
+            <p:ph type="ftr" sz="quarter" idx="11"/>
+          </p:nvPr>
+        </p:nvSpPr>
+        <p:spPr/>
+        <p:txBody>
+          <a:bodyPr/>
+          <a:lstStyle/>
+          <a:p>
+            <a:r>
+              <a:rPr lang="en-US" smtClean="0"/>
+              <a:t>Palle Cogburn</a:t>
+            </a:r>
+            <a:endParaRPr lang="en-US" dirty="0"/>
+          </a:p>
+        </p:txBody>
+      </p:sp>
+      <p:sp>
+        <p:nvSpPr>
+          <p:cNvPr id="5" name="Slide Number Placeholder 4"/>
+          <p:cNvSpPr>
+            <a:spLocks noGrp="1"/>
+          </p:cNvSpPr>
+          <p:nvPr>
+            <p:ph type="sldNum" sz="quarter" idx="12"/>
+          </p:nvPr>
+        </p:nvSpPr>
+        <p:spPr/>
+        <p:txBody>
+          <a:bodyPr/>
+          <a:lstStyle/>
+          <a:p>
+            <a:fld id="{8CBEA7D5-4322-4BC9-B527-2F0B772A1C61}" type="slidenum">
+              <a:rPr lang="en-US" smtClean="0"/>
+              <a:t>29</a:t>
+            </a:fld>
+            <a:endParaRPr lang="en-US" dirty="0"/>
+          </a:p>
+        </p:txBody>
+      </p:sp>
+      <p:pic>
+        <p:nvPicPr>
+          <p:cNvPr id="10242" name="Picture 2"/>
+          <p:cNvPicPr>
+            <a:picLocks noChangeAspect="1" noChangeArrowheads="1"/>
+          </p:cNvPicPr>
+          <p:nvPr/>
+        </p:nvPicPr>
+        <p:blipFill>
+          <a:blip r:embed="rId3">
+            <a:extLst>
+              <a:ext uri="{28A0092B-C50C-407E-A947-70E740481C1C}">
+                <a14:useLocalDpi xmlns:a14="http://schemas.microsoft.com/office/drawing/2010/main" val="0"/>
+              </a:ext>
+            </a:extLst>
+          </a:blip>
+          <a:srcRect/>
+          <a:stretch>
+            <a:fillRect/>
+          </a:stretch>
+        </p:blipFill>
+        <p:spPr bwMode="auto">
+          <a:xfrm>
+            <a:off x="381000" y="1524000"/>
+            <a:ext cx="8512493" cy="3257550"/>
+          </a:xfrm>
+          <a:prstGeom prst="rect">
+            <a:avLst/>
+          </a:prstGeom>
+          <a:noFill/>
+          <a:ln>
+            <a:noFill/>
+          </a:ln>
+          <a:extLst>
+            <a:ext uri="{909E8E84-426E-40DD-AFC4-6F175D3DCCD1}">
+              <a14:hiddenFill xmlns:a14="http://schemas.microsoft.com/office/drawing/2010/main">
+                <a:solidFill>
+                  <a:schemeClr val="accent1"/>
+                </a:solidFill>
+              </a14:hiddenFill>
+            </a:ext>
+            <a:ext uri="{91240B29-F687-4F45-9708-019B960494DF}">
+              <a14:hiddenLine xmlns:a14="http://schemas.microsoft.com/office/drawing/2010/main" w="9525">
+                <a:solidFill>
+                  <a:schemeClr val="tx1"/>
+                </a:solidFill>
+                <a:miter lim="800000"/>
+                <a:headEnd/>
+                <a:tailEnd/>
+              </a14:hiddenLine>
+            </a:ext>
+          </a:extLst>
+        </p:spPr>
+      </p:pic>
+    </p:spTree>
+    <p:extLst>
+      <p:ext uri="{BB962C8B-B14F-4D97-AF65-F5344CB8AC3E}">
+        <p14:creationId xmlns:p14="http://schemas.microsoft.com/office/powerpoint/2010/main" val="1004004357"/>
       </p:ext>
     </p:extLst>
   </p:cSld>
@@ -6516,96 +9278,20 @@
         </p:nvSpPr>
         <p:spPr/>
         <p:txBody>
-          <a:bodyPr>
-            <a:normAutofit fontScale="90000"/>
-          </a:bodyPr>
+          <a:bodyPr/>
           <a:lstStyle/>
           <a:p>
             <a:r>
               <a:rPr lang="en-US" dirty="0" smtClean="0"/>
-              <a:t>Data Types</a:t>
-            </a:r>
-            <a:br>
-              <a:rPr lang="en-US" dirty="0" smtClean="0"/>
-            </a:br>
-            <a:r>
-              <a:rPr lang="en-US" dirty="0" smtClean="0"/>
-              <a:t>-Variables</a:t>
-            </a:r>
-            <a:endParaRPr lang="en-US" dirty="0"/>
-          </a:p>
-        </p:txBody>
-      </p:sp>
-      <p:sp>
-        <p:nvSpPr>
-          <p:cNvPr id="3" name="Content Placeholder 2"/>
-          <p:cNvSpPr>
-            <a:spLocks noGrp="1"/>
-          </p:cNvSpPr>
-          <p:nvPr>
-            <p:ph idx="1"/>
-          </p:nvPr>
-        </p:nvSpPr>
-        <p:spPr/>
-        <p:txBody>
-          <a:bodyPr/>
-          <a:lstStyle/>
-          <a:p>
-            <a:r>
-              <a:rPr lang="en-US" dirty="0" smtClean="0"/>
-              <a:t>Must be declared before use</a:t>
-            </a:r>
-          </a:p>
-          <a:p>
-            <a:r>
-              <a:rPr lang="en-US" dirty="0" smtClean="0"/>
-              <a:t>Can be declared as </a:t>
-            </a:r>
-          </a:p>
-          <a:p>
-            <a:pPr lvl="1"/>
-            <a:r>
-              <a:rPr lang="en-US" dirty="0" smtClean="0"/>
-              <a:t>Attributes of a class</a:t>
-            </a:r>
-          </a:p>
-          <a:p>
-            <a:pPr lvl="1"/>
-            <a:r>
-              <a:rPr lang="en-US" dirty="0" smtClean="0"/>
-              <a:t>Arguments to a method</a:t>
-            </a:r>
-          </a:p>
-          <a:p>
-            <a:pPr lvl="1"/>
-            <a:r>
-              <a:rPr lang="en-US" dirty="0" smtClean="0"/>
-              <a:t>Variables inside a method</a:t>
-            </a:r>
-          </a:p>
-          <a:p>
-            <a:r>
-              <a:rPr lang="en-US" dirty="0" smtClean="0"/>
-              <a:t>Can be assigned</a:t>
-            </a:r>
-          </a:p>
-          <a:p>
-            <a:r>
-              <a:rPr lang="en-US" dirty="0" smtClean="0"/>
-              <a:t>Can be modified</a:t>
-            </a:r>
-          </a:p>
-          <a:p>
-            <a:r>
-              <a:rPr lang="en-US" dirty="0" smtClean="0"/>
-              <a:t>Can be passed as arguments to methods</a:t>
-            </a:r>
-          </a:p>
-        </p:txBody>
-      </p:sp>
-      <p:sp>
-        <p:nvSpPr>
-          <p:cNvPr id="4" name="Date Placeholder 3"/>
+              <a:t>Comments</a:t>
+            </a:r>
+            <a:endParaRPr lang="en-US" dirty="0"/>
+          </a:p>
+        </p:txBody>
+      </p:sp>
+      <p:sp>
+        <p:nvSpPr>
+          <p:cNvPr id="3" name="Date Placeholder 2"/>
           <p:cNvSpPr>
             <a:spLocks noGrp="1"/>
           </p:cNvSpPr>
@@ -6618,9 +9304,9 @@
           <a:bodyPr/>
           <a:lstStyle/>
           <a:p>
-            <a:fld id="{4B9D5BC9-690F-4431-B77E-275FD5243899}" type="datetime2">
-              <a:rPr lang="en-US" smtClean="0"/>
-              <a:t>Tuesday, April 15, 2014</a:t>
+            <a:fld id="{C04B6024-2702-49B2-98BA-BAE3D8979AA9}" type="datetime2">
+              <a:rPr lang="en-US" smtClean="0"/>
+              <a:t>Monday, April 28, 2014</a:t>
             </a:fld>
             <a:endParaRPr lang="en-US" dirty="0"/>
           </a:p>
@@ -6628,7 +9314,7 @@
       </p:sp>
       <p:sp>
         <p:nvSpPr>
-          <p:cNvPr id="5" name="Footer Placeholder 4"/>
+          <p:cNvPr id="4" name="Footer Placeholder 3"/>
           <p:cNvSpPr>
             <a:spLocks noGrp="1"/>
           </p:cNvSpPr>
@@ -6651,7 +9337,7 @@
       </p:sp>
       <p:sp>
         <p:nvSpPr>
-          <p:cNvPr id="6" name="Slide Number Placeholder 5"/>
+          <p:cNvPr id="5" name="Slide Number Placeholder 4"/>
           <p:cNvSpPr>
             <a:spLocks noGrp="1"/>
           </p:cNvSpPr>
@@ -6672,10 +9358,64 @@
           </a:p>
         </p:txBody>
       </p:sp>
+      <p:pic>
+        <p:nvPicPr>
+          <p:cNvPr id="1026" name="Picture 2"/>
+          <p:cNvPicPr>
+            <a:picLocks noChangeAspect="1" noChangeArrowheads="1"/>
+          </p:cNvPicPr>
+          <p:nvPr/>
+        </p:nvPicPr>
+        <p:blipFill>
+          <a:blip r:embed="rId2">
+            <a:extLst>
+              <a:ext uri="{28A0092B-C50C-407E-A947-70E740481C1C}">
+                <a14:useLocalDpi xmlns:a14="http://schemas.microsoft.com/office/drawing/2010/main" val="0"/>
+              </a:ext>
+            </a:extLst>
+          </a:blip>
+          <a:srcRect/>
+          <a:stretch>
+            <a:fillRect/>
+          </a:stretch>
+        </p:blipFill>
+        <p:spPr bwMode="auto">
+          <a:xfrm>
+            <a:off x="1143000" y="1143000"/>
+            <a:ext cx="6929438" cy="5255861"/>
+          </a:xfrm>
+          <a:prstGeom prst="rect">
+            <a:avLst/>
+          </a:prstGeom>
+          <a:noFill/>
+          <a:ln>
+            <a:noFill/>
+          </a:ln>
+          <a:extLst>
+            <a:ext uri="{909E8E84-426E-40DD-AFC4-6F175D3DCCD1}">
+              <a14:hiddenFill xmlns:a14="http://schemas.microsoft.com/office/drawing/2010/main">
+                <a:solidFill>
+                  <a:schemeClr val="accent1"/>
+                </a:solidFill>
+              </a14:hiddenFill>
+            </a:ext>
+            <a:ext uri="{91240B29-F687-4F45-9708-019B960494DF}">
+              <a14:hiddenLine xmlns:a14="http://schemas.microsoft.com/office/drawing/2010/main" w="9525">
+                <a:solidFill>
+                  <a:schemeClr val="tx1"/>
+                </a:solidFill>
+                <a:miter lim="800000"/>
+                <a:headEnd/>
+                <a:tailEnd/>
+              </a14:hiddenLine>
+            </a:ext>
+          </a:extLst>
+        </p:spPr>
+      </p:pic>
     </p:spTree>
     <p:extLst>
       <p:ext uri="{BB962C8B-B14F-4D97-AF65-F5344CB8AC3E}">
-        <p14:creationId xmlns:p14="http://schemas.microsoft.com/office/powerpoint/2010/main" val="1958782913"/>
+        <p14:creationId xmlns:p14="http://schemas.microsoft.com/office/powerpoint/2010/main" val="22368848"/>
       </p:ext>
     </p:extLst>
   </p:cSld>
@@ -6726,8 +9466,77 @@
           <a:p>
             <a:r>
               <a:rPr lang="en-US" dirty="0" smtClean="0"/>
-              <a:t>Primitive data types</a:t>
-            </a:r>
+              <a:t>Comments</a:t>
+            </a:r>
+            <a:endParaRPr lang="en-US" dirty="0"/>
+          </a:p>
+        </p:txBody>
+      </p:sp>
+      <p:sp>
+        <p:nvSpPr>
+          <p:cNvPr id="3" name="Date Placeholder 2"/>
+          <p:cNvSpPr>
+            <a:spLocks noGrp="1"/>
+          </p:cNvSpPr>
+          <p:nvPr>
+            <p:ph type="dt" sz="half" idx="10"/>
+          </p:nvPr>
+        </p:nvSpPr>
+        <p:spPr/>
+        <p:txBody>
+          <a:bodyPr/>
+          <a:lstStyle/>
+          <a:p>
+            <a:fld id="{C04B6024-2702-49B2-98BA-BAE3D8979AA9}" type="datetime2">
+              <a:rPr lang="en-US" smtClean="0"/>
+              <a:t>Monday, April 28, 2014</a:t>
+            </a:fld>
+            <a:endParaRPr lang="en-US" dirty="0"/>
+          </a:p>
+        </p:txBody>
+      </p:sp>
+      <p:sp>
+        <p:nvSpPr>
+          <p:cNvPr id="4" name="Footer Placeholder 3"/>
+          <p:cNvSpPr>
+            <a:spLocks noGrp="1"/>
+          </p:cNvSpPr>
+          <p:nvPr>
+            <p:ph type="ftr" sz="quarter" idx="11"/>
+          </p:nvPr>
+        </p:nvSpPr>
+        <p:spPr/>
+        <p:txBody>
+          <a:bodyPr/>
+          <a:lstStyle/>
+          <a:p>
+            <a:r>
+              <a:rPr lang="en-US" smtClean="0"/>
+              <a:t>Palle Cogburn</a:t>
+            </a:r>
+            <a:endParaRPr lang="en-US" dirty="0"/>
+          </a:p>
+        </p:txBody>
+      </p:sp>
+      <p:sp>
+        <p:nvSpPr>
+          <p:cNvPr id="5" name="Slide Number Placeholder 4"/>
+          <p:cNvSpPr>
+            <a:spLocks noGrp="1"/>
+          </p:cNvSpPr>
+          <p:nvPr>
+            <p:ph type="sldNum" sz="quarter" idx="12"/>
+          </p:nvPr>
+        </p:nvSpPr>
+        <p:spPr/>
+        <p:txBody>
+          <a:bodyPr/>
+          <a:lstStyle/>
+          <a:p>
+            <a:fld id="{8CBEA7D5-4322-4BC9-B527-2F0B772A1C61}" type="slidenum">
+              <a:rPr lang="en-US" smtClean="0"/>
+              <a:t>4</a:t>
+            </a:fld>
             <a:endParaRPr lang="en-US" dirty="0"/>
           </a:p>
         </p:txBody>
@@ -6755,8 +9564,8 @@
         </p:blipFill>
         <p:spPr bwMode="auto">
           <a:xfrm>
-            <a:off x="238836" y="1752600"/>
-            <a:ext cx="8638646" cy="3571875"/>
+            <a:off x="1143000" y="1133856"/>
+            <a:ext cx="7775734" cy="5262086"/>
           </a:xfrm>
           <a:prstGeom prst="rect">
             <a:avLst/>
@@ -6786,79 +9595,10 @@
           </a:extLst>
         </p:spPr>
       </p:pic>
-      <p:sp>
-        <p:nvSpPr>
-          <p:cNvPr id="3" name="Date Placeholder 2"/>
-          <p:cNvSpPr>
-            <a:spLocks noGrp="1"/>
-          </p:cNvSpPr>
-          <p:nvPr>
-            <p:ph type="dt" sz="half" idx="10"/>
-          </p:nvPr>
-        </p:nvSpPr>
-        <p:spPr/>
-        <p:txBody>
-          <a:bodyPr/>
-          <a:lstStyle/>
-          <a:p>
-            <a:fld id="{856EEEFA-25DB-4FA5-9452-8561F35F2333}" type="datetime2">
-              <a:rPr lang="en-US" smtClean="0"/>
-              <a:t>Tuesday, April 15, 2014</a:t>
-            </a:fld>
-            <a:endParaRPr lang="en-US" dirty="0"/>
-          </a:p>
-        </p:txBody>
-      </p:sp>
-      <p:sp>
-        <p:nvSpPr>
-          <p:cNvPr id="4" name="Footer Placeholder 3"/>
-          <p:cNvSpPr>
-            <a:spLocks noGrp="1"/>
-          </p:cNvSpPr>
-          <p:nvPr>
-            <p:ph type="ftr" sz="quarter" idx="11"/>
-          </p:nvPr>
-        </p:nvSpPr>
-        <p:spPr/>
-        <p:txBody>
-          <a:bodyPr/>
-          <a:lstStyle/>
-          <a:p>
-            <a:r>
-              <a:rPr lang="en-US" smtClean="0"/>
-              <a:t>Palle Cogburn</a:t>
-            </a:r>
-            <a:endParaRPr lang="en-US" dirty="0"/>
-          </a:p>
-        </p:txBody>
-      </p:sp>
-      <p:sp>
-        <p:nvSpPr>
-          <p:cNvPr id="5" name="Slide Number Placeholder 4"/>
-          <p:cNvSpPr>
-            <a:spLocks noGrp="1"/>
-          </p:cNvSpPr>
-          <p:nvPr>
-            <p:ph type="sldNum" sz="quarter" idx="12"/>
-          </p:nvPr>
-        </p:nvSpPr>
-        <p:spPr/>
-        <p:txBody>
-          <a:bodyPr/>
-          <a:lstStyle/>
-          <a:p>
-            <a:fld id="{8CBEA7D5-4322-4BC9-B527-2F0B772A1C61}" type="slidenum">
-              <a:rPr lang="en-US" smtClean="0"/>
-              <a:t>4</a:t>
-            </a:fld>
-            <a:endParaRPr lang="en-US" dirty="0"/>
-          </a:p>
-        </p:txBody>
-      </p:sp>
     </p:spTree>
     <p:extLst>
       <p:ext uri="{BB962C8B-B14F-4D97-AF65-F5344CB8AC3E}">
-        <p14:creationId xmlns:p14="http://schemas.microsoft.com/office/powerpoint/2010/main" val="4142880870"/>
+        <p14:creationId xmlns:p14="http://schemas.microsoft.com/office/powerpoint/2010/main" val="1410158289"/>
       </p:ext>
     </p:extLst>
   </p:cSld>
@@ -6909,111 +9649,15 @@
           <a:p>
             <a:r>
               <a:rPr lang="en-US" dirty="0" smtClean="0"/>
-              <a:t>Operations</a:t>
-            </a:r>
-            <a:endParaRPr lang="en-US" dirty="0"/>
-          </a:p>
-        </p:txBody>
-      </p:sp>
-      <p:sp>
-        <p:nvSpPr>
-          <p:cNvPr id="3" name="Content Placeholder 2"/>
-          <p:cNvSpPr>
-            <a:spLocks noGrp="1"/>
-          </p:cNvSpPr>
-          <p:nvPr>
-            <p:ph idx="1"/>
-          </p:nvPr>
-        </p:nvSpPr>
-        <p:spPr>
-          <a:xfrm>
-            <a:off x="1524000" y="1600200"/>
-            <a:ext cx="6400800" cy="4525963"/>
-          </a:xfrm>
-        </p:spPr>
-        <p:txBody>
-          <a:bodyPr>
-            <a:normAutofit lnSpcReduction="10000"/>
-          </a:bodyPr>
-          <a:lstStyle/>
-          <a:p>
-            <a:pPr marL="0" indent="0">
-              <a:buNone/>
-            </a:pPr>
-            <a:r>
-              <a:rPr lang="en-US" dirty="0" smtClean="0"/>
-              <a:t>+	: Addition</a:t>
-            </a:r>
-          </a:p>
-          <a:p>
-            <a:pPr marL="0" indent="0">
-              <a:buNone/>
-            </a:pPr>
-            <a:r>
-              <a:rPr lang="en-US" dirty="0" smtClean="0"/>
-              <a:t>-	: Subtraction</a:t>
-            </a:r>
-          </a:p>
-          <a:p>
-            <a:pPr marL="0" indent="0">
-              <a:buNone/>
-            </a:pPr>
-            <a:r>
-              <a:rPr lang="en-US" dirty="0" smtClean="0"/>
-              <a:t>*	: Multiplication</a:t>
-            </a:r>
-          </a:p>
-          <a:p>
-            <a:pPr marL="0" indent="0">
-              <a:buNone/>
-            </a:pPr>
-            <a:r>
-              <a:rPr lang="en-US" dirty="0" smtClean="0"/>
-              <a:t>/	: Division</a:t>
-            </a:r>
-          </a:p>
-          <a:p>
-            <a:pPr marL="0" indent="0">
-              <a:buNone/>
-            </a:pPr>
-            <a:r>
-              <a:rPr lang="en-US" dirty="0" smtClean="0"/>
-              <a:t>%	: Remainder</a:t>
-            </a:r>
-          </a:p>
-          <a:p>
-            <a:pPr marL="0" indent="0">
-              <a:buNone/>
-            </a:pPr>
-            <a:r>
-              <a:rPr lang="en-US" dirty="0" smtClean="0"/>
-              <a:t>++	: Increment</a:t>
-            </a:r>
-          </a:p>
-          <a:p>
-            <a:pPr marL="0" indent="0">
-              <a:buNone/>
-            </a:pPr>
-            <a:r>
-              <a:rPr lang="en-US" dirty="0" smtClean="0"/>
-              <a:t>--	: Decrement</a:t>
-            </a:r>
-          </a:p>
-          <a:p>
-            <a:pPr marL="0" indent="0">
-              <a:buNone/>
-            </a:pPr>
-            <a:r>
-              <a:rPr lang="en-US" dirty="0" smtClean="0"/>
-              <a:t>!	: Not</a:t>
-            </a:r>
-            <a:endParaRPr lang="en-US" dirty="0"/>
-          </a:p>
-        </p:txBody>
-      </p:sp>
-      <p:sp>
-        <p:nvSpPr>
-          <p:cNvPr id="4" name="Date Placeholder 3"/>
+              <a:t>Comments</a:t>
+            </a:r>
+            <a:endParaRPr lang="en-US" dirty="0"/>
+          </a:p>
+        </p:txBody>
+      </p:sp>
+      <p:sp>
+        <p:nvSpPr>
+          <p:cNvPr id="3" name="Date Placeholder 2"/>
           <p:cNvSpPr>
             <a:spLocks noGrp="1"/>
           </p:cNvSpPr>
@@ -7026,9 +9670,9 @@
           <a:bodyPr/>
           <a:lstStyle/>
           <a:p>
-            <a:fld id="{9A8F8D9D-AE75-40E7-862F-DADD901D0145}" type="datetime2">
-              <a:rPr lang="en-US" smtClean="0"/>
-              <a:t>Tuesday, April 15, 2014</a:t>
+            <a:fld id="{C04B6024-2702-49B2-98BA-BAE3D8979AA9}" type="datetime2">
+              <a:rPr lang="en-US" smtClean="0"/>
+              <a:t>Monday, April 28, 2014</a:t>
             </a:fld>
             <a:endParaRPr lang="en-US" dirty="0"/>
           </a:p>
@@ -7036,7 +9680,7 @@
       </p:sp>
       <p:sp>
         <p:nvSpPr>
-          <p:cNvPr id="5" name="Footer Placeholder 4"/>
+          <p:cNvPr id="4" name="Footer Placeholder 3"/>
           <p:cNvSpPr>
             <a:spLocks noGrp="1"/>
           </p:cNvSpPr>
@@ -7059,7 +9703,7 @@
       </p:sp>
       <p:sp>
         <p:nvSpPr>
-          <p:cNvPr id="6" name="Slide Number Placeholder 5"/>
+          <p:cNvPr id="5" name="Slide Number Placeholder 4"/>
           <p:cNvSpPr>
             <a:spLocks noGrp="1"/>
           </p:cNvSpPr>
@@ -7080,10 +9724,64 @@
           </a:p>
         </p:txBody>
       </p:sp>
+      <p:pic>
+        <p:nvPicPr>
+          <p:cNvPr id="3074" name="Picture 2"/>
+          <p:cNvPicPr>
+            <a:picLocks noChangeAspect="1" noChangeArrowheads="1"/>
+          </p:cNvPicPr>
+          <p:nvPr/>
+        </p:nvPicPr>
+        <p:blipFill>
+          <a:blip r:embed="rId2">
+            <a:extLst>
+              <a:ext uri="{28A0092B-C50C-407E-A947-70E740481C1C}">
+                <a14:useLocalDpi xmlns:a14="http://schemas.microsoft.com/office/drawing/2010/main" val="0"/>
+              </a:ext>
+            </a:extLst>
+          </a:blip>
+          <a:srcRect/>
+          <a:stretch>
+            <a:fillRect/>
+          </a:stretch>
+        </p:blipFill>
+        <p:spPr bwMode="auto">
+          <a:xfrm>
+            <a:off x="1143000" y="1143000"/>
+            <a:ext cx="6878003" cy="5455444"/>
+          </a:xfrm>
+          <a:prstGeom prst="rect">
+            <a:avLst/>
+          </a:prstGeom>
+          <a:noFill/>
+          <a:ln>
+            <a:noFill/>
+          </a:ln>
+          <a:extLst>
+            <a:ext uri="{909E8E84-426E-40DD-AFC4-6F175D3DCCD1}">
+              <a14:hiddenFill xmlns:a14="http://schemas.microsoft.com/office/drawing/2010/main">
+                <a:solidFill>
+                  <a:schemeClr val="accent1"/>
+                </a:solidFill>
+              </a14:hiddenFill>
+            </a:ext>
+            <a:ext uri="{91240B29-F687-4F45-9708-019B960494DF}">
+              <a14:hiddenLine xmlns:a14="http://schemas.microsoft.com/office/drawing/2010/main" w="9525">
+                <a:solidFill>
+                  <a:schemeClr val="tx1"/>
+                </a:solidFill>
+                <a:miter lim="800000"/>
+                <a:headEnd/>
+                <a:tailEnd/>
+              </a14:hiddenLine>
+            </a:ext>
+          </a:extLst>
+        </p:spPr>
+      </p:pic>
     </p:spTree>
     <p:extLst>
       <p:ext uri="{BB962C8B-B14F-4D97-AF65-F5344CB8AC3E}">
-        <p14:creationId xmlns:p14="http://schemas.microsoft.com/office/powerpoint/2010/main" val="3734175731"/>
+        <p14:creationId xmlns:p14="http://schemas.microsoft.com/office/powerpoint/2010/main" val="1555615687"/>
       </p:ext>
     </p:extLst>
   </p:cSld>
@@ -7134,111 +9832,15 @@
           <a:p>
             <a:r>
               <a:rPr lang="en-US" dirty="0" smtClean="0"/>
-              <a:t>Conditions</a:t>
-            </a:r>
-            <a:endParaRPr lang="en-US" dirty="0"/>
-          </a:p>
-        </p:txBody>
-      </p:sp>
-      <p:sp>
-        <p:nvSpPr>
-          <p:cNvPr id="3" name="Content Placeholder 2"/>
-          <p:cNvSpPr>
-            <a:spLocks noGrp="1"/>
-          </p:cNvSpPr>
-          <p:nvPr>
-            <p:ph idx="1"/>
-          </p:nvPr>
-        </p:nvSpPr>
-        <p:spPr>
-          <a:xfrm>
-            <a:off x="1905000" y="1600200"/>
-            <a:ext cx="6477000" cy="4525963"/>
-          </a:xfrm>
-        </p:spPr>
-        <p:txBody>
-          <a:bodyPr>
-            <a:normAutofit lnSpcReduction="10000"/>
-          </a:bodyPr>
-          <a:lstStyle/>
-          <a:p>
-            <a:pPr marL="0" indent="0">
-              <a:buNone/>
-            </a:pPr>
-            <a:r>
-              <a:rPr lang="en-US" dirty="0" smtClean="0"/>
-              <a:t>==	: Equal to</a:t>
-            </a:r>
-          </a:p>
-          <a:p>
-            <a:pPr marL="0" indent="0">
-              <a:buNone/>
-            </a:pPr>
-            <a:r>
-              <a:rPr lang="en-US" dirty="0" smtClean="0"/>
-              <a:t>!=	: Not Equal to</a:t>
-            </a:r>
-          </a:p>
-          <a:p>
-            <a:pPr marL="0" indent="0">
-              <a:buNone/>
-            </a:pPr>
-            <a:r>
-              <a:rPr lang="en-US" dirty="0" smtClean="0"/>
-              <a:t>&gt;	: Greater than</a:t>
-            </a:r>
-          </a:p>
-          <a:p>
-            <a:pPr marL="0" indent="0">
-              <a:buNone/>
-            </a:pPr>
-            <a:r>
-              <a:rPr lang="en-US" dirty="0" smtClean="0"/>
-              <a:t>&gt;=	: Greater than or equal to</a:t>
-            </a:r>
-          </a:p>
-          <a:p>
-            <a:pPr marL="0" indent="0">
-              <a:buNone/>
-            </a:pPr>
-            <a:r>
-              <a:rPr lang="en-US" dirty="0" smtClean="0"/>
-              <a:t>&lt;	: Less than</a:t>
-            </a:r>
-          </a:p>
-          <a:p>
-            <a:pPr marL="0" indent="0">
-              <a:buNone/>
-            </a:pPr>
-            <a:r>
-              <a:rPr lang="en-US" dirty="0" smtClean="0"/>
-              <a:t>&lt;=	: Less than or equal to</a:t>
-            </a:r>
-          </a:p>
-          <a:p>
-            <a:pPr marL="0" indent="0">
-              <a:buNone/>
-            </a:pPr>
-            <a:r>
-              <a:rPr lang="en-US" dirty="0" smtClean="0"/>
-              <a:t>&amp;&amp;	: And</a:t>
-            </a:r>
-          </a:p>
-          <a:p>
-            <a:pPr marL="0" indent="0">
-              <a:buNone/>
-            </a:pPr>
-            <a:r>
-              <a:rPr lang="en-US" dirty="0" smtClean="0"/>
-              <a:t>||	: Or</a:t>
-            </a:r>
-            <a:endParaRPr lang="en-US" dirty="0"/>
-          </a:p>
-        </p:txBody>
-      </p:sp>
-      <p:sp>
-        <p:nvSpPr>
-          <p:cNvPr id="4" name="Date Placeholder 3"/>
+              <a:t>Comments</a:t>
+            </a:r>
+            <a:endParaRPr lang="en-US" dirty="0"/>
+          </a:p>
+        </p:txBody>
+      </p:sp>
+      <p:sp>
+        <p:nvSpPr>
+          <p:cNvPr id="3" name="Date Placeholder 2"/>
           <p:cNvSpPr>
             <a:spLocks noGrp="1"/>
           </p:cNvSpPr>
@@ -7251,9 +9853,9 @@
           <a:bodyPr/>
           <a:lstStyle/>
           <a:p>
-            <a:fld id="{4F10C180-3EE6-480E-AEB0-503F40344379}" type="datetime2">
-              <a:rPr lang="en-US" smtClean="0"/>
-              <a:t>Tuesday, April 15, 2014</a:t>
+            <a:fld id="{C04B6024-2702-49B2-98BA-BAE3D8979AA9}" type="datetime2">
+              <a:rPr lang="en-US" smtClean="0"/>
+              <a:t>Monday, April 28, 2014</a:t>
             </a:fld>
             <a:endParaRPr lang="en-US" dirty="0"/>
           </a:p>
@@ -7261,7 +9863,7 @@
       </p:sp>
       <p:sp>
         <p:nvSpPr>
-          <p:cNvPr id="5" name="Footer Placeholder 4"/>
+          <p:cNvPr id="4" name="Footer Placeholder 3"/>
           <p:cNvSpPr>
             <a:spLocks noGrp="1"/>
           </p:cNvSpPr>
@@ -7284,7 +9886,7 @@
       </p:sp>
       <p:sp>
         <p:nvSpPr>
-          <p:cNvPr id="6" name="Slide Number Placeholder 5"/>
+          <p:cNvPr id="5" name="Slide Number Placeholder 4"/>
           <p:cNvSpPr>
             <a:spLocks noGrp="1"/>
           </p:cNvSpPr>
@@ -7305,10 +9907,64 @@
           </a:p>
         </p:txBody>
       </p:sp>
+      <p:pic>
+        <p:nvPicPr>
+          <p:cNvPr id="4098" name="Picture 2"/>
+          <p:cNvPicPr>
+            <a:picLocks noChangeAspect="1" noChangeArrowheads="1"/>
+          </p:cNvPicPr>
+          <p:nvPr/>
+        </p:nvPicPr>
+        <p:blipFill>
+          <a:blip r:embed="rId2">
+            <a:extLst>
+              <a:ext uri="{28A0092B-C50C-407E-A947-70E740481C1C}">
+                <a14:useLocalDpi xmlns:a14="http://schemas.microsoft.com/office/drawing/2010/main" val="0"/>
+              </a:ext>
+            </a:extLst>
+          </a:blip>
+          <a:srcRect/>
+          <a:stretch>
+            <a:fillRect/>
+          </a:stretch>
+        </p:blipFill>
+        <p:spPr bwMode="auto">
+          <a:xfrm>
+            <a:off x="1219199" y="1905000"/>
+            <a:ext cx="7015163" cy="3157538"/>
+          </a:xfrm>
+          <a:prstGeom prst="rect">
+            <a:avLst/>
+          </a:prstGeom>
+          <a:noFill/>
+          <a:ln>
+            <a:noFill/>
+          </a:ln>
+          <a:extLst>
+            <a:ext uri="{909E8E84-426E-40DD-AFC4-6F175D3DCCD1}">
+              <a14:hiddenFill xmlns:a14="http://schemas.microsoft.com/office/drawing/2010/main">
+                <a:solidFill>
+                  <a:schemeClr val="accent1"/>
+                </a:solidFill>
+              </a14:hiddenFill>
+            </a:ext>
+            <a:ext uri="{91240B29-F687-4F45-9708-019B960494DF}">
+              <a14:hiddenLine xmlns:a14="http://schemas.microsoft.com/office/drawing/2010/main" w="9525">
+                <a:solidFill>
+                  <a:schemeClr val="tx1"/>
+                </a:solidFill>
+                <a:miter lim="800000"/>
+                <a:headEnd/>
+                <a:tailEnd/>
+              </a14:hiddenLine>
+            </a:ext>
+          </a:extLst>
+        </p:spPr>
+      </p:pic>
     </p:spTree>
     <p:extLst>
       <p:ext uri="{BB962C8B-B14F-4D97-AF65-F5344CB8AC3E}">
-        <p14:creationId xmlns:p14="http://schemas.microsoft.com/office/powerpoint/2010/main" val="4123152355"/>
+        <p14:creationId xmlns:p14="http://schemas.microsoft.com/office/powerpoint/2010/main" val="2723113471"/>
       </p:ext>
     </p:extLst>
   </p:cSld>
@@ -7359,15 +10015,84 @@
           <a:p>
             <a:r>
               <a:rPr lang="en-US" dirty="0" smtClean="0"/>
-              <a:t>Inheritance</a:t>
-            </a:r>
+              <a:t>Comments</a:t>
+            </a:r>
+            <a:endParaRPr lang="en-US" dirty="0"/>
+          </a:p>
+        </p:txBody>
+      </p:sp>
+      <p:sp>
+        <p:nvSpPr>
+          <p:cNvPr id="3" name="Date Placeholder 2"/>
+          <p:cNvSpPr>
+            <a:spLocks noGrp="1"/>
+          </p:cNvSpPr>
+          <p:nvPr>
+            <p:ph type="dt" sz="half" idx="10"/>
+          </p:nvPr>
+        </p:nvSpPr>
+        <p:spPr/>
+        <p:txBody>
+          <a:bodyPr/>
+          <a:lstStyle/>
+          <a:p>
+            <a:fld id="{C04B6024-2702-49B2-98BA-BAE3D8979AA9}" type="datetime2">
+              <a:rPr lang="en-US" smtClean="0"/>
+              <a:t>Monday, April 28, 2014</a:t>
+            </a:fld>
+            <a:endParaRPr lang="en-US" dirty="0"/>
+          </a:p>
+        </p:txBody>
+      </p:sp>
+      <p:sp>
+        <p:nvSpPr>
+          <p:cNvPr id="4" name="Footer Placeholder 3"/>
+          <p:cNvSpPr>
+            <a:spLocks noGrp="1"/>
+          </p:cNvSpPr>
+          <p:nvPr>
+            <p:ph type="ftr" sz="quarter" idx="11"/>
+          </p:nvPr>
+        </p:nvSpPr>
+        <p:spPr/>
+        <p:txBody>
+          <a:bodyPr/>
+          <a:lstStyle/>
+          <a:p>
+            <a:r>
+              <a:rPr lang="en-US" smtClean="0"/>
+              <a:t>Palle Cogburn</a:t>
+            </a:r>
+            <a:endParaRPr lang="en-US" dirty="0"/>
+          </a:p>
+        </p:txBody>
+      </p:sp>
+      <p:sp>
+        <p:nvSpPr>
+          <p:cNvPr id="5" name="Slide Number Placeholder 4"/>
+          <p:cNvSpPr>
+            <a:spLocks noGrp="1"/>
+          </p:cNvSpPr>
+          <p:nvPr>
+            <p:ph type="sldNum" sz="quarter" idx="12"/>
+          </p:nvPr>
+        </p:nvSpPr>
+        <p:spPr/>
+        <p:txBody>
+          <a:bodyPr/>
+          <a:lstStyle/>
+          <a:p>
+            <a:fld id="{8CBEA7D5-4322-4BC9-B527-2F0B772A1C61}" type="slidenum">
+              <a:rPr lang="en-US" smtClean="0"/>
+              <a:t>7</a:t>
+            </a:fld>
             <a:endParaRPr lang="en-US" dirty="0"/>
           </a:p>
         </p:txBody>
       </p:sp>
       <p:pic>
         <p:nvPicPr>
-          <p:cNvPr id="3074" name="Picture 2"/>
+          <p:cNvPr id="6146" name="Picture 2"/>
           <p:cNvPicPr>
             <a:picLocks noChangeAspect="1" noChangeArrowheads="1"/>
           </p:cNvPicPr>
@@ -7388,8 +10113,8 @@
         </p:blipFill>
         <p:spPr bwMode="auto">
           <a:xfrm>
-            <a:off x="1828800" y="1828800"/>
-            <a:ext cx="5488807" cy="1871662"/>
+            <a:off x="495300" y="1795463"/>
+            <a:ext cx="8153400" cy="3267075"/>
           </a:xfrm>
           <a:prstGeom prst="rect">
             <a:avLst/>
@@ -7419,179 +10144,10 @@
           </a:extLst>
         </p:spPr>
       </p:pic>
-      <p:sp>
-        <p:nvSpPr>
-          <p:cNvPr id="4" name="TextBox 3"/>
-          <p:cNvSpPr txBox="1"/>
-          <p:nvPr/>
-        </p:nvSpPr>
-        <p:spPr>
-          <a:xfrm>
-            <a:off x="838200" y="4370401"/>
-            <a:ext cx="7809510" cy="461665"/>
-          </a:xfrm>
-          <a:prstGeom prst="rect">
-            <a:avLst/>
-          </a:prstGeom>
-          <a:noFill/>
-        </p:spPr>
-        <p:txBody>
-          <a:bodyPr wrap="none" rtlCol="0">
-            <a:spAutoFit/>
-          </a:bodyPr>
-          <a:lstStyle/>
-          <a:p>
-            <a:r>
-              <a:rPr lang="en-US" sz="2400" dirty="0" smtClean="0"/>
-              <a:t>Not every animal can </a:t>
-            </a:r>
-            <a:r>
-              <a:rPr lang="en-US" sz="2400" i="1" u="sng" dirty="0" smtClean="0"/>
-              <a:t>swim</a:t>
-            </a:r>
-            <a:r>
-              <a:rPr lang="en-US" sz="2400" dirty="0" smtClean="0"/>
-              <a:t>, so </a:t>
-            </a:r>
-            <a:r>
-              <a:rPr lang="en-US" sz="2400" u="sng" dirty="0" smtClean="0"/>
-              <a:t>fish</a:t>
-            </a:r>
-            <a:r>
-              <a:rPr lang="en-US" sz="2400" dirty="0" smtClean="0"/>
-              <a:t> is a specific </a:t>
-            </a:r>
-            <a:r>
-              <a:rPr lang="en-US" sz="2400" i="1" u="sng" dirty="0" smtClean="0"/>
-              <a:t>kind</a:t>
-            </a:r>
-            <a:r>
-              <a:rPr lang="en-US" sz="2400" dirty="0" smtClean="0"/>
-              <a:t> of </a:t>
-            </a:r>
-            <a:r>
-              <a:rPr lang="en-US" sz="2400" u="sng" dirty="0" smtClean="0"/>
-              <a:t>animal</a:t>
-            </a:r>
-            <a:endParaRPr lang="en-US" sz="2400" u="sng" dirty="0"/>
-          </a:p>
-        </p:txBody>
-      </p:sp>
-      <p:sp>
-        <p:nvSpPr>
-          <p:cNvPr id="5" name="TextBox 4"/>
-          <p:cNvSpPr txBox="1"/>
-          <p:nvPr/>
-        </p:nvSpPr>
-        <p:spPr>
-          <a:xfrm>
-            <a:off x="1371600" y="5257800"/>
-            <a:ext cx="6613029" cy="523220"/>
-          </a:xfrm>
-          <a:prstGeom prst="rect">
-            <a:avLst/>
-          </a:prstGeom>
-          <a:noFill/>
-        </p:spPr>
-        <p:txBody>
-          <a:bodyPr wrap="none" rtlCol="0">
-            <a:spAutoFit/>
-          </a:bodyPr>
-          <a:lstStyle/>
-          <a:p>
-            <a:r>
-              <a:rPr lang="en-US" sz="2800" dirty="0" smtClean="0"/>
-              <a:t>We use the keyword </a:t>
-            </a:r>
-            <a:r>
-              <a:rPr lang="en-US" sz="2800" u="sng" dirty="0" smtClean="0"/>
-              <a:t>extends</a:t>
-            </a:r>
-            <a:r>
-              <a:rPr lang="en-US" sz="2800" dirty="0" smtClean="0"/>
-              <a:t> </a:t>
-            </a:r>
-            <a:r>
-              <a:rPr lang="en-US" sz="2800" dirty="0" smtClean="0"/>
-              <a:t>to indicate this</a:t>
-            </a:r>
-            <a:endParaRPr lang="en-US" sz="2800" dirty="0"/>
-          </a:p>
-        </p:txBody>
-      </p:sp>
-      <p:sp>
-        <p:nvSpPr>
-          <p:cNvPr id="3" name="Date Placeholder 2"/>
-          <p:cNvSpPr>
-            <a:spLocks noGrp="1"/>
-          </p:cNvSpPr>
-          <p:nvPr>
-            <p:ph type="dt" sz="half" idx="10"/>
-          </p:nvPr>
-        </p:nvSpPr>
-        <p:spPr/>
-        <p:txBody>
-          <a:bodyPr/>
-          <a:lstStyle/>
-          <a:p>
-            <a:fld id="{982CF03F-C230-4358-A7A7-B40F9616CE6E}" type="datetime2">
-              <a:rPr lang="en-US" smtClean="0"/>
-              <a:t>Tuesday, April 15, 2014</a:t>
-            </a:fld>
-            <a:endParaRPr lang="en-US" dirty="0"/>
-          </a:p>
-        </p:txBody>
-      </p:sp>
-      <p:sp>
-        <p:nvSpPr>
-          <p:cNvPr id="6" name="Footer Placeholder 5"/>
-          <p:cNvSpPr>
-            <a:spLocks noGrp="1"/>
-          </p:cNvSpPr>
-          <p:nvPr>
-            <p:ph type="ftr" sz="quarter" idx="11"/>
-          </p:nvPr>
-        </p:nvSpPr>
-        <p:spPr/>
-        <p:txBody>
-          <a:bodyPr/>
-          <a:lstStyle/>
-          <a:p>
-            <a:r>
-              <a:rPr lang="en-US" smtClean="0"/>
-              <a:t>Palle Cogburn</a:t>
-            </a:r>
-            <a:endParaRPr lang="en-US" dirty="0"/>
-          </a:p>
-        </p:txBody>
-      </p:sp>
-      <p:sp>
-        <p:nvSpPr>
-          <p:cNvPr id="7" name="Slide Number Placeholder 6"/>
-          <p:cNvSpPr>
-            <a:spLocks noGrp="1"/>
-          </p:cNvSpPr>
-          <p:nvPr>
-            <p:ph type="sldNum" sz="quarter" idx="12"/>
-          </p:nvPr>
-        </p:nvSpPr>
-        <p:spPr/>
-        <p:txBody>
-          <a:bodyPr/>
-          <a:lstStyle/>
-          <a:p>
-            <a:fld id="{8CBEA7D5-4322-4BC9-B527-2F0B772A1C61}" type="slidenum">
-              <a:rPr lang="en-US" smtClean="0"/>
-              <a:t>7</a:t>
-            </a:fld>
-            <a:endParaRPr lang="en-US" dirty="0"/>
-          </a:p>
-        </p:txBody>
-      </p:sp>
     </p:spTree>
     <p:extLst>
       <p:ext uri="{BB962C8B-B14F-4D97-AF65-F5344CB8AC3E}">
-        <p14:creationId xmlns:p14="http://schemas.microsoft.com/office/powerpoint/2010/main" val="3097762995"/>
+        <p14:creationId xmlns:p14="http://schemas.microsoft.com/office/powerpoint/2010/main" val="1276474845"/>
       </p:ext>
     </p:extLst>
   </p:cSld>
@@ -7642,15 +10198,84 @@
           <a:p>
             <a:r>
               <a:rPr lang="en-US" dirty="0" smtClean="0"/>
-              <a:t>Method override</a:t>
-            </a:r>
+              <a:t>Comments</a:t>
+            </a:r>
+            <a:endParaRPr lang="en-US" dirty="0"/>
+          </a:p>
+        </p:txBody>
+      </p:sp>
+      <p:sp>
+        <p:nvSpPr>
+          <p:cNvPr id="3" name="Date Placeholder 2"/>
+          <p:cNvSpPr>
+            <a:spLocks noGrp="1"/>
+          </p:cNvSpPr>
+          <p:nvPr>
+            <p:ph type="dt" sz="half" idx="10"/>
+          </p:nvPr>
+        </p:nvSpPr>
+        <p:spPr/>
+        <p:txBody>
+          <a:bodyPr/>
+          <a:lstStyle/>
+          <a:p>
+            <a:fld id="{C04B6024-2702-49B2-98BA-BAE3D8979AA9}" type="datetime2">
+              <a:rPr lang="en-US" smtClean="0"/>
+              <a:t>Monday, April 28, 2014</a:t>
+            </a:fld>
+            <a:endParaRPr lang="en-US" dirty="0"/>
+          </a:p>
+        </p:txBody>
+      </p:sp>
+      <p:sp>
+        <p:nvSpPr>
+          <p:cNvPr id="4" name="Footer Placeholder 3"/>
+          <p:cNvSpPr>
+            <a:spLocks noGrp="1"/>
+          </p:cNvSpPr>
+          <p:nvPr>
+            <p:ph type="ftr" sz="quarter" idx="11"/>
+          </p:nvPr>
+        </p:nvSpPr>
+        <p:spPr/>
+        <p:txBody>
+          <a:bodyPr/>
+          <a:lstStyle/>
+          <a:p>
+            <a:r>
+              <a:rPr lang="en-US" smtClean="0"/>
+              <a:t>Palle Cogburn</a:t>
+            </a:r>
+            <a:endParaRPr lang="en-US" dirty="0"/>
+          </a:p>
+        </p:txBody>
+      </p:sp>
+      <p:sp>
+        <p:nvSpPr>
+          <p:cNvPr id="5" name="Slide Number Placeholder 4"/>
+          <p:cNvSpPr>
+            <a:spLocks noGrp="1"/>
+          </p:cNvSpPr>
+          <p:nvPr>
+            <p:ph type="sldNum" sz="quarter" idx="12"/>
+          </p:nvPr>
+        </p:nvSpPr>
+        <p:spPr/>
+        <p:txBody>
+          <a:bodyPr/>
+          <a:lstStyle/>
+          <a:p>
+            <a:fld id="{8CBEA7D5-4322-4BC9-B527-2F0B772A1C61}" type="slidenum">
+              <a:rPr lang="en-US" smtClean="0"/>
+              <a:t>8</a:t>
+            </a:fld>
             <a:endParaRPr lang="en-US" dirty="0"/>
           </a:p>
         </p:txBody>
       </p:sp>
       <p:pic>
         <p:nvPicPr>
-          <p:cNvPr id="4099" name="Picture 3"/>
+          <p:cNvPr id="5122" name="Picture 2"/>
           <p:cNvPicPr>
             <a:picLocks noChangeAspect="1" noChangeArrowheads="1"/>
           </p:cNvPicPr>
@@ -7671,8 +10296,8 @@
         </p:blipFill>
         <p:spPr bwMode="auto">
           <a:xfrm>
-            <a:off x="762000" y="1219200"/>
-            <a:ext cx="5815012" cy="5067581"/>
+            <a:off x="409575" y="1681163"/>
+            <a:ext cx="8324850" cy="3495675"/>
           </a:xfrm>
           <a:prstGeom prst="rect">
             <a:avLst/>
@@ -7702,117 +10327,10 @@
           </a:extLst>
         </p:spPr>
       </p:pic>
-      <p:sp>
-        <p:nvSpPr>
-          <p:cNvPr id="4" name="TextBox 3"/>
-          <p:cNvSpPr txBox="1"/>
-          <p:nvPr/>
-        </p:nvSpPr>
-        <p:spPr>
-          <a:xfrm>
-            <a:off x="5334000" y="3791659"/>
-            <a:ext cx="2870081" cy="369332"/>
-          </a:xfrm>
-          <a:prstGeom prst="rect">
-            <a:avLst/>
-          </a:prstGeom>
-          <a:noFill/>
-        </p:spPr>
-        <p:txBody>
-          <a:bodyPr wrap="none" rtlCol="0">
-            <a:spAutoFit/>
-          </a:bodyPr>
-          <a:lstStyle/>
-          <a:p>
-            <a:r>
-              <a:rPr lang="en-US" dirty="0" smtClean="0"/>
-              <a:t>Use </a:t>
-            </a:r>
-            <a:r>
-              <a:rPr lang="en-US" u="sng" dirty="0" smtClean="0"/>
-              <a:t>final</a:t>
-            </a:r>
-            <a:r>
-              <a:rPr lang="en-US" dirty="0" smtClean="0"/>
-              <a:t> to prevent override</a:t>
-            </a:r>
-            <a:endParaRPr lang="en-US" dirty="0"/>
-          </a:p>
-        </p:txBody>
-      </p:sp>
-      <p:sp>
-        <p:nvSpPr>
-          <p:cNvPr id="3" name="Date Placeholder 2"/>
-          <p:cNvSpPr>
-            <a:spLocks noGrp="1"/>
-          </p:cNvSpPr>
-          <p:nvPr>
-            <p:ph type="dt" sz="half" idx="10"/>
-          </p:nvPr>
-        </p:nvSpPr>
-        <p:spPr/>
-        <p:txBody>
-          <a:bodyPr/>
-          <a:lstStyle/>
-          <a:p>
-            <a:fld id="{E919F0F1-8BEA-4204-B6B0-A00DECFA03BA}" type="datetime2">
-              <a:rPr lang="en-US" smtClean="0"/>
-              <a:t>Tuesday, April 15, 2014</a:t>
-            </a:fld>
-            <a:endParaRPr lang="en-US" dirty="0"/>
-          </a:p>
-        </p:txBody>
-      </p:sp>
-      <p:sp>
-        <p:nvSpPr>
-          <p:cNvPr id="5" name="Footer Placeholder 4"/>
-          <p:cNvSpPr>
-            <a:spLocks noGrp="1"/>
-          </p:cNvSpPr>
-          <p:nvPr>
-            <p:ph type="ftr" sz="quarter" idx="11"/>
-          </p:nvPr>
-        </p:nvSpPr>
-        <p:spPr/>
-        <p:txBody>
-          <a:bodyPr/>
-          <a:lstStyle/>
-          <a:p>
-            <a:r>
-              <a:rPr lang="en-US" smtClean="0"/>
-              <a:t>Palle Cogburn</a:t>
-            </a:r>
-            <a:endParaRPr lang="en-US" dirty="0"/>
-          </a:p>
-        </p:txBody>
-      </p:sp>
-      <p:sp>
-        <p:nvSpPr>
-          <p:cNvPr id="6" name="Slide Number Placeholder 5"/>
-          <p:cNvSpPr>
-            <a:spLocks noGrp="1"/>
-          </p:cNvSpPr>
-          <p:nvPr>
-            <p:ph type="sldNum" sz="quarter" idx="12"/>
-          </p:nvPr>
-        </p:nvSpPr>
-        <p:spPr/>
-        <p:txBody>
-          <a:bodyPr/>
-          <a:lstStyle/>
-          <a:p>
-            <a:fld id="{8CBEA7D5-4322-4BC9-B527-2F0B772A1C61}" type="slidenum">
-              <a:rPr lang="en-US" smtClean="0"/>
-              <a:t>8</a:t>
-            </a:fld>
-            <a:endParaRPr lang="en-US" dirty="0"/>
-          </a:p>
-        </p:txBody>
-      </p:sp>
     </p:spTree>
     <p:extLst>
       <p:ext uri="{BB962C8B-B14F-4D97-AF65-F5344CB8AC3E}">
-        <p14:creationId xmlns:p14="http://schemas.microsoft.com/office/powerpoint/2010/main" val="3123931475"/>
+        <p14:creationId xmlns:p14="http://schemas.microsoft.com/office/powerpoint/2010/main" val="1913782682"/>
       </p:ext>
     </p:extLst>
   </p:cSld>
@@ -7858,115 +10376,96 @@
         </p:nvSpPr>
         <p:spPr/>
         <p:txBody>
-          <a:bodyPr/>
+          <a:bodyPr>
+            <a:normAutofit fontScale="90000"/>
+          </a:bodyPr>
           <a:lstStyle/>
           <a:p>
             <a:r>
               <a:rPr lang="en-US" dirty="0" smtClean="0"/>
-              <a:t>Making decisions</a:t>
-            </a:r>
-            <a:endParaRPr lang="en-US" dirty="0"/>
-          </a:p>
-        </p:txBody>
-      </p:sp>
-      <p:pic>
-        <p:nvPicPr>
-          <p:cNvPr id="5122" name="Picture 2" descr="https://encrypted-tbn3.gstatic.com/images?q=tbn:ANd9GcRJ0hj0UxGORlnp7Xkb6Q-RtPIV1ESvTsVRhnUgft3b4A62_Hk_WA"/>
-          <p:cNvPicPr>
-            <a:picLocks noChangeAspect="1" noChangeArrowheads="1"/>
-          </p:cNvPicPr>
-          <p:nvPr/>
-        </p:nvPicPr>
-        <p:blipFill>
-          <a:blip r:embed="rId2">
-            <a:extLst>
-              <a:ext uri="{28A0092B-C50C-407E-A947-70E740481C1C}">
-                <a14:useLocalDpi xmlns:a14="http://schemas.microsoft.com/office/drawing/2010/main" val="0"/>
-              </a:ext>
-            </a:extLst>
-          </a:blip>
-          <a:srcRect/>
-          <a:stretch>
-            <a:fillRect/>
-          </a:stretch>
-        </p:blipFill>
-        <p:spPr bwMode="auto">
-          <a:xfrm>
-            <a:off x="838200" y="1371600"/>
-            <a:ext cx="2421152" cy="3232363"/>
-          </a:xfrm>
-          <a:prstGeom prst="rect">
-            <a:avLst/>
-          </a:prstGeom>
-          <a:noFill/>
-          <a:extLst>
-            <a:ext uri="{909E8E84-426E-40DD-AFC4-6F175D3DCCD1}">
-              <a14:hiddenFill xmlns:a14="http://schemas.microsoft.com/office/drawing/2010/main">
-                <a:solidFill>
-                  <a:srgbClr val="FFFFFF"/>
-                </a:solidFill>
-              </a14:hiddenFill>
-            </a:ext>
-          </a:extLst>
-        </p:spPr>
-      </p:pic>
-      <p:pic>
-        <p:nvPicPr>
-          <p:cNvPr id="5123" name="Picture 3"/>
-          <p:cNvPicPr>
-            <a:picLocks noChangeAspect="1" noChangeArrowheads="1"/>
-          </p:cNvPicPr>
-          <p:nvPr/>
-        </p:nvPicPr>
-        <p:blipFill>
-          <a:blip r:embed="rId3">
-            <a:extLst>
-              <a:ext uri="{28A0092B-C50C-407E-A947-70E740481C1C}">
-                <a14:useLocalDpi xmlns:a14="http://schemas.microsoft.com/office/drawing/2010/main" val="0"/>
-              </a:ext>
-            </a:extLst>
-          </a:blip>
-          <a:srcRect/>
-          <a:stretch>
-            <a:fillRect/>
-          </a:stretch>
-        </p:blipFill>
-        <p:spPr bwMode="auto">
-          <a:xfrm>
-            <a:off x="3602867" y="1371600"/>
-            <a:ext cx="3804416" cy="2228850"/>
-          </a:xfrm>
-          <a:prstGeom prst="rect">
-            <a:avLst/>
-          </a:prstGeom>
-          <a:noFill/>
-          <a:ln>
-            <a:noFill/>
-          </a:ln>
-          <a:extLst>
-            <a:ext uri="{909E8E84-426E-40DD-AFC4-6F175D3DCCD1}">
-              <a14:hiddenFill xmlns:a14="http://schemas.microsoft.com/office/drawing/2010/main">
-                <a:solidFill>
-                  <a:schemeClr val="accent1"/>
-                </a:solidFill>
-              </a14:hiddenFill>
-            </a:ext>
-            <a:ext uri="{91240B29-F687-4F45-9708-019B960494DF}">
-              <a14:hiddenLine xmlns:a14="http://schemas.microsoft.com/office/drawing/2010/main" w="9525">
-                <a:solidFill>
-                  <a:schemeClr val="tx1"/>
-                </a:solidFill>
-                <a:miter lim="800000"/>
-                <a:headEnd/>
-                <a:tailEnd/>
-              </a14:hiddenLine>
-            </a:ext>
-          </a:extLst>
-        </p:spPr>
-      </p:pic>
-      <p:sp>
-        <p:nvSpPr>
-          <p:cNvPr id="3" name="Date Placeholder 2"/>
+              <a:t>Data Types</a:t>
+            </a:r>
+            <a:br>
+              <a:rPr lang="en-US" dirty="0" smtClean="0"/>
+            </a:br>
+            <a:r>
+              <a:rPr lang="en-US" dirty="0" smtClean="0"/>
+              <a:t>-Variables</a:t>
+            </a:r>
+            <a:endParaRPr lang="en-US" dirty="0"/>
+          </a:p>
+        </p:txBody>
+      </p:sp>
+      <p:sp>
+        <p:nvSpPr>
+          <p:cNvPr id="3" name="Content Placeholder 2"/>
+          <p:cNvSpPr>
+            <a:spLocks noGrp="1"/>
+          </p:cNvSpPr>
+          <p:nvPr>
+            <p:ph idx="1"/>
+          </p:nvPr>
+        </p:nvSpPr>
+        <p:spPr/>
+        <p:txBody>
+          <a:bodyPr/>
+          <a:lstStyle/>
+          <a:p>
+            <a:r>
+              <a:rPr lang="en-US" dirty="0" smtClean="0"/>
+              <a:t>Must be declared before use</a:t>
+            </a:r>
+          </a:p>
+          <a:p>
+            <a:r>
+              <a:rPr lang="en-US" dirty="0" smtClean="0"/>
+              <a:t>Can be declared as </a:t>
+            </a:r>
+          </a:p>
+          <a:p>
+            <a:pPr lvl="1"/>
+            <a:r>
+              <a:rPr lang="en-US" dirty="0" smtClean="0"/>
+              <a:t>Attributes of a class</a:t>
+            </a:r>
+          </a:p>
+          <a:p>
+            <a:pPr lvl="1"/>
+            <a:r>
+              <a:rPr lang="en-US" dirty="0" smtClean="0"/>
+              <a:t>Arguments to a method</a:t>
+            </a:r>
+          </a:p>
+          <a:p>
+            <a:pPr lvl="1"/>
+            <a:r>
+              <a:rPr lang="en-US" dirty="0" smtClean="0"/>
+              <a:t>Variables inside a method</a:t>
+            </a:r>
+          </a:p>
+          <a:p>
+            <a:r>
+              <a:rPr lang="en-US" dirty="0" smtClean="0"/>
+              <a:t>Can be assigned</a:t>
+            </a:r>
+          </a:p>
+          <a:p>
+            <a:r>
+              <a:rPr lang="en-US" dirty="0" smtClean="0"/>
+              <a:t>Can be modified</a:t>
+            </a:r>
+          </a:p>
+          <a:p>
+            <a:r>
+              <a:rPr lang="en-US" dirty="0" smtClean="0"/>
+              <a:t>Can be passed as arguments to methods</a:t>
+            </a:r>
+          </a:p>
+        </p:txBody>
+      </p:sp>
+      <p:sp>
+        <p:nvSpPr>
+          <p:cNvPr id="4" name="Date Placeholder 3"/>
           <p:cNvSpPr>
             <a:spLocks noGrp="1"/>
           </p:cNvSpPr>
@@ -7979,9 +10478,9 @@
           <a:bodyPr/>
           <a:lstStyle/>
           <a:p>
-            <a:fld id="{E3F12646-0731-4D82-94BA-667D7B073B80}" type="datetime2">
-              <a:rPr lang="en-US" smtClean="0"/>
-              <a:t>Tuesday, April 15, 2014</a:t>
+            <a:fld id="{4B9D5BC9-690F-4431-B77E-275FD5243899}" type="datetime2">
+              <a:rPr lang="en-US" smtClean="0"/>
+              <a:t>Monday, April 28, 2014</a:t>
             </a:fld>
             <a:endParaRPr lang="en-US" dirty="0"/>
           </a:p>
@@ -7989,7 +10488,7 @@
       </p:sp>
       <p:sp>
         <p:nvSpPr>
-          <p:cNvPr id="4" name="Footer Placeholder 3"/>
+          <p:cNvPr id="5" name="Footer Placeholder 4"/>
           <p:cNvSpPr>
             <a:spLocks noGrp="1"/>
           </p:cNvSpPr>
@@ -8012,7 +10511,7 @@
       </p:sp>
       <p:sp>
         <p:nvSpPr>
-          <p:cNvPr id="5" name="Slide Number Placeholder 4"/>
+          <p:cNvPr id="6" name="Slide Number Placeholder 5"/>
           <p:cNvSpPr>
             <a:spLocks noGrp="1"/>
           </p:cNvSpPr>
@@ -8036,7 +10535,7 @@
     </p:spTree>
     <p:extLst>
       <p:ext uri="{BB962C8B-B14F-4D97-AF65-F5344CB8AC3E}">
-        <p14:creationId xmlns:p14="http://schemas.microsoft.com/office/powerpoint/2010/main" val="224506237"/>
+        <p14:creationId xmlns:p14="http://schemas.microsoft.com/office/powerpoint/2010/main" val="1958782913"/>
       </p:ext>
     </p:extLst>
   </p:cSld>

--- a/Lesson 2.pptx
+++ b/Lesson 2.pptx
@@ -5,7 +5,7 @@
     <p:sldMasterId id="2147483648" r:id="rId1"/>
   </p:sldMasterIdLst>
   <p:notesMasterIdLst>
-    <p:notesMasterId r:id="rId31"/>
+    <p:notesMasterId r:id="rId53"/>
   </p:notesMasterIdLst>
   <p:sldIdLst>
     <p:sldId id="257" r:id="rId2"/>
@@ -37,6 +37,28 @@
     <p:sldId id="273" r:id="rId28"/>
     <p:sldId id="284" r:id="rId29"/>
     <p:sldId id="285" r:id="rId30"/>
+    <p:sldId id="286" r:id="rId31"/>
+    <p:sldId id="287" r:id="rId32"/>
+    <p:sldId id="288" r:id="rId33"/>
+    <p:sldId id="289" r:id="rId34"/>
+    <p:sldId id="290" r:id="rId35"/>
+    <p:sldId id="291" r:id="rId36"/>
+    <p:sldId id="292" r:id="rId37"/>
+    <p:sldId id="293" r:id="rId38"/>
+    <p:sldId id="294" r:id="rId39"/>
+    <p:sldId id="295" r:id="rId40"/>
+    <p:sldId id="296" r:id="rId41"/>
+    <p:sldId id="297" r:id="rId42"/>
+    <p:sldId id="298" r:id="rId43"/>
+    <p:sldId id="299" r:id="rId44"/>
+    <p:sldId id="300" r:id="rId45"/>
+    <p:sldId id="301" r:id="rId46"/>
+    <p:sldId id="302" r:id="rId47"/>
+    <p:sldId id="303" r:id="rId48"/>
+    <p:sldId id="304" r:id="rId49"/>
+    <p:sldId id="305" r:id="rId50"/>
+    <p:sldId id="306" r:id="rId51"/>
+    <p:sldId id="307" r:id="rId52"/>
   </p:sldIdLst>
   <p:sldSz cx="9144000" cy="6858000" type="screen4x3"/>
   <p:notesSz cx="6858000" cy="9144000"/>
@@ -220,7 +242,7 @@
           <a:p>
             <a:fld id="{F54CB45B-72AD-4552-B8CB-4603423A3819}" type="datetimeFigureOut">
               <a:rPr lang="en-US" smtClean="0"/>
-              <a:t>4/28/2014</a:t>
+              <a:t>5/2/2014</a:t>
             </a:fld>
             <a:endParaRPr lang="en-US"/>
           </a:p>
@@ -936,7 +958,7 @@
           <a:p>
             <a:fld id="{754A55E3-EBBC-40EC-8285-A5F7E23B333B}" type="datetime2">
               <a:rPr lang="en-US" smtClean="0"/>
-              <a:t>Monday, April 28, 2014</a:t>
+              <a:t>Friday, May 02, 2014</a:t>
             </a:fld>
             <a:endParaRPr lang="en-US" dirty="0"/>
           </a:p>
@@ -1121,7 +1143,7 @@
           <a:p>
             <a:fld id="{BE3229D3-2544-4AF2-A783-2865E8C85850}" type="datetime2">
               <a:rPr lang="en-US" smtClean="0"/>
-              <a:t>Monday, April 28, 2014</a:t>
+              <a:t>Friday, May 02, 2014</a:t>
             </a:fld>
             <a:endParaRPr lang="en-US" dirty="0"/>
           </a:p>
@@ -1305,7 +1327,7 @@
           <a:p>
             <a:fld id="{1868F6D7-D473-43FD-867C-355F7580CEC0}" type="datetime2">
               <a:rPr lang="en-US" smtClean="0"/>
-              <a:t>Monday, April 28, 2014</a:t>
+              <a:t>Friday, May 02, 2014</a:t>
             </a:fld>
             <a:endParaRPr lang="en-US" dirty="0"/>
           </a:p>
@@ -1479,7 +1501,7 @@
           <a:p>
             <a:fld id="{A2A5E575-F730-4674-9978-37F7AD0A2F99}" type="datetime2">
               <a:rPr lang="en-US" smtClean="0"/>
-              <a:t>Monday, April 28, 2014</a:t>
+              <a:t>Friday, May 02, 2014</a:t>
             </a:fld>
             <a:endParaRPr lang="en-US" dirty="0"/>
           </a:p>
@@ -1736,7 +1758,7 @@
           <a:p>
             <a:fld id="{A4BC6588-65C8-41FC-B123-1600C765897E}" type="datetime2">
               <a:rPr lang="en-US" smtClean="0"/>
-              <a:t>Monday, April 28, 2014</a:t>
+              <a:t>Friday, May 02, 2014</a:t>
             </a:fld>
             <a:endParaRPr lang="en-US" dirty="0"/>
           </a:p>
@@ -2035,7 +2057,7 @@
           <a:p>
             <a:fld id="{8145299E-F4A6-440E-909C-2F6C646D3553}" type="datetime2">
               <a:rPr lang="en-US" smtClean="0"/>
-              <a:t>Monday, April 28, 2014</a:t>
+              <a:t>Friday, May 02, 2014</a:t>
             </a:fld>
             <a:endParaRPr lang="en-US" dirty="0"/>
           </a:p>
@@ -2461,7 +2483,7 @@
           <a:p>
             <a:fld id="{B23F0F10-84F1-4CB1-9F5E-D7D726B6377A}" type="datetime2">
               <a:rPr lang="en-US" smtClean="0"/>
-              <a:t>Monday, April 28, 2014</a:t>
+              <a:t>Friday, May 02, 2014</a:t>
             </a:fld>
             <a:endParaRPr lang="en-US" dirty="0"/>
           </a:p>
@@ -2583,7 +2605,7 @@
           <a:p>
             <a:fld id="{C04B6024-2702-49B2-98BA-BAE3D8979AA9}" type="datetime2">
               <a:rPr lang="en-US" smtClean="0"/>
-              <a:t>Monday, April 28, 2014</a:t>
+              <a:t>Friday, May 02, 2014</a:t>
             </a:fld>
             <a:endParaRPr lang="en-US" dirty="0"/>
           </a:p>
@@ -2682,7 +2704,7 @@
           <a:p>
             <a:fld id="{BDFBC1D7-5241-44C2-8E90-8FA114211796}" type="datetime2">
               <a:rPr lang="en-US" smtClean="0"/>
-              <a:t>Monday, April 28, 2014</a:t>
+              <a:t>Friday, May 02, 2014</a:t>
             </a:fld>
             <a:endParaRPr lang="en-US" dirty="0"/>
           </a:p>
@@ -2963,7 +2985,7 @@
           <a:p>
             <a:fld id="{9BCDA9D6-1455-40C9-A4EF-D1A2E44083E9}" type="datetime2">
               <a:rPr lang="en-US" smtClean="0"/>
-              <a:t>Monday, April 28, 2014</a:t>
+              <a:t>Friday, May 02, 2014</a:t>
             </a:fld>
             <a:endParaRPr lang="en-US" dirty="0"/>
           </a:p>
@@ -3220,7 +3242,7 @@
           <a:p>
             <a:fld id="{6DC6CD8D-2CBA-4D9B-B9FF-3CBE779CDB90}" type="datetime2">
               <a:rPr lang="en-US" smtClean="0"/>
-              <a:t>Monday, April 28, 2014</a:t>
+              <a:t>Friday, May 02, 2014</a:t>
             </a:fld>
             <a:endParaRPr lang="en-US" dirty="0"/>
           </a:p>
@@ -3447,7 +3469,7 @@
           <a:p>
             <a:fld id="{ED4BD17F-53A8-40C3-944A-73F679BFCB25}" type="datetime2">
               <a:rPr lang="en-US" smtClean="0"/>
-              <a:t>Monday, April 28, 2014</a:t>
+              <a:t>Friday, May 02, 2014</a:t>
             </a:fld>
             <a:endParaRPr lang="en-US" dirty="0"/>
           </a:p>
@@ -4083,7 +4105,7 @@
           <a:p>
             <a:fld id="{F5331F5E-BFEB-4C82-82E4-197D9AD08E08}" type="datetime2">
               <a:rPr lang="en-US" smtClean="0"/>
-              <a:t>Monday, April 28, 2014</a:t>
+              <a:t>Friday, May 02, 2014</a:t>
             </a:fld>
             <a:endParaRPr lang="en-US" dirty="0"/>
           </a:p>
@@ -4266,7 +4288,7 @@
           <a:p>
             <a:fld id="{856EEEFA-25DB-4FA5-9452-8561F35F2333}" type="datetime2">
               <a:rPr lang="en-US" smtClean="0"/>
-              <a:t>Monday, April 28, 2014</a:t>
+              <a:t>Friday, May 02, 2014</a:t>
             </a:fld>
             <a:endParaRPr lang="en-US" dirty="0"/>
           </a:p>
@@ -4491,7 +4513,7 @@
           <a:p>
             <a:fld id="{9A8F8D9D-AE75-40E7-862F-DADD901D0145}" type="datetime2">
               <a:rPr lang="en-US" smtClean="0"/>
-              <a:t>Monday, April 28, 2014</a:t>
+              <a:t>Friday, May 02, 2014</a:t>
             </a:fld>
             <a:endParaRPr lang="en-US" dirty="0"/>
           </a:p>
@@ -4716,7 +4738,7 @@
           <a:p>
             <a:fld id="{4F10C180-3EE6-480E-AEB0-503F40344379}" type="datetime2">
               <a:rPr lang="en-US" smtClean="0"/>
-              <a:t>Monday, April 28, 2014</a:t>
+              <a:t>Friday, May 02, 2014</a:t>
             </a:fld>
             <a:endParaRPr lang="en-US" dirty="0"/>
           </a:p>
@@ -4995,7 +5017,7 @@
           <a:p>
             <a:fld id="{982CF03F-C230-4358-A7A7-B40F9616CE6E}" type="datetime2">
               <a:rPr lang="en-US" smtClean="0"/>
-              <a:t>Monday, April 28, 2014</a:t>
+              <a:t>Friday, May 02, 2014</a:t>
             </a:fld>
             <a:endParaRPr lang="en-US" dirty="0"/>
           </a:p>
@@ -5216,7 +5238,7 @@
           <a:p>
             <a:fld id="{E919F0F1-8BEA-4204-B6B0-A00DECFA03BA}" type="datetime2">
               <a:rPr lang="en-US" smtClean="0"/>
-              <a:t>Monday, April 28, 2014</a:t>
+              <a:t>Friday, May 02, 2014</a:t>
             </a:fld>
             <a:endParaRPr lang="en-US" dirty="0"/>
           </a:p>
@@ -5440,7 +5462,7 @@
           <a:p>
             <a:fld id="{E3F12646-0731-4D82-94BA-667D7B073B80}" type="datetime2">
               <a:rPr lang="en-US" smtClean="0"/>
-              <a:t>Monday, April 28, 2014</a:t>
+              <a:t>Friday, May 02, 2014</a:t>
             </a:fld>
             <a:endParaRPr lang="en-US" dirty="0"/>
           </a:p>
@@ -5747,7 +5769,7 @@
           <a:p>
             <a:fld id="{D24F3D07-7DD3-496D-8F65-E930B1B4BC2D}" type="datetime2">
               <a:rPr lang="en-US" smtClean="0"/>
-              <a:t>Monday, April 28, 2014</a:t>
+              <a:t>Friday, May 02, 2014</a:t>
             </a:fld>
             <a:endParaRPr lang="en-US" dirty="0"/>
           </a:p>
@@ -5876,7 +5898,7 @@
           <a:p>
             <a:fld id="{C04B6024-2702-49B2-98BA-BAE3D8979AA9}" type="datetime2">
               <a:rPr lang="en-US" smtClean="0"/>
-              <a:t>Monday, April 28, 2014</a:t>
+              <a:t>Friday, May 02, 2014</a:t>
             </a:fld>
             <a:endParaRPr lang="en-US" dirty="0"/>
           </a:p>
@@ -6118,7 +6140,7 @@
           <a:p>
             <a:fld id="{A2A5E575-F730-4674-9978-37F7AD0A2F99}" type="datetime2">
               <a:rPr lang="en-US" smtClean="0"/>
-              <a:t>Monday, April 28, 2014</a:t>
+              <a:t>Friday, May 02, 2014</a:t>
             </a:fld>
             <a:endParaRPr lang="en-US" dirty="0"/>
           </a:p>
@@ -6247,7 +6269,7 @@
           <a:p>
             <a:fld id="{C04B6024-2702-49B2-98BA-BAE3D8979AA9}" type="datetime2">
               <a:rPr lang="en-US" smtClean="0"/>
-              <a:t>Monday, April 28, 2014</a:t>
+              <a:t>Friday, May 02, 2014</a:t>
             </a:fld>
             <a:endParaRPr lang="en-US" dirty="0"/>
           </a:p>
@@ -6740,7 +6762,7 @@
           <a:p>
             <a:fld id="{B35EA6BA-2020-49E1-9871-1CBA864BFA1D}" type="datetime2">
               <a:rPr lang="en-US" smtClean="0"/>
-              <a:t>Monday, April 28, 2014</a:t>
+              <a:t>Friday, May 02, 2014</a:t>
             </a:fld>
             <a:endParaRPr lang="en-US" dirty="0"/>
           </a:p>
@@ -6968,7 +6990,7 @@
           <a:p>
             <a:fld id="{42D7A74B-B279-4203-87CE-D35E59BD6D2D}" type="datetime2">
               <a:rPr lang="en-US" smtClean="0"/>
-              <a:t>Monday, April 28, 2014</a:t>
+              <a:t>Friday, May 02, 2014</a:t>
             </a:fld>
             <a:endParaRPr lang="en-US" dirty="0"/>
           </a:p>
@@ -7097,7 +7119,7 @@
           <a:p>
             <a:fld id="{C04B6024-2702-49B2-98BA-BAE3D8979AA9}" type="datetime2">
               <a:rPr lang="en-US" smtClean="0"/>
-              <a:t>Monday, April 28, 2014</a:t>
+              <a:t>Friday, May 02, 2014</a:t>
             </a:fld>
             <a:endParaRPr lang="en-US" dirty="0"/>
           </a:p>
@@ -7280,7 +7302,7 @@
           <a:p>
             <a:fld id="{2790549F-49A7-47EE-94CF-6E3D0D276773}" type="datetime2">
               <a:rPr lang="en-US" smtClean="0"/>
-              <a:t>Monday, April 28, 2014</a:t>
+              <a:t>Friday, May 02, 2014</a:t>
             </a:fld>
             <a:endParaRPr lang="en-US" dirty="0"/>
           </a:p>
@@ -7535,7 +7557,7 @@
           <a:p>
             <a:fld id="{171408A9-A6D8-4827-AB69-EE2BB6926CB9}" type="datetime2">
               <a:rPr lang="en-US" smtClean="0"/>
-              <a:t>Monday, April 28, 2014</a:t>
+              <a:t>Friday, May 02, 2014</a:t>
             </a:fld>
             <a:endParaRPr lang="en-US" dirty="0"/>
           </a:p>
@@ -7727,7 +7749,7 @@
           <a:p>
             <a:fld id="{171408A9-A6D8-4827-AB69-EE2BB6926CB9}" type="datetime2">
               <a:rPr lang="en-US" smtClean="0"/>
-              <a:t>Monday, April 28, 2014</a:t>
+              <a:t>Friday, May 02, 2014</a:t>
             </a:fld>
             <a:endParaRPr lang="en-US" dirty="0"/>
           </a:p>
@@ -7919,7 +7941,7 @@
           <a:p>
             <a:fld id="{171408A9-A6D8-4827-AB69-EE2BB6926CB9}" type="datetime2">
               <a:rPr lang="en-US" smtClean="0"/>
-              <a:t>Monday, April 28, 2014</a:t>
+              <a:t>Friday, May 02, 2014</a:t>
             </a:fld>
             <a:endParaRPr lang="en-US" dirty="0"/>
           </a:p>
@@ -8111,7 +8133,7 @@
           <a:p>
             <a:fld id="{171408A9-A6D8-4827-AB69-EE2BB6926CB9}" type="datetime2">
               <a:rPr lang="en-US" smtClean="0"/>
-              <a:t>Monday, April 28, 2014</a:t>
+              <a:t>Friday, May 02, 2014</a:t>
             </a:fld>
             <a:endParaRPr lang="en-US" dirty="0"/>
           </a:p>
@@ -8574,7 +8596,7 @@
           <a:p>
             <a:fld id="{171408A9-A6D8-4827-AB69-EE2BB6926CB9}" type="datetime2">
               <a:rPr lang="en-US" smtClean="0"/>
-              <a:t>Monday, April 28, 2014</a:t>
+              <a:t>Friday, May 02, 2014</a:t>
             </a:fld>
             <a:endParaRPr lang="en-US" dirty="0"/>
           </a:p>
@@ -8994,7 +9016,7 @@
           <a:p>
             <a:fld id="{A2A5E575-F730-4674-9978-37F7AD0A2F99}" type="datetime2">
               <a:rPr lang="en-US" smtClean="0"/>
-              <a:t>Monday, April 28, 2014</a:t>
+              <a:t>Friday, May 02, 2014</a:t>
             </a:fld>
             <a:endParaRPr lang="en-US" dirty="0"/>
           </a:p>
@@ -9123,7 +9145,7 @@
           <a:p>
             <a:fld id="{C04B6024-2702-49B2-98BA-BAE3D8979AA9}" type="datetime2">
               <a:rPr lang="en-US" smtClean="0"/>
-              <a:t>Monday, April 28, 2014</a:t>
+              <a:t>Friday, May 02, 2014</a:t>
             </a:fld>
             <a:endParaRPr lang="en-US" dirty="0"/>
           </a:p>
@@ -9306,7 +9328,7 @@
           <a:p>
             <a:fld id="{C04B6024-2702-49B2-98BA-BAE3D8979AA9}" type="datetime2">
               <a:rPr lang="en-US" smtClean="0"/>
-              <a:t>Monday, April 28, 2014</a:t>
+              <a:t>Friday, May 02, 2014</a:t>
             </a:fld>
             <a:endParaRPr lang="en-US" dirty="0"/>
           </a:p>
@@ -9432,6 +9454,1936 @@
 </p:sld>
 </file>
 
+<file path=ppt/slides/slide30.xml><?xml version="1.0" encoding="utf-8"?>
+<p:sld xmlns:a="http://schemas.openxmlformats.org/drawingml/2006/main" xmlns:r="http://schemas.openxmlformats.org/officeDocument/2006/relationships" xmlns:p="http://schemas.openxmlformats.org/presentationml/2006/main">
+  <p:cSld>
+    <p:spTree>
+      <p:nvGrpSpPr>
+        <p:cNvPr id="1" name=""/>
+        <p:cNvGrpSpPr/>
+        <p:nvPr/>
+      </p:nvGrpSpPr>
+      <p:grpSpPr>
+        <a:xfrm>
+          <a:off x="0" y="0"/>
+          <a:ext cx="0" cy="0"/>
+          <a:chOff x="0" y="0"/>
+          <a:chExt cx="0" cy="0"/>
+        </a:xfrm>
+      </p:grpSpPr>
+      <p:sp>
+        <p:nvSpPr>
+          <p:cNvPr id="2" name="Title 1"/>
+          <p:cNvSpPr>
+            <a:spLocks noGrp="1"/>
+          </p:cNvSpPr>
+          <p:nvPr>
+            <p:ph type="title"/>
+          </p:nvPr>
+        </p:nvSpPr>
+        <p:spPr/>
+        <p:txBody>
+          <a:bodyPr/>
+          <a:lstStyle/>
+          <a:p>
+            <a:r>
+              <a:rPr lang="en-US" dirty="0" smtClean="0"/>
+              <a:t>Assignment</a:t>
+            </a:r>
+            <a:endParaRPr lang="en-US" dirty="0"/>
+          </a:p>
+        </p:txBody>
+      </p:sp>
+      <p:sp>
+        <p:nvSpPr>
+          <p:cNvPr id="3" name="Content Placeholder 2"/>
+          <p:cNvSpPr>
+            <a:spLocks noGrp="1"/>
+          </p:cNvSpPr>
+          <p:nvPr>
+            <p:ph idx="1"/>
+          </p:nvPr>
+        </p:nvSpPr>
+        <p:spPr/>
+        <p:txBody>
+          <a:bodyPr/>
+          <a:lstStyle/>
+          <a:p>
+            <a:r>
+              <a:rPr lang="en-US" dirty="0" smtClean="0"/>
+              <a:t>Start developing your own project</a:t>
+            </a:r>
+          </a:p>
+          <a:p>
+            <a:r>
+              <a:rPr lang="en-US" dirty="0" smtClean="0"/>
+              <a:t>Create a description of the main features</a:t>
+            </a:r>
+          </a:p>
+          <a:p>
+            <a:r>
+              <a:rPr lang="en-US" dirty="0" smtClean="0"/>
+              <a:t>Push some code into the Sandbox repository under a folder with your </a:t>
+            </a:r>
+            <a:r>
+              <a:rPr lang="en-US" dirty="0" err="1" smtClean="0"/>
+              <a:t>GitHub</a:t>
+            </a:r>
+            <a:r>
+              <a:rPr lang="en-US" dirty="0" smtClean="0"/>
+              <a:t> user id.</a:t>
+            </a:r>
+          </a:p>
+          <a:p>
+            <a:endParaRPr lang="en-US" dirty="0"/>
+          </a:p>
+        </p:txBody>
+      </p:sp>
+      <p:sp>
+        <p:nvSpPr>
+          <p:cNvPr id="4" name="Date Placeholder 3"/>
+          <p:cNvSpPr>
+            <a:spLocks noGrp="1"/>
+          </p:cNvSpPr>
+          <p:nvPr>
+            <p:ph type="dt" sz="half" idx="10"/>
+          </p:nvPr>
+        </p:nvSpPr>
+        <p:spPr/>
+        <p:txBody>
+          <a:bodyPr/>
+          <a:lstStyle/>
+          <a:p>
+            <a:fld id="{A2A5E575-F730-4674-9978-37F7AD0A2F99}" type="datetime2">
+              <a:rPr lang="en-US" smtClean="0"/>
+              <a:t>Friday, May 02, 2014</a:t>
+            </a:fld>
+            <a:endParaRPr lang="en-US" dirty="0"/>
+          </a:p>
+        </p:txBody>
+      </p:sp>
+      <p:sp>
+        <p:nvSpPr>
+          <p:cNvPr id="5" name="Footer Placeholder 4"/>
+          <p:cNvSpPr>
+            <a:spLocks noGrp="1"/>
+          </p:cNvSpPr>
+          <p:nvPr>
+            <p:ph type="ftr" sz="quarter" idx="11"/>
+          </p:nvPr>
+        </p:nvSpPr>
+        <p:spPr/>
+        <p:txBody>
+          <a:bodyPr/>
+          <a:lstStyle/>
+          <a:p>
+            <a:r>
+              <a:rPr lang="en-US" smtClean="0"/>
+              <a:t>Palle Cogburn</a:t>
+            </a:r>
+            <a:endParaRPr lang="en-US" dirty="0"/>
+          </a:p>
+        </p:txBody>
+      </p:sp>
+      <p:sp>
+        <p:nvSpPr>
+          <p:cNvPr id="6" name="Slide Number Placeholder 5"/>
+          <p:cNvSpPr>
+            <a:spLocks noGrp="1"/>
+          </p:cNvSpPr>
+          <p:nvPr>
+            <p:ph type="sldNum" sz="quarter" idx="12"/>
+          </p:nvPr>
+        </p:nvSpPr>
+        <p:spPr/>
+        <p:txBody>
+          <a:bodyPr/>
+          <a:lstStyle/>
+          <a:p>
+            <a:fld id="{8CBEA7D5-4322-4BC9-B527-2F0B772A1C61}" type="slidenum">
+              <a:rPr lang="en-US" smtClean="0"/>
+              <a:t>30</a:t>
+            </a:fld>
+            <a:endParaRPr lang="en-US" dirty="0"/>
+          </a:p>
+        </p:txBody>
+      </p:sp>
+    </p:spTree>
+    <p:extLst>
+      <p:ext uri="{BB962C8B-B14F-4D97-AF65-F5344CB8AC3E}">
+        <p14:creationId xmlns:p14="http://schemas.microsoft.com/office/powerpoint/2010/main" val="1115645826"/>
+      </p:ext>
+    </p:extLst>
+  </p:cSld>
+  <p:clrMapOvr>
+    <a:masterClrMapping/>
+  </p:clrMapOvr>
+  <p:timing>
+    <p:tnLst>
+      <p:par>
+        <p:cTn id="1" dur="indefinite" restart="never" nodeType="tmRoot"/>
+      </p:par>
+    </p:tnLst>
+  </p:timing>
+</p:sld>
+</file>
+
+<file path=ppt/slides/slide31.xml><?xml version="1.0" encoding="utf-8"?>
+<p:sld xmlns:a="http://schemas.openxmlformats.org/drawingml/2006/main" xmlns:r="http://schemas.openxmlformats.org/officeDocument/2006/relationships" xmlns:p="http://schemas.openxmlformats.org/presentationml/2006/main">
+  <p:cSld>
+    <p:spTree>
+      <p:nvGrpSpPr>
+        <p:cNvPr id="1" name=""/>
+        <p:cNvGrpSpPr/>
+        <p:nvPr/>
+      </p:nvGrpSpPr>
+      <p:grpSpPr>
+        <a:xfrm>
+          <a:off x="0" y="0"/>
+          <a:ext cx="0" cy="0"/>
+          <a:chOff x="0" y="0"/>
+          <a:chExt cx="0" cy="0"/>
+        </a:xfrm>
+      </p:grpSpPr>
+      <p:sp>
+        <p:nvSpPr>
+          <p:cNvPr id="2" name="Title 1"/>
+          <p:cNvSpPr>
+            <a:spLocks noGrp="1"/>
+          </p:cNvSpPr>
+          <p:nvPr>
+            <p:ph type="title"/>
+          </p:nvPr>
+        </p:nvSpPr>
+        <p:spPr/>
+        <p:txBody>
+          <a:bodyPr/>
+          <a:lstStyle/>
+          <a:p>
+            <a:r>
+              <a:rPr lang="en-US" dirty="0" smtClean="0"/>
+              <a:t>Importing Sandbox</a:t>
+            </a:r>
+            <a:endParaRPr lang="en-US" dirty="0"/>
+          </a:p>
+        </p:txBody>
+      </p:sp>
+      <p:sp>
+        <p:nvSpPr>
+          <p:cNvPr id="3" name="Date Placeholder 2"/>
+          <p:cNvSpPr>
+            <a:spLocks noGrp="1"/>
+          </p:cNvSpPr>
+          <p:nvPr>
+            <p:ph type="dt" sz="half" idx="10"/>
+          </p:nvPr>
+        </p:nvSpPr>
+        <p:spPr/>
+        <p:txBody>
+          <a:bodyPr/>
+          <a:lstStyle/>
+          <a:p>
+            <a:fld id="{C04B6024-2702-49B2-98BA-BAE3D8979AA9}" type="datetime2">
+              <a:rPr lang="en-US" smtClean="0"/>
+              <a:t>Friday, May 02, 2014</a:t>
+            </a:fld>
+            <a:endParaRPr lang="en-US" dirty="0"/>
+          </a:p>
+        </p:txBody>
+      </p:sp>
+      <p:sp>
+        <p:nvSpPr>
+          <p:cNvPr id="4" name="Footer Placeholder 3"/>
+          <p:cNvSpPr>
+            <a:spLocks noGrp="1"/>
+          </p:cNvSpPr>
+          <p:nvPr>
+            <p:ph type="ftr" sz="quarter" idx="11"/>
+          </p:nvPr>
+        </p:nvSpPr>
+        <p:spPr/>
+        <p:txBody>
+          <a:bodyPr/>
+          <a:lstStyle/>
+          <a:p>
+            <a:r>
+              <a:rPr lang="en-US" smtClean="0"/>
+              <a:t>Palle Cogburn</a:t>
+            </a:r>
+            <a:endParaRPr lang="en-US" dirty="0"/>
+          </a:p>
+        </p:txBody>
+      </p:sp>
+      <p:sp>
+        <p:nvSpPr>
+          <p:cNvPr id="5" name="Slide Number Placeholder 4"/>
+          <p:cNvSpPr>
+            <a:spLocks noGrp="1"/>
+          </p:cNvSpPr>
+          <p:nvPr>
+            <p:ph type="sldNum" sz="quarter" idx="12"/>
+          </p:nvPr>
+        </p:nvSpPr>
+        <p:spPr/>
+        <p:txBody>
+          <a:bodyPr/>
+          <a:lstStyle/>
+          <a:p>
+            <a:fld id="{8CBEA7D5-4322-4BC9-B527-2F0B772A1C61}" type="slidenum">
+              <a:rPr lang="en-US" smtClean="0"/>
+              <a:t>31</a:t>
+            </a:fld>
+            <a:endParaRPr lang="en-US" dirty="0"/>
+          </a:p>
+        </p:txBody>
+      </p:sp>
+    </p:spTree>
+    <p:extLst>
+      <p:ext uri="{BB962C8B-B14F-4D97-AF65-F5344CB8AC3E}">
+        <p14:creationId xmlns:p14="http://schemas.microsoft.com/office/powerpoint/2010/main" val="492439735"/>
+      </p:ext>
+    </p:extLst>
+  </p:cSld>
+  <p:clrMapOvr>
+    <a:masterClrMapping/>
+  </p:clrMapOvr>
+  <p:timing>
+    <p:tnLst>
+      <p:par>
+        <p:cTn id="1" dur="indefinite" restart="never" nodeType="tmRoot"/>
+      </p:par>
+    </p:tnLst>
+  </p:timing>
+</p:sld>
+</file>
+
+<file path=ppt/slides/slide32.xml><?xml version="1.0" encoding="utf-8"?>
+<p:sld xmlns:a="http://schemas.openxmlformats.org/drawingml/2006/main" xmlns:r="http://schemas.openxmlformats.org/officeDocument/2006/relationships" xmlns:p="http://schemas.openxmlformats.org/presentationml/2006/main">
+  <p:cSld>
+    <p:spTree>
+      <p:nvGrpSpPr>
+        <p:cNvPr id="1" name=""/>
+        <p:cNvGrpSpPr/>
+        <p:nvPr/>
+      </p:nvGrpSpPr>
+      <p:grpSpPr>
+        <a:xfrm>
+          <a:off x="0" y="0"/>
+          <a:ext cx="0" cy="0"/>
+          <a:chOff x="0" y="0"/>
+          <a:chExt cx="0" cy="0"/>
+        </a:xfrm>
+      </p:grpSpPr>
+      <p:sp>
+        <p:nvSpPr>
+          <p:cNvPr id="2" name="Title 1"/>
+          <p:cNvSpPr>
+            <a:spLocks noGrp="1"/>
+          </p:cNvSpPr>
+          <p:nvPr>
+            <p:ph type="title"/>
+          </p:nvPr>
+        </p:nvSpPr>
+        <p:spPr/>
+        <p:txBody>
+          <a:bodyPr/>
+          <a:lstStyle/>
+          <a:p>
+            <a:r>
+              <a:rPr lang="en-US" dirty="0" smtClean="0"/>
+              <a:t>Choose your workspace</a:t>
+            </a:r>
+            <a:endParaRPr lang="en-US" dirty="0"/>
+          </a:p>
+        </p:txBody>
+      </p:sp>
+      <p:sp>
+        <p:nvSpPr>
+          <p:cNvPr id="3" name="Date Placeholder 2"/>
+          <p:cNvSpPr>
+            <a:spLocks noGrp="1"/>
+          </p:cNvSpPr>
+          <p:nvPr>
+            <p:ph type="dt" sz="half" idx="10"/>
+          </p:nvPr>
+        </p:nvSpPr>
+        <p:spPr/>
+        <p:txBody>
+          <a:bodyPr/>
+          <a:lstStyle/>
+          <a:p>
+            <a:fld id="{C04B6024-2702-49B2-98BA-BAE3D8979AA9}" type="datetime2">
+              <a:rPr lang="en-US" smtClean="0"/>
+              <a:t>Friday, May 02, 2014</a:t>
+            </a:fld>
+            <a:endParaRPr lang="en-US" dirty="0"/>
+          </a:p>
+        </p:txBody>
+      </p:sp>
+      <p:sp>
+        <p:nvSpPr>
+          <p:cNvPr id="4" name="Footer Placeholder 3"/>
+          <p:cNvSpPr>
+            <a:spLocks noGrp="1"/>
+          </p:cNvSpPr>
+          <p:nvPr>
+            <p:ph type="ftr" sz="quarter" idx="11"/>
+          </p:nvPr>
+        </p:nvSpPr>
+        <p:spPr/>
+        <p:txBody>
+          <a:bodyPr/>
+          <a:lstStyle/>
+          <a:p>
+            <a:r>
+              <a:rPr lang="en-US" smtClean="0"/>
+              <a:t>Palle Cogburn</a:t>
+            </a:r>
+            <a:endParaRPr lang="en-US" dirty="0"/>
+          </a:p>
+        </p:txBody>
+      </p:sp>
+      <p:sp>
+        <p:nvSpPr>
+          <p:cNvPr id="5" name="Slide Number Placeholder 4"/>
+          <p:cNvSpPr>
+            <a:spLocks noGrp="1"/>
+          </p:cNvSpPr>
+          <p:nvPr>
+            <p:ph type="sldNum" sz="quarter" idx="12"/>
+          </p:nvPr>
+        </p:nvSpPr>
+        <p:spPr/>
+        <p:txBody>
+          <a:bodyPr/>
+          <a:lstStyle/>
+          <a:p>
+            <a:fld id="{8CBEA7D5-4322-4BC9-B527-2F0B772A1C61}" type="slidenum">
+              <a:rPr lang="en-US" smtClean="0"/>
+              <a:t>32</a:t>
+            </a:fld>
+            <a:endParaRPr lang="en-US" dirty="0"/>
+          </a:p>
+        </p:txBody>
+      </p:sp>
+      <p:pic>
+        <p:nvPicPr>
+          <p:cNvPr id="1026" name="Picture 2"/>
+          <p:cNvPicPr>
+            <a:picLocks noChangeAspect="1" noChangeArrowheads="1"/>
+          </p:cNvPicPr>
+          <p:nvPr/>
+        </p:nvPicPr>
+        <p:blipFill>
+          <a:blip r:embed="rId2">
+            <a:extLst>
+              <a:ext uri="{28A0092B-C50C-407E-A947-70E740481C1C}">
+                <a14:useLocalDpi xmlns:a14="http://schemas.microsoft.com/office/drawing/2010/main" val="0"/>
+              </a:ext>
+            </a:extLst>
+          </a:blip>
+          <a:srcRect/>
+          <a:stretch>
+            <a:fillRect/>
+          </a:stretch>
+        </p:blipFill>
+        <p:spPr bwMode="auto">
+          <a:xfrm>
+            <a:off x="1524000" y="2514600"/>
+            <a:ext cx="5991225" cy="2752725"/>
+          </a:xfrm>
+          <a:prstGeom prst="rect">
+            <a:avLst/>
+          </a:prstGeom>
+          <a:noFill/>
+          <a:ln>
+            <a:noFill/>
+          </a:ln>
+          <a:extLst>
+            <a:ext uri="{909E8E84-426E-40DD-AFC4-6F175D3DCCD1}">
+              <a14:hiddenFill xmlns:a14="http://schemas.microsoft.com/office/drawing/2010/main">
+                <a:solidFill>
+                  <a:schemeClr val="accent1"/>
+                </a:solidFill>
+              </a14:hiddenFill>
+            </a:ext>
+            <a:ext uri="{91240B29-F687-4F45-9708-019B960494DF}">
+              <a14:hiddenLine xmlns:a14="http://schemas.microsoft.com/office/drawing/2010/main" w="9525">
+                <a:solidFill>
+                  <a:schemeClr val="tx1"/>
+                </a:solidFill>
+                <a:miter lim="800000"/>
+                <a:headEnd/>
+                <a:tailEnd/>
+              </a14:hiddenLine>
+            </a:ext>
+          </a:extLst>
+        </p:spPr>
+      </p:pic>
+    </p:spTree>
+    <p:extLst>
+      <p:ext uri="{BB962C8B-B14F-4D97-AF65-F5344CB8AC3E}">
+        <p14:creationId xmlns:p14="http://schemas.microsoft.com/office/powerpoint/2010/main" val="654669115"/>
+      </p:ext>
+    </p:extLst>
+  </p:cSld>
+  <p:clrMapOvr>
+    <a:masterClrMapping/>
+  </p:clrMapOvr>
+  <p:timing>
+    <p:tnLst>
+      <p:par>
+        <p:cTn id="1" dur="indefinite" restart="never" nodeType="tmRoot"/>
+      </p:par>
+    </p:tnLst>
+  </p:timing>
+</p:sld>
+</file>
+
+<file path=ppt/slides/slide33.xml><?xml version="1.0" encoding="utf-8"?>
+<p:sld xmlns:a="http://schemas.openxmlformats.org/drawingml/2006/main" xmlns:r="http://schemas.openxmlformats.org/officeDocument/2006/relationships" xmlns:p="http://schemas.openxmlformats.org/presentationml/2006/main">
+  <p:cSld>
+    <p:spTree>
+      <p:nvGrpSpPr>
+        <p:cNvPr id="1" name=""/>
+        <p:cNvGrpSpPr/>
+        <p:nvPr/>
+      </p:nvGrpSpPr>
+      <p:grpSpPr>
+        <a:xfrm>
+          <a:off x="0" y="0"/>
+          <a:ext cx="0" cy="0"/>
+          <a:chOff x="0" y="0"/>
+          <a:chExt cx="0" cy="0"/>
+        </a:xfrm>
+      </p:grpSpPr>
+      <p:sp>
+        <p:nvSpPr>
+          <p:cNvPr id="2" name="Title 1"/>
+          <p:cNvSpPr>
+            <a:spLocks noGrp="1"/>
+          </p:cNvSpPr>
+          <p:nvPr>
+            <p:ph type="title"/>
+          </p:nvPr>
+        </p:nvSpPr>
+        <p:spPr/>
+        <p:txBody>
+          <a:bodyPr/>
+          <a:lstStyle/>
+          <a:p>
+            <a:r>
+              <a:rPr lang="en-US" dirty="0" smtClean="0"/>
+              <a:t>Import</a:t>
+            </a:r>
+            <a:endParaRPr lang="en-US" dirty="0"/>
+          </a:p>
+        </p:txBody>
+      </p:sp>
+      <p:sp>
+        <p:nvSpPr>
+          <p:cNvPr id="3" name="Date Placeholder 2"/>
+          <p:cNvSpPr>
+            <a:spLocks noGrp="1"/>
+          </p:cNvSpPr>
+          <p:nvPr>
+            <p:ph type="dt" sz="half" idx="10"/>
+          </p:nvPr>
+        </p:nvSpPr>
+        <p:spPr/>
+        <p:txBody>
+          <a:bodyPr/>
+          <a:lstStyle/>
+          <a:p>
+            <a:fld id="{C04B6024-2702-49B2-98BA-BAE3D8979AA9}" type="datetime2">
+              <a:rPr lang="en-US" smtClean="0"/>
+              <a:t>Friday, May 02, 2014</a:t>
+            </a:fld>
+            <a:endParaRPr lang="en-US" dirty="0"/>
+          </a:p>
+        </p:txBody>
+      </p:sp>
+      <p:sp>
+        <p:nvSpPr>
+          <p:cNvPr id="4" name="Footer Placeholder 3"/>
+          <p:cNvSpPr>
+            <a:spLocks noGrp="1"/>
+          </p:cNvSpPr>
+          <p:nvPr>
+            <p:ph type="ftr" sz="quarter" idx="11"/>
+          </p:nvPr>
+        </p:nvSpPr>
+        <p:spPr/>
+        <p:txBody>
+          <a:bodyPr/>
+          <a:lstStyle/>
+          <a:p>
+            <a:r>
+              <a:rPr lang="en-US" smtClean="0"/>
+              <a:t>Palle Cogburn</a:t>
+            </a:r>
+            <a:endParaRPr lang="en-US" dirty="0"/>
+          </a:p>
+        </p:txBody>
+      </p:sp>
+      <p:sp>
+        <p:nvSpPr>
+          <p:cNvPr id="5" name="Slide Number Placeholder 4"/>
+          <p:cNvSpPr>
+            <a:spLocks noGrp="1"/>
+          </p:cNvSpPr>
+          <p:nvPr>
+            <p:ph type="sldNum" sz="quarter" idx="12"/>
+          </p:nvPr>
+        </p:nvSpPr>
+        <p:spPr/>
+        <p:txBody>
+          <a:bodyPr/>
+          <a:lstStyle/>
+          <a:p>
+            <a:fld id="{8CBEA7D5-4322-4BC9-B527-2F0B772A1C61}" type="slidenum">
+              <a:rPr lang="en-US" smtClean="0"/>
+              <a:t>33</a:t>
+            </a:fld>
+            <a:endParaRPr lang="en-US" dirty="0"/>
+          </a:p>
+        </p:txBody>
+      </p:sp>
+      <p:pic>
+        <p:nvPicPr>
+          <p:cNvPr id="2050" name="Picture 2"/>
+          <p:cNvPicPr>
+            <a:picLocks noChangeAspect="1" noChangeArrowheads="1"/>
+          </p:cNvPicPr>
+          <p:nvPr/>
+        </p:nvPicPr>
+        <p:blipFill>
+          <a:blip r:embed="rId2">
+            <a:extLst>
+              <a:ext uri="{28A0092B-C50C-407E-A947-70E740481C1C}">
+                <a14:useLocalDpi xmlns:a14="http://schemas.microsoft.com/office/drawing/2010/main" val="0"/>
+              </a:ext>
+            </a:extLst>
+          </a:blip>
+          <a:srcRect/>
+          <a:stretch>
+            <a:fillRect/>
+          </a:stretch>
+        </p:blipFill>
+        <p:spPr bwMode="auto">
+          <a:xfrm>
+            <a:off x="2286000" y="1447800"/>
+            <a:ext cx="3314700" cy="4533900"/>
+          </a:xfrm>
+          <a:prstGeom prst="rect">
+            <a:avLst/>
+          </a:prstGeom>
+          <a:noFill/>
+          <a:ln>
+            <a:noFill/>
+          </a:ln>
+          <a:extLst>
+            <a:ext uri="{909E8E84-426E-40DD-AFC4-6F175D3DCCD1}">
+              <a14:hiddenFill xmlns:a14="http://schemas.microsoft.com/office/drawing/2010/main">
+                <a:solidFill>
+                  <a:schemeClr val="accent1"/>
+                </a:solidFill>
+              </a14:hiddenFill>
+            </a:ext>
+            <a:ext uri="{91240B29-F687-4F45-9708-019B960494DF}">
+              <a14:hiddenLine xmlns:a14="http://schemas.microsoft.com/office/drawing/2010/main" w="9525">
+                <a:solidFill>
+                  <a:schemeClr val="tx1"/>
+                </a:solidFill>
+                <a:miter lim="800000"/>
+                <a:headEnd/>
+                <a:tailEnd/>
+              </a14:hiddenLine>
+            </a:ext>
+          </a:extLst>
+        </p:spPr>
+      </p:pic>
+    </p:spTree>
+    <p:extLst>
+      <p:ext uri="{BB962C8B-B14F-4D97-AF65-F5344CB8AC3E}">
+        <p14:creationId xmlns:p14="http://schemas.microsoft.com/office/powerpoint/2010/main" val="800047220"/>
+      </p:ext>
+    </p:extLst>
+  </p:cSld>
+  <p:clrMapOvr>
+    <a:masterClrMapping/>
+  </p:clrMapOvr>
+  <p:timing>
+    <p:tnLst>
+      <p:par>
+        <p:cTn id="1" dur="indefinite" restart="never" nodeType="tmRoot"/>
+      </p:par>
+    </p:tnLst>
+  </p:timing>
+</p:sld>
+</file>
+
+<file path=ppt/slides/slide34.xml><?xml version="1.0" encoding="utf-8"?>
+<p:sld xmlns:a="http://schemas.openxmlformats.org/drawingml/2006/main" xmlns:r="http://schemas.openxmlformats.org/officeDocument/2006/relationships" xmlns:p="http://schemas.openxmlformats.org/presentationml/2006/main">
+  <p:cSld>
+    <p:spTree>
+      <p:nvGrpSpPr>
+        <p:cNvPr id="1" name=""/>
+        <p:cNvGrpSpPr/>
+        <p:nvPr/>
+      </p:nvGrpSpPr>
+      <p:grpSpPr>
+        <a:xfrm>
+          <a:off x="0" y="0"/>
+          <a:ext cx="0" cy="0"/>
+          <a:chOff x="0" y="0"/>
+          <a:chExt cx="0" cy="0"/>
+        </a:xfrm>
+      </p:grpSpPr>
+      <p:sp>
+        <p:nvSpPr>
+          <p:cNvPr id="2" name="Title 1"/>
+          <p:cNvSpPr>
+            <a:spLocks noGrp="1"/>
+          </p:cNvSpPr>
+          <p:nvPr>
+            <p:ph type="title"/>
+          </p:nvPr>
+        </p:nvSpPr>
+        <p:spPr/>
+        <p:txBody>
+          <a:bodyPr/>
+          <a:lstStyle/>
+          <a:p>
+            <a:r>
+              <a:rPr lang="en-US" dirty="0" smtClean="0"/>
+              <a:t>Project from </a:t>
+            </a:r>
+            <a:r>
+              <a:rPr lang="en-US" dirty="0" err="1" smtClean="0"/>
+              <a:t>Git</a:t>
+            </a:r>
+            <a:endParaRPr lang="en-US" dirty="0"/>
+          </a:p>
+        </p:txBody>
+      </p:sp>
+      <p:sp>
+        <p:nvSpPr>
+          <p:cNvPr id="3" name="Date Placeholder 2"/>
+          <p:cNvSpPr>
+            <a:spLocks noGrp="1"/>
+          </p:cNvSpPr>
+          <p:nvPr>
+            <p:ph type="dt" sz="half" idx="10"/>
+          </p:nvPr>
+        </p:nvSpPr>
+        <p:spPr/>
+        <p:txBody>
+          <a:bodyPr/>
+          <a:lstStyle/>
+          <a:p>
+            <a:fld id="{C04B6024-2702-49B2-98BA-BAE3D8979AA9}" type="datetime2">
+              <a:rPr lang="en-US" smtClean="0"/>
+              <a:t>Friday, May 02, 2014</a:t>
+            </a:fld>
+            <a:endParaRPr lang="en-US" dirty="0"/>
+          </a:p>
+        </p:txBody>
+      </p:sp>
+      <p:sp>
+        <p:nvSpPr>
+          <p:cNvPr id="4" name="Footer Placeholder 3"/>
+          <p:cNvSpPr>
+            <a:spLocks noGrp="1"/>
+          </p:cNvSpPr>
+          <p:nvPr>
+            <p:ph type="ftr" sz="quarter" idx="11"/>
+          </p:nvPr>
+        </p:nvSpPr>
+        <p:spPr/>
+        <p:txBody>
+          <a:bodyPr/>
+          <a:lstStyle/>
+          <a:p>
+            <a:r>
+              <a:rPr lang="en-US" smtClean="0"/>
+              <a:t>Palle Cogburn</a:t>
+            </a:r>
+            <a:endParaRPr lang="en-US" dirty="0"/>
+          </a:p>
+        </p:txBody>
+      </p:sp>
+      <p:sp>
+        <p:nvSpPr>
+          <p:cNvPr id="5" name="Slide Number Placeholder 4"/>
+          <p:cNvSpPr>
+            <a:spLocks noGrp="1"/>
+          </p:cNvSpPr>
+          <p:nvPr>
+            <p:ph type="sldNum" sz="quarter" idx="12"/>
+          </p:nvPr>
+        </p:nvSpPr>
+        <p:spPr/>
+        <p:txBody>
+          <a:bodyPr/>
+          <a:lstStyle/>
+          <a:p>
+            <a:fld id="{8CBEA7D5-4322-4BC9-B527-2F0B772A1C61}" type="slidenum">
+              <a:rPr lang="en-US" smtClean="0"/>
+              <a:t>34</a:t>
+            </a:fld>
+            <a:endParaRPr lang="en-US" dirty="0"/>
+          </a:p>
+        </p:txBody>
+      </p:sp>
+      <p:pic>
+        <p:nvPicPr>
+          <p:cNvPr id="3074" name="Picture 2"/>
+          <p:cNvPicPr>
+            <a:picLocks noChangeAspect="1" noChangeArrowheads="1"/>
+          </p:cNvPicPr>
+          <p:nvPr/>
+        </p:nvPicPr>
+        <p:blipFill>
+          <a:blip r:embed="rId2">
+            <a:extLst>
+              <a:ext uri="{28A0092B-C50C-407E-A947-70E740481C1C}">
+                <a14:useLocalDpi xmlns:a14="http://schemas.microsoft.com/office/drawing/2010/main" val="0"/>
+              </a:ext>
+            </a:extLst>
+          </a:blip>
+          <a:srcRect/>
+          <a:stretch>
+            <a:fillRect/>
+          </a:stretch>
+        </p:blipFill>
+        <p:spPr bwMode="auto">
+          <a:xfrm>
+            <a:off x="2152650" y="1188720"/>
+            <a:ext cx="4991100" cy="5248275"/>
+          </a:xfrm>
+          <a:prstGeom prst="rect">
+            <a:avLst/>
+          </a:prstGeom>
+          <a:noFill/>
+          <a:ln>
+            <a:noFill/>
+          </a:ln>
+          <a:extLst>
+            <a:ext uri="{909E8E84-426E-40DD-AFC4-6F175D3DCCD1}">
+              <a14:hiddenFill xmlns:a14="http://schemas.microsoft.com/office/drawing/2010/main">
+                <a:solidFill>
+                  <a:schemeClr val="accent1"/>
+                </a:solidFill>
+              </a14:hiddenFill>
+            </a:ext>
+            <a:ext uri="{91240B29-F687-4F45-9708-019B960494DF}">
+              <a14:hiddenLine xmlns:a14="http://schemas.microsoft.com/office/drawing/2010/main" w="9525">
+                <a:solidFill>
+                  <a:schemeClr val="tx1"/>
+                </a:solidFill>
+                <a:miter lim="800000"/>
+                <a:headEnd/>
+                <a:tailEnd/>
+              </a14:hiddenLine>
+            </a:ext>
+          </a:extLst>
+        </p:spPr>
+      </p:pic>
+    </p:spTree>
+    <p:extLst>
+      <p:ext uri="{BB962C8B-B14F-4D97-AF65-F5344CB8AC3E}">
+        <p14:creationId xmlns:p14="http://schemas.microsoft.com/office/powerpoint/2010/main" val="599574095"/>
+      </p:ext>
+    </p:extLst>
+  </p:cSld>
+  <p:clrMapOvr>
+    <a:masterClrMapping/>
+  </p:clrMapOvr>
+  <p:timing>
+    <p:tnLst>
+      <p:par>
+        <p:cTn id="1" dur="indefinite" restart="never" nodeType="tmRoot"/>
+      </p:par>
+    </p:tnLst>
+  </p:timing>
+</p:sld>
+</file>
+
+<file path=ppt/slides/slide35.xml><?xml version="1.0" encoding="utf-8"?>
+<p:sld xmlns:a="http://schemas.openxmlformats.org/drawingml/2006/main" xmlns:r="http://schemas.openxmlformats.org/officeDocument/2006/relationships" xmlns:p="http://schemas.openxmlformats.org/presentationml/2006/main">
+  <p:cSld>
+    <p:spTree>
+      <p:nvGrpSpPr>
+        <p:cNvPr id="1" name=""/>
+        <p:cNvGrpSpPr/>
+        <p:nvPr/>
+      </p:nvGrpSpPr>
+      <p:grpSpPr>
+        <a:xfrm>
+          <a:off x="0" y="0"/>
+          <a:ext cx="0" cy="0"/>
+          <a:chOff x="0" y="0"/>
+          <a:chExt cx="0" cy="0"/>
+        </a:xfrm>
+      </p:grpSpPr>
+      <p:sp>
+        <p:nvSpPr>
+          <p:cNvPr id="2" name="Title 1"/>
+          <p:cNvSpPr>
+            <a:spLocks noGrp="1"/>
+          </p:cNvSpPr>
+          <p:nvPr>
+            <p:ph type="title"/>
+          </p:nvPr>
+        </p:nvSpPr>
+        <p:spPr/>
+        <p:txBody>
+          <a:bodyPr/>
+          <a:lstStyle/>
+          <a:p>
+            <a:r>
+              <a:rPr lang="en-US" dirty="0" smtClean="0"/>
+              <a:t>Clone URI</a:t>
+            </a:r>
+            <a:endParaRPr lang="en-US" dirty="0"/>
+          </a:p>
+        </p:txBody>
+      </p:sp>
+      <p:sp>
+        <p:nvSpPr>
+          <p:cNvPr id="3" name="Date Placeholder 2"/>
+          <p:cNvSpPr>
+            <a:spLocks noGrp="1"/>
+          </p:cNvSpPr>
+          <p:nvPr>
+            <p:ph type="dt" sz="half" idx="10"/>
+          </p:nvPr>
+        </p:nvSpPr>
+        <p:spPr/>
+        <p:txBody>
+          <a:bodyPr/>
+          <a:lstStyle/>
+          <a:p>
+            <a:fld id="{C04B6024-2702-49B2-98BA-BAE3D8979AA9}" type="datetime2">
+              <a:rPr lang="en-US" smtClean="0"/>
+              <a:t>Friday, May 02, 2014</a:t>
+            </a:fld>
+            <a:endParaRPr lang="en-US" dirty="0"/>
+          </a:p>
+        </p:txBody>
+      </p:sp>
+      <p:sp>
+        <p:nvSpPr>
+          <p:cNvPr id="4" name="Footer Placeholder 3"/>
+          <p:cNvSpPr>
+            <a:spLocks noGrp="1"/>
+          </p:cNvSpPr>
+          <p:nvPr>
+            <p:ph type="ftr" sz="quarter" idx="11"/>
+          </p:nvPr>
+        </p:nvSpPr>
+        <p:spPr/>
+        <p:txBody>
+          <a:bodyPr/>
+          <a:lstStyle/>
+          <a:p>
+            <a:r>
+              <a:rPr lang="en-US" smtClean="0"/>
+              <a:t>Palle Cogburn</a:t>
+            </a:r>
+            <a:endParaRPr lang="en-US" dirty="0"/>
+          </a:p>
+        </p:txBody>
+      </p:sp>
+      <p:sp>
+        <p:nvSpPr>
+          <p:cNvPr id="5" name="Slide Number Placeholder 4"/>
+          <p:cNvSpPr>
+            <a:spLocks noGrp="1"/>
+          </p:cNvSpPr>
+          <p:nvPr>
+            <p:ph type="sldNum" sz="quarter" idx="12"/>
+          </p:nvPr>
+        </p:nvSpPr>
+        <p:spPr/>
+        <p:txBody>
+          <a:bodyPr/>
+          <a:lstStyle/>
+          <a:p>
+            <a:fld id="{8CBEA7D5-4322-4BC9-B527-2F0B772A1C61}" type="slidenum">
+              <a:rPr lang="en-US" smtClean="0"/>
+              <a:t>35</a:t>
+            </a:fld>
+            <a:endParaRPr lang="en-US" dirty="0"/>
+          </a:p>
+        </p:txBody>
+      </p:sp>
+      <p:pic>
+        <p:nvPicPr>
+          <p:cNvPr id="4098" name="Picture 2"/>
+          <p:cNvPicPr>
+            <a:picLocks noChangeAspect="1" noChangeArrowheads="1"/>
+          </p:cNvPicPr>
+          <p:nvPr/>
+        </p:nvPicPr>
+        <p:blipFill>
+          <a:blip r:embed="rId2">
+            <a:extLst>
+              <a:ext uri="{28A0092B-C50C-407E-A947-70E740481C1C}">
+                <a14:useLocalDpi xmlns:a14="http://schemas.microsoft.com/office/drawing/2010/main" val="0"/>
+              </a:ext>
+            </a:extLst>
+          </a:blip>
+          <a:srcRect/>
+          <a:stretch>
+            <a:fillRect/>
+          </a:stretch>
+        </p:blipFill>
+        <p:spPr bwMode="auto">
+          <a:xfrm>
+            <a:off x="2209800" y="1143000"/>
+            <a:ext cx="5000625" cy="5238750"/>
+          </a:xfrm>
+          <a:prstGeom prst="rect">
+            <a:avLst/>
+          </a:prstGeom>
+          <a:noFill/>
+          <a:ln>
+            <a:noFill/>
+          </a:ln>
+          <a:extLst>
+            <a:ext uri="{909E8E84-426E-40DD-AFC4-6F175D3DCCD1}">
+              <a14:hiddenFill xmlns:a14="http://schemas.microsoft.com/office/drawing/2010/main">
+                <a:solidFill>
+                  <a:schemeClr val="accent1"/>
+                </a:solidFill>
+              </a14:hiddenFill>
+            </a:ext>
+            <a:ext uri="{91240B29-F687-4F45-9708-019B960494DF}">
+              <a14:hiddenLine xmlns:a14="http://schemas.microsoft.com/office/drawing/2010/main" w="9525">
+                <a:solidFill>
+                  <a:schemeClr val="tx1"/>
+                </a:solidFill>
+                <a:miter lim="800000"/>
+                <a:headEnd/>
+                <a:tailEnd/>
+              </a14:hiddenLine>
+            </a:ext>
+          </a:extLst>
+        </p:spPr>
+      </p:pic>
+    </p:spTree>
+    <p:extLst>
+      <p:ext uri="{BB962C8B-B14F-4D97-AF65-F5344CB8AC3E}">
+        <p14:creationId xmlns:p14="http://schemas.microsoft.com/office/powerpoint/2010/main" val="3686164532"/>
+      </p:ext>
+    </p:extLst>
+  </p:cSld>
+  <p:clrMapOvr>
+    <a:masterClrMapping/>
+  </p:clrMapOvr>
+  <p:timing>
+    <p:tnLst>
+      <p:par>
+        <p:cTn id="1" dur="indefinite" restart="never" nodeType="tmRoot"/>
+      </p:par>
+    </p:tnLst>
+  </p:timing>
+</p:sld>
+</file>
+
+<file path=ppt/slides/slide36.xml><?xml version="1.0" encoding="utf-8"?>
+<p:sld xmlns:a="http://schemas.openxmlformats.org/drawingml/2006/main" xmlns:r="http://schemas.openxmlformats.org/officeDocument/2006/relationships" xmlns:p="http://schemas.openxmlformats.org/presentationml/2006/main">
+  <p:cSld>
+    <p:spTree>
+      <p:nvGrpSpPr>
+        <p:cNvPr id="1" name=""/>
+        <p:cNvGrpSpPr/>
+        <p:nvPr/>
+      </p:nvGrpSpPr>
+      <p:grpSpPr>
+        <a:xfrm>
+          <a:off x="0" y="0"/>
+          <a:ext cx="0" cy="0"/>
+          <a:chOff x="0" y="0"/>
+          <a:chExt cx="0" cy="0"/>
+        </a:xfrm>
+      </p:grpSpPr>
+      <p:sp>
+        <p:nvSpPr>
+          <p:cNvPr id="2" name="Title 1"/>
+          <p:cNvSpPr>
+            <a:spLocks noGrp="1"/>
+          </p:cNvSpPr>
+          <p:nvPr>
+            <p:ph type="title"/>
+          </p:nvPr>
+        </p:nvSpPr>
+        <p:spPr/>
+        <p:txBody>
+          <a:bodyPr/>
+          <a:lstStyle/>
+          <a:p>
+            <a:r>
+              <a:rPr lang="en-US" dirty="0" smtClean="0"/>
+              <a:t>Clone URI</a:t>
+            </a:r>
+            <a:endParaRPr lang="en-US" dirty="0"/>
+          </a:p>
+        </p:txBody>
+      </p:sp>
+      <p:sp>
+        <p:nvSpPr>
+          <p:cNvPr id="3" name="Date Placeholder 2"/>
+          <p:cNvSpPr>
+            <a:spLocks noGrp="1"/>
+          </p:cNvSpPr>
+          <p:nvPr>
+            <p:ph type="dt" sz="half" idx="10"/>
+          </p:nvPr>
+        </p:nvSpPr>
+        <p:spPr/>
+        <p:txBody>
+          <a:bodyPr/>
+          <a:lstStyle/>
+          <a:p>
+            <a:fld id="{C04B6024-2702-49B2-98BA-BAE3D8979AA9}" type="datetime2">
+              <a:rPr lang="en-US" smtClean="0"/>
+              <a:t>Friday, May 02, 2014</a:t>
+            </a:fld>
+            <a:endParaRPr lang="en-US" dirty="0"/>
+          </a:p>
+        </p:txBody>
+      </p:sp>
+      <p:sp>
+        <p:nvSpPr>
+          <p:cNvPr id="4" name="Footer Placeholder 3"/>
+          <p:cNvSpPr>
+            <a:spLocks noGrp="1"/>
+          </p:cNvSpPr>
+          <p:nvPr>
+            <p:ph type="ftr" sz="quarter" idx="11"/>
+          </p:nvPr>
+        </p:nvSpPr>
+        <p:spPr/>
+        <p:txBody>
+          <a:bodyPr/>
+          <a:lstStyle/>
+          <a:p>
+            <a:r>
+              <a:rPr lang="en-US" smtClean="0"/>
+              <a:t>Palle Cogburn</a:t>
+            </a:r>
+            <a:endParaRPr lang="en-US" dirty="0"/>
+          </a:p>
+        </p:txBody>
+      </p:sp>
+      <p:sp>
+        <p:nvSpPr>
+          <p:cNvPr id="5" name="Slide Number Placeholder 4"/>
+          <p:cNvSpPr>
+            <a:spLocks noGrp="1"/>
+          </p:cNvSpPr>
+          <p:nvPr>
+            <p:ph type="sldNum" sz="quarter" idx="12"/>
+          </p:nvPr>
+        </p:nvSpPr>
+        <p:spPr/>
+        <p:txBody>
+          <a:bodyPr/>
+          <a:lstStyle/>
+          <a:p>
+            <a:fld id="{8CBEA7D5-4322-4BC9-B527-2F0B772A1C61}" type="slidenum">
+              <a:rPr lang="en-US" smtClean="0"/>
+              <a:t>36</a:t>
+            </a:fld>
+            <a:endParaRPr lang="en-US" dirty="0"/>
+          </a:p>
+        </p:txBody>
+      </p:sp>
+      <p:pic>
+        <p:nvPicPr>
+          <p:cNvPr id="5122" name="Picture 2"/>
+          <p:cNvPicPr>
+            <a:picLocks noChangeAspect="1" noChangeArrowheads="1"/>
+          </p:cNvPicPr>
+          <p:nvPr/>
+        </p:nvPicPr>
+        <p:blipFill>
+          <a:blip r:embed="rId2">
+            <a:extLst>
+              <a:ext uri="{28A0092B-C50C-407E-A947-70E740481C1C}">
+                <a14:useLocalDpi xmlns:a14="http://schemas.microsoft.com/office/drawing/2010/main" val="0"/>
+              </a:ext>
+            </a:extLst>
+          </a:blip>
+          <a:srcRect/>
+          <a:stretch>
+            <a:fillRect/>
+          </a:stretch>
+        </p:blipFill>
+        <p:spPr bwMode="auto">
+          <a:xfrm>
+            <a:off x="2743200" y="3543300"/>
+            <a:ext cx="4300538" cy="1685925"/>
+          </a:xfrm>
+          <a:prstGeom prst="rect">
+            <a:avLst/>
+          </a:prstGeom>
+          <a:noFill/>
+          <a:ln>
+            <a:noFill/>
+          </a:ln>
+          <a:extLst>
+            <a:ext uri="{909E8E84-426E-40DD-AFC4-6F175D3DCCD1}">
+              <a14:hiddenFill xmlns:a14="http://schemas.microsoft.com/office/drawing/2010/main">
+                <a:solidFill>
+                  <a:schemeClr val="accent1"/>
+                </a:solidFill>
+              </a14:hiddenFill>
+            </a:ext>
+            <a:ext uri="{91240B29-F687-4F45-9708-019B960494DF}">
+              <a14:hiddenLine xmlns:a14="http://schemas.microsoft.com/office/drawing/2010/main" w="9525">
+                <a:solidFill>
+                  <a:schemeClr val="tx1"/>
+                </a:solidFill>
+                <a:miter lim="800000"/>
+                <a:headEnd/>
+                <a:tailEnd/>
+              </a14:hiddenLine>
+            </a:ext>
+          </a:extLst>
+        </p:spPr>
+      </p:pic>
+      <p:pic>
+        <p:nvPicPr>
+          <p:cNvPr id="5123" name="Picture 3"/>
+          <p:cNvPicPr>
+            <a:picLocks noChangeAspect="1" noChangeArrowheads="1"/>
+          </p:cNvPicPr>
+          <p:nvPr/>
+        </p:nvPicPr>
+        <p:blipFill>
+          <a:blip r:embed="rId3">
+            <a:extLst>
+              <a:ext uri="{28A0092B-C50C-407E-A947-70E740481C1C}">
+                <a14:useLocalDpi xmlns:a14="http://schemas.microsoft.com/office/drawing/2010/main" val="0"/>
+              </a:ext>
+            </a:extLst>
+          </a:blip>
+          <a:srcRect/>
+          <a:stretch>
+            <a:fillRect/>
+          </a:stretch>
+        </p:blipFill>
+        <p:spPr bwMode="auto">
+          <a:xfrm>
+            <a:off x="533400" y="1524000"/>
+            <a:ext cx="5943600" cy="2019300"/>
+          </a:xfrm>
+          <a:prstGeom prst="rect">
+            <a:avLst/>
+          </a:prstGeom>
+          <a:noFill/>
+          <a:ln>
+            <a:noFill/>
+          </a:ln>
+          <a:extLst>
+            <a:ext uri="{909E8E84-426E-40DD-AFC4-6F175D3DCCD1}">
+              <a14:hiddenFill xmlns:a14="http://schemas.microsoft.com/office/drawing/2010/main">
+                <a:solidFill>
+                  <a:schemeClr val="accent1"/>
+                </a:solidFill>
+              </a14:hiddenFill>
+            </a:ext>
+            <a:ext uri="{91240B29-F687-4F45-9708-019B960494DF}">
+              <a14:hiddenLine xmlns:a14="http://schemas.microsoft.com/office/drawing/2010/main" w="9525">
+                <a:solidFill>
+                  <a:schemeClr val="tx1"/>
+                </a:solidFill>
+                <a:miter lim="800000"/>
+                <a:headEnd/>
+                <a:tailEnd/>
+              </a14:hiddenLine>
+            </a:ext>
+          </a:extLst>
+        </p:spPr>
+      </p:pic>
+      <p:sp>
+        <p:nvSpPr>
+          <p:cNvPr id="7" name="TextBox 6"/>
+          <p:cNvSpPr txBox="1"/>
+          <p:nvPr/>
+        </p:nvSpPr>
+        <p:spPr>
+          <a:xfrm>
+            <a:off x="4114800" y="5454134"/>
+            <a:ext cx="4166910" cy="369332"/>
+          </a:xfrm>
+          <a:prstGeom prst="rect">
+            <a:avLst/>
+          </a:prstGeom>
+          <a:noFill/>
+        </p:spPr>
+        <p:txBody>
+          <a:bodyPr wrap="none" rtlCol="0">
+            <a:spAutoFit/>
+          </a:bodyPr>
+          <a:lstStyle/>
+          <a:p>
+            <a:r>
+              <a:rPr lang="en-US" dirty="0"/>
+              <a:t>https://github.com/mscsbend/sandbox.git</a:t>
+            </a:r>
+          </a:p>
+        </p:txBody>
+      </p:sp>
+    </p:spTree>
+    <p:extLst>
+      <p:ext uri="{BB962C8B-B14F-4D97-AF65-F5344CB8AC3E}">
+        <p14:creationId xmlns:p14="http://schemas.microsoft.com/office/powerpoint/2010/main" val="393073761"/>
+      </p:ext>
+    </p:extLst>
+  </p:cSld>
+  <p:clrMapOvr>
+    <a:masterClrMapping/>
+  </p:clrMapOvr>
+  <p:timing>
+    <p:tnLst>
+      <p:par>
+        <p:cTn id="1" dur="indefinite" restart="never" nodeType="tmRoot"/>
+      </p:par>
+    </p:tnLst>
+  </p:timing>
+</p:sld>
+</file>
+
+<file path=ppt/slides/slide37.xml><?xml version="1.0" encoding="utf-8"?>
+<p:sld xmlns:a="http://schemas.openxmlformats.org/drawingml/2006/main" xmlns:r="http://schemas.openxmlformats.org/officeDocument/2006/relationships" xmlns:p="http://schemas.openxmlformats.org/presentationml/2006/main">
+  <p:cSld>
+    <p:spTree>
+      <p:nvGrpSpPr>
+        <p:cNvPr id="1" name=""/>
+        <p:cNvGrpSpPr/>
+        <p:nvPr/>
+      </p:nvGrpSpPr>
+      <p:grpSpPr>
+        <a:xfrm>
+          <a:off x="0" y="0"/>
+          <a:ext cx="0" cy="0"/>
+          <a:chOff x="0" y="0"/>
+          <a:chExt cx="0" cy="0"/>
+        </a:xfrm>
+      </p:grpSpPr>
+      <p:sp>
+        <p:nvSpPr>
+          <p:cNvPr id="2" name="Title 1"/>
+          <p:cNvSpPr>
+            <a:spLocks noGrp="1"/>
+          </p:cNvSpPr>
+          <p:nvPr>
+            <p:ph type="title"/>
+          </p:nvPr>
+        </p:nvSpPr>
+        <p:spPr/>
+        <p:txBody>
+          <a:bodyPr/>
+          <a:lstStyle/>
+          <a:p>
+            <a:r>
+              <a:rPr lang="en-US" dirty="0" smtClean="0"/>
+              <a:t>Clone URI</a:t>
+            </a:r>
+            <a:endParaRPr lang="en-US" dirty="0"/>
+          </a:p>
+        </p:txBody>
+      </p:sp>
+      <p:sp>
+        <p:nvSpPr>
+          <p:cNvPr id="3" name="Date Placeholder 2"/>
+          <p:cNvSpPr>
+            <a:spLocks noGrp="1"/>
+          </p:cNvSpPr>
+          <p:nvPr>
+            <p:ph type="dt" sz="half" idx="10"/>
+          </p:nvPr>
+        </p:nvSpPr>
+        <p:spPr/>
+        <p:txBody>
+          <a:bodyPr/>
+          <a:lstStyle/>
+          <a:p>
+            <a:fld id="{C04B6024-2702-49B2-98BA-BAE3D8979AA9}" type="datetime2">
+              <a:rPr lang="en-US" smtClean="0"/>
+              <a:t>Friday, May 02, 2014</a:t>
+            </a:fld>
+            <a:endParaRPr lang="en-US" dirty="0"/>
+          </a:p>
+        </p:txBody>
+      </p:sp>
+      <p:sp>
+        <p:nvSpPr>
+          <p:cNvPr id="4" name="Footer Placeholder 3"/>
+          <p:cNvSpPr>
+            <a:spLocks noGrp="1"/>
+          </p:cNvSpPr>
+          <p:nvPr>
+            <p:ph type="ftr" sz="quarter" idx="11"/>
+          </p:nvPr>
+        </p:nvSpPr>
+        <p:spPr/>
+        <p:txBody>
+          <a:bodyPr/>
+          <a:lstStyle/>
+          <a:p>
+            <a:r>
+              <a:rPr lang="en-US" smtClean="0"/>
+              <a:t>Palle Cogburn</a:t>
+            </a:r>
+            <a:endParaRPr lang="en-US" dirty="0"/>
+          </a:p>
+        </p:txBody>
+      </p:sp>
+      <p:sp>
+        <p:nvSpPr>
+          <p:cNvPr id="5" name="Slide Number Placeholder 4"/>
+          <p:cNvSpPr>
+            <a:spLocks noGrp="1"/>
+          </p:cNvSpPr>
+          <p:nvPr>
+            <p:ph type="sldNum" sz="quarter" idx="12"/>
+          </p:nvPr>
+        </p:nvSpPr>
+        <p:spPr/>
+        <p:txBody>
+          <a:bodyPr/>
+          <a:lstStyle/>
+          <a:p>
+            <a:fld id="{8CBEA7D5-4322-4BC9-B527-2F0B772A1C61}" type="slidenum">
+              <a:rPr lang="en-US" smtClean="0"/>
+              <a:t>37</a:t>
+            </a:fld>
+            <a:endParaRPr lang="en-US" dirty="0"/>
+          </a:p>
+        </p:txBody>
+      </p:sp>
+      <p:pic>
+        <p:nvPicPr>
+          <p:cNvPr id="6146" name="Picture 2"/>
+          <p:cNvPicPr>
+            <a:picLocks noChangeAspect="1" noChangeArrowheads="1"/>
+          </p:cNvPicPr>
+          <p:nvPr/>
+        </p:nvPicPr>
+        <p:blipFill>
+          <a:blip r:embed="rId2">
+            <a:extLst>
+              <a:ext uri="{28A0092B-C50C-407E-A947-70E740481C1C}">
+                <a14:useLocalDpi xmlns:a14="http://schemas.microsoft.com/office/drawing/2010/main" val="0"/>
+              </a:ext>
+            </a:extLst>
+          </a:blip>
+          <a:srcRect/>
+          <a:stretch>
+            <a:fillRect/>
+          </a:stretch>
+        </p:blipFill>
+        <p:spPr bwMode="auto">
+          <a:xfrm>
+            <a:off x="2286000" y="1143000"/>
+            <a:ext cx="5010150" cy="5238750"/>
+          </a:xfrm>
+          <a:prstGeom prst="rect">
+            <a:avLst/>
+          </a:prstGeom>
+          <a:noFill/>
+          <a:ln>
+            <a:noFill/>
+          </a:ln>
+          <a:extLst>
+            <a:ext uri="{909E8E84-426E-40DD-AFC4-6F175D3DCCD1}">
+              <a14:hiddenFill xmlns:a14="http://schemas.microsoft.com/office/drawing/2010/main">
+                <a:solidFill>
+                  <a:schemeClr val="accent1"/>
+                </a:solidFill>
+              </a14:hiddenFill>
+            </a:ext>
+            <a:ext uri="{91240B29-F687-4F45-9708-019B960494DF}">
+              <a14:hiddenLine xmlns:a14="http://schemas.microsoft.com/office/drawing/2010/main" w="9525">
+                <a:solidFill>
+                  <a:schemeClr val="tx1"/>
+                </a:solidFill>
+                <a:miter lim="800000"/>
+                <a:headEnd/>
+                <a:tailEnd/>
+              </a14:hiddenLine>
+            </a:ext>
+          </a:extLst>
+        </p:spPr>
+      </p:pic>
+      <p:sp>
+        <p:nvSpPr>
+          <p:cNvPr id="6" name="Right Arrow 5"/>
+          <p:cNvSpPr/>
+          <p:nvPr/>
+        </p:nvSpPr>
+        <p:spPr>
+          <a:xfrm>
+            <a:off x="1676400" y="2362200"/>
+            <a:ext cx="457200" cy="381000"/>
+          </a:xfrm>
+          <a:prstGeom prst="rightArrow">
+            <a:avLst/>
+          </a:prstGeom>
+          <a:noFill/>
+          <a:ln>
+            <a:solidFill>
+              <a:srgbClr val="FF0000"/>
+            </a:solidFill>
+          </a:ln>
+        </p:spPr>
+        <p:style>
+          <a:lnRef idx="2">
+            <a:schemeClr val="accent1">
+              <a:shade val="50000"/>
+            </a:schemeClr>
+          </a:lnRef>
+          <a:fillRef idx="1">
+            <a:schemeClr val="accent1"/>
+          </a:fillRef>
+          <a:effectRef idx="0">
+            <a:schemeClr val="accent1"/>
+          </a:effectRef>
+          <a:fontRef idx="minor">
+            <a:schemeClr val="lt1"/>
+          </a:fontRef>
+        </p:style>
+        <p:txBody>
+          <a:bodyPr rtlCol="0" anchor="ctr"/>
+          <a:lstStyle/>
+          <a:p>
+            <a:pPr algn="ctr"/>
+            <a:endParaRPr lang="en-US"/>
+          </a:p>
+        </p:txBody>
+      </p:sp>
+      <p:sp>
+        <p:nvSpPr>
+          <p:cNvPr id="7" name="TextBox 6"/>
+          <p:cNvSpPr txBox="1"/>
+          <p:nvPr/>
+        </p:nvSpPr>
+        <p:spPr>
+          <a:xfrm>
+            <a:off x="1493742" y="1992868"/>
+            <a:ext cx="686022" cy="369332"/>
+          </a:xfrm>
+          <a:prstGeom prst="rect">
+            <a:avLst/>
+          </a:prstGeom>
+          <a:noFill/>
+        </p:spPr>
+        <p:txBody>
+          <a:bodyPr wrap="none" rtlCol="0">
+            <a:spAutoFit/>
+          </a:bodyPr>
+          <a:lstStyle/>
+          <a:p>
+            <a:r>
+              <a:rPr lang="en-US" dirty="0" smtClean="0"/>
+              <a:t>Paste</a:t>
+            </a:r>
+            <a:endParaRPr lang="en-US" dirty="0"/>
+          </a:p>
+        </p:txBody>
+      </p:sp>
+    </p:spTree>
+    <p:extLst>
+      <p:ext uri="{BB962C8B-B14F-4D97-AF65-F5344CB8AC3E}">
+        <p14:creationId xmlns:p14="http://schemas.microsoft.com/office/powerpoint/2010/main" val="1376365498"/>
+      </p:ext>
+    </p:extLst>
+  </p:cSld>
+  <p:clrMapOvr>
+    <a:masterClrMapping/>
+  </p:clrMapOvr>
+  <p:timing>
+    <p:tnLst>
+      <p:par>
+        <p:cTn id="1" dur="indefinite" restart="never" nodeType="tmRoot"/>
+      </p:par>
+    </p:tnLst>
+  </p:timing>
+</p:sld>
+</file>
+
+<file path=ppt/slides/slide38.xml><?xml version="1.0" encoding="utf-8"?>
+<p:sld xmlns:a="http://schemas.openxmlformats.org/drawingml/2006/main" xmlns:r="http://schemas.openxmlformats.org/officeDocument/2006/relationships" xmlns:p="http://schemas.openxmlformats.org/presentationml/2006/main">
+  <p:cSld>
+    <p:spTree>
+      <p:nvGrpSpPr>
+        <p:cNvPr id="1" name=""/>
+        <p:cNvGrpSpPr/>
+        <p:nvPr/>
+      </p:nvGrpSpPr>
+      <p:grpSpPr>
+        <a:xfrm>
+          <a:off x="0" y="0"/>
+          <a:ext cx="0" cy="0"/>
+          <a:chOff x="0" y="0"/>
+          <a:chExt cx="0" cy="0"/>
+        </a:xfrm>
+      </p:grpSpPr>
+      <p:sp>
+        <p:nvSpPr>
+          <p:cNvPr id="2" name="Title 1"/>
+          <p:cNvSpPr>
+            <a:spLocks noGrp="1"/>
+          </p:cNvSpPr>
+          <p:nvPr>
+            <p:ph type="title"/>
+          </p:nvPr>
+        </p:nvSpPr>
+        <p:spPr/>
+        <p:txBody>
+          <a:bodyPr/>
+          <a:lstStyle/>
+          <a:p>
+            <a:r>
+              <a:rPr lang="en-US" dirty="0" smtClean="0"/>
+              <a:t>Branch</a:t>
+            </a:r>
+            <a:endParaRPr lang="en-US" dirty="0"/>
+          </a:p>
+        </p:txBody>
+      </p:sp>
+      <p:sp>
+        <p:nvSpPr>
+          <p:cNvPr id="3" name="Date Placeholder 2"/>
+          <p:cNvSpPr>
+            <a:spLocks noGrp="1"/>
+          </p:cNvSpPr>
+          <p:nvPr>
+            <p:ph type="dt" sz="half" idx="10"/>
+          </p:nvPr>
+        </p:nvSpPr>
+        <p:spPr/>
+        <p:txBody>
+          <a:bodyPr/>
+          <a:lstStyle/>
+          <a:p>
+            <a:fld id="{C04B6024-2702-49B2-98BA-BAE3D8979AA9}" type="datetime2">
+              <a:rPr lang="en-US" smtClean="0"/>
+              <a:t>Friday, May 02, 2014</a:t>
+            </a:fld>
+            <a:endParaRPr lang="en-US" dirty="0"/>
+          </a:p>
+        </p:txBody>
+      </p:sp>
+      <p:sp>
+        <p:nvSpPr>
+          <p:cNvPr id="4" name="Footer Placeholder 3"/>
+          <p:cNvSpPr>
+            <a:spLocks noGrp="1"/>
+          </p:cNvSpPr>
+          <p:nvPr>
+            <p:ph type="ftr" sz="quarter" idx="11"/>
+          </p:nvPr>
+        </p:nvSpPr>
+        <p:spPr/>
+        <p:txBody>
+          <a:bodyPr/>
+          <a:lstStyle/>
+          <a:p>
+            <a:r>
+              <a:rPr lang="en-US" smtClean="0"/>
+              <a:t>Palle Cogburn</a:t>
+            </a:r>
+            <a:endParaRPr lang="en-US" dirty="0"/>
+          </a:p>
+        </p:txBody>
+      </p:sp>
+      <p:sp>
+        <p:nvSpPr>
+          <p:cNvPr id="5" name="Slide Number Placeholder 4"/>
+          <p:cNvSpPr>
+            <a:spLocks noGrp="1"/>
+          </p:cNvSpPr>
+          <p:nvPr>
+            <p:ph type="sldNum" sz="quarter" idx="12"/>
+          </p:nvPr>
+        </p:nvSpPr>
+        <p:spPr/>
+        <p:txBody>
+          <a:bodyPr/>
+          <a:lstStyle/>
+          <a:p>
+            <a:fld id="{8CBEA7D5-4322-4BC9-B527-2F0B772A1C61}" type="slidenum">
+              <a:rPr lang="en-US" smtClean="0"/>
+              <a:t>38</a:t>
+            </a:fld>
+            <a:endParaRPr lang="en-US" dirty="0"/>
+          </a:p>
+        </p:txBody>
+      </p:sp>
+      <p:pic>
+        <p:nvPicPr>
+          <p:cNvPr id="7170" name="Picture 2"/>
+          <p:cNvPicPr>
+            <a:picLocks noChangeAspect="1" noChangeArrowheads="1"/>
+          </p:cNvPicPr>
+          <p:nvPr/>
+        </p:nvPicPr>
+        <p:blipFill>
+          <a:blip r:embed="rId2">
+            <a:extLst>
+              <a:ext uri="{28A0092B-C50C-407E-A947-70E740481C1C}">
+                <a14:useLocalDpi xmlns:a14="http://schemas.microsoft.com/office/drawing/2010/main" val="0"/>
+              </a:ext>
+            </a:extLst>
+          </a:blip>
+          <a:srcRect/>
+          <a:stretch>
+            <a:fillRect/>
+          </a:stretch>
+        </p:blipFill>
+        <p:spPr bwMode="auto">
+          <a:xfrm>
+            <a:off x="2286000" y="1143000"/>
+            <a:ext cx="4991100" cy="5229225"/>
+          </a:xfrm>
+          <a:prstGeom prst="rect">
+            <a:avLst/>
+          </a:prstGeom>
+          <a:noFill/>
+          <a:ln>
+            <a:noFill/>
+          </a:ln>
+          <a:extLst>
+            <a:ext uri="{909E8E84-426E-40DD-AFC4-6F175D3DCCD1}">
+              <a14:hiddenFill xmlns:a14="http://schemas.microsoft.com/office/drawing/2010/main">
+                <a:solidFill>
+                  <a:schemeClr val="accent1"/>
+                </a:solidFill>
+              </a14:hiddenFill>
+            </a:ext>
+            <a:ext uri="{91240B29-F687-4F45-9708-019B960494DF}">
+              <a14:hiddenLine xmlns:a14="http://schemas.microsoft.com/office/drawing/2010/main" w="9525">
+                <a:solidFill>
+                  <a:schemeClr val="tx1"/>
+                </a:solidFill>
+                <a:miter lim="800000"/>
+                <a:headEnd/>
+                <a:tailEnd/>
+              </a14:hiddenLine>
+            </a:ext>
+          </a:extLst>
+        </p:spPr>
+      </p:pic>
+    </p:spTree>
+    <p:extLst>
+      <p:ext uri="{BB962C8B-B14F-4D97-AF65-F5344CB8AC3E}">
+        <p14:creationId xmlns:p14="http://schemas.microsoft.com/office/powerpoint/2010/main" val="889295144"/>
+      </p:ext>
+    </p:extLst>
+  </p:cSld>
+  <p:clrMapOvr>
+    <a:masterClrMapping/>
+  </p:clrMapOvr>
+  <p:timing>
+    <p:tnLst>
+      <p:par>
+        <p:cTn id="1" dur="indefinite" restart="never" nodeType="tmRoot"/>
+      </p:par>
+    </p:tnLst>
+  </p:timing>
+</p:sld>
+</file>
+
+<file path=ppt/slides/slide39.xml><?xml version="1.0" encoding="utf-8"?>
+<p:sld xmlns:a="http://schemas.openxmlformats.org/drawingml/2006/main" xmlns:r="http://schemas.openxmlformats.org/officeDocument/2006/relationships" xmlns:p="http://schemas.openxmlformats.org/presentationml/2006/main">
+  <p:cSld>
+    <p:spTree>
+      <p:nvGrpSpPr>
+        <p:cNvPr id="1" name=""/>
+        <p:cNvGrpSpPr/>
+        <p:nvPr/>
+      </p:nvGrpSpPr>
+      <p:grpSpPr>
+        <a:xfrm>
+          <a:off x="0" y="0"/>
+          <a:ext cx="0" cy="0"/>
+          <a:chOff x="0" y="0"/>
+          <a:chExt cx="0" cy="0"/>
+        </a:xfrm>
+      </p:grpSpPr>
+      <p:sp>
+        <p:nvSpPr>
+          <p:cNvPr id="2" name="Title 1"/>
+          <p:cNvSpPr>
+            <a:spLocks noGrp="1"/>
+          </p:cNvSpPr>
+          <p:nvPr>
+            <p:ph type="title"/>
+          </p:nvPr>
+        </p:nvSpPr>
+        <p:spPr/>
+        <p:txBody>
+          <a:bodyPr/>
+          <a:lstStyle/>
+          <a:p>
+            <a:r>
+              <a:rPr lang="en-US" dirty="0" smtClean="0"/>
+              <a:t>Local Destination</a:t>
+            </a:r>
+            <a:endParaRPr lang="en-US" dirty="0"/>
+          </a:p>
+        </p:txBody>
+      </p:sp>
+      <p:sp>
+        <p:nvSpPr>
+          <p:cNvPr id="3" name="Date Placeholder 2"/>
+          <p:cNvSpPr>
+            <a:spLocks noGrp="1"/>
+          </p:cNvSpPr>
+          <p:nvPr>
+            <p:ph type="dt" sz="half" idx="10"/>
+          </p:nvPr>
+        </p:nvSpPr>
+        <p:spPr/>
+        <p:txBody>
+          <a:bodyPr/>
+          <a:lstStyle/>
+          <a:p>
+            <a:fld id="{C04B6024-2702-49B2-98BA-BAE3D8979AA9}" type="datetime2">
+              <a:rPr lang="en-US" smtClean="0"/>
+              <a:t>Friday, May 02, 2014</a:t>
+            </a:fld>
+            <a:endParaRPr lang="en-US" dirty="0"/>
+          </a:p>
+        </p:txBody>
+      </p:sp>
+      <p:sp>
+        <p:nvSpPr>
+          <p:cNvPr id="4" name="Footer Placeholder 3"/>
+          <p:cNvSpPr>
+            <a:spLocks noGrp="1"/>
+          </p:cNvSpPr>
+          <p:nvPr>
+            <p:ph type="ftr" sz="quarter" idx="11"/>
+          </p:nvPr>
+        </p:nvSpPr>
+        <p:spPr/>
+        <p:txBody>
+          <a:bodyPr/>
+          <a:lstStyle/>
+          <a:p>
+            <a:r>
+              <a:rPr lang="en-US" smtClean="0"/>
+              <a:t>Palle Cogburn</a:t>
+            </a:r>
+            <a:endParaRPr lang="en-US" dirty="0"/>
+          </a:p>
+        </p:txBody>
+      </p:sp>
+      <p:sp>
+        <p:nvSpPr>
+          <p:cNvPr id="5" name="Slide Number Placeholder 4"/>
+          <p:cNvSpPr>
+            <a:spLocks noGrp="1"/>
+          </p:cNvSpPr>
+          <p:nvPr>
+            <p:ph type="sldNum" sz="quarter" idx="12"/>
+          </p:nvPr>
+        </p:nvSpPr>
+        <p:spPr/>
+        <p:txBody>
+          <a:bodyPr/>
+          <a:lstStyle/>
+          <a:p>
+            <a:fld id="{8CBEA7D5-4322-4BC9-B527-2F0B772A1C61}" type="slidenum">
+              <a:rPr lang="en-US" smtClean="0"/>
+              <a:t>39</a:t>
+            </a:fld>
+            <a:endParaRPr lang="en-US" dirty="0"/>
+          </a:p>
+        </p:txBody>
+      </p:sp>
+      <p:pic>
+        <p:nvPicPr>
+          <p:cNvPr id="1026" name="Picture 2"/>
+          <p:cNvPicPr>
+            <a:picLocks noChangeAspect="1" noChangeArrowheads="1"/>
+          </p:cNvPicPr>
+          <p:nvPr/>
+        </p:nvPicPr>
+        <p:blipFill>
+          <a:blip r:embed="rId2">
+            <a:extLst>
+              <a:ext uri="{28A0092B-C50C-407E-A947-70E740481C1C}">
+                <a14:useLocalDpi xmlns:a14="http://schemas.microsoft.com/office/drawing/2010/main" val="0"/>
+              </a:ext>
+            </a:extLst>
+          </a:blip>
+          <a:srcRect/>
+          <a:stretch>
+            <a:fillRect/>
+          </a:stretch>
+        </p:blipFill>
+        <p:spPr bwMode="auto">
+          <a:xfrm>
+            <a:off x="2081213" y="1143000"/>
+            <a:ext cx="4981575" cy="5219700"/>
+          </a:xfrm>
+          <a:prstGeom prst="rect">
+            <a:avLst/>
+          </a:prstGeom>
+          <a:noFill/>
+          <a:ln>
+            <a:noFill/>
+          </a:ln>
+          <a:extLst>
+            <a:ext uri="{909E8E84-426E-40DD-AFC4-6F175D3DCCD1}">
+              <a14:hiddenFill xmlns:a14="http://schemas.microsoft.com/office/drawing/2010/main">
+                <a:solidFill>
+                  <a:schemeClr val="accent1"/>
+                </a:solidFill>
+              </a14:hiddenFill>
+            </a:ext>
+            <a:ext uri="{91240B29-F687-4F45-9708-019B960494DF}">
+              <a14:hiddenLine xmlns:a14="http://schemas.microsoft.com/office/drawing/2010/main" w="9525">
+                <a:solidFill>
+                  <a:schemeClr val="tx1"/>
+                </a:solidFill>
+                <a:miter lim="800000"/>
+                <a:headEnd/>
+                <a:tailEnd/>
+              </a14:hiddenLine>
+            </a:ext>
+          </a:extLst>
+        </p:spPr>
+      </p:pic>
+    </p:spTree>
+    <p:extLst>
+      <p:ext uri="{BB962C8B-B14F-4D97-AF65-F5344CB8AC3E}">
+        <p14:creationId xmlns:p14="http://schemas.microsoft.com/office/powerpoint/2010/main" val="3154590408"/>
+      </p:ext>
+    </p:extLst>
+  </p:cSld>
+  <p:clrMapOvr>
+    <a:masterClrMapping/>
+  </p:clrMapOvr>
+  <p:timing>
+    <p:tnLst>
+      <p:par>
+        <p:cTn id="1" dur="indefinite" restart="never" nodeType="tmRoot"/>
+      </p:par>
+    </p:tnLst>
+  </p:timing>
+</p:sld>
+</file>
+
 <file path=ppt/slides/slide4.xml><?xml version="1.0" encoding="utf-8"?>
 <p:sld xmlns:a="http://schemas.openxmlformats.org/drawingml/2006/main" xmlns:r="http://schemas.openxmlformats.org/officeDocument/2006/relationships" xmlns:p="http://schemas.openxmlformats.org/presentationml/2006/main">
   <p:cSld>
@@ -9489,7 +11441,7 @@
           <a:p>
             <a:fld id="{C04B6024-2702-49B2-98BA-BAE3D8979AA9}" type="datetime2">
               <a:rPr lang="en-US" smtClean="0"/>
-              <a:t>Monday, April 28, 2014</a:t>
+              <a:t>Friday, May 02, 2014</a:t>
             </a:fld>
             <a:endParaRPr lang="en-US" dirty="0"/>
           </a:p>
@@ -9615,6 +11567,1974 @@
 </p:sld>
 </file>
 
+<file path=ppt/slides/slide40.xml><?xml version="1.0" encoding="utf-8"?>
+<p:sld xmlns:a="http://schemas.openxmlformats.org/drawingml/2006/main" xmlns:r="http://schemas.openxmlformats.org/officeDocument/2006/relationships" xmlns:p="http://schemas.openxmlformats.org/presentationml/2006/main">
+  <p:cSld>
+    <p:spTree>
+      <p:nvGrpSpPr>
+        <p:cNvPr id="1" name=""/>
+        <p:cNvGrpSpPr/>
+        <p:nvPr/>
+      </p:nvGrpSpPr>
+      <p:grpSpPr>
+        <a:xfrm>
+          <a:off x="0" y="0"/>
+          <a:ext cx="0" cy="0"/>
+          <a:chOff x="0" y="0"/>
+          <a:chExt cx="0" cy="0"/>
+        </a:xfrm>
+      </p:grpSpPr>
+      <p:sp>
+        <p:nvSpPr>
+          <p:cNvPr id="2" name="Title 1"/>
+          <p:cNvSpPr>
+            <a:spLocks noGrp="1"/>
+          </p:cNvSpPr>
+          <p:nvPr>
+            <p:ph type="title"/>
+          </p:nvPr>
+        </p:nvSpPr>
+        <p:spPr/>
+        <p:txBody>
+          <a:bodyPr/>
+          <a:lstStyle/>
+          <a:p>
+            <a:r>
+              <a:rPr lang="en-US" dirty="0" smtClean="0"/>
+              <a:t>New Project</a:t>
+            </a:r>
+            <a:endParaRPr lang="en-US" dirty="0"/>
+          </a:p>
+        </p:txBody>
+      </p:sp>
+      <p:sp>
+        <p:nvSpPr>
+          <p:cNvPr id="3" name="Date Placeholder 2"/>
+          <p:cNvSpPr>
+            <a:spLocks noGrp="1"/>
+          </p:cNvSpPr>
+          <p:nvPr>
+            <p:ph type="dt" sz="half" idx="10"/>
+          </p:nvPr>
+        </p:nvSpPr>
+        <p:spPr/>
+        <p:txBody>
+          <a:bodyPr/>
+          <a:lstStyle/>
+          <a:p>
+            <a:fld id="{C04B6024-2702-49B2-98BA-BAE3D8979AA9}" type="datetime2">
+              <a:rPr lang="en-US" smtClean="0"/>
+              <a:t>Friday, May 02, 2014</a:t>
+            </a:fld>
+            <a:endParaRPr lang="en-US" dirty="0"/>
+          </a:p>
+        </p:txBody>
+      </p:sp>
+      <p:sp>
+        <p:nvSpPr>
+          <p:cNvPr id="4" name="Footer Placeholder 3"/>
+          <p:cNvSpPr>
+            <a:spLocks noGrp="1"/>
+          </p:cNvSpPr>
+          <p:nvPr>
+            <p:ph type="ftr" sz="quarter" idx="11"/>
+          </p:nvPr>
+        </p:nvSpPr>
+        <p:spPr/>
+        <p:txBody>
+          <a:bodyPr/>
+          <a:lstStyle/>
+          <a:p>
+            <a:r>
+              <a:rPr lang="en-US" smtClean="0"/>
+              <a:t>Palle Cogburn</a:t>
+            </a:r>
+            <a:endParaRPr lang="en-US" dirty="0"/>
+          </a:p>
+        </p:txBody>
+      </p:sp>
+      <p:sp>
+        <p:nvSpPr>
+          <p:cNvPr id="5" name="Slide Number Placeholder 4"/>
+          <p:cNvSpPr>
+            <a:spLocks noGrp="1"/>
+          </p:cNvSpPr>
+          <p:nvPr>
+            <p:ph type="sldNum" sz="quarter" idx="12"/>
+          </p:nvPr>
+        </p:nvSpPr>
+        <p:spPr/>
+        <p:txBody>
+          <a:bodyPr/>
+          <a:lstStyle/>
+          <a:p>
+            <a:fld id="{8CBEA7D5-4322-4BC9-B527-2F0B772A1C61}" type="slidenum">
+              <a:rPr lang="en-US" smtClean="0"/>
+              <a:t>40</a:t>
+            </a:fld>
+            <a:endParaRPr lang="en-US" dirty="0"/>
+          </a:p>
+        </p:txBody>
+      </p:sp>
+      <p:pic>
+        <p:nvPicPr>
+          <p:cNvPr id="2050" name="Picture 2"/>
+          <p:cNvPicPr>
+            <a:picLocks noChangeAspect="1" noChangeArrowheads="1"/>
+          </p:cNvPicPr>
+          <p:nvPr/>
+        </p:nvPicPr>
+        <p:blipFill>
+          <a:blip r:embed="rId2">
+            <a:extLst>
+              <a:ext uri="{28A0092B-C50C-407E-A947-70E740481C1C}">
+                <a14:useLocalDpi xmlns:a14="http://schemas.microsoft.com/office/drawing/2010/main" val="0"/>
+              </a:ext>
+            </a:extLst>
+          </a:blip>
+          <a:srcRect/>
+          <a:stretch>
+            <a:fillRect/>
+          </a:stretch>
+        </p:blipFill>
+        <p:spPr bwMode="auto">
+          <a:xfrm>
+            <a:off x="2362200" y="1219200"/>
+            <a:ext cx="5000625" cy="5219700"/>
+          </a:xfrm>
+          <a:prstGeom prst="rect">
+            <a:avLst/>
+          </a:prstGeom>
+          <a:noFill/>
+          <a:ln>
+            <a:noFill/>
+          </a:ln>
+          <a:extLst>
+            <a:ext uri="{909E8E84-426E-40DD-AFC4-6F175D3DCCD1}">
+              <a14:hiddenFill xmlns:a14="http://schemas.microsoft.com/office/drawing/2010/main">
+                <a:solidFill>
+                  <a:schemeClr val="accent1"/>
+                </a:solidFill>
+              </a14:hiddenFill>
+            </a:ext>
+            <a:ext uri="{91240B29-F687-4F45-9708-019B960494DF}">
+              <a14:hiddenLine xmlns:a14="http://schemas.microsoft.com/office/drawing/2010/main" w="9525">
+                <a:solidFill>
+                  <a:schemeClr val="tx1"/>
+                </a:solidFill>
+                <a:miter lim="800000"/>
+                <a:headEnd/>
+                <a:tailEnd/>
+              </a14:hiddenLine>
+            </a:ext>
+          </a:extLst>
+        </p:spPr>
+      </p:pic>
+    </p:spTree>
+    <p:extLst>
+      <p:ext uri="{BB962C8B-B14F-4D97-AF65-F5344CB8AC3E}">
+        <p14:creationId xmlns:p14="http://schemas.microsoft.com/office/powerpoint/2010/main" val="4234345307"/>
+      </p:ext>
+    </p:extLst>
+  </p:cSld>
+  <p:clrMapOvr>
+    <a:masterClrMapping/>
+  </p:clrMapOvr>
+  <p:timing>
+    <p:tnLst>
+      <p:par>
+        <p:cTn id="1" dur="indefinite" restart="never" nodeType="tmRoot"/>
+      </p:par>
+    </p:tnLst>
+  </p:timing>
+</p:sld>
+</file>
+
+<file path=ppt/slides/slide41.xml><?xml version="1.0" encoding="utf-8"?>
+<p:sld xmlns:a="http://schemas.openxmlformats.org/drawingml/2006/main" xmlns:r="http://schemas.openxmlformats.org/officeDocument/2006/relationships" xmlns:p="http://schemas.openxmlformats.org/presentationml/2006/main">
+  <p:cSld>
+    <p:spTree>
+      <p:nvGrpSpPr>
+        <p:cNvPr id="1" name=""/>
+        <p:cNvGrpSpPr/>
+        <p:nvPr/>
+      </p:nvGrpSpPr>
+      <p:grpSpPr>
+        <a:xfrm>
+          <a:off x="0" y="0"/>
+          <a:ext cx="0" cy="0"/>
+          <a:chOff x="0" y="0"/>
+          <a:chExt cx="0" cy="0"/>
+        </a:xfrm>
+      </p:grpSpPr>
+      <p:sp>
+        <p:nvSpPr>
+          <p:cNvPr id="2" name="Title 1"/>
+          <p:cNvSpPr>
+            <a:spLocks noGrp="1"/>
+          </p:cNvSpPr>
+          <p:nvPr>
+            <p:ph type="title"/>
+          </p:nvPr>
+        </p:nvSpPr>
+        <p:spPr/>
+        <p:txBody>
+          <a:bodyPr/>
+          <a:lstStyle/>
+          <a:p>
+            <a:r>
+              <a:rPr lang="en-US" dirty="0" smtClean="0"/>
+              <a:t>New Project</a:t>
+            </a:r>
+            <a:endParaRPr lang="en-US" dirty="0"/>
+          </a:p>
+        </p:txBody>
+      </p:sp>
+      <p:sp>
+        <p:nvSpPr>
+          <p:cNvPr id="3" name="Date Placeholder 2"/>
+          <p:cNvSpPr>
+            <a:spLocks noGrp="1"/>
+          </p:cNvSpPr>
+          <p:nvPr>
+            <p:ph type="dt" sz="half" idx="10"/>
+          </p:nvPr>
+        </p:nvSpPr>
+        <p:spPr/>
+        <p:txBody>
+          <a:bodyPr/>
+          <a:lstStyle/>
+          <a:p>
+            <a:fld id="{C04B6024-2702-49B2-98BA-BAE3D8979AA9}" type="datetime2">
+              <a:rPr lang="en-US" smtClean="0"/>
+              <a:t>Friday, May 02, 2014</a:t>
+            </a:fld>
+            <a:endParaRPr lang="en-US" dirty="0"/>
+          </a:p>
+        </p:txBody>
+      </p:sp>
+      <p:sp>
+        <p:nvSpPr>
+          <p:cNvPr id="4" name="Footer Placeholder 3"/>
+          <p:cNvSpPr>
+            <a:spLocks noGrp="1"/>
+          </p:cNvSpPr>
+          <p:nvPr>
+            <p:ph type="ftr" sz="quarter" idx="11"/>
+          </p:nvPr>
+        </p:nvSpPr>
+        <p:spPr/>
+        <p:txBody>
+          <a:bodyPr/>
+          <a:lstStyle/>
+          <a:p>
+            <a:r>
+              <a:rPr lang="en-US" smtClean="0"/>
+              <a:t>Palle Cogburn</a:t>
+            </a:r>
+            <a:endParaRPr lang="en-US" dirty="0"/>
+          </a:p>
+        </p:txBody>
+      </p:sp>
+      <p:sp>
+        <p:nvSpPr>
+          <p:cNvPr id="5" name="Slide Number Placeholder 4"/>
+          <p:cNvSpPr>
+            <a:spLocks noGrp="1"/>
+          </p:cNvSpPr>
+          <p:nvPr>
+            <p:ph type="sldNum" sz="quarter" idx="12"/>
+          </p:nvPr>
+        </p:nvSpPr>
+        <p:spPr/>
+        <p:txBody>
+          <a:bodyPr/>
+          <a:lstStyle/>
+          <a:p>
+            <a:fld id="{8CBEA7D5-4322-4BC9-B527-2F0B772A1C61}" type="slidenum">
+              <a:rPr lang="en-US" smtClean="0"/>
+              <a:t>41</a:t>
+            </a:fld>
+            <a:endParaRPr lang="en-US" dirty="0"/>
+          </a:p>
+        </p:txBody>
+      </p:sp>
+      <p:pic>
+        <p:nvPicPr>
+          <p:cNvPr id="3074" name="Picture 2"/>
+          <p:cNvPicPr>
+            <a:picLocks noChangeAspect="1" noChangeArrowheads="1"/>
+          </p:cNvPicPr>
+          <p:nvPr/>
+        </p:nvPicPr>
+        <p:blipFill>
+          <a:blip r:embed="rId2">
+            <a:extLst>
+              <a:ext uri="{28A0092B-C50C-407E-A947-70E740481C1C}">
+                <a14:useLocalDpi xmlns:a14="http://schemas.microsoft.com/office/drawing/2010/main" val="0"/>
+              </a:ext>
+            </a:extLst>
+          </a:blip>
+          <a:srcRect/>
+          <a:stretch>
+            <a:fillRect/>
+          </a:stretch>
+        </p:blipFill>
+        <p:spPr bwMode="auto">
+          <a:xfrm>
+            <a:off x="2209800" y="1447800"/>
+            <a:ext cx="5000625" cy="4762500"/>
+          </a:xfrm>
+          <a:prstGeom prst="rect">
+            <a:avLst/>
+          </a:prstGeom>
+          <a:noFill/>
+          <a:ln>
+            <a:noFill/>
+          </a:ln>
+          <a:extLst>
+            <a:ext uri="{909E8E84-426E-40DD-AFC4-6F175D3DCCD1}">
+              <a14:hiddenFill xmlns:a14="http://schemas.microsoft.com/office/drawing/2010/main">
+                <a:solidFill>
+                  <a:schemeClr val="accent1"/>
+                </a:solidFill>
+              </a14:hiddenFill>
+            </a:ext>
+            <a:ext uri="{91240B29-F687-4F45-9708-019B960494DF}">
+              <a14:hiddenLine xmlns:a14="http://schemas.microsoft.com/office/drawing/2010/main" w="9525">
+                <a:solidFill>
+                  <a:schemeClr val="tx1"/>
+                </a:solidFill>
+                <a:miter lim="800000"/>
+                <a:headEnd/>
+                <a:tailEnd/>
+              </a14:hiddenLine>
+            </a:ext>
+          </a:extLst>
+        </p:spPr>
+      </p:pic>
+    </p:spTree>
+    <p:extLst>
+      <p:ext uri="{BB962C8B-B14F-4D97-AF65-F5344CB8AC3E}">
+        <p14:creationId xmlns:p14="http://schemas.microsoft.com/office/powerpoint/2010/main" val="1595289906"/>
+      </p:ext>
+    </p:extLst>
+  </p:cSld>
+  <p:clrMapOvr>
+    <a:masterClrMapping/>
+  </p:clrMapOvr>
+  <p:timing>
+    <p:tnLst>
+      <p:par>
+        <p:cTn id="1" dur="indefinite" restart="never" nodeType="tmRoot"/>
+      </p:par>
+    </p:tnLst>
+  </p:timing>
+</p:sld>
+</file>
+
+<file path=ppt/slides/slide42.xml><?xml version="1.0" encoding="utf-8"?>
+<p:sld xmlns:a="http://schemas.openxmlformats.org/drawingml/2006/main" xmlns:r="http://schemas.openxmlformats.org/officeDocument/2006/relationships" xmlns:p="http://schemas.openxmlformats.org/presentationml/2006/main">
+  <p:cSld>
+    <p:spTree>
+      <p:nvGrpSpPr>
+        <p:cNvPr id="1" name=""/>
+        <p:cNvGrpSpPr/>
+        <p:nvPr/>
+      </p:nvGrpSpPr>
+      <p:grpSpPr>
+        <a:xfrm>
+          <a:off x="0" y="0"/>
+          <a:ext cx="0" cy="0"/>
+          <a:chOff x="0" y="0"/>
+          <a:chExt cx="0" cy="0"/>
+        </a:xfrm>
+      </p:grpSpPr>
+      <p:sp>
+        <p:nvSpPr>
+          <p:cNvPr id="2" name="Title 1"/>
+          <p:cNvSpPr>
+            <a:spLocks noGrp="1"/>
+          </p:cNvSpPr>
+          <p:nvPr>
+            <p:ph type="title"/>
+          </p:nvPr>
+        </p:nvSpPr>
+        <p:spPr/>
+        <p:txBody>
+          <a:bodyPr/>
+          <a:lstStyle/>
+          <a:p>
+            <a:r>
+              <a:rPr lang="en-US" dirty="0" err="1" smtClean="0"/>
+              <a:t>GitHub</a:t>
+            </a:r>
+            <a:r>
+              <a:rPr lang="en-US" dirty="0" smtClean="0"/>
+              <a:t> user name</a:t>
+            </a:r>
+            <a:endParaRPr lang="en-US" dirty="0"/>
+          </a:p>
+        </p:txBody>
+      </p:sp>
+      <p:sp>
+        <p:nvSpPr>
+          <p:cNvPr id="3" name="Date Placeholder 2"/>
+          <p:cNvSpPr>
+            <a:spLocks noGrp="1"/>
+          </p:cNvSpPr>
+          <p:nvPr>
+            <p:ph type="dt" sz="half" idx="10"/>
+          </p:nvPr>
+        </p:nvSpPr>
+        <p:spPr/>
+        <p:txBody>
+          <a:bodyPr/>
+          <a:lstStyle/>
+          <a:p>
+            <a:fld id="{C04B6024-2702-49B2-98BA-BAE3D8979AA9}" type="datetime2">
+              <a:rPr lang="en-US" smtClean="0"/>
+              <a:t>Friday, May 02, 2014</a:t>
+            </a:fld>
+            <a:endParaRPr lang="en-US" dirty="0"/>
+          </a:p>
+        </p:txBody>
+      </p:sp>
+      <p:sp>
+        <p:nvSpPr>
+          <p:cNvPr id="4" name="Footer Placeholder 3"/>
+          <p:cNvSpPr>
+            <a:spLocks noGrp="1"/>
+          </p:cNvSpPr>
+          <p:nvPr>
+            <p:ph type="ftr" sz="quarter" idx="11"/>
+          </p:nvPr>
+        </p:nvSpPr>
+        <p:spPr/>
+        <p:txBody>
+          <a:bodyPr/>
+          <a:lstStyle/>
+          <a:p>
+            <a:r>
+              <a:rPr lang="en-US" smtClean="0"/>
+              <a:t>Palle Cogburn</a:t>
+            </a:r>
+            <a:endParaRPr lang="en-US" dirty="0"/>
+          </a:p>
+        </p:txBody>
+      </p:sp>
+      <p:sp>
+        <p:nvSpPr>
+          <p:cNvPr id="5" name="Slide Number Placeholder 4"/>
+          <p:cNvSpPr>
+            <a:spLocks noGrp="1"/>
+          </p:cNvSpPr>
+          <p:nvPr>
+            <p:ph type="sldNum" sz="quarter" idx="12"/>
+          </p:nvPr>
+        </p:nvSpPr>
+        <p:spPr/>
+        <p:txBody>
+          <a:bodyPr/>
+          <a:lstStyle/>
+          <a:p>
+            <a:fld id="{8CBEA7D5-4322-4BC9-B527-2F0B772A1C61}" type="slidenum">
+              <a:rPr lang="en-US" smtClean="0"/>
+              <a:t>42</a:t>
+            </a:fld>
+            <a:endParaRPr lang="en-US" dirty="0"/>
+          </a:p>
+        </p:txBody>
+      </p:sp>
+      <p:pic>
+        <p:nvPicPr>
+          <p:cNvPr id="4099" name="Picture 3"/>
+          <p:cNvPicPr>
+            <a:picLocks noChangeAspect="1" noChangeArrowheads="1"/>
+          </p:cNvPicPr>
+          <p:nvPr/>
+        </p:nvPicPr>
+        <p:blipFill>
+          <a:blip r:embed="rId2">
+            <a:extLst>
+              <a:ext uri="{28A0092B-C50C-407E-A947-70E740481C1C}">
+                <a14:useLocalDpi xmlns:a14="http://schemas.microsoft.com/office/drawing/2010/main" val="0"/>
+              </a:ext>
+            </a:extLst>
+          </a:blip>
+          <a:srcRect/>
+          <a:stretch>
+            <a:fillRect/>
+          </a:stretch>
+        </p:blipFill>
+        <p:spPr bwMode="auto">
+          <a:xfrm>
+            <a:off x="685800" y="1752600"/>
+            <a:ext cx="3409950" cy="2171700"/>
+          </a:xfrm>
+          <a:prstGeom prst="rect">
+            <a:avLst/>
+          </a:prstGeom>
+          <a:noFill/>
+          <a:ln>
+            <a:noFill/>
+          </a:ln>
+          <a:extLst>
+            <a:ext uri="{909E8E84-426E-40DD-AFC4-6F175D3DCCD1}">
+              <a14:hiddenFill xmlns:a14="http://schemas.microsoft.com/office/drawing/2010/main">
+                <a:solidFill>
+                  <a:schemeClr val="accent1"/>
+                </a:solidFill>
+              </a14:hiddenFill>
+            </a:ext>
+            <a:ext uri="{91240B29-F687-4F45-9708-019B960494DF}">
+              <a14:hiddenLine xmlns:a14="http://schemas.microsoft.com/office/drawing/2010/main" w="9525">
+                <a:solidFill>
+                  <a:schemeClr val="tx1"/>
+                </a:solidFill>
+                <a:miter lim="800000"/>
+                <a:headEnd/>
+                <a:tailEnd/>
+              </a14:hiddenLine>
+            </a:ext>
+          </a:extLst>
+        </p:spPr>
+      </p:pic>
+    </p:spTree>
+    <p:extLst>
+      <p:ext uri="{BB962C8B-B14F-4D97-AF65-F5344CB8AC3E}">
+        <p14:creationId xmlns:p14="http://schemas.microsoft.com/office/powerpoint/2010/main" val="3396704870"/>
+      </p:ext>
+    </p:extLst>
+  </p:cSld>
+  <p:clrMapOvr>
+    <a:masterClrMapping/>
+  </p:clrMapOvr>
+  <p:timing>
+    <p:tnLst>
+      <p:par>
+        <p:cTn id="1" dur="indefinite" restart="never" nodeType="tmRoot"/>
+      </p:par>
+    </p:tnLst>
+  </p:timing>
+</p:sld>
+</file>
+
+<file path=ppt/slides/slide43.xml><?xml version="1.0" encoding="utf-8"?>
+<p:sld xmlns:a="http://schemas.openxmlformats.org/drawingml/2006/main" xmlns:r="http://schemas.openxmlformats.org/officeDocument/2006/relationships" xmlns:p="http://schemas.openxmlformats.org/presentationml/2006/main">
+  <p:cSld>
+    <p:spTree>
+      <p:nvGrpSpPr>
+        <p:cNvPr id="1" name=""/>
+        <p:cNvGrpSpPr/>
+        <p:nvPr/>
+      </p:nvGrpSpPr>
+      <p:grpSpPr>
+        <a:xfrm>
+          <a:off x="0" y="0"/>
+          <a:ext cx="0" cy="0"/>
+          <a:chOff x="0" y="0"/>
+          <a:chExt cx="0" cy="0"/>
+        </a:xfrm>
+      </p:grpSpPr>
+      <p:sp>
+        <p:nvSpPr>
+          <p:cNvPr id="2" name="Title 1"/>
+          <p:cNvSpPr>
+            <a:spLocks noGrp="1"/>
+          </p:cNvSpPr>
+          <p:nvPr>
+            <p:ph type="title"/>
+          </p:nvPr>
+        </p:nvSpPr>
+        <p:spPr/>
+        <p:txBody>
+          <a:bodyPr/>
+          <a:lstStyle/>
+          <a:p>
+            <a:r>
+              <a:rPr lang="en-US" dirty="0" smtClean="0"/>
+              <a:t>Share</a:t>
+            </a:r>
+            <a:endParaRPr lang="en-US" dirty="0"/>
+          </a:p>
+        </p:txBody>
+      </p:sp>
+      <p:sp>
+        <p:nvSpPr>
+          <p:cNvPr id="3" name="Date Placeholder 2"/>
+          <p:cNvSpPr>
+            <a:spLocks noGrp="1"/>
+          </p:cNvSpPr>
+          <p:nvPr>
+            <p:ph type="dt" sz="half" idx="10"/>
+          </p:nvPr>
+        </p:nvSpPr>
+        <p:spPr/>
+        <p:txBody>
+          <a:bodyPr/>
+          <a:lstStyle/>
+          <a:p>
+            <a:fld id="{C04B6024-2702-49B2-98BA-BAE3D8979AA9}" type="datetime2">
+              <a:rPr lang="en-US" smtClean="0"/>
+              <a:t>Friday, May 02, 2014</a:t>
+            </a:fld>
+            <a:endParaRPr lang="en-US" dirty="0"/>
+          </a:p>
+        </p:txBody>
+      </p:sp>
+      <p:sp>
+        <p:nvSpPr>
+          <p:cNvPr id="4" name="Footer Placeholder 3"/>
+          <p:cNvSpPr>
+            <a:spLocks noGrp="1"/>
+          </p:cNvSpPr>
+          <p:nvPr>
+            <p:ph type="ftr" sz="quarter" idx="11"/>
+          </p:nvPr>
+        </p:nvSpPr>
+        <p:spPr/>
+        <p:txBody>
+          <a:bodyPr/>
+          <a:lstStyle/>
+          <a:p>
+            <a:r>
+              <a:rPr lang="en-US" smtClean="0"/>
+              <a:t>Palle Cogburn</a:t>
+            </a:r>
+            <a:endParaRPr lang="en-US" dirty="0"/>
+          </a:p>
+        </p:txBody>
+      </p:sp>
+      <p:sp>
+        <p:nvSpPr>
+          <p:cNvPr id="5" name="Slide Number Placeholder 4"/>
+          <p:cNvSpPr>
+            <a:spLocks noGrp="1"/>
+          </p:cNvSpPr>
+          <p:nvPr>
+            <p:ph type="sldNum" sz="quarter" idx="12"/>
+          </p:nvPr>
+        </p:nvSpPr>
+        <p:spPr/>
+        <p:txBody>
+          <a:bodyPr/>
+          <a:lstStyle/>
+          <a:p>
+            <a:fld id="{8CBEA7D5-4322-4BC9-B527-2F0B772A1C61}" type="slidenum">
+              <a:rPr lang="en-US" smtClean="0"/>
+              <a:t>43</a:t>
+            </a:fld>
+            <a:endParaRPr lang="en-US" dirty="0"/>
+          </a:p>
+        </p:txBody>
+      </p:sp>
+      <p:pic>
+        <p:nvPicPr>
+          <p:cNvPr id="5122" name="Picture 2"/>
+          <p:cNvPicPr>
+            <a:picLocks noChangeAspect="1" noChangeArrowheads="1"/>
+          </p:cNvPicPr>
+          <p:nvPr/>
+        </p:nvPicPr>
+        <p:blipFill rotWithShape="1">
+          <a:blip r:embed="rId2">
+            <a:extLst>
+              <a:ext uri="{28A0092B-C50C-407E-A947-70E740481C1C}">
+                <a14:useLocalDpi xmlns:a14="http://schemas.microsoft.com/office/drawing/2010/main" val="0"/>
+              </a:ext>
+            </a:extLst>
+          </a:blip>
+          <a:srcRect t="80950"/>
+          <a:stretch/>
+        </p:blipFill>
+        <p:spPr bwMode="auto">
+          <a:xfrm>
+            <a:off x="1971675" y="3124200"/>
+            <a:ext cx="5200650" cy="1050608"/>
+          </a:xfrm>
+          <a:prstGeom prst="rect">
+            <a:avLst/>
+          </a:prstGeom>
+          <a:noFill/>
+          <a:ln>
+            <a:noFill/>
+          </a:ln>
+          <a:extLst>
+            <a:ext uri="{909E8E84-426E-40DD-AFC4-6F175D3DCCD1}">
+              <a14:hiddenFill xmlns:a14="http://schemas.microsoft.com/office/drawing/2010/main">
+                <a:solidFill>
+                  <a:schemeClr val="accent1"/>
+                </a:solidFill>
+              </a14:hiddenFill>
+            </a:ext>
+            <a:ext uri="{91240B29-F687-4F45-9708-019B960494DF}">
+              <a14:hiddenLine xmlns:a14="http://schemas.microsoft.com/office/drawing/2010/main" w="9525">
+                <a:solidFill>
+                  <a:schemeClr val="tx1"/>
+                </a:solidFill>
+                <a:miter lim="800000"/>
+                <a:headEnd/>
+                <a:tailEnd/>
+              </a14:hiddenLine>
+            </a:ext>
+          </a:extLst>
+        </p:spPr>
+      </p:pic>
+      <p:pic>
+        <p:nvPicPr>
+          <p:cNvPr id="7" name="Picture 2"/>
+          <p:cNvPicPr>
+            <a:picLocks noChangeAspect="1" noChangeArrowheads="1"/>
+          </p:cNvPicPr>
+          <p:nvPr/>
+        </p:nvPicPr>
+        <p:blipFill rotWithShape="1">
+          <a:blip r:embed="rId2">
+            <a:extLst>
+              <a:ext uri="{28A0092B-C50C-407E-A947-70E740481C1C}">
+                <a14:useLocalDpi xmlns:a14="http://schemas.microsoft.com/office/drawing/2010/main" val="0"/>
+              </a:ext>
+            </a:extLst>
+          </a:blip>
+          <a:srcRect t="276" b="72090"/>
+          <a:stretch/>
+        </p:blipFill>
+        <p:spPr bwMode="auto">
+          <a:xfrm>
+            <a:off x="1971675" y="1371600"/>
+            <a:ext cx="5200650" cy="1524000"/>
+          </a:xfrm>
+          <a:prstGeom prst="rect">
+            <a:avLst/>
+          </a:prstGeom>
+          <a:noFill/>
+          <a:ln>
+            <a:noFill/>
+          </a:ln>
+          <a:extLst>
+            <a:ext uri="{909E8E84-426E-40DD-AFC4-6F175D3DCCD1}">
+              <a14:hiddenFill xmlns:a14="http://schemas.microsoft.com/office/drawing/2010/main">
+                <a:solidFill>
+                  <a:schemeClr val="accent1"/>
+                </a:solidFill>
+              </a14:hiddenFill>
+            </a:ext>
+            <a:ext uri="{91240B29-F687-4F45-9708-019B960494DF}">
+              <a14:hiddenLine xmlns:a14="http://schemas.microsoft.com/office/drawing/2010/main" w="9525">
+                <a:solidFill>
+                  <a:schemeClr val="tx1"/>
+                </a:solidFill>
+                <a:miter lim="800000"/>
+                <a:headEnd/>
+                <a:tailEnd/>
+              </a14:hiddenLine>
+            </a:ext>
+          </a:extLst>
+        </p:spPr>
+      </p:pic>
+    </p:spTree>
+    <p:extLst>
+      <p:ext uri="{BB962C8B-B14F-4D97-AF65-F5344CB8AC3E}">
+        <p14:creationId xmlns:p14="http://schemas.microsoft.com/office/powerpoint/2010/main" val="418677685"/>
+      </p:ext>
+    </p:extLst>
+  </p:cSld>
+  <p:clrMapOvr>
+    <a:masterClrMapping/>
+  </p:clrMapOvr>
+  <p:timing>
+    <p:tnLst>
+      <p:par>
+        <p:cTn id="1" dur="indefinite" restart="never" nodeType="tmRoot"/>
+      </p:par>
+    </p:tnLst>
+  </p:timing>
+</p:sld>
+</file>
+
+<file path=ppt/slides/slide44.xml><?xml version="1.0" encoding="utf-8"?>
+<p:sld xmlns:a="http://schemas.openxmlformats.org/drawingml/2006/main" xmlns:r="http://schemas.openxmlformats.org/officeDocument/2006/relationships" xmlns:p="http://schemas.openxmlformats.org/presentationml/2006/main">
+  <p:cSld>
+    <p:spTree>
+      <p:nvGrpSpPr>
+        <p:cNvPr id="1" name=""/>
+        <p:cNvGrpSpPr/>
+        <p:nvPr/>
+      </p:nvGrpSpPr>
+      <p:grpSpPr>
+        <a:xfrm>
+          <a:off x="0" y="0"/>
+          <a:ext cx="0" cy="0"/>
+          <a:chOff x="0" y="0"/>
+          <a:chExt cx="0" cy="0"/>
+        </a:xfrm>
+      </p:grpSpPr>
+      <p:sp>
+        <p:nvSpPr>
+          <p:cNvPr id="2" name="Title 1"/>
+          <p:cNvSpPr>
+            <a:spLocks noGrp="1"/>
+          </p:cNvSpPr>
+          <p:nvPr>
+            <p:ph type="title"/>
+          </p:nvPr>
+        </p:nvSpPr>
+        <p:spPr/>
+        <p:txBody>
+          <a:bodyPr/>
+          <a:lstStyle/>
+          <a:p>
+            <a:r>
+              <a:rPr lang="en-US" dirty="0" smtClean="0"/>
+              <a:t>On </a:t>
+            </a:r>
+            <a:r>
+              <a:rPr lang="en-US" dirty="0" err="1" smtClean="0"/>
+              <a:t>Github</a:t>
+            </a:r>
+            <a:endParaRPr lang="en-US" dirty="0"/>
+          </a:p>
+        </p:txBody>
+      </p:sp>
+      <p:sp>
+        <p:nvSpPr>
+          <p:cNvPr id="3" name="Date Placeholder 2"/>
+          <p:cNvSpPr>
+            <a:spLocks noGrp="1"/>
+          </p:cNvSpPr>
+          <p:nvPr>
+            <p:ph type="dt" sz="half" idx="10"/>
+          </p:nvPr>
+        </p:nvSpPr>
+        <p:spPr/>
+        <p:txBody>
+          <a:bodyPr/>
+          <a:lstStyle/>
+          <a:p>
+            <a:fld id="{C04B6024-2702-49B2-98BA-BAE3D8979AA9}" type="datetime2">
+              <a:rPr lang="en-US" smtClean="0"/>
+              <a:t>Friday, May 02, 2014</a:t>
+            </a:fld>
+            <a:endParaRPr lang="en-US" dirty="0"/>
+          </a:p>
+        </p:txBody>
+      </p:sp>
+      <p:sp>
+        <p:nvSpPr>
+          <p:cNvPr id="4" name="Footer Placeholder 3"/>
+          <p:cNvSpPr>
+            <a:spLocks noGrp="1"/>
+          </p:cNvSpPr>
+          <p:nvPr>
+            <p:ph type="ftr" sz="quarter" idx="11"/>
+          </p:nvPr>
+        </p:nvSpPr>
+        <p:spPr/>
+        <p:txBody>
+          <a:bodyPr/>
+          <a:lstStyle/>
+          <a:p>
+            <a:r>
+              <a:rPr lang="en-US" smtClean="0"/>
+              <a:t>Palle Cogburn</a:t>
+            </a:r>
+            <a:endParaRPr lang="en-US" dirty="0"/>
+          </a:p>
+        </p:txBody>
+      </p:sp>
+      <p:sp>
+        <p:nvSpPr>
+          <p:cNvPr id="5" name="Slide Number Placeholder 4"/>
+          <p:cNvSpPr>
+            <a:spLocks noGrp="1"/>
+          </p:cNvSpPr>
+          <p:nvPr>
+            <p:ph type="sldNum" sz="quarter" idx="12"/>
+          </p:nvPr>
+        </p:nvSpPr>
+        <p:spPr/>
+        <p:txBody>
+          <a:bodyPr/>
+          <a:lstStyle/>
+          <a:p>
+            <a:fld id="{8CBEA7D5-4322-4BC9-B527-2F0B772A1C61}" type="slidenum">
+              <a:rPr lang="en-US" smtClean="0"/>
+              <a:t>44</a:t>
+            </a:fld>
+            <a:endParaRPr lang="en-US" dirty="0"/>
+          </a:p>
+        </p:txBody>
+      </p:sp>
+      <p:pic>
+        <p:nvPicPr>
+          <p:cNvPr id="1026" name="Picture 2"/>
+          <p:cNvPicPr>
+            <a:picLocks noChangeAspect="1" noChangeArrowheads="1"/>
+          </p:cNvPicPr>
+          <p:nvPr/>
+        </p:nvPicPr>
+        <p:blipFill>
+          <a:blip r:embed="rId2">
+            <a:extLst>
+              <a:ext uri="{28A0092B-C50C-407E-A947-70E740481C1C}">
+                <a14:useLocalDpi xmlns:a14="http://schemas.microsoft.com/office/drawing/2010/main" val="0"/>
+              </a:ext>
+            </a:extLst>
+          </a:blip>
+          <a:srcRect/>
+          <a:stretch>
+            <a:fillRect/>
+          </a:stretch>
+        </p:blipFill>
+        <p:spPr bwMode="auto">
+          <a:xfrm>
+            <a:off x="2071688" y="1371600"/>
+            <a:ext cx="5000625" cy="4114800"/>
+          </a:xfrm>
+          <a:prstGeom prst="rect">
+            <a:avLst/>
+          </a:prstGeom>
+          <a:noFill/>
+          <a:ln>
+            <a:noFill/>
+          </a:ln>
+          <a:extLst>
+            <a:ext uri="{909E8E84-426E-40DD-AFC4-6F175D3DCCD1}">
+              <a14:hiddenFill xmlns:a14="http://schemas.microsoft.com/office/drawing/2010/main">
+                <a:solidFill>
+                  <a:schemeClr val="accent1"/>
+                </a:solidFill>
+              </a14:hiddenFill>
+            </a:ext>
+            <a:ext uri="{91240B29-F687-4F45-9708-019B960494DF}">
+              <a14:hiddenLine xmlns:a14="http://schemas.microsoft.com/office/drawing/2010/main" w="9525">
+                <a:solidFill>
+                  <a:schemeClr val="tx1"/>
+                </a:solidFill>
+                <a:miter lim="800000"/>
+                <a:headEnd/>
+                <a:tailEnd/>
+              </a14:hiddenLine>
+            </a:ext>
+          </a:extLst>
+        </p:spPr>
+      </p:pic>
+    </p:spTree>
+    <p:extLst>
+      <p:ext uri="{BB962C8B-B14F-4D97-AF65-F5344CB8AC3E}">
+        <p14:creationId xmlns:p14="http://schemas.microsoft.com/office/powerpoint/2010/main" val="2477919990"/>
+      </p:ext>
+    </p:extLst>
+  </p:cSld>
+  <p:clrMapOvr>
+    <a:masterClrMapping/>
+  </p:clrMapOvr>
+  <p:timing>
+    <p:tnLst>
+      <p:par>
+        <p:cTn id="1" dur="indefinite" restart="never" nodeType="tmRoot"/>
+      </p:par>
+    </p:tnLst>
+  </p:timing>
+</p:sld>
+</file>
+
+<file path=ppt/slides/slide45.xml><?xml version="1.0" encoding="utf-8"?>
+<p:sld xmlns:a="http://schemas.openxmlformats.org/drawingml/2006/main" xmlns:r="http://schemas.openxmlformats.org/officeDocument/2006/relationships" xmlns:p="http://schemas.openxmlformats.org/presentationml/2006/main">
+  <p:cSld>
+    <p:spTree>
+      <p:nvGrpSpPr>
+        <p:cNvPr id="1" name=""/>
+        <p:cNvGrpSpPr/>
+        <p:nvPr/>
+      </p:nvGrpSpPr>
+      <p:grpSpPr>
+        <a:xfrm>
+          <a:off x="0" y="0"/>
+          <a:ext cx="0" cy="0"/>
+          <a:chOff x="0" y="0"/>
+          <a:chExt cx="0" cy="0"/>
+        </a:xfrm>
+      </p:grpSpPr>
+      <p:sp>
+        <p:nvSpPr>
+          <p:cNvPr id="2" name="Title 1"/>
+          <p:cNvSpPr>
+            <a:spLocks noGrp="1"/>
+          </p:cNvSpPr>
+          <p:nvPr>
+            <p:ph type="title"/>
+          </p:nvPr>
+        </p:nvSpPr>
+        <p:spPr/>
+        <p:txBody>
+          <a:bodyPr/>
+          <a:lstStyle/>
+          <a:p>
+            <a:r>
+              <a:rPr lang="en-US" dirty="0" smtClean="0"/>
+              <a:t>On </a:t>
+            </a:r>
+            <a:r>
+              <a:rPr lang="en-US" dirty="0" err="1" smtClean="0"/>
+              <a:t>Github</a:t>
+            </a:r>
+            <a:endParaRPr lang="en-US" dirty="0"/>
+          </a:p>
+        </p:txBody>
+      </p:sp>
+      <p:sp>
+        <p:nvSpPr>
+          <p:cNvPr id="3" name="Date Placeholder 2"/>
+          <p:cNvSpPr>
+            <a:spLocks noGrp="1"/>
+          </p:cNvSpPr>
+          <p:nvPr>
+            <p:ph type="dt" sz="half" idx="10"/>
+          </p:nvPr>
+        </p:nvSpPr>
+        <p:spPr/>
+        <p:txBody>
+          <a:bodyPr/>
+          <a:lstStyle/>
+          <a:p>
+            <a:fld id="{C04B6024-2702-49B2-98BA-BAE3D8979AA9}" type="datetime2">
+              <a:rPr lang="en-US" smtClean="0"/>
+              <a:t>Friday, May 02, 2014</a:t>
+            </a:fld>
+            <a:endParaRPr lang="en-US" dirty="0"/>
+          </a:p>
+        </p:txBody>
+      </p:sp>
+      <p:sp>
+        <p:nvSpPr>
+          <p:cNvPr id="4" name="Footer Placeholder 3"/>
+          <p:cNvSpPr>
+            <a:spLocks noGrp="1"/>
+          </p:cNvSpPr>
+          <p:nvPr>
+            <p:ph type="ftr" sz="quarter" idx="11"/>
+          </p:nvPr>
+        </p:nvSpPr>
+        <p:spPr/>
+        <p:txBody>
+          <a:bodyPr/>
+          <a:lstStyle/>
+          <a:p>
+            <a:r>
+              <a:rPr lang="en-US" smtClean="0"/>
+              <a:t>Palle Cogburn</a:t>
+            </a:r>
+            <a:endParaRPr lang="en-US" dirty="0"/>
+          </a:p>
+        </p:txBody>
+      </p:sp>
+      <p:sp>
+        <p:nvSpPr>
+          <p:cNvPr id="5" name="Slide Number Placeholder 4"/>
+          <p:cNvSpPr>
+            <a:spLocks noGrp="1"/>
+          </p:cNvSpPr>
+          <p:nvPr>
+            <p:ph type="sldNum" sz="quarter" idx="12"/>
+          </p:nvPr>
+        </p:nvSpPr>
+        <p:spPr/>
+        <p:txBody>
+          <a:bodyPr/>
+          <a:lstStyle/>
+          <a:p>
+            <a:fld id="{8CBEA7D5-4322-4BC9-B527-2F0B772A1C61}" type="slidenum">
+              <a:rPr lang="en-US" smtClean="0"/>
+              <a:t>45</a:t>
+            </a:fld>
+            <a:endParaRPr lang="en-US" dirty="0"/>
+          </a:p>
+        </p:txBody>
+      </p:sp>
+      <p:pic>
+        <p:nvPicPr>
+          <p:cNvPr id="2050" name="Picture 2"/>
+          <p:cNvPicPr>
+            <a:picLocks noChangeAspect="1" noChangeArrowheads="1"/>
+          </p:cNvPicPr>
+          <p:nvPr/>
+        </p:nvPicPr>
+        <p:blipFill>
+          <a:blip r:embed="rId2">
+            <a:extLst>
+              <a:ext uri="{28A0092B-C50C-407E-A947-70E740481C1C}">
+                <a14:useLocalDpi xmlns:a14="http://schemas.microsoft.com/office/drawing/2010/main" val="0"/>
+              </a:ext>
+            </a:extLst>
+          </a:blip>
+          <a:srcRect/>
+          <a:stretch>
+            <a:fillRect/>
+          </a:stretch>
+        </p:blipFill>
+        <p:spPr bwMode="auto">
+          <a:xfrm>
+            <a:off x="966788" y="1295400"/>
+            <a:ext cx="7210425" cy="4733925"/>
+          </a:xfrm>
+          <a:prstGeom prst="rect">
+            <a:avLst/>
+          </a:prstGeom>
+          <a:noFill/>
+          <a:ln>
+            <a:noFill/>
+          </a:ln>
+          <a:extLst>
+            <a:ext uri="{909E8E84-426E-40DD-AFC4-6F175D3DCCD1}">
+              <a14:hiddenFill xmlns:a14="http://schemas.microsoft.com/office/drawing/2010/main">
+                <a:solidFill>
+                  <a:schemeClr val="accent1"/>
+                </a:solidFill>
+              </a14:hiddenFill>
+            </a:ext>
+            <a:ext uri="{91240B29-F687-4F45-9708-019B960494DF}">
+              <a14:hiddenLine xmlns:a14="http://schemas.microsoft.com/office/drawing/2010/main" w="9525">
+                <a:solidFill>
+                  <a:schemeClr val="tx1"/>
+                </a:solidFill>
+                <a:miter lim="800000"/>
+                <a:headEnd/>
+                <a:tailEnd/>
+              </a14:hiddenLine>
+            </a:ext>
+          </a:extLst>
+        </p:spPr>
+      </p:pic>
+    </p:spTree>
+    <p:extLst>
+      <p:ext uri="{BB962C8B-B14F-4D97-AF65-F5344CB8AC3E}">
+        <p14:creationId xmlns:p14="http://schemas.microsoft.com/office/powerpoint/2010/main" val="1966441553"/>
+      </p:ext>
+    </p:extLst>
+  </p:cSld>
+  <p:clrMapOvr>
+    <a:masterClrMapping/>
+  </p:clrMapOvr>
+  <p:timing>
+    <p:tnLst>
+      <p:par>
+        <p:cTn id="1" dur="indefinite" restart="never" nodeType="tmRoot"/>
+      </p:par>
+    </p:tnLst>
+  </p:timing>
+</p:sld>
+</file>
+
+<file path=ppt/slides/slide46.xml><?xml version="1.0" encoding="utf-8"?>
+<p:sld xmlns:a="http://schemas.openxmlformats.org/drawingml/2006/main" xmlns:r="http://schemas.openxmlformats.org/officeDocument/2006/relationships" xmlns:p="http://schemas.openxmlformats.org/presentationml/2006/main">
+  <p:cSld>
+    <p:spTree>
+      <p:nvGrpSpPr>
+        <p:cNvPr id="1" name=""/>
+        <p:cNvGrpSpPr/>
+        <p:nvPr/>
+      </p:nvGrpSpPr>
+      <p:grpSpPr>
+        <a:xfrm>
+          <a:off x="0" y="0"/>
+          <a:ext cx="0" cy="0"/>
+          <a:chOff x="0" y="0"/>
+          <a:chExt cx="0" cy="0"/>
+        </a:xfrm>
+      </p:grpSpPr>
+      <p:sp>
+        <p:nvSpPr>
+          <p:cNvPr id="2" name="Title 1"/>
+          <p:cNvSpPr>
+            <a:spLocks noGrp="1"/>
+          </p:cNvSpPr>
+          <p:nvPr>
+            <p:ph type="title"/>
+          </p:nvPr>
+        </p:nvSpPr>
+        <p:spPr/>
+        <p:txBody>
+          <a:bodyPr/>
+          <a:lstStyle/>
+          <a:p>
+            <a:r>
+              <a:rPr lang="en-US" dirty="0" smtClean="0"/>
+              <a:t>Push</a:t>
+            </a:r>
+            <a:endParaRPr lang="en-US" dirty="0"/>
+          </a:p>
+        </p:txBody>
+      </p:sp>
+      <p:sp>
+        <p:nvSpPr>
+          <p:cNvPr id="3" name="Date Placeholder 2"/>
+          <p:cNvSpPr>
+            <a:spLocks noGrp="1"/>
+          </p:cNvSpPr>
+          <p:nvPr>
+            <p:ph type="dt" sz="half" idx="10"/>
+          </p:nvPr>
+        </p:nvSpPr>
+        <p:spPr/>
+        <p:txBody>
+          <a:bodyPr/>
+          <a:lstStyle/>
+          <a:p>
+            <a:fld id="{C04B6024-2702-49B2-98BA-BAE3D8979AA9}" type="datetime2">
+              <a:rPr lang="en-US" smtClean="0"/>
+              <a:t>Friday, May 02, 2014</a:t>
+            </a:fld>
+            <a:endParaRPr lang="en-US" dirty="0"/>
+          </a:p>
+        </p:txBody>
+      </p:sp>
+      <p:sp>
+        <p:nvSpPr>
+          <p:cNvPr id="4" name="Footer Placeholder 3"/>
+          <p:cNvSpPr>
+            <a:spLocks noGrp="1"/>
+          </p:cNvSpPr>
+          <p:nvPr>
+            <p:ph type="ftr" sz="quarter" idx="11"/>
+          </p:nvPr>
+        </p:nvSpPr>
+        <p:spPr/>
+        <p:txBody>
+          <a:bodyPr/>
+          <a:lstStyle/>
+          <a:p>
+            <a:r>
+              <a:rPr lang="en-US" smtClean="0"/>
+              <a:t>Palle Cogburn</a:t>
+            </a:r>
+            <a:endParaRPr lang="en-US" dirty="0"/>
+          </a:p>
+        </p:txBody>
+      </p:sp>
+      <p:sp>
+        <p:nvSpPr>
+          <p:cNvPr id="5" name="Slide Number Placeholder 4"/>
+          <p:cNvSpPr>
+            <a:spLocks noGrp="1"/>
+          </p:cNvSpPr>
+          <p:nvPr>
+            <p:ph type="sldNum" sz="quarter" idx="12"/>
+          </p:nvPr>
+        </p:nvSpPr>
+        <p:spPr/>
+        <p:txBody>
+          <a:bodyPr/>
+          <a:lstStyle/>
+          <a:p>
+            <a:fld id="{8CBEA7D5-4322-4BC9-B527-2F0B772A1C61}" type="slidenum">
+              <a:rPr lang="en-US" smtClean="0"/>
+              <a:t>46</a:t>
+            </a:fld>
+            <a:endParaRPr lang="en-US" dirty="0"/>
+          </a:p>
+        </p:txBody>
+      </p:sp>
+      <p:pic>
+        <p:nvPicPr>
+          <p:cNvPr id="3074" name="Picture 2"/>
+          <p:cNvPicPr>
+            <a:picLocks noChangeAspect="1" noChangeArrowheads="1"/>
+          </p:cNvPicPr>
+          <p:nvPr/>
+        </p:nvPicPr>
+        <p:blipFill>
+          <a:blip r:embed="rId2">
+            <a:extLst>
+              <a:ext uri="{28A0092B-C50C-407E-A947-70E740481C1C}">
+                <a14:useLocalDpi xmlns:a14="http://schemas.microsoft.com/office/drawing/2010/main" val="0"/>
+              </a:ext>
+            </a:extLst>
+          </a:blip>
+          <a:srcRect/>
+          <a:stretch>
+            <a:fillRect/>
+          </a:stretch>
+        </p:blipFill>
+        <p:spPr bwMode="auto">
+          <a:xfrm>
+            <a:off x="2743200" y="1481884"/>
+            <a:ext cx="4405313" cy="4690315"/>
+          </a:xfrm>
+          <a:prstGeom prst="rect">
+            <a:avLst/>
+          </a:prstGeom>
+          <a:noFill/>
+          <a:ln>
+            <a:noFill/>
+          </a:ln>
+          <a:extLst>
+            <a:ext uri="{909E8E84-426E-40DD-AFC4-6F175D3DCCD1}">
+              <a14:hiddenFill xmlns:a14="http://schemas.microsoft.com/office/drawing/2010/main">
+                <a:solidFill>
+                  <a:schemeClr val="accent1"/>
+                </a:solidFill>
+              </a14:hiddenFill>
+            </a:ext>
+            <a:ext uri="{91240B29-F687-4F45-9708-019B960494DF}">
+              <a14:hiddenLine xmlns:a14="http://schemas.microsoft.com/office/drawing/2010/main" w="9525">
+                <a:solidFill>
+                  <a:schemeClr val="tx1"/>
+                </a:solidFill>
+                <a:miter lim="800000"/>
+                <a:headEnd/>
+                <a:tailEnd/>
+              </a14:hiddenLine>
+            </a:ext>
+          </a:extLst>
+        </p:spPr>
+      </p:pic>
+    </p:spTree>
+    <p:extLst>
+      <p:ext uri="{BB962C8B-B14F-4D97-AF65-F5344CB8AC3E}">
+        <p14:creationId xmlns:p14="http://schemas.microsoft.com/office/powerpoint/2010/main" val="3666636276"/>
+      </p:ext>
+    </p:extLst>
+  </p:cSld>
+  <p:clrMapOvr>
+    <a:masterClrMapping/>
+  </p:clrMapOvr>
+  <p:timing>
+    <p:tnLst>
+      <p:par>
+        <p:cTn id="1" dur="indefinite" restart="never" nodeType="tmRoot"/>
+      </p:par>
+    </p:tnLst>
+  </p:timing>
+</p:sld>
+</file>
+
+<file path=ppt/slides/slide47.xml><?xml version="1.0" encoding="utf-8"?>
+<p:sld xmlns:a="http://schemas.openxmlformats.org/drawingml/2006/main" xmlns:r="http://schemas.openxmlformats.org/officeDocument/2006/relationships" xmlns:p="http://schemas.openxmlformats.org/presentationml/2006/main">
+  <p:cSld>
+    <p:spTree>
+      <p:nvGrpSpPr>
+        <p:cNvPr id="1" name=""/>
+        <p:cNvGrpSpPr/>
+        <p:nvPr/>
+      </p:nvGrpSpPr>
+      <p:grpSpPr>
+        <a:xfrm>
+          <a:off x="0" y="0"/>
+          <a:ext cx="0" cy="0"/>
+          <a:chOff x="0" y="0"/>
+          <a:chExt cx="0" cy="0"/>
+        </a:xfrm>
+      </p:grpSpPr>
+      <p:sp>
+        <p:nvSpPr>
+          <p:cNvPr id="2" name="Title 1"/>
+          <p:cNvSpPr>
+            <a:spLocks noGrp="1"/>
+          </p:cNvSpPr>
+          <p:nvPr>
+            <p:ph type="title"/>
+          </p:nvPr>
+        </p:nvSpPr>
+        <p:spPr/>
+        <p:txBody>
+          <a:bodyPr/>
+          <a:lstStyle/>
+          <a:p>
+            <a:r>
+              <a:rPr lang="en-US" dirty="0" smtClean="0"/>
+              <a:t>Push</a:t>
+            </a:r>
+            <a:endParaRPr lang="en-US" dirty="0"/>
+          </a:p>
+        </p:txBody>
+      </p:sp>
+      <p:sp>
+        <p:nvSpPr>
+          <p:cNvPr id="3" name="Date Placeholder 2"/>
+          <p:cNvSpPr>
+            <a:spLocks noGrp="1"/>
+          </p:cNvSpPr>
+          <p:nvPr>
+            <p:ph type="dt" sz="half" idx="10"/>
+          </p:nvPr>
+        </p:nvSpPr>
+        <p:spPr/>
+        <p:txBody>
+          <a:bodyPr/>
+          <a:lstStyle/>
+          <a:p>
+            <a:fld id="{C04B6024-2702-49B2-98BA-BAE3D8979AA9}" type="datetime2">
+              <a:rPr lang="en-US" smtClean="0"/>
+              <a:t>Friday, May 02, 2014</a:t>
+            </a:fld>
+            <a:endParaRPr lang="en-US" dirty="0"/>
+          </a:p>
+        </p:txBody>
+      </p:sp>
+      <p:sp>
+        <p:nvSpPr>
+          <p:cNvPr id="4" name="Footer Placeholder 3"/>
+          <p:cNvSpPr>
+            <a:spLocks noGrp="1"/>
+          </p:cNvSpPr>
+          <p:nvPr>
+            <p:ph type="ftr" sz="quarter" idx="11"/>
+          </p:nvPr>
+        </p:nvSpPr>
+        <p:spPr/>
+        <p:txBody>
+          <a:bodyPr/>
+          <a:lstStyle/>
+          <a:p>
+            <a:r>
+              <a:rPr lang="en-US" smtClean="0"/>
+              <a:t>Palle Cogburn</a:t>
+            </a:r>
+            <a:endParaRPr lang="en-US" dirty="0"/>
+          </a:p>
+        </p:txBody>
+      </p:sp>
+      <p:sp>
+        <p:nvSpPr>
+          <p:cNvPr id="5" name="Slide Number Placeholder 4"/>
+          <p:cNvSpPr>
+            <a:spLocks noGrp="1"/>
+          </p:cNvSpPr>
+          <p:nvPr>
+            <p:ph type="sldNum" sz="quarter" idx="12"/>
+          </p:nvPr>
+        </p:nvSpPr>
+        <p:spPr/>
+        <p:txBody>
+          <a:bodyPr/>
+          <a:lstStyle/>
+          <a:p>
+            <a:fld id="{8CBEA7D5-4322-4BC9-B527-2F0B772A1C61}" type="slidenum">
+              <a:rPr lang="en-US" smtClean="0"/>
+              <a:t>47</a:t>
+            </a:fld>
+            <a:endParaRPr lang="en-US" dirty="0"/>
+          </a:p>
+        </p:txBody>
+      </p:sp>
+      <p:pic>
+        <p:nvPicPr>
+          <p:cNvPr id="4098" name="Picture 2"/>
+          <p:cNvPicPr>
+            <a:picLocks noChangeAspect="1" noChangeArrowheads="1"/>
+          </p:cNvPicPr>
+          <p:nvPr/>
+        </p:nvPicPr>
+        <p:blipFill>
+          <a:blip r:embed="rId2">
+            <a:extLst>
+              <a:ext uri="{28A0092B-C50C-407E-A947-70E740481C1C}">
+                <a14:useLocalDpi xmlns:a14="http://schemas.microsoft.com/office/drawing/2010/main" val="0"/>
+              </a:ext>
+            </a:extLst>
+          </a:blip>
+          <a:srcRect/>
+          <a:stretch>
+            <a:fillRect/>
+          </a:stretch>
+        </p:blipFill>
+        <p:spPr bwMode="auto">
+          <a:xfrm>
+            <a:off x="3105150" y="1362075"/>
+            <a:ext cx="2933700" cy="4133850"/>
+          </a:xfrm>
+          <a:prstGeom prst="rect">
+            <a:avLst/>
+          </a:prstGeom>
+          <a:noFill/>
+          <a:ln>
+            <a:noFill/>
+          </a:ln>
+          <a:extLst>
+            <a:ext uri="{909E8E84-426E-40DD-AFC4-6F175D3DCCD1}">
+              <a14:hiddenFill xmlns:a14="http://schemas.microsoft.com/office/drawing/2010/main">
+                <a:solidFill>
+                  <a:schemeClr val="accent1"/>
+                </a:solidFill>
+              </a14:hiddenFill>
+            </a:ext>
+            <a:ext uri="{91240B29-F687-4F45-9708-019B960494DF}">
+              <a14:hiddenLine xmlns:a14="http://schemas.microsoft.com/office/drawing/2010/main" w="9525">
+                <a:solidFill>
+                  <a:schemeClr val="tx1"/>
+                </a:solidFill>
+                <a:miter lim="800000"/>
+                <a:headEnd/>
+                <a:tailEnd/>
+              </a14:hiddenLine>
+            </a:ext>
+          </a:extLst>
+        </p:spPr>
+      </p:pic>
+    </p:spTree>
+    <p:extLst>
+      <p:ext uri="{BB962C8B-B14F-4D97-AF65-F5344CB8AC3E}">
+        <p14:creationId xmlns:p14="http://schemas.microsoft.com/office/powerpoint/2010/main" val="679683882"/>
+      </p:ext>
+    </p:extLst>
+  </p:cSld>
+  <p:clrMapOvr>
+    <a:masterClrMapping/>
+  </p:clrMapOvr>
+  <p:timing>
+    <p:tnLst>
+      <p:par>
+        <p:cTn id="1" dur="indefinite" restart="never" nodeType="tmRoot"/>
+      </p:par>
+    </p:tnLst>
+  </p:timing>
+</p:sld>
+</file>
+
+<file path=ppt/slides/slide48.xml><?xml version="1.0" encoding="utf-8"?>
+<p:sld xmlns:a="http://schemas.openxmlformats.org/drawingml/2006/main" xmlns:r="http://schemas.openxmlformats.org/officeDocument/2006/relationships" xmlns:p="http://schemas.openxmlformats.org/presentationml/2006/main">
+  <p:cSld>
+    <p:spTree>
+      <p:nvGrpSpPr>
+        <p:cNvPr id="1" name=""/>
+        <p:cNvGrpSpPr/>
+        <p:nvPr/>
+      </p:nvGrpSpPr>
+      <p:grpSpPr>
+        <a:xfrm>
+          <a:off x="0" y="0"/>
+          <a:ext cx="0" cy="0"/>
+          <a:chOff x="0" y="0"/>
+          <a:chExt cx="0" cy="0"/>
+        </a:xfrm>
+      </p:grpSpPr>
+      <p:sp>
+        <p:nvSpPr>
+          <p:cNvPr id="2" name="Title 1"/>
+          <p:cNvSpPr>
+            <a:spLocks noGrp="1"/>
+          </p:cNvSpPr>
+          <p:nvPr>
+            <p:ph type="title"/>
+          </p:nvPr>
+        </p:nvSpPr>
+        <p:spPr/>
+        <p:txBody>
+          <a:bodyPr/>
+          <a:lstStyle/>
+          <a:p>
+            <a:r>
+              <a:rPr lang="en-US" dirty="0" smtClean="0"/>
+              <a:t>Push</a:t>
+            </a:r>
+            <a:endParaRPr lang="en-US" dirty="0"/>
+          </a:p>
+        </p:txBody>
+      </p:sp>
+      <p:sp>
+        <p:nvSpPr>
+          <p:cNvPr id="3" name="Date Placeholder 2"/>
+          <p:cNvSpPr>
+            <a:spLocks noGrp="1"/>
+          </p:cNvSpPr>
+          <p:nvPr>
+            <p:ph type="dt" sz="half" idx="10"/>
+          </p:nvPr>
+        </p:nvSpPr>
+        <p:spPr/>
+        <p:txBody>
+          <a:bodyPr/>
+          <a:lstStyle/>
+          <a:p>
+            <a:fld id="{C04B6024-2702-49B2-98BA-BAE3D8979AA9}" type="datetime2">
+              <a:rPr lang="en-US" smtClean="0"/>
+              <a:t>Friday, May 02, 2014</a:t>
+            </a:fld>
+            <a:endParaRPr lang="en-US" dirty="0"/>
+          </a:p>
+        </p:txBody>
+      </p:sp>
+      <p:sp>
+        <p:nvSpPr>
+          <p:cNvPr id="4" name="Footer Placeholder 3"/>
+          <p:cNvSpPr>
+            <a:spLocks noGrp="1"/>
+          </p:cNvSpPr>
+          <p:nvPr>
+            <p:ph type="ftr" sz="quarter" idx="11"/>
+          </p:nvPr>
+        </p:nvSpPr>
+        <p:spPr/>
+        <p:txBody>
+          <a:bodyPr/>
+          <a:lstStyle/>
+          <a:p>
+            <a:r>
+              <a:rPr lang="en-US" smtClean="0"/>
+              <a:t>Palle Cogburn</a:t>
+            </a:r>
+            <a:endParaRPr lang="en-US" dirty="0"/>
+          </a:p>
+        </p:txBody>
+      </p:sp>
+      <p:sp>
+        <p:nvSpPr>
+          <p:cNvPr id="5" name="Slide Number Placeholder 4"/>
+          <p:cNvSpPr>
+            <a:spLocks noGrp="1"/>
+          </p:cNvSpPr>
+          <p:nvPr>
+            <p:ph type="sldNum" sz="quarter" idx="12"/>
+          </p:nvPr>
+        </p:nvSpPr>
+        <p:spPr/>
+        <p:txBody>
+          <a:bodyPr/>
+          <a:lstStyle/>
+          <a:p>
+            <a:fld id="{8CBEA7D5-4322-4BC9-B527-2F0B772A1C61}" type="slidenum">
+              <a:rPr lang="en-US" smtClean="0"/>
+              <a:t>48</a:t>
+            </a:fld>
+            <a:endParaRPr lang="en-US" dirty="0"/>
+          </a:p>
+        </p:txBody>
+      </p:sp>
+      <p:pic>
+        <p:nvPicPr>
+          <p:cNvPr id="5122" name="Picture 2"/>
+          <p:cNvPicPr>
+            <a:picLocks noChangeAspect="1" noChangeArrowheads="1"/>
+          </p:cNvPicPr>
+          <p:nvPr/>
+        </p:nvPicPr>
+        <p:blipFill>
+          <a:blip r:embed="rId2">
+            <a:extLst>
+              <a:ext uri="{28A0092B-C50C-407E-A947-70E740481C1C}">
+                <a14:useLocalDpi xmlns:a14="http://schemas.microsoft.com/office/drawing/2010/main" val="0"/>
+              </a:ext>
+            </a:extLst>
+          </a:blip>
+          <a:srcRect/>
+          <a:stretch>
+            <a:fillRect/>
+          </a:stretch>
+        </p:blipFill>
+        <p:spPr bwMode="auto">
+          <a:xfrm>
+            <a:off x="1900238" y="1814513"/>
+            <a:ext cx="5343525" cy="3228975"/>
+          </a:xfrm>
+          <a:prstGeom prst="rect">
+            <a:avLst/>
+          </a:prstGeom>
+          <a:noFill/>
+          <a:ln>
+            <a:noFill/>
+          </a:ln>
+          <a:extLst>
+            <a:ext uri="{909E8E84-426E-40DD-AFC4-6F175D3DCCD1}">
+              <a14:hiddenFill xmlns:a14="http://schemas.microsoft.com/office/drawing/2010/main">
+                <a:solidFill>
+                  <a:schemeClr val="accent1"/>
+                </a:solidFill>
+              </a14:hiddenFill>
+            </a:ext>
+            <a:ext uri="{91240B29-F687-4F45-9708-019B960494DF}">
+              <a14:hiddenLine xmlns:a14="http://schemas.microsoft.com/office/drawing/2010/main" w="9525">
+                <a:solidFill>
+                  <a:schemeClr val="tx1"/>
+                </a:solidFill>
+                <a:miter lim="800000"/>
+                <a:headEnd/>
+                <a:tailEnd/>
+              </a14:hiddenLine>
+            </a:ext>
+          </a:extLst>
+        </p:spPr>
+      </p:pic>
+      <p:sp>
+        <p:nvSpPr>
+          <p:cNvPr id="6" name="Down Arrow 5"/>
+          <p:cNvSpPr/>
+          <p:nvPr/>
+        </p:nvSpPr>
+        <p:spPr>
+          <a:xfrm>
+            <a:off x="4953000" y="3657600"/>
+            <a:ext cx="533400" cy="533400"/>
+          </a:xfrm>
+          <a:prstGeom prst="downArrow">
+            <a:avLst/>
+          </a:prstGeom>
+          <a:noFill/>
+          <a:ln>
+            <a:solidFill>
+              <a:srgbClr val="FF0000"/>
+            </a:solidFill>
+          </a:ln>
+        </p:spPr>
+        <p:style>
+          <a:lnRef idx="2">
+            <a:schemeClr val="accent1">
+              <a:shade val="50000"/>
+            </a:schemeClr>
+          </a:lnRef>
+          <a:fillRef idx="1">
+            <a:schemeClr val="accent1"/>
+          </a:fillRef>
+          <a:effectRef idx="0">
+            <a:schemeClr val="accent1"/>
+          </a:effectRef>
+          <a:fontRef idx="minor">
+            <a:schemeClr val="lt1"/>
+          </a:fontRef>
+        </p:style>
+        <p:txBody>
+          <a:bodyPr rtlCol="0" anchor="ctr"/>
+          <a:lstStyle/>
+          <a:p>
+            <a:pPr algn="ctr"/>
+            <a:endParaRPr lang="en-US"/>
+          </a:p>
+        </p:txBody>
+      </p:sp>
+      <p:sp>
+        <p:nvSpPr>
+          <p:cNvPr id="7" name="TextBox 6"/>
+          <p:cNvSpPr txBox="1"/>
+          <p:nvPr/>
+        </p:nvSpPr>
+        <p:spPr>
+          <a:xfrm>
+            <a:off x="5546434" y="3739634"/>
+            <a:ext cx="1545167" cy="369332"/>
+          </a:xfrm>
+          <a:prstGeom prst="rect">
+            <a:avLst/>
+          </a:prstGeom>
+          <a:noFill/>
+        </p:spPr>
+        <p:txBody>
+          <a:bodyPr wrap="none" rtlCol="0">
+            <a:spAutoFit/>
+          </a:bodyPr>
+          <a:lstStyle/>
+          <a:p>
+            <a:r>
+              <a:rPr lang="en-US" dirty="0" smtClean="0"/>
+              <a:t>Drag and Drop</a:t>
+            </a:r>
+            <a:endParaRPr lang="en-US" dirty="0"/>
+          </a:p>
+        </p:txBody>
+      </p:sp>
+    </p:spTree>
+    <p:extLst>
+      <p:ext uri="{BB962C8B-B14F-4D97-AF65-F5344CB8AC3E}">
+        <p14:creationId xmlns:p14="http://schemas.microsoft.com/office/powerpoint/2010/main" val="3321005227"/>
+      </p:ext>
+    </p:extLst>
+  </p:cSld>
+  <p:clrMapOvr>
+    <a:masterClrMapping/>
+  </p:clrMapOvr>
+  <p:timing>
+    <p:tnLst>
+      <p:par>
+        <p:cTn id="1" dur="indefinite" restart="never" nodeType="tmRoot"/>
+      </p:par>
+    </p:tnLst>
+  </p:timing>
+</p:sld>
+</file>
+
+<file path=ppt/slides/slide49.xml><?xml version="1.0" encoding="utf-8"?>
+<p:sld xmlns:a="http://schemas.openxmlformats.org/drawingml/2006/main" xmlns:r="http://schemas.openxmlformats.org/officeDocument/2006/relationships" xmlns:p="http://schemas.openxmlformats.org/presentationml/2006/main">
+  <p:cSld>
+    <p:spTree>
+      <p:nvGrpSpPr>
+        <p:cNvPr id="1" name=""/>
+        <p:cNvGrpSpPr/>
+        <p:nvPr/>
+      </p:nvGrpSpPr>
+      <p:grpSpPr>
+        <a:xfrm>
+          <a:off x="0" y="0"/>
+          <a:ext cx="0" cy="0"/>
+          <a:chOff x="0" y="0"/>
+          <a:chExt cx="0" cy="0"/>
+        </a:xfrm>
+      </p:grpSpPr>
+      <p:sp>
+        <p:nvSpPr>
+          <p:cNvPr id="2" name="Title 1"/>
+          <p:cNvSpPr>
+            <a:spLocks noGrp="1"/>
+          </p:cNvSpPr>
+          <p:nvPr>
+            <p:ph type="title"/>
+          </p:nvPr>
+        </p:nvSpPr>
+        <p:spPr/>
+        <p:txBody>
+          <a:bodyPr/>
+          <a:lstStyle/>
+          <a:p>
+            <a:r>
+              <a:rPr lang="en-US" dirty="0" smtClean="0"/>
+              <a:t>Push</a:t>
+            </a:r>
+            <a:endParaRPr lang="en-US" dirty="0"/>
+          </a:p>
+        </p:txBody>
+      </p:sp>
+      <p:sp>
+        <p:nvSpPr>
+          <p:cNvPr id="3" name="Date Placeholder 2"/>
+          <p:cNvSpPr>
+            <a:spLocks noGrp="1"/>
+          </p:cNvSpPr>
+          <p:nvPr>
+            <p:ph type="dt" sz="half" idx="10"/>
+          </p:nvPr>
+        </p:nvSpPr>
+        <p:spPr/>
+        <p:txBody>
+          <a:bodyPr/>
+          <a:lstStyle/>
+          <a:p>
+            <a:fld id="{C04B6024-2702-49B2-98BA-BAE3D8979AA9}" type="datetime2">
+              <a:rPr lang="en-US" smtClean="0"/>
+              <a:t>Friday, May 02, 2014</a:t>
+            </a:fld>
+            <a:endParaRPr lang="en-US" dirty="0"/>
+          </a:p>
+        </p:txBody>
+      </p:sp>
+      <p:sp>
+        <p:nvSpPr>
+          <p:cNvPr id="4" name="Footer Placeholder 3"/>
+          <p:cNvSpPr>
+            <a:spLocks noGrp="1"/>
+          </p:cNvSpPr>
+          <p:nvPr>
+            <p:ph type="ftr" sz="quarter" idx="11"/>
+          </p:nvPr>
+        </p:nvSpPr>
+        <p:spPr/>
+        <p:txBody>
+          <a:bodyPr/>
+          <a:lstStyle/>
+          <a:p>
+            <a:r>
+              <a:rPr lang="en-US" smtClean="0"/>
+              <a:t>Palle Cogburn</a:t>
+            </a:r>
+            <a:endParaRPr lang="en-US" dirty="0"/>
+          </a:p>
+        </p:txBody>
+      </p:sp>
+      <p:sp>
+        <p:nvSpPr>
+          <p:cNvPr id="5" name="Slide Number Placeholder 4"/>
+          <p:cNvSpPr>
+            <a:spLocks noGrp="1"/>
+          </p:cNvSpPr>
+          <p:nvPr>
+            <p:ph type="sldNum" sz="quarter" idx="12"/>
+          </p:nvPr>
+        </p:nvSpPr>
+        <p:spPr/>
+        <p:txBody>
+          <a:bodyPr/>
+          <a:lstStyle/>
+          <a:p>
+            <a:fld id="{8CBEA7D5-4322-4BC9-B527-2F0B772A1C61}" type="slidenum">
+              <a:rPr lang="en-US" smtClean="0"/>
+              <a:t>49</a:t>
+            </a:fld>
+            <a:endParaRPr lang="en-US" dirty="0"/>
+          </a:p>
+        </p:txBody>
+      </p:sp>
+      <p:pic>
+        <p:nvPicPr>
+          <p:cNvPr id="6146" name="Picture 2"/>
+          <p:cNvPicPr>
+            <a:picLocks noChangeAspect="1" noChangeArrowheads="1"/>
+          </p:cNvPicPr>
+          <p:nvPr/>
+        </p:nvPicPr>
+        <p:blipFill>
+          <a:blip r:embed="rId2">
+            <a:extLst>
+              <a:ext uri="{28A0092B-C50C-407E-A947-70E740481C1C}">
+                <a14:useLocalDpi xmlns:a14="http://schemas.microsoft.com/office/drawing/2010/main" val="0"/>
+              </a:ext>
+            </a:extLst>
+          </a:blip>
+          <a:srcRect/>
+          <a:stretch>
+            <a:fillRect/>
+          </a:stretch>
+        </p:blipFill>
+        <p:spPr bwMode="auto">
+          <a:xfrm>
+            <a:off x="1981200" y="2266950"/>
+            <a:ext cx="5181600" cy="2324100"/>
+          </a:xfrm>
+          <a:prstGeom prst="rect">
+            <a:avLst/>
+          </a:prstGeom>
+          <a:noFill/>
+          <a:ln>
+            <a:noFill/>
+          </a:ln>
+          <a:extLst>
+            <a:ext uri="{909E8E84-426E-40DD-AFC4-6F175D3DCCD1}">
+              <a14:hiddenFill xmlns:a14="http://schemas.microsoft.com/office/drawing/2010/main">
+                <a:solidFill>
+                  <a:schemeClr val="accent1"/>
+                </a:solidFill>
+              </a14:hiddenFill>
+            </a:ext>
+            <a:ext uri="{91240B29-F687-4F45-9708-019B960494DF}">
+              <a14:hiddenLine xmlns:a14="http://schemas.microsoft.com/office/drawing/2010/main" w="9525">
+                <a:solidFill>
+                  <a:schemeClr val="tx1"/>
+                </a:solidFill>
+                <a:miter lim="800000"/>
+                <a:headEnd/>
+                <a:tailEnd/>
+              </a14:hiddenLine>
+            </a:ext>
+          </a:extLst>
+        </p:spPr>
+      </p:pic>
+    </p:spTree>
+    <p:extLst>
+      <p:ext uri="{BB962C8B-B14F-4D97-AF65-F5344CB8AC3E}">
+        <p14:creationId xmlns:p14="http://schemas.microsoft.com/office/powerpoint/2010/main" val="742504968"/>
+      </p:ext>
+    </p:extLst>
+  </p:cSld>
+  <p:clrMapOvr>
+    <a:masterClrMapping/>
+  </p:clrMapOvr>
+  <p:timing>
+    <p:tnLst>
+      <p:par>
+        <p:cTn id="1" dur="indefinite" restart="never" nodeType="tmRoot"/>
+      </p:par>
+    </p:tnLst>
+  </p:timing>
+</p:sld>
+</file>
+
 <file path=ppt/slides/slide5.xml><?xml version="1.0" encoding="utf-8"?>
 <p:sld xmlns:a="http://schemas.openxmlformats.org/drawingml/2006/main" xmlns:r="http://schemas.openxmlformats.org/officeDocument/2006/relationships" xmlns:p="http://schemas.openxmlformats.org/presentationml/2006/main">
   <p:cSld>
@@ -9672,7 +13592,7 @@
           <a:p>
             <a:fld id="{C04B6024-2702-49B2-98BA-BAE3D8979AA9}" type="datetime2">
               <a:rPr lang="en-US" smtClean="0"/>
-              <a:t>Monday, April 28, 2014</a:t>
+              <a:t>Friday, May 02, 2014</a:t>
             </a:fld>
             <a:endParaRPr lang="en-US" dirty="0"/>
           </a:p>
@@ -9798,6 +13718,372 @@
 </p:sld>
 </file>
 
+<file path=ppt/slides/slide50.xml><?xml version="1.0" encoding="utf-8"?>
+<p:sld xmlns:a="http://schemas.openxmlformats.org/drawingml/2006/main" xmlns:r="http://schemas.openxmlformats.org/officeDocument/2006/relationships" xmlns:p="http://schemas.openxmlformats.org/presentationml/2006/main">
+  <p:cSld>
+    <p:spTree>
+      <p:nvGrpSpPr>
+        <p:cNvPr id="1" name=""/>
+        <p:cNvGrpSpPr/>
+        <p:nvPr/>
+      </p:nvGrpSpPr>
+      <p:grpSpPr>
+        <a:xfrm>
+          <a:off x="0" y="0"/>
+          <a:ext cx="0" cy="0"/>
+          <a:chOff x="0" y="0"/>
+          <a:chExt cx="0" cy="0"/>
+        </a:xfrm>
+      </p:grpSpPr>
+      <p:sp>
+        <p:nvSpPr>
+          <p:cNvPr id="2" name="Title 1"/>
+          <p:cNvSpPr>
+            <a:spLocks noGrp="1"/>
+          </p:cNvSpPr>
+          <p:nvPr>
+            <p:ph type="title"/>
+          </p:nvPr>
+        </p:nvSpPr>
+        <p:spPr/>
+        <p:txBody>
+          <a:bodyPr/>
+          <a:lstStyle/>
+          <a:p>
+            <a:r>
+              <a:rPr lang="en-US" dirty="0" smtClean="0"/>
+              <a:t>Push</a:t>
+            </a:r>
+            <a:endParaRPr lang="en-US" dirty="0"/>
+          </a:p>
+        </p:txBody>
+      </p:sp>
+      <p:sp>
+        <p:nvSpPr>
+          <p:cNvPr id="3" name="Date Placeholder 2"/>
+          <p:cNvSpPr>
+            <a:spLocks noGrp="1"/>
+          </p:cNvSpPr>
+          <p:nvPr>
+            <p:ph type="dt" sz="half" idx="10"/>
+          </p:nvPr>
+        </p:nvSpPr>
+        <p:spPr/>
+        <p:txBody>
+          <a:bodyPr/>
+          <a:lstStyle/>
+          <a:p>
+            <a:fld id="{C04B6024-2702-49B2-98BA-BAE3D8979AA9}" type="datetime2">
+              <a:rPr lang="en-US" smtClean="0"/>
+              <a:t>Friday, May 02, 2014</a:t>
+            </a:fld>
+            <a:endParaRPr lang="en-US" dirty="0"/>
+          </a:p>
+        </p:txBody>
+      </p:sp>
+      <p:sp>
+        <p:nvSpPr>
+          <p:cNvPr id="4" name="Footer Placeholder 3"/>
+          <p:cNvSpPr>
+            <a:spLocks noGrp="1"/>
+          </p:cNvSpPr>
+          <p:nvPr>
+            <p:ph type="ftr" sz="quarter" idx="11"/>
+          </p:nvPr>
+        </p:nvSpPr>
+        <p:spPr/>
+        <p:txBody>
+          <a:bodyPr/>
+          <a:lstStyle/>
+          <a:p>
+            <a:r>
+              <a:rPr lang="en-US" smtClean="0"/>
+              <a:t>Palle Cogburn</a:t>
+            </a:r>
+            <a:endParaRPr lang="en-US" dirty="0"/>
+          </a:p>
+        </p:txBody>
+      </p:sp>
+      <p:sp>
+        <p:nvSpPr>
+          <p:cNvPr id="5" name="Slide Number Placeholder 4"/>
+          <p:cNvSpPr>
+            <a:spLocks noGrp="1"/>
+          </p:cNvSpPr>
+          <p:nvPr>
+            <p:ph type="sldNum" sz="quarter" idx="12"/>
+          </p:nvPr>
+        </p:nvSpPr>
+        <p:spPr/>
+        <p:txBody>
+          <a:bodyPr/>
+          <a:lstStyle/>
+          <a:p>
+            <a:fld id="{8CBEA7D5-4322-4BC9-B527-2F0B772A1C61}" type="slidenum">
+              <a:rPr lang="en-US" smtClean="0"/>
+              <a:t>50</a:t>
+            </a:fld>
+            <a:endParaRPr lang="en-US" dirty="0"/>
+          </a:p>
+        </p:txBody>
+      </p:sp>
+      <p:pic>
+        <p:nvPicPr>
+          <p:cNvPr id="7170" name="Picture 2"/>
+          <p:cNvPicPr>
+            <a:picLocks noChangeAspect="1" noChangeArrowheads="1"/>
+          </p:cNvPicPr>
+          <p:nvPr/>
+        </p:nvPicPr>
+        <p:blipFill>
+          <a:blip r:embed="rId2">
+            <a:extLst>
+              <a:ext uri="{28A0092B-C50C-407E-A947-70E740481C1C}">
+                <a14:useLocalDpi xmlns:a14="http://schemas.microsoft.com/office/drawing/2010/main" val="0"/>
+              </a:ext>
+            </a:extLst>
+          </a:blip>
+          <a:srcRect/>
+          <a:stretch>
+            <a:fillRect/>
+          </a:stretch>
+        </p:blipFill>
+        <p:spPr bwMode="auto">
+          <a:xfrm>
+            <a:off x="1385888" y="1524000"/>
+            <a:ext cx="6372225" cy="4362450"/>
+          </a:xfrm>
+          <a:prstGeom prst="rect">
+            <a:avLst/>
+          </a:prstGeom>
+          <a:noFill/>
+          <a:ln>
+            <a:noFill/>
+          </a:ln>
+          <a:extLst>
+            <a:ext uri="{909E8E84-426E-40DD-AFC4-6F175D3DCCD1}">
+              <a14:hiddenFill xmlns:a14="http://schemas.microsoft.com/office/drawing/2010/main">
+                <a:solidFill>
+                  <a:schemeClr val="accent1"/>
+                </a:solidFill>
+              </a14:hiddenFill>
+            </a:ext>
+            <a:ext uri="{91240B29-F687-4F45-9708-019B960494DF}">
+              <a14:hiddenLine xmlns:a14="http://schemas.microsoft.com/office/drawing/2010/main" w="9525">
+                <a:solidFill>
+                  <a:schemeClr val="tx1"/>
+                </a:solidFill>
+                <a:miter lim="800000"/>
+                <a:headEnd/>
+                <a:tailEnd/>
+              </a14:hiddenLine>
+            </a:ext>
+          </a:extLst>
+        </p:spPr>
+      </p:pic>
+    </p:spTree>
+    <p:extLst>
+      <p:ext uri="{BB962C8B-B14F-4D97-AF65-F5344CB8AC3E}">
+        <p14:creationId xmlns:p14="http://schemas.microsoft.com/office/powerpoint/2010/main" val="984467784"/>
+      </p:ext>
+    </p:extLst>
+  </p:cSld>
+  <p:clrMapOvr>
+    <a:masterClrMapping/>
+  </p:clrMapOvr>
+  <p:timing>
+    <p:tnLst>
+      <p:par>
+        <p:cTn id="1" dur="indefinite" restart="never" nodeType="tmRoot"/>
+      </p:par>
+    </p:tnLst>
+  </p:timing>
+</p:sld>
+</file>
+
+<file path=ppt/slides/slide51.xml><?xml version="1.0" encoding="utf-8"?>
+<p:sld xmlns:a="http://schemas.openxmlformats.org/drawingml/2006/main" xmlns:r="http://schemas.openxmlformats.org/officeDocument/2006/relationships" xmlns:p="http://schemas.openxmlformats.org/presentationml/2006/main">
+  <p:cSld>
+    <p:spTree>
+      <p:nvGrpSpPr>
+        <p:cNvPr id="1" name=""/>
+        <p:cNvGrpSpPr/>
+        <p:nvPr/>
+      </p:nvGrpSpPr>
+      <p:grpSpPr>
+        <a:xfrm>
+          <a:off x="0" y="0"/>
+          <a:ext cx="0" cy="0"/>
+          <a:chOff x="0" y="0"/>
+          <a:chExt cx="0" cy="0"/>
+        </a:xfrm>
+      </p:grpSpPr>
+      <p:sp>
+        <p:nvSpPr>
+          <p:cNvPr id="2" name="Title 1"/>
+          <p:cNvSpPr>
+            <a:spLocks noGrp="1"/>
+          </p:cNvSpPr>
+          <p:nvPr>
+            <p:ph type="title"/>
+          </p:nvPr>
+        </p:nvSpPr>
+        <p:spPr/>
+        <p:txBody>
+          <a:bodyPr/>
+          <a:lstStyle/>
+          <a:p>
+            <a:r>
+              <a:rPr lang="en-US" dirty="0" smtClean="0"/>
+              <a:t>And there it is!</a:t>
+            </a:r>
+            <a:endParaRPr lang="en-US" dirty="0"/>
+          </a:p>
+        </p:txBody>
+      </p:sp>
+      <p:sp>
+        <p:nvSpPr>
+          <p:cNvPr id="3" name="Date Placeholder 2"/>
+          <p:cNvSpPr>
+            <a:spLocks noGrp="1"/>
+          </p:cNvSpPr>
+          <p:nvPr>
+            <p:ph type="dt" sz="half" idx="10"/>
+          </p:nvPr>
+        </p:nvSpPr>
+        <p:spPr/>
+        <p:txBody>
+          <a:bodyPr/>
+          <a:lstStyle/>
+          <a:p>
+            <a:fld id="{C04B6024-2702-49B2-98BA-BAE3D8979AA9}" type="datetime2">
+              <a:rPr lang="en-US" smtClean="0"/>
+              <a:t>Friday, May 02, 2014</a:t>
+            </a:fld>
+            <a:endParaRPr lang="en-US" dirty="0"/>
+          </a:p>
+        </p:txBody>
+      </p:sp>
+      <p:sp>
+        <p:nvSpPr>
+          <p:cNvPr id="4" name="Footer Placeholder 3"/>
+          <p:cNvSpPr>
+            <a:spLocks noGrp="1"/>
+          </p:cNvSpPr>
+          <p:nvPr>
+            <p:ph type="ftr" sz="quarter" idx="11"/>
+          </p:nvPr>
+        </p:nvSpPr>
+        <p:spPr/>
+        <p:txBody>
+          <a:bodyPr/>
+          <a:lstStyle/>
+          <a:p>
+            <a:r>
+              <a:rPr lang="en-US" smtClean="0"/>
+              <a:t>Palle Cogburn</a:t>
+            </a:r>
+            <a:endParaRPr lang="en-US" dirty="0"/>
+          </a:p>
+        </p:txBody>
+      </p:sp>
+      <p:sp>
+        <p:nvSpPr>
+          <p:cNvPr id="5" name="Slide Number Placeholder 4"/>
+          <p:cNvSpPr>
+            <a:spLocks noGrp="1"/>
+          </p:cNvSpPr>
+          <p:nvPr>
+            <p:ph type="sldNum" sz="quarter" idx="12"/>
+          </p:nvPr>
+        </p:nvSpPr>
+        <p:spPr/>
+        <p:txBody>
+          <a:bodyPr/>
+          <a:lstStyle/>
+          <a:p>
+            <a:fld id="{8CBEA7D5-4322-4BC9-B527-2F0B772A1C61}" type="slidenum">
+              <a:rPr lang="en-US" smtClean="0"/>
+              <a:t>51</a:t>
+            </a:fld>
+            <a:endParaRPr lang="en-US" dirty="0"/>
+          </a:p>
+        </p:txBody>
+      </p:sp>
+      <p:pic>
+        <p:nvPicPr>
+          <p:cNvPr id="8194" name="Picture 2"/>
+          <p:cNvPicPr>
+            <a:picLocks noChangeAspect="1" noChangeArrowheads="1"/>
+          </p:cNvPicPr>
+          <p:nvPr/>
+        </p:nvPicPr>
+        <p:blipFill>
+          <a:blip r:embed="rId2">
+            <a:extLst>
+              <a:ext uri="{28A0092B-C50C-407E-A947-70E740481C1C}">
+                <a14:useLocalDpi xmlns:a14="http://schemas.microsoft.com/office/drawing/2010/main" val="0"/>
+              </a:ext>
+            </a:extLst>
+          </a:blip>
+          <a:srcRect/>
+          <a:stretch>
+            <a:fillRect/>
+          </a:stretch>
+        </p:blipFill>
+        <p:spPr bwMode="auto">
+          <a:xfrm>
+            <a:off x="131445" y="2039730"/>
+            <a:ext cx="8982075" cy="2927558"/>
+          </a:xfrm>
+          <a:prstGeom prst="rect">
+            <a:avLst/>
+          </a:prstGeom>
+          <a:noFill/>
+          <a:ln>
+            <a:noFill/>
+          </a:ln>
+          <a:extLst>
+            <a:ext uri="{909E8E84-426E-40DD-AFC4-6F175D3DCCD1}">
+              <a14:hiddenFill xmlns:a14="http://schemas.microsoft.com/office/drawing/2010/main">
+                <a:solidFill>
+                  <a:schemeClr val="accent1"/>
+                </a:solidFill>
+              </a14:hiddenFill>
+            </a:ext>
+            <a:ext uri="{91240B29-F687-4F45-9708-019B960494DF}">
+              <a14:hiddenLine xmlns:a14="http://schemas.microsoft.com/office/drawing/2010/main" w="9525">
+                <a:solidFill>
+                  <a:schemeClr val="tx1"/>
+                </a:solidFill>
+                <a:miter lim="800000"/>
+                <a:headEnd/>
+                <a:tailEnd/>
+              </a14:hiddenLine>
+            </a:ext>
+          </a:extLst>
+        </p:spPr>
+      </p:pic>
+    </p:spTree>
+    <p:extLst>
+      <p:ext uri="{BB962C8B-B14F-4D97-AF65-F5344CB8AC3E}">
+        <p14:creationId xmlns:p14="http://schemas.microsoft.com/office/powerpoint/2010/main" val="2195017932"/>
+      </p:ext>
+    </p:extLst>
+  </p:cSld>
+  <p:clrMapOvr>
+    <a:masterClrMapping/>
+  </p:clrMapOvr>
+  <p:timing>
+    <p:tnLst>
+      <p:par>
+        <p:cTn id="1" dur="indefinite" restart="never" nodeType="tmRoot"/>
+      </p:par>
+    </p:tnLst>
+  </p:timing>
+</p:sld>
+</file>
+
 <file path=ppt/slides/slide6.xml><?xml version="1.0" encoding="utf-8"?>
 <p:sld xmlns:a="http://schemas.openxmlformats.org/drawingml/2006/main" xmlns:r="http://schemas.openxmlformats.org/officeDocument/2006/relationships" xmlns:p="http://schemas.openxmlformats.org/presentationml/2006/main">
   <p:cSld>
@@ -9855,7 +14141,7 @@
           <a:p>
             <a:fld id="{C04B6024-2702-49B2-98BA-BAE3D8979AA9}" type="datetime2">
               <a:rPr lang="en-US" smtClean="0"/>
-              <a:t>Monday, April 28, 2014</a:t>
+              <a:t>Friday, May 02, 2014</a:t>
             </a:fld>
             <a:endParaRPr lang="en-US" dirty="0"/>
           </a:p>
@@ -10038,7 +14324,7 @@
           <a:p>
             <a:fld id="{C04B6024-2702-49B2-98BA-BAE3D8979AA9}" type="datetime2">
               <a:rPr lang="en-US" smtClean="0"/>
-              <a:t>Monday, April 28, 2014</a:t>
+              <a:t>Friday, May 02, 2014</a:t>
             </a:fld>
             <a:endParaRPr lang="en-US" dirty="0"/>
           </a:p>
@@ -10221,7 +14507,7 @@
           <a:p>
             <a:fld id="{C04B6024-2702-49B2-98BA-BAE3D8979AA9}" type="datetime2">
               <a:rPr lang="en-US" smtClean="0"/>
-              <a:t>Monday, April 28, 2014</a:t>
+              <a:t>Friday, May 02, 2014</a:t>
             </a:fld>
             <a:endParaRPr lang="en-US" dirty="0"/>
           </a:p>
@@ -10480,7 +14766,7 @@
           <a:p>
             <a:fld id="{4B9D5BC9-690F-4431-B77E-275FD5243899}" type="datetime2">
               <a:rPr lang="en-US" smtClean="0"/>
-              <a:t>Monday, April 28, 2014</a:t>
+              <a:t>Friday, May 02, 2014</a:t>
             </a:fld>
             <a:endParaRPr lang="en-US" dirty="0"/>
           </a:p>
